--- a/PromotingSoftwareReuseWithRAS/RASPUTIN.pptx
+++ b/PromotingSoftwareReuseWithRAS/RASPUTIN.pptx
@@ -1,13 +1,34 @@
 
 <file path=ppt/presentation.xml><?xml version="1.0" encoding="utf-8"?>
-<p:presentation xmlns:a="http://schemas.openxmlformats.org/drawingml/2006/main" xmlns:r="http://schemas.openxmlformats.org/officeDocument/2006/relationships" xmlns:p="http://schemas.openxmlformats.org/presentationml/2006/main" saveSubsetFonts="1">
+<p:presentation xmlns:a="http://schemas.openxmlformats.org/drawingml/2006/main" xmlns:r="http://schemas.openxmlformats.org/officeDocument/2006/relationships" xmlns:p="http://schemas.openxmlformats.org/presentationml/2006/main" showSpecialPlsOnTitleSld="0" saveSubsetFonts="1">
   <p:sldMasterIdLst>
     <p:sldMasterId id="2147483780" r:id="rId1"/>
   </p:sldMasterIdLst>
+  <p:notesMasterIdLst>
+    <p:notesMasterId r:id="rId23"/>
+  </p:notesMasterIdLst>
   <p:sldIdLst>
     <p:sldId id="256" r:id="rId2"/>
     <p:sldId id="257" r:id="rId3"/>
     <p:sldId id="258" r:id="rId4"/>
+    <p:sldId id="259" r:id="rId5"/>
+    <p:sldId id="260" r:id="rId6"/>
+    <p:sldId id="261" r:id="rId7"/>
+    <p:sldId id="262" r:id="rId8"/>
+    <p:sldId id="263" r:id="rId9"/>
+    <p:sldId id="264" r:id="rId10"/>
+    <p:sldId id="265" r:id="rId11"/>
+    <p:sldId id="266" r:id="rId12"/>
+    <p:sldId id="267" r:id="rId13"/>
+    <p:sldId id="268" r:id="rId14"/>
+    <p:sldId id="269" r:id="rId15"/>
+    <p:sldId id="270" r:id="rId16"/>
+    <p:sldId id="271" r:id="rId17"/>
+    <p:sldId id="272" r:id="rId18"/>
+    <p:sldId id="273" r:id="rId19"/>
+    <p:sldId id="274" r:id="rId20"/>
+    <p:sldId id="275" r:id="rId21"/>
+    <p:sldId id="276" r:id="rId22"/>
   </p:sldIdLst>
   <p:sldSz cx="9144000" cy="6858000" type="screen4x3"/>
   <p:notesSz cx="6858000" cy="9144000"/>
@@ -109,6 +130,353 @@
 </p:presentation>
 </file>
 
+<file path=ppt/notesMasters/notesMaster1.xml><?xml version="1.0" encoding="utf-8"?>
+<p:notesMaster xmlns:a="http://schemas.openxmlformats.org/drawingml/2006/main" xmlns:r="http://schemas.openxmlformats.org/officeDocument/2006/relationships" xmlns:p="http://schemas.openxmlformats.org/presentationml/2006/main">
+  <p:cSld>
+    <p:bg>
+      <p:bgRef idx="1001">
+        <a:schemeClr val="bg1"/>
+      </p:bgRef>
+    </p:bg>
+    <p:spTree>
+      <p:nvGrpSpPr>
+        <p:cNvPr id="1" name=""/>
+        <p:cNvGrpSpPr/>
+        <p:nvPr/>
+      </p:nvGrpSpPr>
+      <p:grpSpPr>
+        <a:xfrm>
+          <a:off x="0" y="0"/>
+          <a:ext cx="0" cy="0"/>
+          <a:chOff x="0" y="0"/>
+          <a:chExt cx="0" cy="0"/>
+        </a:xfrm>
+      </p:grpSpPr>
+      <p:sp>
+        <p:nvSpPr>
+          <p:cNvPr id="2" name="Espaço Reservado para Cabeçalho 1"/>
+          <p:cNvSpPr>
+            <a:spLocks noGrp="1"/>
+          </p:cNvSpPr>
+          <p:nvPr>
+            <p:ph type="hdr" sz="quarter"/>
+          </p:nvPr>
+        </p:nvSpPr>
+        <p:spPr>
+          <a:xfrm>
+            <a:off x="0" y="0"/>
+            <a:ext cx="2971800" cy="457200"/>
+          </a:xfrm>
+          <a:prstGeom prst="rect">
+            <a:avLst/>
+          </a:prstGeom>
+        </p:spPr>
+        <p:txBody>
+          <a:bodyPr vert="horz" lIns="91440" tIns="45720" rIns="91440" bIns="45720" rtlCol="0"/>
+          <a:lstStyle>
+            <a:lvl1pPr algn="l">
+              <a:defRPr sz="1200"/>
+            </a:lvl1pPr>
+          </a:lstStyle>
+          <a:p>
+            <a:endParaRPr lang="pt-BR"/>
+          </a:p>
+        </p:txBody>
+      </p:sp>
+      <p:sp>
+        <p:nvSpPr>
+          <p:cNvPr id="3" name="Espaço Reservado para Data 2"/>
+          <p:cNvSpPr>
+            <a:spLocks noGrp="1"/>
+          </p:cNvSpPr>
+          <p:nvPr>
+            <p:ph type="dt" idx="1"/>
+          </p:nvPr>
+        </p:nvSpPr>
+        <p:spPr>
+          <a:xfrm>
+            <a:off x="3884613" y="0"/>
+            <a:ext cx="2971800" cy="457200"/>
+          </a:xfrm>
+          <a:prstGeom prst="rect">
+            <a:avLst/>
+          </a:prstGeom>
+        </p:spPr>
+        <p:txBody>
+          <a:bodyPr vert="horz" lIns="91440" tIns="45720" rIns="91440" bIns="45720" rtlCol="0"/>
+          <a:lstStyle>
+            <a:lvl1pPr algn="r">
+              <a:defRPr sz="1200"/>
+            </a:lvl1pPr>
+          </a:lstStyle>
+          <a:p>
+            <a:fld id="{1CEB8204-BB8E-4014-A8A1-3409E73F8B21}" type="datetimeFigureOut">
+              <a:rPr lang="pt-BR" smtClean="0"/>
+              <a:t>02/07/2009</a:t>
+            </a:fld>
+            <a:endParaRPr lang="pt-BR"/>
+          </a:p>
+        </p:txBody>
+      </p:sp>
+      <p:sp>
+        <p:nvSpPr>
+          <p:cNvPr id="4" name="Espaço Reservado para Imagem de Slide 3"/>
+          <p:cNvSpPr>
+            <a:spLocks noGrp="1" noRot="1" noChangeAspect="1"/>
+          </p:cNvSpPr>
+          <p:nvPr>
+            <p:ph type="sldImg" idx="2"/>
+          </p:nvPr>
+        </p:nvSpPr>
+        <p:spPr>
+          <a:xfrm>
+            <a:off x="1143000" y="685800"/>
+            <a:ext cx="4572000" cy="3429000"/>
+          </a:xfrm>
+          <a:prstGeom prst="rect">
+            <a:avLst/>
+          </a:prstGeom>
+          <a:noFill/>
+          <a:ln w="12700">
+            <a:solidFill>
+              <a:prstClr val="black"/>
+            </a:solidFill>
+          </a:ln>
+        </p:spPr>
+        <p:txBody>
+          <a:bodyPr vert="horz" lIns="91440" tIns="45720" rIns="91440" bIns="45720" rtlCol="0" anchor="ctr"/>
+          <a:lstStyle/>
+          <a:p>
+            <a:endParaRPr lang="pt-BR"/>
+          </a:p>
+        </p:txBody>
+      </p:sp>
+      <p:sp>
+        <p:nvSpPr>
+          <p:cNvPr id="5" name="Espaço Reservado para Anotações 4"/>
+          <p:cNvSpPr>
+            <a:spLocks noGrp="1"/>
+          </p:cNvSpPr>
+          <p:nvPr>
+            <p:ph type="body" sz="quarter" idx="3"/>
+          </p:nvPr>
+        </p:nvSpPr>
+        <p:spPr>
+          <a:xfrm>
+            <a:off x="685800" y="4343400"/>
+            <a:ext cx="5486400" cy="4114800"/>
+          </a:xfrm>
+          <a:prstGeom prst="rect">
+            <a:avLst/>
+          </a:prstGeom>
+        </p:spPr>
+        <p:txBody>
+          <a:bodyPr vert="horz" lIns="91440" tIns="45720" rIns="91440" bIns="45720" rtlCol="0">
+            <a:normAutofit/>
+          </a:bodyPr>
+          <a:lstStyle/>
+          <a:p>
+            <a:pPr lvl="0"/>
+            <a:r>
+              <a:rPr lang="pt-BR" smtClean="0"/>
+              <a:t>Clique para editar os estilos do texto mestre</a:t>
+            </a:r>
+          </a:p>
+          <a:p>
+            <a:pPr lvl="1"/>
+            <a:r>
+              <a:rPr lang="pt-BR" smtClean="0"/>
+              <a:t>Segundo nível</a:t>
+            </a:r>
+          </a:p>
+          <a:p>
+            <a:pPr lvl="2"/>
+            <a:r>
+              <a:rPr lang="pt-BR" smtClean="0"/>
+              <a:t>Terceiro nível</a:t>
+            </a:r>
+          </a:p>
+          <a:p>
+            <a:pPr lvl="3"/>
+            <a:r>
+              <a:rPr lang="pt-BR" smtClean="0"/>
+              <a:t>Quarto nível</a:t>
+            </a:r>
+          </a:p>
+          <a:p>
+            <a:pPr lvl="4"/>
+            <a:r>
+              <a:rPr lang="pt-BR" smtClean="0"/>
+              <a:t>Quinto nível</a:t>
+            </a:r>
+            <a:endParaRPr lang="pt-BR"/>
+          </a:p>
+        </p:txBody>
+      </p:sp>
+      <p:sp>
+        <p:nvSpPr>
+          <p:cNvPr id="6" name="Espaço Reservado para Rodapé 5"/>
+          <p:cNvSpPr>
+            <a:spLocks noGrp="1"/>
+          </p:cNvSpPr>
+          <p:nvPr>
+            <p:ph type="ftr" sz="quarter" idx="4"/>
+          </p:nvPr>
+        </p:nvSpPr>
+        <p:spPr>
+          <a:xfrm>
+            <a:off x="0" y="8685213"/>
+            <a:ext cx="2971800" cy="457200"/>
+          </a:xfrm>
+          <a:prstGeom prst="rect">
+            <a:avLst/>
+          </a:prstGeom>
+        </p:spPr>
+        <p:txBody>
+          <a:bodyPr vert="horz" lIns="91440" tIns="45720" rIns="91440" bIns="45720" rtlCol="0" anchor="b"/>
+          <a:lstStyle>
+            <a:lvl1pPr algn="l">
+              <a:defRPr sz="1200"/>
+            </a:lvl1pPr>
+          </a:lstStyle>
+          <a:p>
+            <a:endParaRPr lang="pt-BR"/>
+          </a:p>
+        </p:txBody>
+      </p:sp>
+      <p:sp>
+        <p:nvSpPr>
+          <p:cNvPr id="7" name="Espaço Reservado para Número de Slide 6"/>
+          <p:cNvSpPr>
+            <a:spLocks noGrp="1"/>
+          </p:cNvSpPr>
+          <p:nvPr>
+            <p:ph type="sldNum" sz="quarter" idx="5"/>
+          </p:nvPr>
+        </p:nvSpPr>
+        <p:spPr>
+          <a:xfrm>
+            <a:off x="3884613" y="8685213"/>
+            <a:ext cx="2971800" cy="457200"/>
+          </a:xfrm>
+          <a:prstGeom prst="rect">
+            <a:avLst/>
+          </a:prstGeom>
+        </p:spPr>
+        <p:txBody>
+          <a:bodyPr vert="horz" lIns="91440" tIns="45720" rIns="91440" bIns="45720" rtlCol="0" anchor="b"/>
+          <a:lstStyle>
+            <a:lvl1pPr algn="r">
+              <a:defRPr sz="1200"/>
+            </a:lvl1pPr>
+          </a:lstStyle>
+          <a:p>
+            <a:fld id="{078CAFBE-1723-4D65-B7E0-2244CFEFD7CF}" type="slidenum">
+              <a:rPr lang="pt-BR" smtClean="0"/>
+              <a:t>‹nº›</a:t>
+            </a:fld>
+            <a:endParaRPr lang="pt-BR"/>
+          </a:p>
+        </p:txBody>
+      </p:sp>
+    </p:spTree>
+  </p:cSld>
+  <p:clrMap bg1="lt1" tx1="dk1" bg2="lt2" tx2="dk2" accent1="accent1" accent2="accent2" accent3="accent3" accent4="accent4" accent5="accent5" accent6="accent6" hlink="hlink" folHlink="folHlink"/>
+  <p:notesStyle>
+    <a:lvl1pPr marL="0" algn="l" defTabSz="914400" rtl="0" eaLnBrk="1" latinLnBrk="0" hangingPunct="1">
+      <a:defRPr sz="1200" kern="1200">
+        <a:solidFill>
+          <a:schemeClr val="tx1"/>
+        </a:solidFill>
+        <a:latin typeface="+mn-lt"/>
+        <a:ea typeface="+mn-ea"/>
+        <a:cs typeface="+mn-cs"/>
+      </a:defRPr>
+    </a:lvl1pPr>
+    <a:lvl2pPr marL="457200" algn="l" defTabSz="914400" rtl="0" eaLnBrk="1" latinLnBrk="0" hangingPunct="1">
+      <a:defRPr sz="1200" kern="1200">
+        <a:solidFill>
+          <a:schemeClr val="tx1"/>
+        </a:solidFill>
+        <a:latin typeface="+mn-lt"/>
+        <a:ea typeface="+mn-ea"/>
+        <a:cs typeface="+mn-cs"/>
+      </a:defRPr>
+    </a:lvl2pPr>
+    <a:lvl3pPr marL="914400" algn="l" defTabSz="914400" rtl="0" eaLnBrk="1" latinLnBrk="0" hangingPunct="1">
+      <a:defRPr sz="1200" kern="1200">
+        <a:solidFill>
+          <a:schemeClr val="tx1"/>
+        </a:solidFill>
+        <a:latin typeface="+mn-lt"/>
+        <a:ea typeface="+mn-ea"/>
+        <a:cs typeface="+mn-cs"/>
+      </a:defRPr>
+    </a:lvl3pPr>
+    <a:lvl4pPr marL="1371600" algn="l" defTabSz="914400" rtl="0" eaLnBrk="1" latinLnBrk="0" hangingPunct="1">
+      <a:defRPr sz="1200" kern="1200">
+        <a:solidFill>
+          <a:schemeClr val="tx1"/>
+        </a:solidFill>
+        <a:latin typeface="+mn-lt"/>
+        <a:ea typeface="+mn-ea"/>
+        <a:cs typeface="+mn-cs"/>
+      </a:defRPr>
+    </a:lvl4pPr>
+    <a:lvl5pPr marL="1828800" algn="l" defTabSz="914400" rtl="0" eaLnBrk="1" latinLnBrk="0" hangingPunct="1">
+      <a:defRPr sz="1200" kern="1200">
+        <a:solidFill>
+          <a:schemeClr val="tx1"/>
+        </a:solidFill>
+        <a:latin typeface="+mn-lt"/>
+        <a:ea typeface="+mn-ea"/>
+        <a:cs typeface="+mn-cs"/>
+      </a:defRPr>
+    </a:lvl5pPr>
+    <a:lvl6pPr marL="2286000" algn="l" defTabSz="914400" rtl="0" eaLnBrk="1" latinLnBrk="0" hangingPunct="1">
+      <a:defRPr sz="1200" kern="1200">
+        <a:solidFill>
+          <a:schemeClr val="tx1"/>
+        </a:solidFill>
+        <a:latin typeface="+mn-lt"/>
+        <a:ea typeface="+mn-ea"/>
+        <a:cs typeface="+mn-cs"/>
+      </a:defRPr>
+    </a:lvl6pPr>
+    <a:lvl7pPr marL="2743200" algn="l" defTabSz="914400" rtl="0" eaLnBrk="1" latinLnBrk="0" hangingPunct="1">
+      <a:defRPr sz="1200" kern="1200">
+        <a:solidFill>
+          <a:schemeClr val="tx1"/>
+        </a:solidFill>
+        <a:latin typeface="+mn-lt"/>
+        <a:ea typeface="+mn-ea"/>
+        <a:cs typeface="+mn-cs"/>
+      </a:defRPr>
+    </a:lvl7pPr>
+    <a:lvl8pPr marL="3200400" algn="l" defTabSz="914400" rtl="0" eaLnBrk="1" latinLnBrk="0" hangingPunct="1">
+      <a:defRPr sz="1200" kern="1200">
+        <a:solidFill>
+          <a:schemeClr val="tx1"/>
+        </a:solidFill>
+        <a:latin typeface="+mn-lt"/>
+        <a:ea typeface="+mn-ea"/>
+        <a:cs typeface="+mn-cs"/>
+      </a:defRPr>
+    </a:lvl8pPr>
+    <a:lvl9pPr marL="3657600" algn="l" defTabSz="914400" rtl="0" eaLnBrk="1" latinLnBrk="0" hangingPunct="1">
+      <a:defRPr sz="1200" kern="1200">
+        <a:solidFill>
+          <a:schemeClr val="tx1"/>
+        </a:solidFill>
+        <a:latin typeface="+mn-lt"/>
+        <a:ea typeface="+mn-ea"/>
+        <a:cs typeface="+mn-cs"/>
+      </a:defRPr>
+    </a:lvl9pPr>
+  </p:notesStyle>
+</p:notesMaster>
+</file>
+
 <file path=ppt/slideLayouts/slideLayout1.xml><?xml version="1.0" encoding="utf-8"?>
 <p:sldLayout xmlns:a="http://schemas.openxmlformats.org/drawingml/2006/main" xmlns:r="http://schemas.openxmlformats.org/officeDocument/2006/relationships" xmlns:p="http://schemas.openxmlformats.org/presentationml/2006/main" showMasterSp="0" type="title" preserve="1">
   <p:cSld name="Slide de título">
@@ -244,10 +612,10 @@
           <a:bodyPr/>
           <a:lstStyle/>
           <a:p>
-            <a:fld id="{EB7948CC-F6C5-443E-99CA-6CC93C2D6090}" type="datetimeFigureOut">
-              <a:rPr lang="pt-BR" smtClean="0"/>
-              <a:t>29/06/2009</a:t>
-            </a:fld>
+            <a:r>
+              <a:rPr lang="pt-BR" smtClean="0"/>
+              <a:t>06/07/2009</a:t>
+            </a:r>
             <a:endParaRPr lang="pt-BR"/>
           </a:p>
         </p:txBody>
@@ -272,6 +640,10 @@
           <a:bodyPr/>
           <a:lstStyle/>
           <a:p>
+            <a:r>
+              <a:rPr lang="pt-BR" smtClean="0"/>
+              <a:t>RASPUTIN</a:t>
+            </a:r>
             <a:endParaRPr lang="pt-BR"/>
           </a:p>
         </p:txBody>
@@ -992,6 +1364,7 @@
           <a:p>
             <a:fld id="{B21CF4C9-8548-403D-AA12-946ABD2FAD03}" type="slidenum">
               <a:rPr lang="pt-BR" smtClean="0"/>
+              <a:pPr/>
               <a:t>‹nº›</a:t>
             </a:fld>
             <a:endParaRPr lang="pt-BR"/>
@@ -1113,10 +1486,10 @@
           <a:bodyPr/>
           <a:lstStyle/>
           <a:p>
-            <a:fld id="{EB7948CC-F6C5-443E-99CA-6CC93C2D6090}" type="datetimeFigureOut">
-              <a:rPr lang="pt-BR" smtClean="0"/>
-              <a:t>29/06/2009</a:t>
-            </a:fld>
+            <a:r>
+              <a:rPr lang="pt-BR" smtClean="0"/>
+              <a:t>06/07/2009</a:t>
+            </a:r>
             <a:endParaRPr lang="pt-BR"/>
           </a:p>
         </p:txBody>
@@ -1136,6 +1509,10 @@
           <a:bodyPr/>
           <a:lstStyle/>
           <a:p>
+            <a:r>
+              <a:rPr lang="pt-BR" smtClean="0"/>
+              <a:t>RASPUTIN</a:t>
+            </a:r>
             <a:endParaRPr lang="pt-BR"/>
           </a:p>
         </p:txBody>
@@ -1157,6 +1534,7 @@
           <a:p>
             <a:fld id="{B21CF4C9-8548-403D-AA12-946ABD2FAD03}" type="slidenum">
               <a:rPr lang="pt-BR" smtClean="0"/>
+              <a:pPr/>
               <a:t>‹nº›</a:t>
             </a:fld>
             <a:endParaRPr lang="pt-BR"/>
@@ -1288,10 +1666,10 @@
           <a:bodyPr/>
           <a:lstStyle/>
           <a:p>
-            <a:fld id="{EB7948CC-F6C5-443E-99CA-6CC93C2D6090}" type="datetimeFigureOut">
-              <a:rPr lang="pt-BR" smtClean="0"/>
-              <a:t>29/06/2009</a:t>
-            </a:fld>
+            <a:r>
+              <a:rPr lang="pt-BR" smtClean="0"/>
+              <a:t>06/07/2009</a:t>
+            </a:r>
             <a:endParaRPr lang="pt-BR"/>
           </a:p>
         </p:txBody>
@@ -1311,6 +1689,10 @@
           <a:bodyPr/>
           <a:lstStyle/>
           <a:p>
+            <a:r>
+              <a:rPr lang="pt-BR" smtClean="0"/>
+              <a:t>RASPUTIN</a:t>
+            </a:r>
             <a:endParaRPr lang="pt-BR"/>
           </a:p>
         </p:txBody>
@@ -1332,6 +1714,7 @@
           <a:p>
             <a:fld id="{B21CF4C9-8548-403D-AA12-946ABD2FAD03}" type="slidenum">
               <a:rPr lang="pt-BR" smtClean="0"/>
+              <a:pPr/>
               <a:t>‹nº›</a:t>
             </a:fld>
             <a:endParaRPr lang="pt-BR"/>
@@ -1458,10 +1841,10 @@
           <a:bodyPr rtlCol="0"/>
           <a:lstStyle/>
           <a:p>
-            <a:fld id="{EB7948CC-F6C5-443E-99CA-6CC93C2D6090}" type="datetimeFigureOut">
-              <a:rPr lang="pt-BR" smtClean="0"/>
-              <a:t>29/06/2009</a:t>
-            </a:fld>
+            <a:r>
+              <a:rPr lang="pt-BR" smtClean="0"/>
+              <a:t>06/07/2009</a:t>
+            </a:r>
             <a:endParaRPr lang="pt-BR"/>
           </a:p>
         </p:txBody>
@@ -1483,9 +1866,10 @@
           <a:p>
             <a:fld id="{B21CF4C9-8548-403D-AA12-946ABD2FAD03}" type="slidenum">
               <a:rPr lang="pt-BR" smtClean="0"/>
+              <a:pPr/>
               <a:t>‹nº›</a:t>
             </a:fld>
-            <a:endParaRPr lang="pt-BR"/>
+            <a:endParaRPr lang="pt-BR" dirty="0"/>
           </a:p>
         </p:txBody>
       </p:sp>
@@ -1504,6 +1888,10 @@
           <a:bodyPr rtlCol="0"/>
           <a:lstStyle/>
           <a:p>
+            <a:r>
+              <a:rPr lang="pt-BR" smtClean="0"/>
+              <a:t>RASPUTIN</a:t>
+            </a:r>
             <a:endParaRPr lang="pt-BR"/>
           </a:p>
         </p:txBody>
@@ -1668,10 +2056,10 @@
           <a:bodyPr/>
           <a:lstStyle/>
           <a:p>
-            <a:fld id="{EB7948CC-F6C5-443E-99CA-6CC93C2D6090}" type="datetimeFigureOut">
-              <a:rPr lang="pt-BR" smtClean="0"/>
-              <a:t>29/06/2009</a:t>
-            </a:fld>
+            <a:r>
+              <a:rPr lang="pt-BR" smtClean="0"/>
+              <a:t>06/07/2009</a:t>
+            </a:r>
             <a:endParaRPr lang="pt-BR"/>
           </a:p>
         </p:txBody>
@@ -1696,6 +2084,10 @@
           <a:bodyPr/>
           <a:lstStyle/>
           <a:p>
+            <a:r>
+              <a:rPr lang="pt-BR" smtClean="0"/>
+              <a:t>RASPUTIN</a:t>
+            </a:r>
             <a:endParaRPr lang="pt-BR"/>
           </a:p>
         </p:txBody>
@@ -2413,6 +2805,7 @@
           <a:p>
             <a:fld id="{B21CF4C9-8548-403D-AA12-946ABD2FAD03}" type="slidenum">
               <a:rPr lang="pt-BR" smtClean="0"/>
+              <a:pPr/>
               <a:t>‹nº›</a:t>
             </a:fld>
             <a:endParaRPr lang="pt-BR"/>
@@ -2482,10 +2875,10 @@
           <a:bodyPr/>
           <a:lstStyle/>
           <a:p>
-            <a:fld id="{EB7948CC-F6C5-443E-99CA-6CC93C2D6090}" type="datetimeFigureOut">
-              <a:rPr lang="pt-BR" smtClean="0"/>
-              <a:t>29/06/2009</a:t>
-            </a:fld>
+            <a:r>
+              <a:rPr lang="pt-BR" smtClean="0"/>
+              <a:t>06/07/2009</a:t>
+            </a:r>
             <a:endParaRPr lang="pt-BR"/>
           </a:p>
         </p:txBody>
@@ -2505,6 +2898,10 @@
           <a:bodyPr/>
           <a:lstStyle/>
           <a:p>
+            <a:r>
+              <a:rPr lang="pt-BR" smtClean="0"/>
+              <a:t>RASPUTIN</a:t>
+            </a:r>
             <a:endParaRPr lang="pt-BR"/>
           </a:p>
         </p:txBody>
@@ -2526,6 +2923,7 @@
           <a:p>
             <a:fld id="{B21CF4C9-8548-403D-AA12-946ABD2FAD03}" type="slidenum">
               <a:rPr lang="pt-BR" smtClean="0"/>
+              <a:pPr/>
               <a:t>‹nº›</a:t>
             </a:fld>
             <a:endParaRPr lang="pt-BR"/>
@@ -2718,10 +3116,10 @@
           <a:bodyPr/>
           <a:lstStyle/>
           <a:p>
-            <a:fld id="{EB7948CC-F6C5-443E-99CA-6CC93C2D6090}" type="datetimeFigureOut">
-              <a:rPr lang="pt-BR" smtClean="0"/>
-              <a:t>29/06/2009</a:t>
-            </a:fld>
+            <a:r>
+              <a:rPr lang="pt-BR" smtClean="0"/>
+              <a:t>06/07/2009</a:t>
+            </a:r>
             <a:endParaRPr lang="pt-BR"/>
           </a:p>
         </p:txBody>
@@ -2741,6 +3139,10 @@
           <a:bodyPr/>
           <a:lstStyle/>
           <a:p>
+            <a:r>
+              <a:rPr lang="pt-BR" smtClean="0"/>
+              <a:t>RASPUTIN</a:t>
+            </a:r>
             <a:endParaRPr lang="pt-BR"/>
           </a:p>
         </p:txBody>
@@ -2762,6 +3164,7 @@
           <a:p>
             <a:fld id="{B21CF4C9-8548-403D-AA12-946ABD2FAD03}" type="slidenum">
               <a:rPr lang="pt-BR" smtClean="0"/>
+              <a:pPr/>
               <a:t>‹nº›</a:t>
             </a:fld>
             <a:endParaRPr lang="pt-BR"/>
@@ -3041,10 +3444,10 @@
           <a:bodyPr rtlCol="0"/>
           <a:lstStyle/>
           <a:p>
-            <a:fld id="{EB7948CC-F6C5-443E-99CA-6CC93C2D6090}" type="datetimeFigureOut">
-              <a:rPr lang="pt-BR" smtClean="0"/>
-              <a:t>29/06/2009</a:t>
-            </a:fld>
+            <a:r>
+              <a:rPr lang="pt-BR" smtClean="0"/>
+              <a:t>06/07/2009</a:t>
+            </a:r>
             <a:endParaRPr lang="pt-BR"/>
           </a:p>
         </p:txBody>
@@ -3066,6 +3469,7 @@
           <a:p>
             <a:fld id="{B21CF4C9-8548-403D-AA12-946ABD2FAD03}" type="slidenum">
               <a:rPr lang="pt-BR" smtClean="0"/>
+              <a:pPr/>
               <a:t>‹nº›</a:t>
             </a:fld>
             <a:endParaRPr lang="pt-BR"/>
@@ -3087,6 +3491,10 @@
           <a:bodyPr rtlCol="0"/>
           <a:lstStyle/>
           <a:p>
+            <a:r>
+              <a:rPr lang="pt-BR" smtClean="0"/>
+              <a:t>RASPUTIN</a:t>
+            </a:r>
             <a:endParaRPr lang="pt-BR"/>
           </a:p>
         </p:txBody>
@@ -3131,10 +3539,10 @@
           <a:bodyPr/>
           <a:lstStyle/>
           <a:p>
-            <a:fld id="{EB7948CC-F6C5-443E-99CA-6CC93C2D6090}" type="datetimeFigureOut">
-              <a:rPr lang="pt-BR" smtClean="0"/>
-              <a:t>29/06/2009</a:t>
-            </a:fld>
+            <a:r>
+              <a:rPr lang="pt-BR" smtClean="0"/>
+              <a:t>06/07/2009</a:t>
+            </a:r>
             <a:endParaRPr lang="pt-BR"/>
           </a:p>
         </p:txBody>
@@ -3154,6 +3562,10 @@
           <a:bodyPr/>
           <a:lstStyle/>
           <a:p>
+            <a:r>
+              <a:rPr lang="pt-BR" smtClean="0"/>
+              <a:t>RASPUTIN</a:t>
+            </a:r>
             <a:endParaRPr lang="pt-BR"/>
           </a:p>
         </p:txBody>
@@ -3175,6 +3587,7 @@
           <a:p>
             <a:fld id="{B21CF4C9-8548-403D-AA12-946ABD2FAD03}" type="slidenum">
               <a:rPr lang="pt-BR" smtClean="0"/>
+              <a:pPr/>
               <a:t>‹nº›</a:t>
             </a:fld>
             <a:endParaRPr lang="pt-BR"/>
@@ -3648,10 +4061,10 @@
           <a:bodyPr rtlCol="0"/>
           <a:lstStyle/>
           <a:p>
-            <a:fld id="{EB7948CC-F6C5-443E-99CA-6CC93C2D6090}" type="datetimeFigureOut">
-              <a:rPr lang="pt-BR" smtClean="0"/>
-              <a:t>29/06/2009</a:t>
-            </a:fld>
+            <a:r>
+              <a:rPr lang="pt-BR" smtClean="0"/>
+              <a:t>06/07/2009</a:t>
+            </a:r>
             <a:endParaRPr lang="pt-BR"/>
           </a:p>
         </p:txBody>
@@ -3673,6 +4086,7 @@
           <a:p>
             <a:fld id="{B21CF4C9-8548-403D-AA12-946ABD2FAD03}" type="slidenum">
               <a:rPr lang="pt-BR" smtClean="0"/>
+              <a:pPr/>
               <a:t>‹nº›</a:t>
             </a:fld>
             <a:endParaRPr lang="pt-BR"/>
@@ -3694,6 +4108,10 @@
           <a:bodyPr rtlCol="0"/>
           <a:lstStyle/>
           <a:p>
+            <a:r>
+              <a:rPr lang="pt-BR" smtClean="0"/>
+              <a:t>RASPUTIN</a:t>
+            </a:r>
             <a:endParaRPr lang="pt-BR"/>
           </a:p>
         </p:txBody>
@@ -4159,10 +4577,10 @@
           <a:bodyPr rtlCol="0"/>
           <a:lstStyle/>
           <a:p>
-            <a:fld id="{EB7948CC-F6C5-443E-99CA-6CC93C2D6090}" type="datetimeFigureOut">
-              <a:rPr lang="pt-BR" smtClean="0"/>
-              <a:t>29/06/2009</a:t>
-            </a:fld>
+            <a:r>
+              <a:rPr lang="pt-BR" smtClean="0"/>
+              <a:t>06/07/2009</a:t>
+            </a:r>
             <a:endParaRPr lang="pt-BR"/>
           </a:p>
         </p:txBody>
@@ -4184,6 +4602,7 @@
           <a:p>
             <a:fld id="{B21CF4C9-8548-403D-AA12-946ABD2FAD03}" type="slidenum">
               <a:rPr lang="pt-BR" smtClean="0"/>
+              <a:pPr/>
               <a:t>‹nº›</a:t>
             </a:fld>
             <a:endParaRPr lang="pt-BR"/>
@@ -4205,6 +4624,10 @@
           <a:bodyPr rtlCol="0"/>
           <a:lstStyle/>
           <a:p>
+            <a:r>
+              <a:rPr lang="pt-BR" smtClean="0"/>
+              <a:t>RASPUTIN</a:t>
+            </a:r>
             <a:endParaRPr lang="pt-BR"/>
           </a:p>
         </p:txBody>
@@ -4404,10 +4827,10 @@
             </a:lvl1pPr>
           </a:lstStyle>
           <a:p>
-            <a:fld id="{EB7948CC-F6C5-443E-99CA-6CC93C2D6090}" type="datetimeFigureOut">
-              <a:rPr lang="pt-BR" smtClean="0"/>
-              <a:t>29/06/2009</a:t>
-            </a:fld>
+            <a:r>
+              <a:rPr lang="pt-BR" smtClean="0"/>
+              <a:t>06/07/2009</a:t>
+            </a:r>
             <a:endParaRPr lang="pt-BR"/>
           </a:p>
         </p:txBody>
@@ -4443,6 +4866,10 @@
             </a:lvl1pPr>
           </a:lstStyle>
           <a:p>
+            <a:r>
+              <a:rPr lang="pt-BR" smtClean="0"/>
+              <a:t>RASPUTIN</a:t>
+            </a:r>
             <a:endParaRPr lang="pt-BR"/>
           </a:p>
         </p:txBody>
@@ -4682,6 +5109,7 @@
           <a:p>
             <a:fld id="{B21CF4C9-8548-403D-AA12-946ABD2FAD03}" type="slidenum">
               <a:rPr lang="pt-BR" smtClean="0"/>
+              <a:pPr/>
               <a:t>‹nº›</a:t>
             </a:fld>
             <a:endParaRPr lang="pt-BR"/>
@@ -4704,6 +5132,7 @@
     <p:sldLayoutId id="2147483790" r:id="rId10"/>
     <p:sldLayoutId id="2147483791" r:id="rId11"/>
   </p:sldLayoutIdLst>
+  <p:hf hdr="0"/>
   <p:txStyles>
     <p:titleStyle>
       <a:lvl1pPr algn="l" rtl="0" eaLnBrk="1" latinLnBrk="0" hangingPunct="1">
@@ -5023,13 +5452,47 @@
         </p:nvSpPr>
         <p:spPr/>
         <p:txBody>
-          <a:bodyPr/>
-          <a:lstStyle/>
-          <a:p>
+          <a:bodyPr>
+            <a:normAutofit fontScale="90000"/>
+          </a:bodyPr>
+          <a:lstStyle/>
+          <a:p>
+            <a:r>
+              <a:rPr lang="pt-BR" sz="4400" dirty="0" smtClean="0"/>
+              <a:t>RASPUTIN</a:t>
+            </a:r>
             <a:r>
               <a:rPr lang="pt-BR" dirty="0" smtClean="0"/>
-              <a:t>RASPUTIN</a:t>
-            </a:r>
+              <a:t/>
+            </a:r>
+            <a:br>
+              <a:rPr lang="pt-BR" dirty="0" smtClean="0"/>
+            </a:br>
+            <a:r>
+              <a:rPr lang="pt-BR" sz="3100" dirty="0" smtClean="0"/>
+              <a:t>Promovendo o Reuso de Software </a:t>
+            </a:r>
+            <a:br>
+              <a:rPr lang="pt-BR" sz="3100" dirty="0" smtClean="0"/>
+            </a:br>
+            <a:r>
+              <a:rPr lang="pt-BR" sz="3100" dirty="0" smtClean="0"/>
+              <a:t>Através do Padrão RAS</a:t>
+            </a:r>
+            <a:r>
+              <a:rPr lang="pt-BR" dirty="0" smtClean="0"/>
+              <a:t/>
+            </a:r>
+            <a:br>
+              <a:rPr lang="pt-BR" dirty="0" smtClean="0"/>
+            </a:br>
+            <a:r>
+              <a:rPr lang="pt-BR" dirty="0" smtClean="0"/>
+              <a:t/>
+            </a:r>
+            <a:br>
+              <a:rPr lang="pt-BR" dirty="0" smtClean="0"/>
+            </a:br>
             <a:endParaRPr lang="pt-BR" dirty="0"/>
           </a:p>
         </p:txBody>
@@ -5053,9 +5516,1365 @@
           <a:p>
             <a:r>
               <a:rPr lang="pt-BR" dirty="0" smtClean="0"/>
-              <a:t>Promovendo o Reuso de Software Através do Padrão RAS</a:t>
+              <a:t>Felipe </a:t>
+            </a:r>
+            <a:r>
+              <a:rPr lang="pt-BR" dirty="0" err="1" smtClean="0"/>
+              <a:t>Roos</a:t>
+            </a:r>
+            <a:r>
+              <a:rPr lang="pt-BR" dirty="0" smtClean="0"/>
+              <a:t> da Rosa</a:t>
+            </a:r>
+          </a:p>
+          <a:p>
+            <a:r>
+              <a:rPr lang="pt-BR" dirty="0" smtClean="0"/>
+              <a:t>Orientador: Prof. Marcelo Soares Pimenta</a:t>
             </a:r>
             <a:endParaRPr lang="pt-BR" dirty="0"/>
+          </a:p>
+        </p:txBody>
+      </p:sp>
+    </p:spTree>
+  </p:cSld>
+  <p:clrMapOvr>
+    <a:masterClrMapping/>
+  </p:clrMapOvr>
+</p:sld>
+</file>
+
+<file path=ppt/slides/slide10.xml><?xml version="1.0" encoding="utf-8"?>
+<p:sld xmlns:a="http://schemas.openxmlformats.org/drawingml/2006/main" xmlns:r="http://schemas.openxmlformats.org/officeDocument/2006/relationships" xmlns:p="http://schemas.openxmlformats.org/presentationml/2006/main">
+  <p:cSld>
+    <p:spTree>
+      <p:nvGrpSpPr>
+        <p:cNvPr id="1" name=""/>
+        <p:cNvGrpSpPr/>
+        <p:nvPr/>
+      </p:nvGrpSpPr>
+      <p:grpSpPr>
+        <a:xfrm>
+          <a:off x="0" y="0"/>
+          <a:ext cx="0" cy="0"/>
+          <a:chOff x="0" y="0"/>
+          <a:chExt cx="0" cy="0"/>
+        </a:xfrm>
+      </p:grpSpPr>
+      <p:sp>
+        <p:nvSpPr>
+          <p:cNvPr id="2" name="Título 1"/>
+          <p:cNvSpPr>
+            <a:spLocks noGrp="1"/>
+          </p:cNvSpPr>
+          <p:nvPr>
+            <p:ph type="title"/>
+          </p:nvPr>
+        </p:nvSpPr>
+        <p:spPr/>
+        <p:txBody>
+          <a:bodyPr/>
+          <a:lstStyle/>
+          <a:p>
+            <a:r>
+              <a:rPr lang="pt-BR" dirty="0" smtClean="0"/>
+              <a:t>Repositório de Reuso</a:t>
+            </a:r>
+            <a:endParaRPr lang="pt-BR" dirty="0"/>
+          </a:p>
+        </p:txBody>
+      </p:sp>
+      <p:sp>
+        <p:nvSpPr>
+          <p:cNvPr id="3" name="Espaço Reservado para Conteúdo 2"/>
+          <p:cNvSpPr>
+            <a:spLocks noGrp="1"/>
+          </p:cNvSpPr>
+          <p:nvPr>
+            <p:ph sz="quarter" idx="1"/>
+          </p:nvPr>
+        </p:nvSpPr>
+        <p:spPr/>
+        <p:txBody>
+          <a:bodyPr/>
+          <a:lstStyle/>
+          <a:p>
+            <a:endParaRPr lang="pt-BR"/>
+          </a:p>
+        </p:txBody>
+      </p:sp>
+      <p:sp>
+        <p:nvSpPr>
+          <p:cNvPr id="4" name="Espaço Reservado para Data 3"/>
+          <p:cNvSpPr>
+            <a:spLocks noGrp="1"/>
+          </p:cNvSpPr>
+          <p:nvPr>
+            <p:ph type="dt" sz="half" idx="14"/>
+          </p:nvPr>
+        </p:nvSpPr>
+        <p:spPr/>
+        <p:txBody>
+          <a:bodyPr/>
+          <a:lstStyle/>
+          <a:p>
+            <a:r>
+              <a:rPr lang="pt-BR" smtClean="0"/>
+              <a:t>06/07/2009</a:t>
+            </a:r>
+            <a:endParaRPr lang="pt-BR"/>
+          </a:p>
+        </p:txBody>
+      </p:sp>
+      <p:sp>
+        <p:nvSpPr>
+          <p:cNvPr id="5" name="Espaço Reservado para Número de Slide 4"/>
+          <p:cNvSpPr>
+            <a:spLocks noGrp="1"/>
+          </p:cNvSpPr>
+          <p:nvPr>
+            <p:ph type="sldNum" sz="quarter" idx="15"/>
+          </p:nvPr>
+        </p:nvSpPr>
+        <p:spPr/>
+        <p:txBody>
+          <a:bodyPr/>
+          <a:lstStyle/>
+          <a:p>
+            <a:fld id="{B21CF4C9-8548-403D-AA12-946ABD2FAD03}" type="slidenum">
+              <a:rPr lang="pt-BR" smtClean="0"/>
+              <a:pPr/>
+              <a:t>10</a:t>
+            </a:fld>
+            <a:endParaRPr lang="pt-BR" dirty="0"/>
+          </a:p>
+        </p:txBody>
+      </p:sp>
+      <p:sp>
+        <p:nvSpPr>
+          <p:cNvPr id="6" name="Espaço Reservado para Rodapé 5"/>
+          <p:cNvSpPr>
+            <a:spLocks noGrp="1"/>
+          </p:cNvSpPr>
+          <p:nvPr>
+            <p:ph type="ftr" sz="quarter" idx="16"/>
+          </p:nvPr>
+        </p:nvSpPr>
+        <p:spPr/>
+        <p:txBody>
+          <a:bodyPr/>
+          <a:lstStyle/>
+          <a:p>
+            <a:r>
+              <a:rPr lang="pt-BR" smtClean="0"/>
+              <a:t>RASPUTIN</a:t>
+            </a:r>
+            <a:endParaRPr lang="pt-BR"/>
+          </a:p>
+        </p:txBody>
+      </p:sp>
+    </p:spTree>
+  </p:cSld>
+  <p:clrMapOvr>
+    <a:masterClrMapping/>
+  </p:clrMapOvr>
+</p:sld>
+</file>
+
+<file path=ppt/slides/slide11.xml><?xml version="1.0" encoding="utf-8"?>
+<p:sld xmlns:a="http://schemas.openxmlformats.org/drawingml/2006/main" xmlns:r="http://schemas.openxmlformats.org/officeDocument/2006/relationships" xmlns:p="http://schemas.openxmlformats.org/presentationml/2006/main">
+  <p:cSld>
+    <p:spTree>
+      <p:nvGrpSpPr>
+        <p:cNvPr id="1" name=""/>
+        <p:cNvGrpSpPr/>
+        <p:nvPr/>
+      </p:nvGrpSpPr>
+      <p:grpSpPr>
+        <a:xfrm>
+          <a:off x="0" y="0"/>
+          <a:ext cx="0" cy="0"/>
+          <a:chOff x="0" y="0"/>
+          <a:chExt cx="0" cy="0"/>
+        </a:xfrm>
+      </p:grpSpPr>
+      <p:sp>
+        <p:nvSpPr>
+          <p:cNvPr id="2" name="Título 1"/>
+          <p:cNvSpPr>
+            <a:spLocks noGrp="1"/>
+          </p:cNvSpPr>
+          <p:nvPr>
+            <p:ph type="title"/>
+          </p:nvPr>
+        </p:nvSpPr>
+        <p:spPr/>
+        <p:txBody>
+          <a:bodyPr/>
+          <a:lstStyle/>
+          <a:p>
+            <a:r>
+              <a:rPr lang="pt-BR" dirty="0" smtClean="0"/>
+              <a:t>RASPUTIN</a:t>
+            </a:r>
+            <a:endParaRPr lang="pt-BR" dirty="0"/>
+          </a:p>
+        </p:txBody>
+      </p:sp>
+      <p:sp>
+        <p:nvSpPr>
+          <p:cNvPr id="3" name="Espaço Reservado para Conteúdo 2"/>
+          <p:cNvSpPr>
+            <a:spLocks noGrp="1"/>
+          </p:cNvSpPr>
+          <p:nvPr>
+            <p:ph sz="quarter" idx="1"/>
+          </p:nvPr>
+        </p:nvSpPr>
+        <p:spPr/>
+        <p:txBody>
+          <a:bodyPr/>
+          <a:lstStyle/>
+          <a:p>
+            <a:endParaRPr lang="pt-BR"/>
+          </a:p>
+        </p:txBody>
+      </p:sp>
+      <p:sp>
+        <p:nvSpPr>
+          <p:cNvPr id="4" name="Espaço Reservado para Data 3"/>
+          <p:cNvSpPr>
+            <a:spLocks noGrp="1"/>
+          </p:cNvSpPr>
+          <p:nvPr>
+            <p:ph type="dt" sz="half" idx="14"/>
+          </p:nvPr>
+        </p:nvSpPr>
+        <p:spPr/>
+        <p:txBody>
+          <a:bodyPr/>
+          <a:lstStyle/>
+          <a:p>
+            <a:r>
+              <a:rPr lang="pt-BR" smtClean="0"/>
+              <a:t>06/07/2009</a:t>
+            </a:r>
+            <a:endParaRPr lang="pt-BR"/>
+          </a:p>
+        </p:txBody>
+      </p:sp>
+      <p:sp>
+        <p:nvSpPr>
+          <p:cNvPr id="5" name="Espaço Reservado para Número de Slide 4"/>
+          <p:cNvSpPr>
+            <a:spLocks noGrp="1"/>
+          </p:cNvSpPr>
+          <p:nvPr>
+            <p:ph type="sldNum" sz="quarter" idx="15"/>
+          </p:nvPr>
+        </p:nvSpPr>
+        <p:spPr/>
+        <p:txBody>
+          <a:bodyPr/>
+          <a:lstStyle/>
+          <a:p>
+            <a:fld id="{B21CF4C9-8548-403D-AA12-946ABD2FAD03}" type="slidenum">
+              <a:rPr lang="pt-BR" smtClean="0"/>
+              <a:pPr/>
+              <a:t>11</a:t>
+            </a:fld>
+            <a:endParaRPr lang="pt-BR" dirty="0"/>
+          </a:p>
+        </p:txBody>
+      </p:sp>
+      <p:sp>
+        <p:nvSpPr>
+          <p:cNvPr id="6" name="Espaço Reservado para Rodapé 5"/>
+          <p:cNvSpPr>
+            <a:spLocks noGrp="1"/>
+          </p:cNvSpPr>
+          <p:nvPr>
+            <p:ph type="ftr" sz="quarter" idx="16"/>
+          </p:nvPr>
+        </p:nvSpPr>
+        <p:spPr/>
+        <p:txBody>
+          <a:bodyPr/>
+          <a:lstStyle/>
+          <a:p>
+            <a:r>
+              <a:rPr lang="pt-BR" smtClean="0"/>
+              <a:t>RASPUTIN</a:t>
+            </a:r>
+            <a:endParaRPr lang="pt-BR"/>
+          </a:p>
+        </p:txBody>
+      </p:sp>
+    </p:spTree>
+  </p:cSld>
+  <p:clrMapOvr>
+    <a:masterClrMapping/>
+  </p:clrMapOvr>
+</p:sld>
+</file>
+
+<file path=ppt/slides/slide12.xml><?xml version="1.0" encoding="utf-8"?>
+<p:sld xmlns:a="http://schemas.openxmlformats.org/drawingml/2006/main" xmlns:r="http://schemas.openxmlformats.org/officeDocument/2006/relationships" xmlns:p="http://schemas.openxmlformats.org/presentationml/2006/main">
+  <p:cSld>
+    <p:spTree>
+      <p:nvGrpSpPr>
+        <p:cNvPr id="1" name=""/>
+        <p:cNvGrpSpPr/>
+        <p:nvPr/>
+      </p:nvGrpSpPr>
+      <p:grpSpPr>
+        <a:xfrm>
+          <a:off x="0" y="0"/>
+          <a:ext cx="0" cy="0"/>
+          <a:chOff x="0" y="0"/>
+          <a:chExt cx="0" cy="0"/>
+        </a:xfrm>
+      </p:grpSpPr>
+      <p:sp>
+        <p:nvSpPr>
+          <p:cNvPr id="2" name="Título 1"/>
+          <p:cNvSpPr>
+            <a:spLocks noGrp="1"/>
+          </p:cNvSpPr>
+          <p:nvPr>
+            <p:ph type="title"/>
+          </p:nvPr>
+        </p:nvSpPr>
+        <p:spPr/>
+        <p:txBody>
+          <a:bodyPr/>
+          <a:lstStyle/>
+          <a:p>
+            <a:endParaRPr lang="pt-BR"/>
+          </a:p>
+        </p:txBody>
+      </p:sp>
+      <p:sp>
+        <p:nvSpPr>
+          <p:cNvPr id="3" name="Espaço Reservado para Conteúdo 2"/>
+          <p:cNvSpPr>
+            <a:spLocks noGrp="1"/>
+          </p:cNvSpPr>
+          <p:nvPr>
+            <p:ph sz="quarter" idx="1"/>
+          </p:nvPr>
+        </p:nvSpPr>
+        <p:spPr/>
+        <p:txBody>
+          <a:bodyPr/>
+          <a:lstStyle/>
+          <a:p>
+            <a:endParaRPr lang="pt-BR"/>
+          </a:p>
+        </p:txBody>
+      </p:sp>
+      <p:sp>
+        <p:nvSpPr>
+          <p:cNvPr id="4" name="Espaço Reservado para Data 3"/>
+          <p:cNvSpPr>
+            <a:spLocks noGrp="1"/>
+          </p:cNvSpPr>
+          <p:nvPr>
+            <p:ph type="dt" sz="half" idx="14"/>
+          </p:nvPr>
+        </p:nvSpPr>
+        <p:spPr/>
+        <p:txBody>
+          <a:bodyPr/>
+          <a:lstStyle/>
+          <a:p>
+            <a:r>
+              <a:rPr lang="pt-BR" smtClean="0"/>
+              <a:t>06/07/2009</a:t>
+            </a:r>
+            <a:endParaRPr lang="pt-BR"/>
+          </a:p>
+        </p:txBody>
+      </p:sp>
+      <p:sp>
+        <p:nvSpPr>
+          <p:cNvPr id="5" name="Espaço Reservado para Número de Slide 4"/>
+          <p:cNvSpPr>
+            <a:spLocks noGrp="1"/>
+          </p:cNvSpPr>
+          <p:nvPr>
+            <p:ph type="sldNum" sz="quarter" idx="15"/>
+          </p:nvPr>
+        </p:nvSpPr>
+        <p:spPr/>
+        <p:txBody>
+          <a:bodyPr/>
+          <a:lstStyle/>
+          <a:p>
+            <a:fld id="{B21CF4C9-8548-403D-AA12-946ABD2FAD03}" type="slidenum">
+              <a:rPr lang="pt-BR" smtClean="0"/>
+              <a:pPr/>
+              <a:t>12</a:t>
+            </a:fld>
+            <a:endParaRPr lang="pt-BR" dirty="0"/>
+          </a:p>
+        </p:txBody>
+      </p:sp>
+      <p:sp>
+        <p:nvSpPr>
+          <p:cNvPr id="6" name="Espaço Reservado para Rodapé 5"/>
+          <p:cNvSpPr>
+            <a:spLocks noGrp="1"/>
+          </p:cNvSpPr>
+          <p:nvPr>
+            <p:ph type="ftr" sz="quarter" idx="16"/>
+          </p:nvPr>
+        </p:nvSpPr>
+        <p:spPr/>
+        <p:txBody>
+          <a:bodyPr/>
+          <a:lstStyle/>
+          <a:p>
+            <a:r>
+              <a:rPr lang="pt-BR" smtClean="0"/>
+              <a:t>RASPUTIN</a:t>
+            </a:r>
+            <a:endParaRPr lang="pt-BR"/>
+          </a:p>
+        </p:txBody>
+      </p:sp>
+    </p:spTree>
+  </p:cSld>
+  <p:clrMapOvr>
+    <a:masterClrMapping/>
+  </p:clrMapOvr>
+</p:sld>
+</file>
+
+<file path=ppt/slides/slide13.xml><?xml version="1.0" encoding="utf-8"?>
+<p:sld xmlns:a="http://schemas.openxmlformats.org/drawingml/2006/main" xmlns:r="http://schemas.openxmlformats.org/officeDocument/2006/relationships" xmlns:p="http://schemas.openxmlformats.org/presentationml/2006/main">
+  <p:cSld>
+    <p:spTree>
+      <p:nvGrpSpPr>
+        <p:cNvPr id="1" name=""/>
+        <p:cNvGrpSpPr/>
+        <p:nvPr/>
+      </p:nvGrpSpPr>
+      <p:grpSpPr>
+        <a:xfrm>
+          <a:off x="0" y="0"/>
+          <a:ext cx="0" cy="0"/>
+          <a:chOff x="0" y="0"/>
+          <a:chExt cx="0" cy="0"/>
+        </a:xfrm>
+      </p:grpSpPr>
+      <p:sp>
+        <p:nvSpPr>
+          <p:cNvPr id="2" name="Título 1"/>
+          <p:cNvSpPr>
+            <a:spLocks noGrp="1"/>
+          </p:cNvSpPr>
+          <p:nvPr>
+            <p:ph type="title"/>
+          </p:nvPr>
+        </p:nvSpPr>
+        <p:spPr/>
+        <p:txBody>
+          <a:bodyPr/>
+          <a:lstStyle/>
+          <a:p>
+            <a:endParaRPr lang="pt-BR"/>
+          </a:p>
+        </p:txBody>
+      </p:sp>
+      <p:sp>
+        <p:nvSpPr>
+          <p:cNvPr id="3" name="Espaço Reservado para Conteúdo 2"/>
+          <p:cNvSpPr>
+            <a:spLocks noGrp="1"/>
+          </p:cNvSpPr>
+          <p:nvPr>
+            <p:ph sz="quarter" idx="1"/>
+          </p:nvPr>
+        </p:nvSpPr>
+        <p:spPr/>
+        <p:txBody>
+          <a:bodyPr/>
+          <a:lstStyle/>
+          <a:p>
+            <a:endParaRPr lang="pt-BR"/>
+          </a:p>
+        </p:txBody>
+      </p:sp>
+      <p:sp>
+        <p:nvSpPr>
+          <p:cNvPr id="4" name="Espaço Reservado para Data 3"/>
+          <p:cNvSpPr>
+            <a:spLocks noGrp="1"/>
+          </p:cNvSpPr>
+          <p:nvPr>
+            <p:ph type="dt" sz="half" idx="14"/>
+          </p:nvPr>
+        </p:nvSpPr>
+        <p:spPr/>
+        <p:txBody>
+          <a:bodyPr/>
+          <a:lstStyle/>
+          <a:p>
+            <a:r>
+              <a:rPr lang="pt-BR" smtClean="0"/>
+              <a:t>06/07/2009</a:t>
+            </a:r>
+            <a:endParaRPr lang="pt-BR"/>
+          </a:p>
+        </p:txBody>
+      </p:sp>
+      <p:sp>
+        <p:nvSpPr>
+          <p:cNvPr id="5" name="Espaço Reservado para Número de Slide 4"/>
+          <p:cNvSpPr>
+            <a:spLocks noGrp="1"/>
+          </p:cNvSpPr>
+          <p:nvPr>
+            <p:ph type="sldNum" sz="quarter" idx="15"/>
+          </p:nvPr>
+        </p:nvSpPr>
+        <p:spPr/>
+        <p:txBody>
+          <a:bodyPr/>
+          <a:lstStyle/>
+          <a:p>
+            <a:fld id="{B21CF4C9-8548-403D-AA12-946ABD2FAD03}" type="slidenum">
+              <a:rPr lang="pt-BR" smtClean="0"/>
+              <a:pPr/>
+              <a:t>13</a:t>
+            </a:fld>
+            <a:endParaRPr lang="pt-BR" dirty="0"/>
+          </a:p>
+        </p:txBody>
+      </p:sp>
+      <p:sp>
+        <p:nvSpPr>
+          <p:cNvPr id="6" name="Espaço Reservado para Rodapé 5"/>
+          <p:cNvSpPr>
+            <a:spLocks noGrp="1"/>
+          </p:cNvSpPr>
+          <p:nvPr>
+            <p:ph type="ftr" sz="quarter" idx="16"/>
+          </p:nvPr>
+        </p:nvSpPr>
+        <p:spPr/>
+        <p:txBody>
+          <a:bodyPr/>
+          <a:lstStyle/>
+          <a:p>
+            <a:r>
+              <a:rPr lang="pt-BR" smtClean="0"/>
+              <a:t>RASPUTIN</a:t>
+            </a:r>
+            <a:endParaRPr lang="pt-BR"/>
+          </a:p>
+        </p:txBody>
+      </p:sp>
+    </p:spTree>
+  </p:cSld>
+  <p:clrMapOvr>
+    <a:masterClrMapping/>
+  </p:clrMapOvr>
+</p:sld>
+</file>
+
+<file path=ppt/slides/slide14.xml><?xml version="1.0" encoding="utf-8"?>
+<p:sld xmlns:a="http://schemas.openxmlformats.org/drawingml/2006/main" xmlns:r="http://schemas.openxmlformats.org/officeDocument/2006/relationships" xmlns:p="http://schemas.openxmlformats.org/presentationml/2006/main">
+  <p:cSld>
+    <p:spTree>
+      <p:nvGrpSpPr>
+        <p:cNvPr id="1" name=""/>
+        <p:cNvGrpSpPr/>
+        <p:nvPr/>
+      </p:nvGrpSpPr>
+      <p:grpSpPr>
+        <a:xfrm>
+          <a:off x="0" y="0"/>
+          <a:ext cx="0" cy="0"/>
+          <a:chOff x="0" y="0"/>
+          <a:chExt cx="0" cy="0"/>
+        </a:xfrm>
+      </p:grpSpPr>
+      <p:sp>
+        <p:nvSpPr>
+          <p:cNvPr id="2" name="Título 1"/>
+          <p:cNvSpPr>
+            <a:spLocks noGrp="1"/>
+          </p:cNvSpPr>
+          <p:nvPr>
+            <p:ph type="title"/>
+          </p:nvPr>
+        </p:nvSpPr>
+        <p:spPr/>
+        <p:txBody>
+          <a:bodyPr/>
+          <a:lstStyle/>
+          <a:p>
+            <a:endParaRPr lang="pt-BR"/>
+          </a:p>
+        </p:txBody>
+      </p:sp>
+      <p:sp>
+        <p:nvSpPr>
+          <p:cNvPr id="3" name="Espaço Reservado para Conteúdo 2"/>
+          <p:cNvSpPr>
+            <a:spLocks noGrp="1"/>
+          </p:cNvSpPr>
+          <p:nvPr>
+            <p:ph sz="quarter" idx="1"/>
+          </p:nvPr>
+        </p:nvSpPr>
+        <p:spPr/>
+        <p:txBody>
+          <a:bodyPr/>
+          <a:lstStyle/>
+          <a:p>
+            <a:endParaRPr lang="pt-BR"/>
+          </a:p>
+        </p:txBody>
+      </p:sp>
+      <p:sp>
+        <p:nvSpPr>
+          <p:cNvPr id="4" name="Espaço Reservado para Data 3"/>
+          <p:cNvSpPr>
+            <a:spLocks noGrp="1"/>
+          </p:cNvSpPr>
+          <p:nvPr>
+            <p:ph type="dt" sz="half" idx="14"/>
+          </p:nvPr>
+        </p:nvSpPr>
+        <p:spPr/>
+        <p:txBody>
+          <a:bodyPr/>
+          <a:lstStyle/>
+          <a:p>
+            <a:r>
+              <a:rPr lang="pt-BR" smtClean="0"/>
+              <a:t>06/07/2009</a:t>
+            </a:r>
+            <a:endParaRPr lang="pt-BR"/>
+          </a:p>
+        </p:txBody>
+      </p:sp>
+      <p:sp>
+        <p:nvSpPr>
+          <p:cNvPr id="5" name="Espaço Reservado para Número de Slide 4"/>
+          <p:cNvSpPr>
+            <a:spLocks noGrp="1"/>
+          </p:cNvSpPr>
+          <p:nvPr>
+            <p:ph type="sldNum" sz="quarter" idx="15"/>
+          </p:nvPr>
+        </p:nvSpPr>
+        <p:spPr/>
+        <p:txBody>
+          <a:bodyPr/>
+          <a:lstStyle/>
+          <a:p>
+            <a:fld id="{B21CF4C9-8548-403D-AA12-946ABD2FAD03}" type="slidenum">
+              <a:rPr lang="pt-BR" smtClean="0"/>
+              <a:pPr/>
+              <a:t>14</a:t>
+            </a:fld>
+            <a:endParaRPr lang="pt-BR" dirty="0"/>
+          </a:p>
+        </p:txBody>
+      </p:sp>
+      <p:sp>
+        <p:nvSpPr>
+          <p:cNvPr id="6" name="Espaço Reservado para Rodapé 5"/>
+          <p:cNvSpPr>
+            <a:spLocks noGrp="1"/>
+          </p:cNvSpPr>
+          <p:nvPr>
+            <p:ph type="ftr" sz="quarter" idx="16"/>
+          </p:nvPr>
+        </p:nvSpPr>
+        <p:spPr/>
+        <p:txBody>
+          <a:bodyPr/>
+          <a:lstStyle/>
+          <a:p>
+            <a:r>
+              <a:rPr lang="pt-BR" smtClean="0"/>
+              <a:t>RASPUTIN</a:t>
+            </a:r>
+            <a:endParaRPr lang="pt-BR"/>
+          </a:p>
+        </p:txBody>
+      </p:sp>
+    </p:spTree>
+  </p:cSld>
+  <p:clrMapOvr>
+    <a:masterClrMapping/>
+  </p:clrMapOvr>
+</p:sld>
+</file>
+
+<file path=ppt/slides/slide15.xml><?xml version="1.0" encoding="utf-8"?>
+<p:sld xmlns:a="http://schemas.openxmlformats.org/drawingml/2006/main" xmlns:r="http://schemas.openxmlformats.org/officeDocument/2006/relationships" xmlns:p="http://schemas.openxmlformats.org/presentationml/2006/main">
+  <p:cSld>
+    <p:spTree>
+      <p:nvGrpSpPr>
+        <p:cNvPr id="1" name=""/>
+        <p:cNvGrpSpPr/>
+        <p:nvPr/>
+      </p:nvGrpSpPr>
+      <p:grpSpPr>
+        <a:xfrm>
+          <a:off x="0" y="0"/>
+          <a:ext cx="0" cy="0"/>
+          <a:chOff x="0" y="0"/>
+          <a:chExt cx="0" cy="0"/>
+        </a:xfrm>
+      </p:grpSpPr>
+      <p:sp>
+        <p:nvSpPr>
+          <p:cNvPr id="2" name="Título 1"/>
+          <p:cNvSpPr>
+            <a:spLocks noGrp="1"/>
+          </p:cNvSpPr>
+          <p:nvPr>
+            <p:ph type="title"/>
+          </p:nvPr>
+        </p:nvSpPr>
+        <p:spPr/>
+        <p:txBody>
+          <a:bodyPr/>
+          <a:lstStyle/>
+          <a:p>
+            <a:endParaRPr lang="pt-BR"/>
+          </a:p>
+        </p:txBody>
+      </p:sp>
+      <p:sp>
+        <p:nvSpPr>
+          <p:cNvPr id="3" name="Espaço Reservado para Conteúdo 2"/>
+          <p:cNvSpPr>
+            <a:spLocks noGrp="1"/>
+          </p:cNvSpPr>
+          <p:nvPr>
+            <p:ph sz="quarter" idx="1"/>
+          </p:nvPr>
+        </p:nvSpPr>
+        <p:spPr/>
+        <p:txBody>
+          <a:bodyPr/>
+          <a:lstStyle/>
+          <a:p>
+            <a:endParaRPr lang="pt-BR"/>
+          </a:p>
+        </p:txBody>
+      </p:sp>
+      <p:sp>
+        <p:nvSpPr>
+          <p:cNvPr id="4" name="Espaço Reservado para Data 3"/>
+          <p:cNvSpPr>
+            <a:spLocks noGrp="1"/>
+          </p:cNvSpPr>
+          <p:nvPr>
+            <p:ph type="dt" sz="half" idx="14"/>
+          </p:nvPr>
+        </p:nvSpPr>
+        <p:spPr/>
+        <p:txBody>
+          <a:bodyPr/>
+          <a:lstStyle/>
+          <a:p>
+            <a:r>
+              <a:rPr lang="pt-BR" smtClean="0"/>
+              <a:t>06/07/2009</a:t>
+            </a:r>
+            <a:endParaRPr lang="pt-BR"/>
+          </a:p>
+        </p:txBody>
+      </p:sp>
+      <p:sp>
+        <p:nvSpPr>
+          <p:cNvPr id="5" name="Espaço Reservado para Número de Slide 4"/>
+          <p:cNvSpPr>
+            <a:spLocks noGrp="1"/>
+          </p:cNvSpPr>
+          <p:nvPr>
+            <p:ph type="sldNum" sz="quarter" idx="15"/>
+          </p:nvPr>
+        </p:nvSpPr>
+        <p:spPr/>
+        <p:txBody>
+          <a:bodyPr/>
+          <a:lstStyle/>
+          <a:p>
+            <a:fld id="{B21CF4C9-8548-403D-AA12-946ABD2FAD03}" type="slidenum">
+              <a:rPr lang="pt-BR" smtClean="0"/>
+              <a:pPr/>
+              <a:t>15</a:t>
+            </a:fld>
+            <a:endParaRPr lang="pt-BR" dirty="0"/>
+          </a:p>
+        </p:txBody>
+      </p:sp>
+      <p:sp>
+        <p:nvSpPr>
+          <p:cNvPr id="6" name="Espaço Reservado para Rodapé 5"/>
+          <p:cNvSpPr>
+            <a:spLocks noGrp="1"/>
+          </p:cNvSpPr>
+          <p:nvPr>
+            <p:ph type="ftr" sz="quarter" idx="16"/>
+          </p:nvPr>
+        </p:nvSpPr>
+        <p:spPr/>
+        <p:txBody>
+          <a:bodyPr/>
+          <a:lstStyle/>
+          <a:p>
+            <a:r>
+              <a:rPr lang="pt-BR" smtClean="0"/>
+              <a:t>RASPUTIN</a:t>
+            </a:r>
+            <a:endParaRPr lang="pt-BR"/>
+          </a:p>
+        </p:txBody>
+      </p:sp>
+    </p:spTree>
+  </p:cSld>
+  <p:clrMapOvr>
+    <a:masterClrMapping/>
+  </p:clrMapOvr>
+</p:sld>
+</file>
+
+<file path=ppt/slides/slide16.xml><?xml version="1.0" encoding="utf-8"?>
+<p:sld xmlns:a="http://schemas.openxmlformats.org/drawingml/2006/main" xmlns:r="http://schemas.openxmlformats.org/officeDocument/2006/relationships" xmlns:p="http://schemas.openxmlformats.org/presentationml/2006/main">
+  <p:cSld>
+    <p:spTree>
+      <p:nvGrpSpPr>
+        <p:cNvPr id="1" name=""/>
+        <p:cNvGrpSpPr/>
+        <p:nvPr/>
+      </p:nvGrpSpPr>
+      <p:grpSpPr>
+        <a:xfrm>
+          <a:off x="0" y="0"/>
+          <a:ext cx="0" cy="0"/>
+          <a:chOff x="0" y="0"/>
+          <a:chExt cx="0" cy="0"/>
+        </a:xfrm>
+      </p:grpSpPr>
+      <p:sp>
+        <p:nvSpPr>
+          <p:cNvPr id="2" name="Título 1"/>
+          <p:cNvSpPr>
+            <a:spLocks noGrp="1"/>
+          </p:cNvSpPr>
+          <p:nvPr>
+            <p:ph type="title"/>
+          </p:nvPr>
+        </p:nvSpPr>
+        <p:spPr/>
+        <p:txBody>
+          <a:bodyPr/>
+          <a:lstStyle/>
+          <a:p>
+            <a:endParaRPr lang="pt-BR"/>
+          </a:p>
+        </p:txBody>
+      </p:sp>
+      <p:sp>
+        <p:nvSpPr>
+          <p:cNvPr id="3" name="Espaço Reservado para Conteúdo 2"/>
+          <p:cNvSpPr>
+            <a:spLocks noGrp="1"/>
+          </p:cNvSpPr>
+          <p:nvPr>
+            <p:ph sz="quarter" idx="1"/>
+          </p:nvPr>
+        </p:nvSpPr>
+        <p:spPr/>
+        <p:txBody>
+          <a:bodyPr/>
+          <a:lstStyle/>
+          <a:p>
+            <a:endParaRPr lang="pt-BR"/>
+          </a:p>
+        </p:txBody>
+      </p:sp>
+      <p:sp>
+        <p:nvSpPr>
+          <p:cNvPr id="4" name="Espaço Reservado para Data 3"/>
+          <p:cNvSpPr>
+            <a:spLocks noGrp="1"/>
+          </p:cNvSpPr>
+          <p:nvPr>
+            <p:ph type="dt" sz="half" idx="14"/>
+          </p:nvPr>
+        </p:nvSpPr>
+        <p:spPr/>
+        <p:txBody>
+          <a:bodyPr/>
+          <a:lstStyle/>
+          <a:p>
+            <a:r>
+              <a:rPr lang="pt-BR" smtClean="0"/>
+              <a:t>06/07/2009</a:t>
+            </a:r>
+            <a:endParaRPr lang="pt-BR"/>
+          </a:p>
+        </p:txBody>
+      </p:sp>
+      <p:sp>
+        <p:nvSpPr>
+          <p:cNvPr id="5" name="Espaço Reservado para Número de Slide 4"/>
+          <p:cNvSpPr>
+            <a:spLocks noGrp="1"/>
+          </p:cNvSpPr>
+          <p:nvPr>
+            <p:ph type="sldNum" sz="quarter" idx="15"/>
+          </p:nvPr>
+        </p:nvSpPr>
+        <p:spPr/>
+        <p:txBody>
+          <a:bodyPr/>
+          <a:lstStyle/>
+          <a:p>
+            <a:fld id="{B21CF4C9-8548-403D-AA12-946ABD2FAD03}" type="slidenum">
+              <a:rPr lang="pt-BR" smtClean="0"/>
+              <a:pPr/>
+              <a:t>16</a:t>
+            </a:fld>
+            <a:endParaRPr lang="pt-BR" dirty="0"/>
+          </a:p>
+        </p:txBody>
+      </p:sp>
+      <p:sp>
+        <p:nvSpPr>
+          <p:cNvPr id="6" name="Espaço Reservado para Rodapé 5"/>
+          <p:cNvSpPr>
+            <a:spLocks noGrp="1"/>
+          </p:cNvSpPr>
+          <p:nvPr>
+            <p:ph type="ftr" sz="quarter" idx="16"/>
+          </p:nvPr>
+        </p:nvSpPr>
+        <p:spPr/>
+        <p:txBody>
+          <a:bodyPr/>
+          <a:lstStyle/>
+          <a:p>
+            <a:r>
+              <a:rPr lang="pt-BR" smtClean="0"/>
+              <a:t>RASPUTIN</a:t>
+            </a:r>
+            <a:endParaRPr lang="pt-BR"/>
+          </a:p>
+        </p:txBody>
+      </p:sp>
+    </p:spTree>
+  </p:cSld>
+  <p:clrMapOvr>
+    <a:masterClrMapping/>
+  </p:clrMapOvr>
+</p:sld>
+</file>
+
+<file path=ppt/slides/slide17.xml><?xml version="1.0" encoding="utf-8"?>
+<p:sld xmlns:a="http://schemas.openxmlformats.org/drawingml/2006/main" xmlns:r="http://schemas.openxmlformats.org/officeDocument/2006/relationships" xmlns:p="http://schemas.openxmlformats.org/presentationml/2006/main">
+  <p:cSld>
+    <p:spTree>
+      <p:nvGrpSpPr>
+        <p:cNvPr id="1" name=""/>
+        <p:cNvGrpSpPr/>
+        <p:nvPr/>
+      </p:nvGrpSpPr>
+      <p:grpSpPr>
+        <a:xfrm>
+          <a:off x="0" y="0"/>
+          <a:ext cx="0" cy="0"/>
+          <a:chOff x="0" y="0"/>
+          <a:chExt cx="0" cy="0"/>
+        </a:xfrm>
+      </p:grpSpPr>
+      <p:sp>
+        <p:nvSpPr>
+          <p:cNvPr id="2" name="Título 1"/>
+          <p:cNvSpPr>
+            <a:spLocks noGrp="1"/>
+          </p:cNvSpPr>
+          <p:nvPr>
+            <p:ph type="title"/>
+          </p:nvPr>
+        </p:nvSpPr>
+        <p:spPr/>
+        <p:txBody>
+          <a:bodyPr/>
+          <a:lstStyle/>
+          <a:p>
+            <a:endParaRPr lang="pt-BR"/>
+          </a:p>
+        </p:txBody>
+      </p:sp>
+      <p:sp>
+        <p:nvSpPr>
+          <p:cNvPr id="3" name="Espaço Reservado para Conteúdo 2"/>
+          <p:cNvSpPr>
+            <a:spLocks noGrp="1"/>
+          </p:cNvSpPr>
+          <p:nvPr>
+            <p:ph sz="quarter" idx="1"/>
+          </p:nvPr>
+        </p:nvSpPr>
+        <p:spPr/>
+        <p:txBody>
+          <a:bodyPr/>
+          <a:lstStyle/>
+          <a:p>
+            <a:endParaRPr lang="pt-BR"/>
+          </a:p>
+        </p:txBody>
+      </p:sp>
+      <p:sp>
+        <p:nvSpPr>
+          <p:cNvPr id="4" name="Espaço Reservado para Data 3"/>
+          <p:cNvSpPr>
+            <a:spLocks noGrp="1"/>
+          </p:cNvSpPr>
+          <p:nvPr>
+            <p:ph type="dt" sz="half" idx="14"/>
+          </p:nvPr>
+        </p:nvSpPr>
+        <p:spPr/>
+        <p:txBody>
+          <a:bodyPr/>
+          <a:lstStyle/>
+          <a:p>
+            <a:r>
+              <a:rPr lang="pt-BR" smtClean="0"/>
+              <a:t>06/07/2009</a:t>
+            </a:r>
+            <a:endParaRPr lang="pt-BR"/>
+          </a:p>
+        </p:txBody>
+      </p:sp>
+      <p:sp>
+        <p:nvSpPr>
+          <p:cNvPr id="5" name="Espaço Reservado para Número de Slide 4"/>
+          <p:cNvSpPr>
+            <a:spLocks noGrp="1"/>
+          </p:cNvSpPr>
+          <p:nvPr>
+            <p:ph type="sldNum" sz="quarter" idx="15"/>
+          </p:nvPr>
+        </p:nvSpPr>
+        <p:spPr/>
+        <p:txBody>
+          <a:bodyPr/>
+          <a:lstStyle/>
+          <a:p>
+            <a:fld id="{B21CF4C9-8548-403D-AA12-946ABD2FAD03}" type="slidenum">
+              <a:rPr lang="pt-BR" smtClean="0"/>
+              <a:pPr/>
+              <a:t>17</a:t>
+            </a:fld>
+            <a:endParaRPr lang="pt-BR" dirty="0"/>
+          </a:p>
+        </p:txBody>
+      </p:sp>
+      <p:sp>
+        <p:nvSpPr>
+          <p:cNvPr id="6" name="Espaço Reservado para Rodapé 5"/>
+          <p:cNvSpPr>
+            <a:spLocks noGrp="1"/>
+          </p:cNvSpPr>
+          <p:nvPr>
+            <p:ph type="ftr" sz="quarter" idx="16"/>
+          </p:nvPr>
+        </p:nvSpPr>
+        <p:spPr/>
+        <p:txBody>
+          <a:bodyPr/>
+          <a:lstStyle/>
+          <a:p>
+            <a:r>
+              <a:rPr lang="pt-BR" smtClean="0"/>
+              <a:t>RASPUTIN</a:t>
+            </a:r>
+            <a:endParaRPr lang="pt-BR"/>
+          </a:p>
+        </p:txBody>
+      </p:sp>
+    </p:spTree>
+  </p:cSld>
+  <p:clrMapOvr>
+    <a:masterClrMapping/>
+  </p:clrMapOvr>
+</p:sld>
+</file>
+
+<file path=ppt/slides/slide18.xml><?xml version="1.0" encoding="utf-8"?>
+<p:sld xmlns:a="http://schemas.openxmlformats.org/drawingml/2006/main" xmlns:r="http://schemas.openxmlformats.org/officeDocument/2006/relationships" xmlns:p="http://schemas.openxmlformats.org/presentationml/2006/main">
+  <p:cSld>
+    <p:spTree>
+      <p:nvGrpSpPr>
+        <p:cNvPr id="1" name=""/>
+        <p:cNvGrpSpPr/>
+        <p:nvPr/>
+      </p:nvGrpSpPr>
+      <p:grpSpPr>
+        <a:xfrm>
+          <a:off x="0" y="0"/>
+          <a:ext cx="0" cy="0"/>
+          <a:chOff x="0" y="0"/>
+          <a:chExt cx="0" cy="0"/>
+        </a:xfrm>
+      </p:grpSpPr>
+      <p:sp>
+        <p:nvSpPr>
+          <p:cNvPr id="2" name="Título 1"/>
+          <p:cNvSpPr>
+            <a:spLocks noGrp="1"/>
+          </p:cNvSpPr>
+          <p:nvPr>
+            <p:ph type="title"/>
+          </p:nvPr>
+        </p:nvSpPr>
+        <p:spPr/>
+        <p:txBody>
+          <a:bodyPr/>
+          <a:lstStyle/>
+          <a:p>
+            <a:endParaRPr lang="pt-BR"/>
+          </a:p>
+        </p:txBody>
+      </p:sp>
+      <p:sp>
+        <p:nvSpPr>
+          <p:cNvPr id="3" name="Espaço Reservado para Conteúdo 2"/>
+          <p:cNvSpPr>
+            <a:spLocks noGrp="1"/>
+          </p:cNvSpPr>
+          <p:nvPr>
+            <p:ph sz="quarter" idx="1"/>
+          </p:nvPr>
+        </p:nvSpPr>
+        <p:spPr/>
+        <p:txBody>
+          <a:bodyPr/>
+          <a:lstStyle/>
+          <a:p>
+            <a:endParaRPr lang="pt-BR"/>
+          </a:p>
+        </p:txBody>
+      </p:sp>
+      <p:sp>
+        <p:nvSpPr>
+          <p:cNvPr id="4" name="Espaço Reservado para Data 3"/>
+          <p:cNvSpPr>
+            <a:spLocks noGrp="1"/>
+          </p:cNvSpPr>
+          <p:nvPr>
+            <p:ph type="dt" sz="half" idx="14"/>
+          </p:nvPr>
+        </p:nvSpPr>
+        <p:spPr/>
+        <p:txBody>
+          <a:bodyPr/>
+          <a:lstStyle/>
+          <a:p>
+            <a:r>
+              <a:rPr lang="pt-BR" smtClean="0"/>
+              <a:t>06/07/2009</a:t>
+            </a:r>
+            <a:endParaRPr lang="pt-BR"/>
+          </a:p>
+        </p:txBody>
+      </p:sp>
+      <p:sp>
+        <p:nvSpPr>
+          <p:cNvPr id="5" name="Espaço Reservado para Número de Slide 4"/>
+          <p:cNvSpPr>
+            <a:spLocks noGrp="1"/>
+          </p:cNvSpPr>
+          <p:nvPr>
+            <p:ph type="sldNum" sz="quarter" idx="15"/>
+          </p:nvPr>
+        </p:nvSpPr>
+        <p:spPr/>
+        <p:txBody>
+          <a:bodyPr/>
+          <a:lstStyle/>
+          <a:p>
+            <a:fld id="{B21CF4C9-8548-403D-AA12-946ABD2FAD03}" type="slidenum">
+              <a:rPr lang="pt-BR" smtClean="0"/>
+              <a:pPr/>
+              <a:t>18</a:t>
+            </a:fld>
+            <a:endParaRPr lang="pt-BR" dirty="0"/>
+          </a:p>
+        </p:txBody>
+      </p:sp>
+      <p:sp>
+        <p:nvSpPr>
+          <p:cNvPr id="6" name="Espaço Reservado para Rodapé 5"/>
+          <p:cNvSpPr>
+            <a:spLocks noGrp="1"/>
+          </p:cNvSpPr>
+          <p:nvPr>
+            <p:ph type="ftr" sz="quarter" idx="16"/>
+          </p:nvPr>
+        </p:nvSpPr>
+        <p:spPr/>
+        <p:txBody>
+          <a:bodyPr/>
+          <a:lstStyle/>
+          <a:p>
+            <a:r>
+              <a:rPr lang="pt-BR" smtClean="0"/>
+              <a:t>RASPUTIN</a:t>
+            </a:r>
+            <a:endParaRPr lang="pt-BR"/>
+          </a:p>
+        </p:txBody>
+      </p:sp>
+    </p:spTree>
+  </p:cSld>
+  <p:clrMapOvr>
+    <a:masterClrMapping/>
+  </p:clrMapOvr>
+</p:sld>
+</file>
+
+<file path=ppt/slides/slide19.xml><?xml version="1.0" encoding="utf-8"?>
+<p:sld xmlns:a="http://schemas.openxmlformats.org/drawingml/2006/main" xmlns:r="http://schemas.openxmlformats.org/officeDocument/2006/relationships" xmlns:p="http://schemas.openxmlformats.org/presentationml/2006/main">
+  <p:cSld>
+    <p:spTree>
+      <p:nvGrpSpPr>
+        <p:cNvPr id="1" name=""/>
+        <p:cNvGrpSpPr/>
+        <p:nvPr/>
+      </p:nvGrpSpPr>
+      <p:grpSpPr>
+        <a:xfrm>
+          <a:off x="0" y="0"/>
+          <a:ext cx="0" cy="0"/>
+          <a:chOff x="0" y="0"/>
+          <a:chExt cx="0" cy="0"/>
+        </a:xfrm>
+      </p:grpSpPr>
+      <p:sp>
+        <p:nvSpPr>
+          <p:cNvPr id="2" name="Título 1"/>
+          <p:cNvSpPr>
+            <a:spLocks noGrp="1"/>
+          </p:cNvSpPr>
+          <p:nvPr>
+            <p:ph type="title"/>
+          </p:nvPr>
+        </p:nvSpPr>
+        <p:spPr/>
+        <p:txBody>
+          <a:bodyPr/>
+          <a:lstStyle/>
+          <a:p>
+            <a:r>
+              <a:rPr lang="pt-BR" dirty="0" smtClean="0"/>
+              <a:t>Conclusão</a:t>
+            </a:r>
+            <a:endParaRPr lang="pt-BR" dirty="0"/>
+          </a:p>
+        </p:txBody>
+      </p:sp>
+      <p:sp>
+        <p:nvSpPr>
+          <p:cNvPr id="3" name="Espaço Reservado para Conteúdo 2"/>
+          <p:cNvSpPr>
+            <a:spLocks noGrp="1"/>
+          </p:cNvSpPr>
+          <p:nvPr>
+            <p:ph sz="quarter" idx="1"/>
+          </p:nvPr>
+        </p:nvSpPr>
+        <p:spPr/>
+        <p:txBody>
+          <a:bodyPr/>
+          <a:lstStyle/>
+          <a:p>
+            <a:endParaRPr lang="pt-BR"/>
+          </a:p>
+        </p:txBody>
+      </p:sp>
+      <p:sp>
+        <p:nvSpPr>
+          <p:cNvPr id="4" name="Espaço Reservado para Data 3"/>
+          <p:cNvSpPr>
+            <a:spLocks noGrp="1"/>
+          </p:cNvSpPr>
+          <p:nvPr>
+            <p:ph type="dt" sz="half" idx="14"/>
+          </p:nvPr>
+        </p:nvSpPr>
+        <p:spPr/>
+        <p:txBody>
+          <a:bodyPr/>
+          <a:lstStyle/>
+          <a:p>
+            <a:r>
+              <a:rPr lang="pt-BR" smtClean="0"/>
+              <a:t>06/07/2009</a:t>
+            </a:r>
+            <a:endParaRPr lang="pt-BR"/>
+          </a:p>
+        </p:txBody>
+      </p:sp>
+      <p:sp>
+        <p:nvSpPr>
+          <p:cNvPr id="5" name="Espaço Reservado para Número de Slide 4"/>
+          <p:cNvSpPr>
+            <a:spLocks noGrp="1"/>
+          </p:cNvSpPr>
+          <p:nvPr>
+            <p:ph type="sldNum" sz="quarter" idx="15"/>
+          </p:nvPr>
+        </p:nvSpPr>
+        <p:spPr/>
+        <p:txBody>
+          <a:bodyPr/>
+          <a:lstStyle/>
+          <a:p>
+            <a:fld id="{B21CF4C9-8548-403D-AA12-946ABD2FAD03}" type="slidenum">
+              <a:rPr lang="pt-BR" smtClean="0"/>
+              <a:pPr/>
+              <a:t>19</a:t>
+            </a:fld>
+            <a:endParaRPr lang="pt-BR" dirty="0"/>
+          </a:p>
+        </p:txBody>
+      </p:sp>
+      <p:sp>
+        <p:nvSpPr>
+          <p:cNvPr id="6" name="Espaço Reservado para Rodapé 5"/>
+          <p:cNvSpPr>
+            <a:spLocks noGrp="1"/>
+          </p:cNvSpPr>
+          <p:nvPr>
+            <p:ph type="ftr" sz="quarter" idx="16"/>
+          </p:nvPr>
+        </p:nvSpPr>
+        <p:spPr/>
+        <p:txBody>
+          <a:bodyPr/>
+          <a:lstStyle/>
+          <a:p>
+            <a:r>
+              <a:rPr lang="pt-BR" smtClean="0"/>
+              <a:t>RASPUTIN</a:t>
+            </a:r>
+            <a:endParaRPr lang="pt-BR"/>
           </a:p>
         </p:txBody>
       </p:sp>
@@ -5101,7 +6920,7 @@
           <a:p>
             <a:r>
               <a:rPr lang="pt-BR" dirty="0" smtClean="0"/>
-              <a:t>Programa</a:t>
+              <a:t>Roteiro</a:t>
             </a:r>
             <a:endParaRPr lang="pt-BR" dirty="0"/>
           </a:p>
@@ -5119,7 +6938,9 @@
         </p:nvSpPr>
         <p:spPr/>
         <p:txBody>
-          <a:bodyPr/>
+          <a:bodyPr>
+            <a:normAutofit/>
+          </a:bodyPr>
           <a:lstStyle/>
           <a:p>
             <a:r>
@@ -5130,7 +6951,24 @@
           <a:p>
             <a:r>
               <a:rPr lang="pt-BR" dirty="0" smtClean="0"/>
-              <a:t>Reuso de Software</a:t>
+              <a:t>Motivação</a:t>
+            </a:r>
+            <a:endParaRPr lang="pt-BR" dirty="0" smtClean="0"/>
+          </a:p>
+          <a:p>
+            <a:r>
+              <a:rPr lang="pt-BR" dirty="0" smtClean="0"/>
+              <a:t>Reuso </a:t>
+            </a:r>
+            <a:r>
+              <a:rPr lang="pt-BR" dirty="0" smtClean="0"/>
+              <a:t>e Conceitos</a:t>
+            </a:r>
+          </a:p>
+          <a:p>
+            <a:r>
+              <a:rPr lang="pt-BR" dirty="0" smtClean="0"/>
+              <a:t>Objetivo</a:t>
             </a:r>
           </a:p>
           <a:p>
@@ -5142,44 +6980,359 @@
           <a:p>
             <a:r>
               <a:rPr lang="pt-BR" dirty="0" smtClean="0"/>
+              <a:t>Artefato RAS</a:t>
+            </a:r>
+            <a:endParaRPr lang="pt-BR" dirty="0" smtClean="0"/>
+          </a:p>
+          <a:p>
+            <a:r>
+              <a:rPr lang="pt-BR" dirty="0" smtClean="0"/>
               <a:t>RASPUTIN</a:t>
             </a:r>
-          </a:p>
-          <a:p>
-            <a:pPr lvl="1"/>
-            <a:r>
-              <a:rPr lang="pt-BR" dirty="0" smtClean="0"/>
-              <a:t>Armazenamento</a:t>
-            </a:r>
-          </a:p>
-          <a:p>
-            <a:pPr lvl="1"/>
-            <a:r>
-              <a:rPr lang="pt-BR" dirty="0" smtClean="0"/>
-              <a:t>Busca e Visualização</a:t>
-            </a:r>
-          </a:p>
-          <a:p>
-            <a:pPr lvl="1"/>
-            <a:r>
-              <a:rPr lang="pt-BR" dirty="0" smtClean="0"/>
-              <a:t>Recuperação</a:t>
-            </a:r>
+            <a:endParaRPr lang="pt-BR" dirty="0" smtClean="0"/>
           </a:p>
           <a:p>
             <a:r>
               <a:rPr lang="pt-BR" dirty="0" smtClean="0"/>
               <a:t>Exemplo</a:t>
             </a:r>
+            <a:endParaRPr lang="pt-BR" dirty="0" smtClean="0"/>
           </a:p>
           <a:p>
             <a:r>
               <a:rPr lang="pt-BR" dirty="0" smtClean="0"/>
               <a:t>Conclusão</a:t>
             </a:r>
-            <a:endParaRPr lang="pt-BR" dirty="0" smtClean="0"/>
-          </a:p>
-          <a:p>
+          </a:p>
+          <a:p>
+            <a:endParaRPr lang="pt-BR" dirty="0"/>
+          </a:p>
+        </p:txBody>
+      </p:sp>
+      <p:sp>
+        <p:nvSpPr>
+          <p:cNvPr id="4" name="Espaço Reservado para Data 3"/>
+          <p:cNvSpPr>
+            <a:spLocks noGrp="1"/>
+          </p:cNvSpPr>
+          <p:nvPr>
+            <p:ph type="dt" sz="half" idx="14"/>
+          </p:nvPr>
+        </p:nvSpPr>
+        <p:spPr/>
+        <p:txBody>
+          <a:bodyPr/>
+          <a:lstStyle/>
+          <a:p>
+            <a:r>
+              <a:rPr lang="pt-BR" smtClean="0"/>
+              <a:t>06/07/2009</a:t>
+            </a:r>
+            <a:endParaRPr lang="pt-BR"/>
+          </a:p>
+        </p:txBody>
+      </p:sp>
+      <p:sp>
+        <p:nvSpPr>
+          <p:cNvPr id="5" name="Espaço Reservado para Número de Slide 4"/>
+          <p:cNvSpPr>
+            <a:spLocks noGrp="1"/>
+          </p:cNvSpPr>
+          <p:nvPr>
+            <p:ph type="sldNum" sz="quarter" idx="15"/>
+          </p:nvPr>
+        </p:nvSpPr>
+        <p:spPr/>
+        <p:txBody>
+          <a:bodyPr/>
+          <a:lstStyle/>
+          <a:p>
+            <a:fld id="{B21CF4C9-8548-403D-AA12-946ABD2FAD03}" type="slidenum">
+              <a:rPr lang="pt-BR" smtClean="0"/>
+              <a:pPr/>
+              <a:t>2</a:t>
+            </a:fld>
+            <a:endParaRPr lang="pt-BR" dirty="0"/>
+          </a:p>
+        </p:txBody>
+      </p:sp>
+      <p:sp>
+        <p:nvSpPr>
+          <p:cNvPr id="6" name="Espaço Reservado para Rodapé 5"/>
+          <p:cNvSpPr>
+            <a:spLocks noGrp="1"/>
+          </p:cNvSpPr>
+          <p:nvPr>
+            <p:ph type="ftr" sz="quarter" idx="16"/>
+          </p:nvPr>
+        </p:nvSpPr>
+        <p:spPr/>
+        <p:txBody>
+          <a:bodyPr/>
+          <a:lstStyle/>
+          <a:p>
+            <a:r>
+              <a:rPr lang="pt-BR" smtClean="0"/>
+              <a:t>RASPUTIN</a:t>
+            </a:r>
+            <a:endParaRPr lang="pt-BR"/>
+          </a:p>
+        </p:txBody>
+      </p:sp>
+    </p:spTree>
+  </p:cSld>
+  <p:clrMapOvr>
+    <a:masterClrMapping/>
+  </p:clrMapOvr>
+</p:sld>
+</file>
+
+<file path=ppt/slides/slide20.xml><?xml version="1.0" encoding="utf-8"?>
+<p:sld xmlns:a="http://schemas.openxmlformats.org/drawingml/2006/main" xmlns:r="http://schemas.openxmlformats.org/officeDocument/2006/relationships" xmlns:p="http://schemas.openxmlformats.org/presentationml/2006/main">
+  <p:cSld>
+    <p:spTree>
+      <p:nvGrpSpPr>
+        <p:cNvPr id="1" name=""/>
+        <p:cNvGrpSpPr/>
+        <p:nvPr/>
+      </p:nvGrpSpPr>
+      <p:grpSpPr>
+        <a:xfrm>
+          <a:off x="0" y="0"/>
+          <a:ext cx="0" cy="0"/>
+          <a:chOff x="0" y="0"/>
+          <a:chExt cx="0" cy="0"/>
+        </a:xfrm>
+      </p:grpSpPr>
+      <p:sp>
+        <p:nvSpPr>
+          <p:cNvPr id="2" name="Título 1"/>
+          <p:cNvSpPr>
+            <a:spLocks noGrp="1"/>
+          </p:cNvSpPr>
+          <p:nvPr>
+            <p:ph type="title"/>
+          </p:nvPr>
+        </p:nvSpPr>
+        <p:spPr/>
+        <p:txBody>
+          <a:bodyPr/>
+          <a:lstStyle/>
+          <a:p>
+            <a:r>
+              <a:rPr lang="pt-BR" dirty="0" smtClean="0"/>
+              <a:t>Trabalhos Futuros</a:t>
+            </a:r>
+            <a:endParaRPr lang="pt-BR" dirty="0"/>
+          </a:p>
+        </p:txBody>
+      </p:sp>
+      <p:sp>
+        <p:nvSpPr>
+          <p:cNvPr id="3" name="Espaço Reservado para Conteúdo 2"/>
+          <p:cNvSpPr>
+            <a:spLocks noGrp="1"/>
+          </p:cNvSpPr>
+          <p:nvPr>
+            <p:ph sz="quarter" idx="1"/>
+          </p:nvPr>
+        </p:nvSpPr>
+        <p:spPr/>
+        <p:txBody>
+          <a:bodyPr/>
+          <a:lstStyle/>
+          <a:p>
+            <a:endParaRPr lang="pt-BR"/>
+          </a:p>
+        </p:txBody>
+      </p:sp>
+      <p:sp>
+        <p:nvSpPr>
+          <p:cNvPr id="4" name="Espaço Reservado para Data 3"/>
+          <p:cNvSpPr>
+            <a:spLocks noGrp="1"/>
+          </p:cNvSpPr>
+          <p:nvPr>
+            <p:ph type="dt" sz="half" idx="14"/>
+          </p:nvPr>
+        </p:nvSpPr>
+        <p:spPr/>
+        <p:txBody>
+          <a:bodyPr/>
+          <a:lstStyle/>
+          <a:p>
+            <a:r>
+              <a:rPr lang="pt-BR" smtClean="0"/>
+              <a:t>06/07/2009</a:t>
+            </a:r>
+            <a:endParaRPr lang="pt-BR"/>
+          </a:p>
+        </p:txBody>
+      </p:sp>
+      <p:sp>
+        <p:nvSpPr>
+          <p:cNvPr id="5" name="Espaço Reservado para Número de Slide 4"/>
+          <p:cNvSpPr>
+            <a:spLocks noGrp="1"/>
+          </p:cNvSpPr>
+          <p:nvPr>
+            <p:ph type="sldNum" sz="quarter" idx="15"/>
+          </p:nvPr>
+        </p:nvSpPr>
+        <p:spPr/>
+        <p:txBody>
+          <a:bodyPr/>
+          <a:lstStyle/>
+          <a:p>
+            <a:fld id="{B21CF4C9-8548-403D-AA12-946ABD2FAD03}" type="slidenum">
+              <a:rPr lang="pt-BR" smtClean="0"/>
+              <a:pPr/>
+              <a:t>20</a:t>
+            </a:fld>
+            <a:endParaRPr lang="pt-BR" dirty="0"/>
+          </a:p>
+        </p:txBody>
+      </p:sp>
+      <p:sp>
+        <p:nvSpPr>
+          <p:cNvPr id="6" name="Espaço Reservado para Rodapé 5"/>
+          <p:cNvSpPr>
+            <a:spLocks noGrp="1"/>
+          </p:cNvSpPr>
+          <p:nvPr>
+            <p:ph type="ftr" sz="quarter" idx="16"/>
+          </p:nvPr>
+        </p:nvSpPr>
+        <p:spPr/>
+        <p:txBody>
+          <a:bodyPr/>
+          <a:lstStyle/>
+          <a:p>
+            <a:r>
+              <a:rPr lang="pt-BR" smtClean="0"/>
+              <a:t>RASPUTIN</a:t>
+            </a:r>
+            <a:endParaRPr lang="pt-BR"/>
+          </a:p>
+        </p:txBody>
+      </p:sp>
+    </p:spTree>
+  </p:cSld>
+  <p:clrMapOvr>
+    <a:masterClrMapping/>
+  </p:clrMapOvr>
+</p:sld>
+</file>
+
+<file path=ppt/slides/slide21.xml><?xml version="1.0" encoding="utf-8"?>
+<p:sld xmlns:a="http://schemas.openxmlformats.org/drawingml/2006/main" xmlns:r="http://schemas.openxmlformats.org/officeDocument/2006/relationships" xmlns:p="http://schemas.openxmlformats.org/presentationml/2006/main">
+  <p:cSld>
+    <p:spTree>
+      <p:nvGrpSpPr>
+        <p:cNvPr id="1" name=""/>
+        <p:cNvGrpSpPr/>
+        <p:nvPr/>
+      </p:nvGrpSpPr>
+      <p:grpSpPr>
+        <a:xfrm>
+          <a:off x="0" y="0"/>
+          <a:ext cx="0" cy="0"/>
+          <a:chOff x="0" y="0"/>
+          <a:chExt cx="0" cy="0"/>
+        </a:xfrm>
+      </p:grpSpPr>
+      <p:sp>
+        <p:nvSpPr>
+          <p:cNvPr id="2" name="Título 1"/>
+          <p:cNvSpPr>
+            <a:spLocks noGrp="1"/>
+          </p:cNvSpPr>
+          <p:nvPr>
+            <p:ph type="ctrTitle"/>
+          </p:nvPr>
+        </p:nvSpPr>
+        <p:spPr/>
+        <p:txBody>
+          <a:bodyPr>
+            <a:normAutofit fontScale="90000"/>
+          </a:bodyPr>
+          <a:lstStyle/>
+          <a:p>
+            <a:r>
+              <a:rPr lang="pt-BR" sz="4400" dirty="0" smtClean="0"/>
+              <a:t>RASPUTIN</a:t>
+            </a:r>
+            <a:r>
+              <a:rPr lang="pt-BR" dirty="0" smtClean="0"/>
+              <a:t/>
+            </a:r>
+            <a:br>
+              <a:rPr lang="pt-BR" dirty="0" smtClean="0"/>
+            </a:br>
+            <a:r>
+              <a:rPr lang="pt-BR" sz="3100" dirty="0" smtClean="0"/>
+              <a:t>Promovendo o Reuso de Software </a:t>
+            </a:r>
+            <a:br>
+              <a:rPr lang="pt-BR" sz="3100" dirty="0" smtClean="0"/>
+            </a:br>
+            <a:r>
+              <a:rPr lang="pt-BR" sz="3100" dirty="0" smtClean="0"/>
+              <a:t>Através do Padrão RAS</a:t>
+            </a:r>
+            <a:r>
+              <a:rPr lang="pt-BR" dirty="0" smtClean="0"/>
+              <a:t/>
+            </a:r>
+            <a:br>
+              <a:rPr lang="pt-BR" dirty="0" smtClean="0"/>
+            </a:br>
+            <a:r>
+              <a:rPr lang="pt-BR" dirty="0" smtClean="0"/>
+              <a:t/>
+            </a:r>
+            <a:br>
+              <a:rPr lang="pt-BR" dirty="0" smtClean="0"/>
+            </a:br>
+            <a:endParaRPr lang="pt-BR" dirty="0"/>
+          </a:p>
+        </p:txBody>
+      </p:sp>
+      <p:sp>
+        <p:nvSpPr>
+          <p:cNvPr id="3" name="Subtítulo 2"/>
+          <p:cNvSpPr>
+            <a:spLocks noGrp="1"/>
+          </p:cNvSpPr>
+          <p:nvPr>
+            <p:ph type="subTitle" idx="1"/>
+          </p:nvPr>
+        </p:nvSpPr>
+        <p:spPr/>
+        <p:txBody>
+          <a:bodyPr>
+            <a:normAutofit/>
+          </a:bodyPr>
+          <a:lstStyle/>
+          <a:p>
+            <a:r>
+              <a:rPr lang="pt-BR" dirty="0" smtClean="0"/>
+              <a:t>Felipe </a:t>
+            </a:r>
+            <a:r>
+              <a:rPr lang="pt-BR" dirty="0" err="1" smtClean="0"/>
+              <a:t>Roos</a:t>
+            </a:r>
+            <a:r>
+              <a:rPr lang="pt-BR" dirty="0" smtClean="0"/>
+              <a:t> da Rosa</a:t>
+            </a:r>
+          </a:p>
+          <a:p>
+            <a:r>
+              <a:rPr lang="pt-BR" dirty="0" smtClean="0"/>
+              <a:t>Orientador: Prof. Marcelo Soares Pimenta</a:t>
+            </a:r>
             <a:endParaRPr lang="pt-BR" dirty="0"/>
           </a:p>
         </p:txBody>
@@ -5226,7 +7379,7 @@
           <a:p>
             <a:r>
               <a:rPr lang="pt-BR" dirty="0" smtClean="0"/>
-              <a:t>Introdução</a:t>
+              <a:t>Reuso: Introdução</a:t>
             </a:r>
             <a:endParaRPr lang="pt-BR" dirty="0"/>
           </a:p>
@@ -5244,72 +7397,1343 @@
         </p:nvSpPr>
         <p:spPr/>
         <p:txBody>
-          <a:bodyPr/>
+          <a:bodyPr>
+            <a:normAutofit fontScale="92500" lnSpcReduction="10000"/>
+          </a:bodyPr>
           <a:lstStyle/>
           <a:p>
             <a:r>
               <a:rPr lang="pt-BR" dirty="0" smtClean="0"/>
-              <a:t>Idéia de reusar elementos de software não é nova</a:t>
-            </a:r>
+              <a:t>Segundo </a:t>
+            </a:r>
+            <a:r>
+              <a:rPr lang="pt-BR" dirty="0" err="1" smtClean="0"/>
+              <a:t>Frakes</a:t>
+            </a:r>
+            <a:endParaRPr lang="pt-BR" dirty="0" smtClean="0"/>
           </a:p>
           <a:p>
             <a:pPr lvl="1"/>
+            <a:r>
+              <a:rPr lang="pt-BR" dirty="0" smtClean="0"/>
+              <a:t>Uso </a:t>
+            </a:r>
+            <a:r>
+              <a:rPr lang="pt-BR" dirty="0" smtClean="0"/>
+              <a:t>do conhecimento de software existente para construir novos artefatos de software</a:t>
+            </a:r>
+          </a:p>
+          <a:p>
+            <a:r>
+              <a:rPr lang="pt-BR" dirty="0" smtClean="0"/>
+              <a:t>Segundo </a:t>
+            </a:r>
+            <a:r>
+              <a:rPr lang="pt-BR" dirty="0" err="1" smtClean="0"/>
+              <a:t>Ezran</a:t>
+            </a:r>
+            <a:endParaRPr lang="pt-BR" dirty="0" smtClean="0"/>
+          </a:p>
+          <a:p>
+            <a:pPr lvl="1"/>
+            <a:r>
+              <a:rPr lang="pt-BR" dirty="0" smtClean="0"/>
+              <a:t>Prática sistemática de desenvolvimento de software</a:t>
+            </a:r>
+          </a:p>
+          <a:p>
+            <a:r>
+              <a:rPr lang="pt-BR" dirty="0" smtClean="0"/>
+              <a:t>Segundo </a:t>
+            </a:r>
+            <a:r>
+              <a:rPr lang="pt-BR" dirty="0" err="1" smtClean="0"/>
+              <a:t>Lim</a:t>
+            </a:r>
+            <a:endParaRPr lang="pt-BR" dirty="0" smtClean="0"/>
+          </a:p>
+          <a:p>
+            <a:pPr lvl="1"/>
+            <a:r>
+              <a:rPr lang="pt-BR" dirty="0" smtClean="0"/>
+              <a:t>Reuso sistemático de artefatos com um plano estruturado contendo </a:t>
+            </a:r>
+            <a:r>
+              <a:rPr lang="pt-BR" dirty="0" smtClean="0"/>
+              <a:t>processos e ciclos de vida bem </a:t>
+            </a:r>
+            <a:r>
+              <a:rPr lang="pt-BR" dirty="0" smtClean="0"/>
+              <a:t>definidos e garantias de financiamento, pessoal e incentivo  para produção e uso de artefatos reusáveis</a:t>
+            </a:r>
+          </a:p>
+          <a:p>
+            <a:r>
+              <a:rPr lang="pt-BR" dirty="0" smtClean="0"/>
+              <a:t>Tem </a:t>
+            </a:r>
+            <a:r>
+              <a:rPr lang="pt-BR" dirty="0" smtClean="0"/>
+              <a:t>sido estudada por décadas</a:t>
+            </a:r>
+          </a:p>
+          <a:p>
+            <a:pPr lvl="1"/>
+            <a:r>
+              <a:rPr lang="pt-BR" i="1" dirty="0" err="1" smtClean="0"/>
+              <a:t>Mass</a:t>
+            </a:r>
+            <a:r>
+              <a:rPr lang="pt-BR" i="1" dirty="0" smtClean="0"/>
+              <a:t> </a:t>
+            </a:r>
+            <a:r>
+              <a:rPr lang="pt-BR" i="1" dirty="0" err="1" smtClean="0"/>
+              <a:t>Produced</a:t>
+            </a:r>
+            <a:r>
+              <a:rPr lang="pt-BR" i="1" dirty="0" smtClean="0"/>
+              <a:t> Software </a:t>
+            </a:r>
+            <a:r>
+              <a:rPr lang="pt-BR" i="1" dirty="0" err="1" smtClean="0"/>
+              <a:t>Components</a:t>
+            </a:r>
+            <a:r>
+              <a:rPr lang="pt-BR" i="1" dirty="0" smtClean="0"/>
+              <a:t>,</a:t>
+            </a:r>
+            <a:r>
+              <a:rPr lang="pt-BR" dirty="0" smtClean="0"/>
+              <a:t> </a:t>
+            </a:r>
             <a:r>
               <a:rPr lang="pt-BR" dirty="0" err="1" smtClean="0"/>
               <a:t>McILROY</a:t>
             </a:r>
             <a:r>
               <a:rPr lang="pt-BR" dirty="0" smtClean="0"/>
-              <a:t>, 1968</a:t>
-            </a:r>
+              <a:t>, </a:t>
+            </a:r>
+            <a:r>
+              <a:rPr lang="pt-BR" dirty="0" smtClean="0"/>
+              <a:t>1968.</a:t>
+            </a:r>
+            <a:endParaRPr lang="pt-BR" dirty="0" smtClean="0"/>
           </a:p>
           <a:p>
             <a:pPr lvl="1"/>
             <a:r>
               <a:rPr lang="pt-BR" dirty="0" smtClean="0"/>
-              <a:t>Construir apenas uma vez, reutilizar diversas vezes</a:t>
-            </a:r>
+              <a:t>Enfrenta barreiras em sua adoção</a:t>
+            </a:r>
+            <a:endParaRPr lang="pt-BR" dirty="0" smtClean="0"/>
           </a:p>
           <a:p>
             <a:pPr lvl="1"/>
             <a:r>
               <a:rPr lang="pt-BR" dirty="0" smtClean="0"/>
-              <a:t>Redução de custos: menos coisas a produzir, menos tempo se gasta</a:t>
-            </a:r>
-          </a:p>
+              <a:t>Quando aplicada corretamente, gera resultados positivos</a:t>
+            </a:r>
+          </a:p>
+          <a:p>
+            <a:endParaRPr lang="pt-BR" dirty="0" smtClean="0"/>
+          </a:p>
+        </p:txBody>
+      </p:sp>
+      <p:sp>
+        <p:nvSpPr>
+          <p:cNvPr id="6" name="Espaço Reservado para Data 5"/>
+          <p:cNvSpPr>
+            <a:spLocks noGrp="1"/>
+          </p:cNvSpPr>
+          <p:nvPr>
+            <p:ph type="dt" sz="half" idx="14"/>
+          </p:nvPr>
+        </p:nvSpPr>
+        <p:spPr/>
+        <p:txBody>
+          <a:bodyPr/>
+          <a:lstStyle/>
+          <a:p>
+            <a:r>
+              <a:rPr lang="pt-BR" smtClean="0"/>
+              <a:t>06/07/2009</a:t>
+            </a:r>
+            <a:endParaRPr lang="pt-BR"/>
+          </a:p>
+        </p:txBody>
+      </p:sp>
+      <p:sp>
+        <p:nvSpPr>
+          <p:cNvPr id="7" name="Espaço Reservado para Número de Slide 6"/>
+          <p:cNvSpPr>
+            <a:spLocks noGrp="1"/>
+          </p:cNvSpPr>
+          <p:nvPr>
+            <p:ph type="sldNum" sz="quarter" idx="15"/>
+          </p:nvPr>
+        </p:nvSpPr>
+        <p:spPr/>
+        <p:txBody>
+          <a:bodyPr/>
+          <a:lstStyle/>
+          <a:p>
+            <a:fld id="{B21CF4C9-8548-403D-AA12-946ABD2FAD03}" type="slidenum">
+              <a:rPr lang="pt-BR" smtClean="0"/>
+              <a:pPr/>
+              <a:t>3</a:t>
+            </a:fld>
+            <a:endParaRPr lang="pt-BR" dirty="0"/>
+          </a:p>
+        </p:txBody>
+      </p:sp>
+      <p:sp>
+        <p:nvSpPr>
+          <p:cNvPr id="8" name="Espaço Reservado para Rodapé 7"/>
+          <p:cNvSpPr>
+            <a:spLocks noGrp="1"/>
+          </p:cNvSpPr>
+          <p:nvPr>
+            <p:ph type="ftr" sz="quarter" idx="16"/>
+          </p:nvPr>
+        </p:nvSpPr>
+        <p:spPr/>
+        <p:txBody>
+          <a:bodyPr/>
+          <a:lstStyle/>
+          <a:p>
+            <a:r>
+              <a:rPr lang="pt-BR" smtClean="0"/>
+              <a:t>RASPUTIN</a:t>
+            </a:r>
+            <a:endParaRPr lang="pt-BR"/>
+          </a:p>
+        </p:txBody>
+      </p:sp>
+    </p:spTree>
+  </p:cSld>
+  <p:clrMapOvr>
+    <a:masterClrMapping/>
+  </p:clrMapOvr>
+</p:sld>
+</file>
+
+<file path=ppt/slides/slide4.xml><?xml version="1.0" encoding="utf-8"?>
+<p:sld xmlns:a="http://schemas.openxmlformats.org/drawingml/2006/main" xmlns:r="http://schemas.openxmlformats.org/officeDocument/2006/relationships" xmlns:p="http://schemas.openxmlformats.org/presentationml/2006/main">
+  <p:cSld>
+    <p:spTree>
+      <p:nvGrpSpPr>
+        <p:cNvPr id="1" name=""/>
+        <p:cNvGrpSpPr/>
+        <p:nvPr/>
+      </p:nvGrpSpPr>
+      <p:grpSpPr>
+        <a:xfrm>
+          <a:off x="0" y="0"/>
+          <a:ext cx="0" cy="0"/>
+          <a:chOff x="0" y="0"/>
+          <a:chExt cx="0" cy="0"/>
+        </a:xfrm>
+      </p:grpSpPr>
+      <p:sp>
+        <p:nvSpPr>
+          <p:cNvPr id="2" name="Título 1"/>
+          <p:cNvSpPr>
+            <a:spLocks noGrp="1"/>
+          </p:cNvSpPr>
+          <p:nvPr>
+            <p:ph type="title"/>
+          </p:nvPr>
+        </p:nvSpPr>
+        <p:spPr/>
+        <p:txBody>
+          <a:bodyPr/>
+          <a:lstStyle/>
           <a:p>
             <a:r>
               <a:rPr lang="pt-BR" dirty="0" smtClean="0"/>
-              <a:t>A prática não segue a teoria</a:t>
+              <a:t>Reuso: Benefícios</a:t>
+            </a:r>
+            <a:endParaRPr lang="pt-BR" dirty="0"/>
+          </a:p>
+        </p:txBody>
+      </p:sp>
+      <p:sp>
+        <p:nvSpPr>
+          <p:cNvPr id="3" name="Espaço Reservado para Conteúdo 2"/>
+          <p:cNvSpPr>
+            <a:spLocks noGrp="1"/>
+          </p:cNvSpPr>
+          <p:nvPr>
+            <p:ph sz="quarter" idx="1"/>
+          </p:nvPr>
+        </p:nvSpPr>
+        <p:spPr/>
+        <p:txBody>
+          <a:bodyPr/>
+          <a:lstStyle/>
+          <a:p>
+            <a:r>
+              <a:rPr lang="pt-BR" dirty="0" smtClean="0"/>
+              <a:t>Confiabilidade Aumentada</a:t>
             </a:r>
           </a:p>
           <a:p>
             <a:pPr lvl="1"/>
             <a:r>
               <a:rPr lang="pt-BR" dirty="0" smtClean="0"/>
-              <a:t>Diversas são as razões para que o reuso não seja adotado: psicológicas, sociológicas, econômicas.</a:t>
+              <a:t>Componentes já testados</a:t>
+            </a:r>
+          </a:p>
+          <a:p>
+            <a:r>
+              <a:rPr lang="pt-BR" dirty="0" smtClean="0"/>
+              <a:t>Risco Reduzido</a:t>
             </a:r>
           </a:p>
           <a:p>
             <a:pPr lvl="1"/>
             <a:r>
               <a:rPr lang="pt-BR" dirty="0" smtClean="0"/>
-              <a:t>Razão técnicas mais importantes</a:t>
+              <a:t>Menos incerteza sobre seu custo</a:t>
+            </a:r>
+          </a:p>
+          <a:p>
+            <a:r>
+              <a:rPr lang="pt-BR" dirty="0" smtClean="0"/>
+              <a:t>Padrões Organizacionais</a:t>
+            </a:r>
+          </a:p>
+          <a:p>
+            <a:pPr lvl="1"/>
+            <a:r>
+              <a:rPr lang="pt-BR" dirty="0" smtClean="0"/>
+              <a:t>Por exemplo, interfaces com usuário</a:t>
+            </a:r>
+          </a:p>
+          <a:p>
+            <a:r>
+              <a:rPr lang="pt-BR" i="1" dirty="0" smtClean="0"/>
+              <a:t>Time to </a:t>
+            </a:r>
+            <a:r>
+              <a:rPr lang="pt-BR" i="1" dirty="0" err="1" smtClean="0"/>
+              <a:t>Market</a:t>
+            </a:r>
+            <a:endParaRPr lang="pt-BR" dirty="0" smtClean="0"/>
+          </a:p>
+          <a:p>
+            <a:pPr lvl="1"/>
+            <a:r>
+              <a:rPr lang="pt-BR" dirty="0" smtClean="0"/>
+              <a:t>Chega ao mercado mais rápido</a:t>
+            </a:r>
+          </a:p>
+          <a:p>
+            <a:r>
+              <a:rPr lang="pt-BR" dirty="0" smtClean="0"/>
+              <a:t>Documentação</a:t>
+            </a:r>
+          </a:p>
+          <a:p>
+            <a:pPr lvl="1"/>
+            <a:r>
+              <a:rPr lang="pt-BR" dirty="0" smtClean="0"/>
+              <a:t>Para ser reusado é necessário estar documentado</a:t>
+            </a:r>
+            <a:endParaRPr lang="pt-BR" dirty="0"/>
+          </a:p>
+        </p:txBody>
+      </p:sp>
+      <p:sp>
+        <p:nvSpPr>
+          <p:cNvPr id="4" name="Espaço Reservado para Data 3"/>
+          <p:cNvSpPr>
+            <a:spLocks noGrp="1"/>
+          </p:cNvSpPr>
+          <p:nvPr>
+            <p:ph type="dt" sz="half" idx="14"/>
+          </p:nvPr>
+        </p:nvSpPr>
+        <p:spPr/>
+        <p:txBody>
+          <a:bodyPr/>
+          <a:lstStyle/>
+          <a:p>
+            <a:r>
+              <a:rPr lang="pt-BR" smtClean="0"/>
+              <a:t>06/07/2009</a:t>
+            </a:r>
+            <a:endParaRPr lang="pt-BR"/>
+          </a:p>
+        </p:txBody>
+      </p:sp>
+      <p:sp>
+        <p:nvSpPr>
+          <p:cNvPr id="5" name="Espaço Reservado para Número de Slide 4"/>
+          <p:cNvSpPr>
+            <a:spLocks noGrp="1"/>
+          </p:cNvSpPr>
+          <p:nvPr>
+            <p:ph type="sldNum" sz="quarter" idx="15"/>
+          </p:nvPr>
+        </p:nvSpPr>
+        <p:spPr/>
+        <p:txBody>
+          <a:bodyPr/>
+          <a:lstStyle/>
+          <a:p>
+            <a:fld id="{B21CF4C9-8548-403D-AA12-946ABD2FAD03}" type="slidenum">
+              <a:rPr lang="pt-BR" smtClean="0"/>
+              <a:pPr/>
+              <a:t>4</a:t>
+            </a:fld>
+            <a:endParaRPr lang="pt-BR" dirty="0"/>
+          </a:p>
+        </p:txBody>
+      </p:sp>
+      <p:sp>
+        <p:nvSpPr>
+          <p:cNvPr id="6" name="Espaço Reservado para Rodapé 5"/>
+          <p:cNvSpPr>
+            <a:spLocks noGrp="1"/>
+          </p:cNvSpPr>
+          <p:nvPr>
+            <p:ph type="ftr" sz="quarter" idx="16"/>
+          </p:nvPr>
+        </p:nvSpPr>
+        <p:spPr/>
+        <p:txBody>
+          <a:bodyPr/>
+          <a:lstStyle/>
+          <a:p>
+            <a:r>
+              <a:rPr lang="pt-BR" smtClean="0"/>
+              <a:t>RASPUTIN</a:t>
+            </a:r>
+            <a:endParaRPr lang="pt-BR"/>
+          </a:p>
+        </p:txBody>
+      </p:sp>
+    </p:spTree>
+  </p:cSld>
+  <p:clrMapOvr>
+    <a:masterClrMapping/>
+  </p:clrMapOvr>
+</p:sld>
+</file>
+
+<file path=ppt/slides/slide5.xml><?xml version="1.0" encoding="utf-8"?>
+<p:sld xmlns:a="http://schemas.openxmlformats.org/drawingml/2006/main" xmlns:r="http://schemas.openxmlformats.org/officeDocument/2006/relationships" xmlns:p="http://schemas.openxmlformats.org/presentationml/2006/main">
+  <p:cSld>
+    <p:spTree>
+      <p:nvGrpSpPr>
+        <p:cNvPr id="1" name=""/>
+        <p:cNvGrpSpPr/>
+        <p:nvPr/>
+      </p:nvGrpSpPr>
+      <p:grpSpPr>
+        <a:xfrm>
+          <a:off x="0" y="0"/>
+          <a:ext cx="0" cy="0"/>
+          <a:chOff x="0" y="0"/>
+          <a:chExt cx="0" cy="0"/>
+        </a:xfrm>
+      </p:grpSpPr>
+      <p:sp>
+        <p:nvSpPr>
+          <p:cNvPr id="2" name="Título 1"/>
+          <p:cNvSpPr>
+            <a:spLocks noGrp="1"/>
+          </p:cNvSpPr>
+          <p:nvPr>
+            <p:ph type="title"/>
+          </p:nvPr>
+        </p:nvSpPr>
+        <p:spPr/>
+        <p:txBody>
+          <a:bodyPr/>
+          <a:lstStyle/>
+          <a:p>
+            <a:r>
+              <a:rPr lang="pt-BR" dirty="0" smtClean="0"/>
+              <a:t>Reuso: Desafios para Adoção</a:t>
+            </a:r>
+            <a:endParaRPr lang="pt-BR" dirty="0"/>
+          </a:p>
+        </p:txBody>
+      </p:sp>
+      <p:sp>
+        <p:nvSpPr>
+          <p:cNvPr id="3" name="Espaço Reservado para Conteúdo 2"/>
+          <p:cNvSpPr>
+            <a:spLocks noGrp="1"/>
+          </p:cNvSpPr>
+          <p:nvPr>
+            <p:ph sz="quarter" idx="1"/>
+          </p:nvPr>
+        </p:nvSpPr>
+        <p:spPr/>
+        <p:txBody>
+          <a:bodyPr/>
+          <a:lstStyle/>
+          <a:p>
+            <a:pPr>
+              <a:lnSpc>
+                <a:spcPct val="150000"/>
+              </a:lnSpc>
+            </a:pPr>
+            <a:r>
+              <a:rPr lang="pt-BR" dirty="0" smtClean="0"/>
+              <a:t>Maiores barreiras são fatores psicológicos, sociológicos e econômicos</a:t>
+            </a:r>
+          </a:p>
+          <a:p>
+            <a:pPr lvl="1">
+              <a:lnSpc>
+                <a:spcPct val="150000"/>
+              </a:lnSpc>
+            </a:pPr>
+            <a:r>
+              <a:rPr lang="pt-BR" i="1" dirty="0" err="1" smtClean="0"/>
+              <a:t>Not</a:t>
+            </a:r>
+            <a:r>
+              <a:rPr lang="pt-BR" i="1" dirty="0" smtClean="0"/>
+              <a:t> </a:t>
+            </a:r>
+            <a:r>
+              <a:rPr lang="pt-BR" i="1" dirty="0" err="1" smtClean="0"/>
+              <a:t>Invented</a:t>
+            </a:r>
+            <a:r>
+              <a:rPr lang="pt-BR" i="1" dirty="0" smtClean="0"/>
+              <a:t> </a:t>
+            </a:r>
+            <a:r>
+              <a:rPr lang="pt-BR" i="1" dirty="0" err="1" smtClean="0"/>
+              <a:t>Here</a:t>
+            </a:r>
+            <a:endParaRPr lang="pt-BR" dirty="0" smtClean="0"/>
+          </a:p>
+          <a:p>
+            <a:pPr lvl="1">
+              <a:lnSpc>
+                <a:spcPct val="150000"/>
+              </a:lnSpc>
+            </a:pPr>
+            <a:r>
+              <a:rPr lang="pt-BR" dirty="0" smtClean="0"/>
+              <a:t>Investimento inicial</a:t>
+            </a:r>
+          </a:p>
+          <a:p>
+            <a:pPr lvl="1">
+              <a:lnSpc>
+                <a:spcPct val="150000"/>
+              </a:lnSpc>
+            </a:pPr>
+            <a:r>
+              <a:rPr lang="pt-BR" dirty="0" smtClean="0"/>
+              <a:t>Resistência gerencial</a:t>
+            </a:r>
+          </a:p>
+          <a:p>
+            <a:pPr>
+              <a:lnSpc>
+                <a:spcPct val="150000"/>
+              </a:lnSpc>
+            </a:pPr>
+            <a:r>
+              <a:rPr lang="pt-BR" dirty="0" smtClean="0"/>
+              <a:t>Maiores barreiras técnicas</a:t>
+            </a:r>
+          </a:p>
+          <a:p>
+            <a:pPr lvl="1">
+              <a:lnSpc>
+                <a:spcPct val="150000"/>
+              </a:lnSpc>
+            </a:pPr>
+            <a:r>
+              <a:rPr lang="pt-BR" dirty="0" smtClean="0"/>
+              <a:t>Dificuldade de encontrar componentes reusáveis</a:t>
+            </a:r>
+          </a:p>
+          <a:p>
+            <a:pPr lvl="1">
+              <a:lnSpc>
+                <a:spcPct val="150000"/>
+              </a:lnSpc>
+            </a:pPr>
+            <a:r>
+              <a:rPr lang="pt-BR" dirty="0" smtClean="0"/>
+              <a:t>Qualidade dos componentes encontrados</a:t>
+            </a:r>
+          </a:p>
+          <a:p>
+            <a:pPr>
+              <a:lnSpc>
+                <a:spcPct val="150000"/>
+              </a:lnSpc>
+            </a:pPr>
+            <a:endParaRPr lang="pt-BR" dirty="0"/>
+          </a:p>
+        </p:txBody>
+      </p:sp>
+      <p:sp>
+        <p:nvSpPr>
+          <p:cNvPr id="4" name="Espaço Reservado para Data 3"/>
+          <p:cNvSpPr>
+            <a:spLocks noGrp="1"/>
+          </p:cNvSpPr>
+          <p:nvPr>
+            <p:ph type="dt" sz="half" idx="14"/>
+          </p:nvPr>
+        </p:nvSpPr>
+        <p:spPr/>
+        <p:txBody>
+          <a:bodyPr/>
+          <a:lstStyle/>
+          <a:p>
+            <a:r>
+              <a:rPr lang="pt-BR" smtClean="0"/>
+              <a:t>06/07/2009</a:t>
+            </a:r>
+            <a:endParaRPr lang="pt-BR"/>
+          </a:p>
+        </p:txBody>
+      </p:sp>
+      <p:sp>
+        <p:nvSpPr>
+          <p:cNvPr id="5" name="Espaço Reservado para Número de Slide 4"/>
+          <p:cNvSpPr>
+            <a:spLocks noGrp="1"/>
+          </p:cNvSpPr>
+          <p:nvPr>
+            <p:ph type="sldNum" sz="quarter" idx="15"/>
+          </p:nvPr>
+        </p:nvSpPr>
+        <p:spPr/>
+        <p:txBody>
+          <a:bodyPr/>
+          <a:lstStyle/>
+          <a:p>
+            <a:fld id="{B21CF4C9-8548-403D-AA12-946ABD2FAD03}" type="slidenum">
+              <a:rPr lang="pt-BR" smtClean="0"/>
+              <a:pPr/>
+              <a:t>5</a:t>
+            </a:fld>
+            <a:endParaRPr lang="pt-BR" dirty="0"/>
+          </a:p>
+        </p:txBody>
+      </p:sp>
+      <p:sp>
+        <p:nvSpPr>
+          <p:cNvPr id="6" name="Espaço Reservado para Rodapé 5"/>
+          <p:cNvSpPr>
+            <a:spLocks noGrp="1"/>
+          </p:cNvSpPr>
+          <p:nvPr>
+            <p:ph type="ftr" sz="quarter" idx="16"/>
+          </p:nvPr>
+        </p:nvSpPr>
+        <p:spPr/>
+        <p:txBody>
+          <a:bodyPr/>
+          <a:lstStyle/>
+          <a:p>
+            <a:r>
+              <a:rPr lang="pt-BR" smtClean="0"/>
+              <a:t>RASPUTIN</a:t>
+            </a:r>
+            <a:endParaRPr lang="pt-BR"/>
+          </a:p>
+        </p:txBody>
+      </p:sp>
+    </p:spTree>
+  </p:cSld>
+  <p:clrMapOvr>
+    <a:masterClrMapping/>
+  </p:clrMapOvr>
+</p:sld>
+</file>
+
+<file path=ppt/slides/slide6.xml><?xml version="1.0" encoding="utf-8"?>
+<p:sld xmlns:a="http://schemas.openxmlformats.org/drawingml/2006/main" xmlns:r="http://schemas.openxmlformats.org/officeDocument/2006/relationships" xmlns:p="http://schemas.openxmlformats.org/presentationml/2006/main">
+  <p:cSld>
+    <p:spTree>
+      <p:nvGrpSpPr>
+        <p:cNvPr id="1" name=""/>
+        <p:cNvGrpSpPr/>
+        <p:nvPr/>
+      </p:nvGrpSpPr>
+      <p:grpSpPr>
+        <a:xfrm>
+          <a:off x="0" y="0"/>
+          <a:ext cx="0" cy="0"/>
+          <a:chOff x="0" y="0"/>
+          <a:chExt cx="0" cy="0"/>
+        </a:xfrm>
+      </p:grpSpPr>
+      <p:sp>
+        <p:nvSpPr>
+          <p:cNvPr id="2" name="Título 1"/>
+          <p:cNvSpPr>
+            <a:spLocks noGrp="1"/>
+          </p:cNvSpPr>
+          <p:nvPr>
+            <p:ph type="title"/>
+          </p:nvPr>
+        </p:nvSpPr>
+        <p:spPr/>
+        <p:txBody>
+          <a:bodyPr/>
+          <a:lstStyle/>
+          <a:p>
+            <a:r>
+              <a:rPr lang="pt-BR" dirty="0" smtClean="0"/>
+              <a:t>Reuso: Soluções Avaliadas</a:t>
+            </a:r>
+            <a:endParaRPr lang="pt-BR" dirty="0"/>
+          </a:p>
+        </p:txBody>
+      </p:sp>
+      <p:sp>
+        <p:nvSpPr>
+          <p:cNvPr id="3" name="Espaço Reservado para Conteúdo 2"/>
+          <p:cNvSpPr>
+            <a:spLocks noGrp="1"/>
+          </p:cNvSpPr>
+          <p:nvPr>
+            <p:ph sz="quarter" idx="1"/>
+          </p:nvPr>
+        </p:nvSpPr>
+        <p:spPr/>
+        <p:txBody>
+          <a:bodyPr/>
+          <a:lstStyle/>
+          <a:p>
+            <a:r>
+              <a:rPr lang="pt-BR" dirty="0" smtClean="0"/>
+              <a:t>Ferramentas Estudadas</a:t>
+            </a:r>
+          </a:p>
+          <a:p>
+            <a:pPr lvl="1"/>
+            <a:r>
+              <a:rPr lang="pt-BR" dirty="0" smtClean="0"/>
+              <a:t>BART e CORE (</a:t>
+            </a:r>
+            <a:r>
+              <a:rPr lang="pt-BR" dirty="0" err="1" smtClean="0"/>
+              <a:t>RiSE</a:t>
+            </a:r>
+            <a:r>
+              <a:rPr lang="pt-BR" dirty="0" smtClean="0"/>
+              <a:t>)</a:t>
             </a:r>
           </a:p>
           <a:p>
             <a:pPr lvl="2"/>
             <a:r>
               <a:rPr lang="pt-BR" dirty="0" smtClean="0"/>
-              <a:t>Falta de métodos de pesquisa para encontrar as peças necessárias</a:t>
+              <a:t>Mecanismo de busca e repositório de suporte ao reuso sistemático de software</a:t>
+            </a:r>
+          </a:p>
+          <a:p>
+            <a:pPr lvl="1"/>
+            <a:r>
+              <a:rPr lang="pt-BR" dirty="0" err="1" smtClean="0"/>
+              <a:t>Rational</a:t>
+            </a:r>
+            <a:r>
+              <a:rPr lang="pt-BR" dirty="0" smtClean="0"/>
+              <a:t> </a:t>
+            </a:r>
+            <a:r>
+              <a:rPr lang="pt-BR" dirty="0" err="1" smtClean="0"/>
+              <a:t>Asset</a:t>
+            </a:r>
+            <a:r>
+              <a:rPr lang="pt-BR" dirty="0" smtClean="0"/>
+              <a:t> Manager (</a:t>
+            </a:r>
+            <a:r>
+              <a:rPr lang="pt-BR" dirty="0" err="1" smtClean="0"/>
+              <a:t>Rational</a:t>
+            </a:r>
+            <a:r>
+              <a:rPr lang="pt-BR" dirty="0" smtClean="0"/>
+              <a:t>)</a:t>
             </a:r>
           </a:p>
           <a:p>
             <a:pPr lvl="2"/>
             <a:r>
               <a:rPr lang="pt-BR" dirty="0" smtClean="0"/>
-              <a:t>Eventual qualidade baixa dos componentes encontrados</a:t>
-            </a:r>
+              <a:t>Auxilia as tarefas de submissão, categorização, acesso e medição</a:t>
+            </a:r>
+          </a:p>
+          <a:p>
+            <a:pPr lvl="1"/>
+            <a:r>
+              <a:rPr lang="pt-BR" dirty="0" err="1" smtClean="0"/>
+              <a:t>ARCSeeker</a:t>
+            </a:r>
+            <a:r>
+              <a:rPr lang="pt-BR" dirty="0" smtClean="0"/>
+              <a:t> (SPARX)</a:t>
+            </a:r>
+          </a:p>
+          <a:p>
+            <a:pPr lvl="2"/>
+            <a:r>
+              <a:rPr lang="pt-BR" dirty="0" smtClean="0"/>
+              <a:t>Possibilita reuso de modelos UML gerados com a ferramenta Enterprise </a:t>
+            </a:r>
+            <a:r>
+              <a:rPr lang="pt-BR" dirty="0" err="1" smtClean="0"/>
+              <a:t>Architect</a:t>
+            </a:r>
+            <a:endParaRPr lang="pt-BR" dirty="0" smtClean="0"/>
+          </a:p>
+          <a:p>
+            <a:pPr lvl="1"/>
+            <a:r>
+              <a:rPr lang="pt-BR" dirty="0" err="1" smtClean="0"/>
+              <a:t>Maven</a:t>
+            </a:r>
+            <a:r>
+              <a:rPr lang="pt-BR" dirty="0" smtClean="0"/>
+              <a:t> e Archiva</a:t>
+            </a:r>
+          </a:p>
+          <a:p>
+            <a:pPr lvl="2"/>
+            <a:r>
+              <a:rPr lang="pt-BR" dirty="0" smtClean="0"/>
+              <a:t>Gerenciamento, compreensão, construção  e documentação de projetos </a:t>
+            </a:r>
+            <a:r>
+              <a:rPr lang="pt-BR" smtClean="0"/>
+              <a:t>de software.</a:t>
+            </a:r>
+            <a:endParaRPr lang="pt-BR" dirty="0" smtClean="0"/>
+          </a:p>
+          <a:p>
+            <a:pPr lvl="2"/>
+            <a:endParaRPr lang="pt-BR" dirty="0" smtClean="0"/>
+          </a:p>
+          <a:p>
+            <a:pPr lvl="1"/>
+            <a:endParaRPr lang="pt-BR" dirty="0" smtClean="0"/>
+          </a:p>
+          <a:p>
+            <a:pPr lvl="1"/>
+            <a:endParaRPr lang="pt-BR" dirty="0" smtClean="0"/>
+          </a:p>
+          <a:p>
+            <a:pPr lvl="1"/>
+            <a:endParaRPr lang="pt-BR" dirty="0" smtClean="0"/>
+          </a:p>
+          <a:p>
+            <a:pPr lvl="1"/>
+            <a:endParaRPr lang="pt-BR" dirty="0"/>
+          </a:p>
+        </p:txBody>
+      </p:sp>
+      <p:sp>
+        <p:nvSpPr>
+          <p:cNvPr id="4" name="Espaço Reservado para Data 3"/>
+          <p:cNvSpPr>
+            <a:spLocks noGrp="1"/>
+          </p:cNvSpPr>
+          <p:nvPr>
+            <p:ph type="dt" sz="half" idx="14"/>
+          </p:nvPr>
+        </p:nvSpPr>
+        <p:spPr/>
+        <p:txBody>
+          <a:bodyPr/>
+          <a:lstStyle/>
+          <a:p>
+            <a:r>
+              <a:rPr lang="pt-BR" smtClean="0"/>
+              <a:t>06/07/2009</a:t>
+            </a:r>
+            <a:endParaRPr lang="pt-BR"/>
+          </a:p>
+        </p:txBody>
+      </p:sp>
+      <p:sp>
+        <p:nvSpPr>
+          <p:cNvPr id="5" name="Espaço Reservado para Número de Slide 4"/>
+          <p:cNvSpPr>
+            <a:spLocks noGrp="1"/>
+          </p:cNvSpPr>
+          <p:nvPr>
+            <p:ph type="sldNum" sz="quarter" idx="15"/>
+          </p:nvPr>
+        </p:nvSpPr>
+        <p:spPr/>
+        <p:txBody>
+          <a:bodyPr/>
+          <a:lstStyle/>
+          <a:p>
+            <a:fld id="{B21CF4C9-8548-403D-AA12-946ABD2FAD03}" type="slidenum">
+              <a:rPr lang="pt-BR" smtClean="0"/>
+              <a:pPr/>
+              <a:t>6</a:t>
+            </a:fld>
+            <a:endParaRPr lang="pt-BR" dirty="0"/>
+          </a:p>
+        </p:txBody>
+      </p:sp>
+      <p:sp>
+        <p:nvSpPr>
+          <p:cNvPr id="6" name="Espaço Reservado para Rodapé 5"/>
+          <p:cNvSpPr>
+            <a:spLocks noGrp="1"/>
+          </p:cNvSpPr>
+          <p:nvPr>
+            <p:ph type="ftr" sz="quarter" idx="16"/>
+          </p:nvPr>
+        </p:nvSpPr>
+        <p:spPr/>
+        <p:txBody>
+          <a:bodyPr/>
+          <a:lstStyle/>
+          <a:p>
+            <a:r>
+              <a:rPr lang="pt-BR" smtClean="0"/>
+              <a:t>RASPUTIN</a:t>
+            </a:r>
+            <a:endParaRPr lang="pt-BR"/>
+          </a:p>
+        </p:txBody>
+      </p:sp>
+    </p:spTree>
+  </p:cSld>
+  <p:clrMapOvr>
+    <a:masterClrMapping/>
+  </p:clrMapOvr>
+</p:sld>
+</file>
+
+<file path=ppt/slides/slide7.xml><?xml version="1.0" encoding="utf-8"?>
+<p:sld xmlns:a="http://schemas.openxmlformats.org/drawingml/2006/main" xmlns:r="http://schemas.openxmlformats.org/officeDocument/2006/relationships" xmlns:p="http://schemas.openxmlformats.org/presentationml/2006/main">
+  <p:cSld>
+    <p:spTree>
+      <p:nvGrpSpPr>
+        <p:cNvPr id="1" name=""/>
+        <p:cNvGrpSpPr/>
+        <p:nvPr/>
+      </p:nvGrpSpPr>
+      <p:grpSpPr>
+        <a:xfrm>
+          <a:off x="0" y="0"/>
+          <a:ext cx="0" cy="0"/>
+          <a:chOff x="0" y="0"/>
+          <a:chExt cx="0" cy="0"/>
+        </a:xfrm>
+      </p:grpSpPr>
+      <p:sp>
+        <p:nvSpPr>
+          <p:cNvPr id="2" name="Título 1"/>
+          <p:cNvSpPr>
+            <a:spLocks noGrp="1"/>
+          </p:cNvSpPr>
+          <p:nvPr>
+            <p:ph type="title"/>
+          </p:nvPr>
+        </p:nvSpPr>
+        <p:spPr/>
+        <p:txBody>
+          <a:bodyPr/>
+          <a:lstStyle/>
+          <a:p>
+            <a:endParaRPr lang="pt-BR"/>
+          </a:p>
+        </p:txBody>
+      </p:sp>
+      <p:sp>
+        <p:nvSpPr>
+          <p:cNvPr id="3" name="Espaço Reservado para Conteúdo 2"/>
+          <p:cNvSpPr>
+            <a:spLocks noGrp="1"/>
+          </p:cNvSpPr>
+          <p:nvPr>
+            <p:ph sz="quarter" idx="1"/>
+          </p:nvPr>
+        </p:nvSpPr>
+        <p:spPr/>
+        <p:txBody>
+          <a:bodyPr/>
+          <a:lstStyle/>
+          <a:p>
+            <a:endParaRPr lang="pt-BR"/>
+          </a:p>
+        </p:txBody>
+      </p:sp>
+      <p:sp>
+        <p:nvSpPr>
+          <p:cNvPr id="4" name="Espaço Reservado para Data 3"/>
+          <p:cNvSpPr>
+            <a:spLocks noGrp="1"/>
+          </p:cNvSpPr>
+          <p:nvPr>
+            <p:ph type="dt" sz="half" idx="14"/>
+          </p:nvPr>
+        </p:nvSpPr>
+        <p:spPr/>
+        <p:txBody>
+          <a:bodyPr/>
+          <a:lstStyle/>
+          <a:p>
+            <a:r>
+              <a:rPr lang="pt-BR" smtClean="0"/>
+              <a:t>06/07/2009</a:t>
+            </a:r>
+            <a:endParaRPr lang="pt-BR"/>
+          </a:p>
+        </p:txBody>
+      </p:sp>
+      <p:sp>
+        <p:nvSpPr>
+          <p:cNvPr id="5" name="Espaço Reservado para Número de Slide 4"/>
+          <p:cNvSpPr>
+            <a:spLocks noGrp="1"/>
+          </p:cNvSpPr>
+          <p:nvPr>
+            <p:ph type="sldNum" sz="quarter" idx="15"/>
+          </p:nvPr>
+        </p:nvSpPr>
+        <p:spPr/>
+        <p:txBody>
+          <a:bodyPr/>
+          <a:lstStyle/>
+          <a:p>
+            <a:fld id="{B21CF4C9-8548-403D-AA12-946ABD2FAD03}" type="slidenum">
+              <a:rPr lang="pt-BR" smtClean="0"/>
+              <a:pPr/>
+              <a:t>7</a:t>
+            </a:fld>
+            <a:endParaRPr lang="pt-BR" dirty="0"/>
+          </a:p>
+        </p:txBody>
+      </p:sp>
+      <p:sp>
+        <p:nvSpPr>
+          <p:cNvPr id="6" name="Espaço Reservado para Rodapé 5"/>
+          <p:cNvSpPr>
+            <a:spLocks noGrp="1"/>
+          </p:cNvSpPr>
+          <p:nvPr>
+            <p:ph type="ftr" sz="quarter" idx="16"/>
+          </p:nvPr>
+        </p:nvSpPr>
+        <p:spPr/>
+        <p:txBody>
+          <a:bodyPr/>
+          <a:lstStyle/>
+          <a:p>
+            <a:r>
+              <a:rPr lang="pt-BR" smtClean="0"/>
+              <a:t>RASPUTIN</a:t>
+            </a:r>
+            <a:endParaRPr lang="pt-BR"/>
+          </a:p>
+        </p:txBody>
+      </p:sp>
+    </p:spTree>
+  </p:cSld>
+  <p:clrMapOvr>
+    <a:masterClrMapping/>
+  </p:clrMapOvr>
+</p:sld>
+</file>
+
+<file path=ppt/slides/slide8.xml><?xml version="1.0" encoding="utf-8"?>
+<p:sld xmlns:a="http://schemas.openxmlformats.org/drawingml/2006/main" xmlns:r="http://schemas.openxmlformats.org/officeDocument/2006/relationships" xmlns:p="http://schemas.openxmlformats.org/presentationml/2006/main">
+  <p:cSld>
+    <p:spTree>
+      <p:nvGrpSpPr>
+        <p:cNvPr id="1" name=""/>
+        <p:cNvGrpSpPr/>
+        <p:nvPr/>
+      </p:nvGrpSpPr>
+      <p:grpSpPr>
+        <a:xfrm>
+          <a:off x="0" y="0"/>
+          <a:ext cx="0" cy="0"/>
+          <a:chOff x="0" y="0"/>
+          <a:chExt cx="0" cy="0"/>
+        </a:xfrm>
+      </p:grpSpPr>
+      <p:sp>
+        <p:nvSpPr>
+          <p:cNvPr id="2" name="Título 1"/>
+          <p:cNvSpPr>
+            <a:spLocks noGrp="1"/>
+          </p:cNvSpPr>
+          <p:nvPr>
+            <p:ph type="title"/>
+          </p:nvPr>
+        </p:nvSpPr>
+        <p:spPr/>
+        <p:txBody>
+          <a:bodyPr/>
+          <a:lstStyle/>
+          <a:p>
+            <a:r>
+              <a:rPr lang="pt-BR" dirty="0" smtClean="0"/>
+              <a:t>Desenvolvendo </a:t>
+            </a:r>
+            <a:r>
+              <a:rPr lang="pt-BR" b="1" dirty="0" smtClean="0"/>
+              <a:t>com</a:t>
+            </a:r>
+            <a:r>
+              <a:rPr lang="pt-BR" dirty="0" smtClean="0"/>
+              <a:t> Reuso</a:t>
+            </a:r>
+            <a:endParaRPr lang="pt-BR" dirty="0"/>
+          </a:p>
+        </p:txBody>
+      </p:sp>
+      <p:sp>
+        <p:nvSpPr>
+          <p:cNvPr id="3" name="Espaço Reservado para Conteúdo 2"/>
+          <p:cNvSpPr>
+            <a:spLocks noGrp="1"/>
+          </p:cNvSpPr>
+          <p:nvPr>
+            <p:ph sz="quarter" idx="1"/>
+          </p:nvPr>
+        </p:nvSpPr>
+        <p:spPr/>
+        <p:txBody>
+          <a:bodyPr/>
+          <a:lstStyle/>
+          <a:p>
+            <a:endParaRPr lang="pt-BR"/>
+          </a:p>
+        </p:txBody>
+      </p:sp>
+      <p:sp>
+        <p:nvSpPr>
+          <p:cNvPr id="4" name="Espaço Reservado para Data 3"/>
+          <p:cNvSpPr>
+            <a:spLocks noGrp="1"/>
+          </p:cNvSpPr>
+          <p:nvPr>
+            <p:ph type="dt" sz="half" idx="14"/>
+          </p:nvPr>
+        </p:nvSpPr>
+        <p:spPr/>
+        <p:txBody>
+          <a:bodyPr/>
+          <a:lstStyle/>
+          <a:p>
+            <a:r>
+              <a:rPr lang="pt-BR" smtClean="0"/>
+              <a:t>06/07/2009</a:t>
+            </a:r>
+            <a:endParaRPr lang="pt-BR"/>
+          </a:p>
+        </p:txBody>
+      </p:sp>
+      <p:sp>
+        <p:nvSpPr>
+          <p:cNvPr id="5" name="Espaço Reservado para Número de Slide 4"/>
+          <p:cNvSpPr>
+            <a:spLocks noGrp="1"/>
+          </p:cNvSpPr>
+          <p:nvPr>
+            <p:ph type="sldNum" sz="quarter" idx="15"/>
+          </p:nvPr>
+        </p:nvSpPr>
+        <p:spPr/>
+        <p:txBody>
+          <a:bodyPr/>
+          <a:lstStyle/>
+          <a:p>
+            <a:fld id="{B21CF4C9-8548-403D-AA12-946ABD2FAD03}" type="slidenum">
+              <a:rPr lang="pt-BR" smtClean="0"/>
+              <a:pPr/>
+              <a:t>8</a:t>
+            </a:fld>
+            <a:endParaRPr lang="pt-BR" dirty="0"/>
+          </a:p>
+        </p:txBody>
+      </p:sp>
+      <p:sp>
+        <p:nvSpPr>
+          <p:cNvPr id="6" name="Espaço Reservado para Rodapé 5"/>
+          <p:cNvSpPr>
+            <a:spLocks noGrp="1"/>
+          </p:cNvSpPr>
+          <p:nvPr>
+            <p:ph type="ftr" sz="quarter" idx="16"/>
+          </p:nvPr>
+        </p:nvSpPr>
+        <p:spPr/>
+        <p:txBody>
+          <a:bodyPr/>
+          <a:lstStyle/>
+          <a:p>
+            <a:r>
+              <a:rPr lang="pt-BR" smtClean="0"/>
+              <a:t>RASPUTIN</a:t>
+            </a:r>
+            <a:endParaRPr lang="pt-BR"/>
+          </a:p>
+        </p:txBody>
+      </p:sp>
+    </p:spTree>
+  </p:cSld>
+  <p:clrMapOvr>
+    <a:masterClrMapping/>
+  </p:clrMapOvr>
+</p:sld>
+</file>
+
+<file path=ppt/slides/slide9.xml><?xml version="1.0" encoding="utf-8"?>
+<p:sld xmlns:a="http://schemas.openxmlformats.org/drawingml/2006/main" xmlns:r="http://schemas.openxmlformats.org/officeDocument/2006/relationships" xmlns:p="http://schemas.openxmlformats.org/presentationml/2006/main">
+  <p:cSld>
+    <p:spTree>
+      <p:nvGrpSpPr>
+        <p:cNvPr id="1" name=""/>
+        <p:cNvGrpSpPr/>
+        <p:nvPr/>
+      </p:nvGrpSpPr>
+      <p:grpSpPr>
+        <a:xfrm>
+          <a:off x="0" y="0"/>
+          <a:ext cx="0" cy="0"/>
+          <a:chOff x="0" y="0"/>
+          <a:chExt cx="0" cy="0"/>
+        </a:xfrm>
+      </p:grpSpPr>
+      <p:sp>
+        <p:nvSpPr>
+          <p:cNvPr id="2" name="Título 1"/>
+          <p:cNvSpPr>
+            <a:spLocks noGrp="1"/>
+          </p:cNvSpPr>
+          <p:nvPr>
+            <p:ph type="title"/>
+          </p:nvPr>
+        </p:nvSpPr>
+        <p:spPr/>
+        <p:txBody>
+          <a:bodyPr/>
+          <a:lstStyle/>
+          <a:p>
+            <a:r>
+              <a:rPr lang="pt-BR" dirty="0" smtClean="0"/>
+              <a:t>Desenvolvendo </a:t>
+            </a:r>
+            <a:r>
+              <a:rPr lang="pt-BR" b="1" dirty="0" smtClean="0"/>
+              <a:t>para</a:t>
+            </a:r>
+            <a:r>
+              <a:rPr lang="pt-BR" dirty="0" smtClean="0"/>
+              <a:t> Reuso</a:t>
+            </a:r>
+            <a:endParaRPr lang="pt-BR" dirty="0"/>
+          </a:p>
+        </p:txBody>
+      </p:sp>
+      <p:sp>
+        <p:nvSpPr>
+          <p:cNvPr id="3" name="Espaço Reservado para Conteúdo 2"/>
+          <p:cNvSpPr>
+            <a:spLocks noGrp="1"/>
+          </p:cNvSpPr>
+          <p:nvPr>
+            <p:ph sz="quarter" idx="1"/>
+          </p:nvPr>
+        </p:nvSpPr>
+        <p:spPr/>
+        <p:txBody>
+          <a:bodyPr/>
+          <a:lstStyle/>
+          <a:p>
+            <a:endParaRPr lang="pt-BR"/>
+          </a:p>
+        </p:txBody>
+      </p:sp>
+      <p:sp>
+        <p:nvSpPr>
+          <p:cNvPr id="4" name="Espaço Reservado para Data 3"/>
+          <p:cNvSpPr>
+            <a:spLocks noGrp="1"/>
+          </p:cNvSpPr>
+          <p:nvPr>
+            <p:ph type="dt" sz="half" idx="14"/>
+          </p:nvPr>
+        </p:nvSpPr>
+        <p:spPr/>
+        <p:txBody>
+          <a:bodyPr/>
+          <a:lstStyle/>
+          <a:p>
+            <a:r>
+              <a:rPr lang="pt-BR" smtClean="0"/>
+              <a:t>06/07/2009</a:t>
+            </a:r>
+            <a:endParaRPr lang="pt-BR"/>
+          </a:p>
+        </p:txBody>
+      </p:sp>
+      <p:sp>
+        <p:nvSpPr>
+          <p:cNvPr id="5" name="Espaço Reservado para Número de Slide 4"/>
+          <p:cNvSpPr>
+            <a:spLocks noGrp="1"/>
+          </p:cNvSpPr>
+          <p:nvPr>
+            <p:ph type="sldNum" sz="quarter" idx="15"/>
+          </p:nvPr>
+        </p:nvSpPr>
+        <p:spPr/>
+        <p:txBody>
+          <a:bodyPr/>
+          <a:lstStyle/>
+          <a:p>
+            <a:fld id="{B21CF4C9-8548-403D-AA12-946ABD2FAD03}" type="slidenum">
+              <a:rPr lang="pt-BR" smtClean="0"/>
+              <a:pPr/>
+              <a:t>9</a:t>
+            </a:fld>
+            <a:endParaRPr lang="pt-BR" dirty="0"/>
+          </a:p>
+        </p:txBody>
+      </p:sp>
+      <p:sp>
+        <p:nvSpPr>
+          <p:cNvPr id="6" name="Espaço Reservado para Rodapé 5"/>
+          <p:cNvSpPr>
+            <a:spLocks noGrp="1"/>
+          </p:cNvSpPr>
+          <p:nvPr>
+            <p:ph type="ftr" sz="quarter" idx="16"/>
+          </p:nvPr>
+        </p:nvSpPr>
+        <p:spPr/>
+        <p:txBody>
+          <a:bodyPr/>
+          <a:lstStyle/>
+          <a:p>
+            <a:r>
+              <a:rPr lang="pt-BR" smtClean="0"/>
+              <a:t>RASPUTIN</a:t>
+            </a:r>
+            <a:endParaRPr lang="pt-BR"/>
           </a:p>
         </p:txBody>
       </p:sp>
@@ -5612,4 +9036,287 @@
   <a:objectDefaults/>
   <a:extraClrSchemeLst/>
 </a:theme>
+</file>
+
+<file path=ppt/theme/theme2.xml><?xml version="1.0" encoding="utf-8"?>
+<a:theme xmlns:a="http://schemas.openxmlformats.org/drawingml/2006/main" name="Tema do Office">
+  <a:themeElements>
+    <a:clrScheme name="Escritório">
+      <a:dk1>
+        <a:sysClr val="windowText" lastClr="000000"/>
+      </a:dk1>
+      <a:lt1>
+        <a:sysClr val="window" lastClr="FFFFFF"/>
+      </a:lt1>
+      <a:dk2>
+        <a:srgbClr val="1F497D"/>
+      </a:dk2>
+      <a:lt2>
+        <a:srgbClr val="EEECE1"/>
+      </a:lt2>
+      <a:accent1>
+        <a:srgbClr val="4F81BD"/>
+      </a:accent1>
+      <a:accent2>
+        <a:srgbClr val="C0504D"/>
+      </a:accent2>
+      <a:accent3>
+        <a:srgbClr val="9BBB59"/>
+      </a:accent3>
+      <a:accent4>
+        <a:srgbClr val="8064A2"/>
+      </a:accent4>
+      <a:accent5>
+        <a:srgbClr val="4BACC6"/>
+      </a:accent5>
+      <a:accent6>
+        <a:srgbClr val="F79646"/>
+      </a:accent6>
+      <a:hlink>
+        <a:srgbClr val="0000FF"/>
+      </a:hlink>
+      <a:folHlink>
+        <a:srgbClr val="800080"/>
+      </a:folHlink>
+    </a:clrScheme>
+    <a:fontScheme name="Escritório">
+      <a:majorFont>
+        <a:latin typeface="Calibri"/>
+        <a:ea typeface=""/>
+        <a:cs typeface=""/>
+        <a:font script="Jpan" typeface="ＭＳ Ｐゴシック"/>
+        <a:font script="Hang" typeface="맑은 고딕"/>
+        <a:font script="Hans" typeface="宋体"/>
+        <a:font script="Hant" typeface="新細明體"/>
+        <a:font script="Arab" typeface="Times New Roman"/>
+        <a:font script="Hebr" typeface="Times New Roman"/>
+        <a:font script="Thai" typeface="Angsana New"/>
+        <a:font script="Ethi" typeface="Nyala"/>
+        <a:font script="Beng" typeface="Vrinda"/>
+        <a:font script="Gujr" typeface="Shruti"/>
+        <a:font script="Khmr" typeface="MoolBoran"/>
+        <a:font script="Knda" typeface="Tunga"/>
+        <a:font script="Guru" typeface="Raavi"/>
+        <a:font script="Cans" typeface="Euphemia"/>
+        <a:font script="Cher" typeface="Plantagenet Cherokee"/>
+        <a:font script="Yiii" typeface="Microsoft Yi Baiti"/>
+        <a:font script="Tibt" typeface="Microsoft Himalaya"/>
+        <a:font script="Thaa" typeface="MV Boli"/>
+        <a:font script="Deva" typeface="Mangal"/>
+        <a:font script="Telu" typeface="Gautami"/>
+        <a:font script="Taml" typeface="Latha"/>
+        <a:font script="Syrc" typeface="Estrangelo Edessa"/>
+        <a:font script="Orya" typeface="Kalinga"/>
+        <a:font script="Mlym" typeface="Kartika"/>
+        <a:font script="Laoo" typeface="DokChampa"/>
+        <a:font script="Sinh" typeface="Iskoola Pota"/>
+        <a:font script="Mong" typeface="Mongolian Baiti"/>
+        <a:font script="Viet" typeface="Times New Roman"/>
+        <a:font script="Uigh" typeface="Microsoft Uighur"/>
+      </a:majorFont>
+      <a:minorFont>
+        <a:latin typeface="Calibri"/>
+        <a:ea typeface=""/>
+        <a:cs typeface=""/>
+        <a:font script="Jpan" typeface="ＭＳ Ｐゴシック"/>
+        <a:font script="Hang" typeface="맑은 고딕"/>
+        <a:font script="Hans" typeface="宋体"/>
+        <a:font script="Hant" typeface="新細明體"/>
+        <a:font script="Arab" typeface="Arial"/>
+        <a:font script="Hebr" typeface="Arial"/>
+        <a:font script="Thai" typeface="Cordia New"/>
+        <a:font script="Ethi" typeface="Nyala"/>
+        <a:font script="Beng" typeface="Vrinda"/>
+        <a:font script="Gujr" typeface="Shruti"/>
+        <a:font script="Khmr" typeface="DaunPenh"/>
+        <a:font script="Knda" typeface="Tunga"/>
+        <a:font script="Guru" typeface="Raavi"/>
+        <a:font script="Cans" typeface="Euphemia"/>
+        <a:font script="Cher" typeface="Plantagenet Cherokee"/>
+        <a:font script="Yiii" typeface="Microsoft Yi Baiti"/>
+        <a:font script="Tibt" typeface="Microsoft Himalaya"/>
+        <a:font script="Thaa" typeface="MV Boli"/>
+        <a:font script="Deva" typeface="Mangal"/>
+        <a:font script="Telu" typeface="Gautami"/>
+        <a:font script="Taml" typeface="Latha"/>
+        <a:font script="Syrc" typeface="Estrangelo Edessa"/>
+        <a:font script="Orya" typeface="Kalinga"/>
+        <a:font script="Mlym" typeface="Kartika"/>
+        <a:font script="Laoo" typeface="DokChampa"/>
+        <a:font script="Sinh" typeface="Iskoola Pota"/>
+        <a:font script="Mong" typeface="Mongolian Baiti"/>
+        <a:font script="Viet" typeface="Arial"/>
+        <a:font script="Uigh" typeface="Microsoft Uighur"/>
+      </a:minorFont>
+    </a:fontScheme>
+    <a:fmtScheme name="Escritório">
+      <a:fillStyleLst>
+        <a:solidFill>
+          <a:schemeClr val="phClr"/>
+        </a:solidFill>
+        <a:gradFill rotWithShape="1">
+          <a:gsLst>
+            <a:gs pos="0">
+              <a:schemeClr val="phClr">
+                <a:tint val="50000"/>
+                <a:satMod val="300000"/>
+              </a:schemeClr>
+            </a:gs>
+            <a:gs pos="35000">
+              <a:schemeClr val="phClr">
+                <a:tint val="37000"/>
+                <a:satMod val="300000"/>
+              </a:schemeClr>
+            </a:gs>
+            <a:gs pos="100000">
+              <a:schemeClr val="phClr">
+                <a:tint val="15000"/>
+                <a:satMod val="350000"/>
+              </a:schemeClr>
+            </a:gs>
+          </a:gsLst>
+          <a:lin ang="16200000" scaled="1"/>
+        </a:gradFill>
+        <a:gradFill rotWithShape="1">
+          <a:gsLst>
+            <a:gs pos="0">
+              <a:schemeClr val="phClr">
+                <a:shade val="51000"/>
+                <a:satMod val="130000"/>
+              </a:schemeClr>
+            </a:gs>
+            <a:gs pos="80000">
+              <a:schemeClr val="phClr">
+                <a:shade val="93000"/>
+                <a:satMod val="130000"/>
+              </a:schemeClr>
+            </a:gs>
+            <a:gs pos="100000">
+              <a:schemeClr val="phClr">
+                <a:shade val="94000"/>
+                <a:satMod val="135000"/>
+              </a:schemeClr>
+            </a:gs>
+          </a:gsLst>
+          <a:lin ang="16200000" scaled="0"/>
+        </a:gradFill>
+      </a:fillStyleLst>
+      <a:lnStyleLst>
+        <a:ln w="9525" cap="flat" cmpd="sng" algn="ctr">
+          <a:solidFill>
+            <a:schemeClr val="phClr">
+              <a:shade val="95000"/>
+              <a:satMod val="105000"/>
+            </a:schemeClr>
+          </a:solidFill>
+          <a:prstDash val="solid"/>
+        </a:ln>
+        <a:ln w="25400" cap="flat" cmpd="sng" algn="ctr">
+          <a:solidFill>
+            <a:schemeClr val="phClr"/>
+          </a:solidFill>
+          <a:prstDash val="solid"/>
+        </a:ln>
+        <a:ln w="38100" cap="flat" cmpd="sng" algn="ctr">
+          <a:solidFill>
+            <a:schemeClr val="phClr"/>
+          </a:solidFill>
+          <a:prstDash val="solid"/>
+        </a:ln>
+      </a:lnStyleLst>
+      <a:effectStyleLst>
+        <a:effectStyle>
+          <a:effectLst>
+            <a:outerShdw blurRad="40000" dist="20000" dir="5400000" rotWithShape="0">
+              <a:srgbClr val="000000">
+                <a:alpha val="38000"/>
+              </a:srgbClr>
+            </a:outerShdw>
+          </a:effectLst>
+        </a:effectStyle>
+        <a:effectStyle>
+          <a:effectLst>
+            <a:outerShdw blurRad="40000" dist="23000" dir="5400000" rotWithShape="0">
+              <a:srgbClr val="000000">
+                <a:alpha val="35000"/>
+              </a:srgbClr>
+            </a:outerShdw>
+          </a:effectLst>
+        </a:effectStyle>
+        <a:effectStyle>
+          <a:effectLst>
+            <a:outerShdw blurRad="40000" dist="23000" dir="5400000" rotWithShape="0">
+              <a:srgbClr val="000000">
+                <a:alpha val="35000"/>
+              </a:srgbClr>
+            </a:outerShdw>
+          </a:effectLst>
+          <a:scene3d>
+            <a:camera prst="orthographicFront">
+              <a:rot lat="0" lon="0" rev="0"/>
+            </a:camera>
+            <a:lightRig rig="threePt" dir="t">
+              <a:rot lat="0" lon="0" rev="1200000"/>
+            </a:lightRig>
+          </a:scene3d>
+          <a:sp3d>
+            <a:bevelT w="63500" h="25400"/>
+          </a:sp3d>
+        </a:effectStyle>
+      </a:effectStyleLst>
+      <a:bgFillStyleLst>
+        <a:solidFill>
+          <a:schemeClr val="phClr"/>
+        </a:solidFill>
+        <a:gradFill rotWithShape="1">
+          <a:gsLst>
+            <a:gs pos="0">
+              <a:schemeClr val="phClr">
+                <a:tint val="40000"/>
+                <a:satMod val="350000"/>
+              </a:schemeClr>
+            </a:gs>
+            <a:gs pos="40000">
+              <a:schemeClr val="phClr">
+                <a:tint val="45000"/>
+                <a:shade val="99000"/>
+                <a:satMod val="350000"/>
+              </a:schemeClr>
+            </a:gs>
+            <a:gs pos="100000">
+              <a:schemeClr val="phClr">
+                <a:shade val="20000"/>
+                <a:satMod val="255000"/>
+              </a:schemeClr>
+            </a:gs>
+          </a:gsLst>
+          <a:path path="circle">
+            <a:fillToRect l="50000" t="-80000" r="50000" b="180000"/>
+          </a:path>
+        </a:gradFill>
+        <a:gradFill rotWithShape="1">
+          <a:gsLst>
+            <a:gs pos="0">
+              <a:schemeClr val="phClr">
+                <a:tint val="80000"/>
+                <a:satMod val="300000"/>
+              </a:schemeClr>
+            </a:gs>
+            <a:gs pos="100000">
+              <a:schemeClr val="phClr">
+                <a:shade val="30000"/>
+                <a:satMod val="200000"/>
+              </a:schemeClr>
+            </a:gs>
+          </a:gsLst>
+          <a:path path="circle">
+            <a:fillToRect l="50000" t="50000" r="50000" b="50000"/>
+          </a:path>
+        </a:gradFill>
+      </a:bgFillStyleLst>
+    </a:fmtScheme>
+  </a:themeElements>
+  <a:objectDefaults/>
+  <a:extraClrSchemeLst/>
+</a:theme>
 </file>
--- a/PromotingSoftwareReuseWithRAS/RASPUTIN.pptx
+++ b/PromotingSoftwareReuseWithRAS/RASPUTIN.pptx
@@ -130,6 +130,5020 @@
 </p:presentation>
 </file>
 
+<file path=ppt/diagrams/colors1.xml><?xml version="1.0" encoding="utf-8"?>
+<dgm:colorsDef xmlns:dgm="http://schemas.openxmlformats.org/drawingml/2006/diagram" xmlns:a="http://schemas.openxmlformats.org/drawingml/2006/main" uniqueId="urn:microsoft.com/office/officeart/2005/8/colors/accent3_2">
+  <dgm:title val=""/>
+  <dgm:desc val=""/>
+  <dgm:catLst>
+    <dgm:cat type="accent3" pri="11200"/>
+  </dgm:catLst>
+  <dgm:styleLbl name="node0">
+    <dgm:fillClrLst meth="repeat">
+      <a:schemeClr val="accent3"/>
+    </dgm:fillClrLst>
+    <dgm:linClrLst meth="repeat">
+      <a:schemeClr val="lt1"/>
+    </dgm:linClrLst>
+    <dgm:effectClrLst/>
+    <dgm:txLinClrLst/>
+    <dgm:txFillClrLst/>
+    <dgm:txEffectClrLst/>
+  </dgm:styleLbl>
+  <dgm:styleLbl name="node1">
+    <dgm:fillClrLst meth="repeat">
+      <a:schemeClr val="accent3"/>
+    </dgm:fillClrLst>
+    <dgm:linClrLst meth="repeat">
+      <a:schemeClr val="lt1"/>
+    </dgm:linClrLst>
+    <dgm:effectClrLst/>
+    <dgm:txLinClrLst/>
+    <dgm:txFillClrLst/>
+    <dgm:txEffectClrLst/>
+  </dgm:styleLbl>
+  <dgm:styleLbl name="alignNode1">
+    <dgm:fillClrLst meth="repeat">
+      <a:schemeClr val="accent3"/>
+    </dgm:fillClrLst>
+    <dgm:linClrLst meth="repeat">
+      <a:schemeClr val="accent3"/>
+    </dgm:linClrLst>
+    <dgm:effectClrLst/>
+    <dgm:txLinClrLst/>
+    <dgm:txFillClrLst/>
+    <dgm:txEffectClrLst/>
+  </dgm:styleLbl>
+  <dgm:styleLbl name="lnNode1">
+    <dgm:fillClrLst meth="repeat">
+      <a:schemeClr val="accent3"/>
+    </dgm:fillClrLst>
+    <dgm:linClrLst meth="repeat">
+      <a:schemeClr val="lt1"/>
+    </dgm:linClrLst>
+    <dgm:effectClrLst/>
+    <dgm:txLinClrLst/>
+    <dgm:txFillClrLst/>
+    <dgm:txEffectClrLst/>
+  </dgm:styleLbl>
+  <dgm:styleLbl name="vennNode1">
+    <dgm:fillClrLst meth="repeat">
+      <a:schemeClr val="accent3">
+        <a:alpha val="50000"/>
+      </a:schemeClr>
+    </dgm:fillClrLst>
+    <dgm:linClrLst meth="repeat">
+      <a:schemeClr val="lt1"/>
+    </dgm:linClrLst>
+    <dgm:effectClrLst/>
+    <dgm:txLinClrLst/>
+    <dgm:txFillClrLst/>
+    <dgm:txEffectClrLst/>
+  </dgm:styleLbl>
+  <dgm:styleLbl name="node2">
+    <dgm:fillClrLst meth="repeat">
+      <a:schemeClr val="accent3"/>
+    </dgm:fillClrLst>
+    <dgm:linClrLst meth="repeat">
+      <a:schemeClr val="lt1"/>
+    </dgm:linClrLst>
+    <dgm:effectClrLst/>
+    <dgm:txLinClrLst/>
+    <dgm:txFillClrLst/>
+    <dgm:txEffectClrLst/>
+  </dgm:styleLbl>
+  <dgm:styleLbl name="node3">
+    <dgm:fillClrLst meth="repeat">
+      <a:schemeClr val="accent3"/>
+    </dgm:fillClrLst>
+    <dgm:linClrLst meth="repeat">
+      <a:schemeClr val="lt1"/>
+    </dgm:linClrLst>
+    <dgm:effectClrLst/>
+    <dgm:txLinClrLst/>
+    <dgm:txFillClrLst/>
+    <dgm:txEffectClrLst/>
+  </dgm:styleLbl>
+  <dgm:styleLbl name="node4">
+    <dgm:fillClrLst meth="repeat">
+      <a:schemeClr val="accent3"/>
+    </dgm:fillClrLst>
+    <dgm:linClrLst meth="repeat">
+      <a:schemeClr val="lt1"/>
+    </dgm:linClrLst>
+    <dgm:effectClrLst/>
+    <dgm:txLinClrLst/>
+    <dgm:txFillClrLst/>
+    <dgm:txEffectClrLst/>
+  </dgm:styleLbl>
+  <dgm:styleLbl name="fgImgPlace1">
+    <dgm:fillClrLst meth="repeat">
+      <a:schemeClr val="accent3">
+        <a:tint val="50000"/>
+      </a:schemeClr>
+    </dgm:fillClrLst>
+    <dgm:linClrLst meth="repeat">
+      <a:schemeClr val="lt1"/>
+    </dgm:linClrLst>
+    <dgm:effectClrLst/>
+    <dgm:txLinClrLst/>
+    <dgm:txFillClrLst meth="repeat">
+      <a:schemeClr val="lt1"/>
+    </dgm:txFillClrLst>
+    <dgm:txEffectClrLst/>
+  </dgm:styleLbl>
+  <dgm:styleLbl name="alignImgPlace1">
+    <dgm:fillClrLst meth="repeat">
+      <a:schemeClr val="accent3">
+        <a:tint val="50000"/>
+      </a:schemeClr>
+    </dgm:fillClrLst>
+    <dgm:linClrLst meth="repeat">
+      <a:schemeClr val="lt1"/>
+    </dgm:linClrLst>
+    <dgm:effectClrLst/>
+    <dgm:txLinClrLst/>
+    <dgm:txFillClrLst meth="repeat">
+      <a:schemeClr val="lt1"/>
+    </dgm:txFillClrLst>
+    <dgm:txEffectClrLst/>
+  </dgm:styleLbl>
+  <dgm:styleLbl name="bgImgPlace1">
+    <dgm:fillClrLst meth="repeat">
+      <a:schemeClr val="accent3">
+        <a:tint val="50000"/>
+      </a:schemeClr>
+    </dgm:fillClrLst>
+    <dgm:linClrLst meth="repeat">
+      <a:schemeClr val="lt1"/>
+    </dgm:linClrLst>
+    <dgm:effectClrLst/>
+    <dgm:txLinClrLst/>
+    <dgm:txFillClrLst meth="repeat">
+      <a:schemeClr val="lt1"/>
+    </dgm:txFillClrLst>
+    <dgm:txEffectClrLst/>
+  </dgm:styleLbl>
+  <dgm:styleLbl name="sibTrans2D1">
+    <dgm:fillClrLst meth="repeat">
+      <a:schemeClr val="accent3">
+        <a:tint val="60000"/>
+      </a:schemeClr>
+    </dgm:fillClrLst>
+    <dgm:linClrLst meth="repeat">
+      <a:schemeClr val="accent3">
+        <a:tint val="60000"/>
+      </a:schemeClr>
+    </dgm:linClrLst>
+    <dgm:effectClrLst/>
+    <dgm:txLinClrLst/>
+    <dgm:txFillClrLst/>
+    <dgm:txEffectClrLst/>
+  </dgm:styleLbl>
+  <dgm:styleLbl name="fgSibTrans2D1">
+    <dgm:fillClrLst meth="repeat">
+      <a:schemeClr val="accent3">
+        <a:tint val="60000"/>
+      </a:schemeClr>
+    </dgm:fillClrLst>
+    <dgm:linClrLst meth="repeat">
+      <a:schemeClr val="accent3">
+        <a:tint val="60000"/>
+      </a:schemeClr>
+    </dgm:linClrLst>
+    <dgm:effectClrLst/>
+    <dgm:txLinClrLst/>
+    <dgm:txFillClrLst/>
+    <dgm:txEffectClrLst/>
+  </dgm:styleLbl>
+  <dgm:styleLbl name="bgSibTrans2D1">
+    <dgm:fillClrLst meth="repeat">
+      <a:schemeClr val="accent3">
+        <a:tint val="60000"/>
+      </a:schemeClr>
+    </dgm:fillClrLst>
+    <dgm:linClrLst meth="repeat">
+      <a:schemeClr val="accent3">
+        <a:tint val="60000"/>
+      </a:schemeClr>
+    </dgm:linClrLst>
+    <dgm:effectClrLst/>
+    <dgm:txLinClrLst/>
+    <dgm:txFillClrLst/>
+    <dgm:txEffectClrLst/>
+  </dgm:styleLbl>
+  <dgm:styleLbl name="sibTrans1D1">
+    <dgm:fillClrLst meth="repeat">
+      <a:schemeClr val="accent3"/>
+    </dgm:fillClrLst>
+    <dgm:linClrLst meth="repeat">
+      <a:schemeClr val="accent3"/>
+    </dgm:linClrLst>
+    <dgm:effectClrLst/>
+    <dgm:txLinClrLst/>
+    <dgm:txFillClrLst meth="repeat">
+      <a:schemeClr val="tx1"/>
+    </dgm:txFillClrLst>
+    <dgm:txEffectClrLst/>
+  </dgm:styleLbl>
+  <dgm:styleLbl name="callout">
+    <dgm:fillClrLst meth="repeat">
+      <a:schemeClr val="accent3"/>
+    </dgm:fillClrLst>
+    <dgm:linClrLst meth="repeat">
+      <a:schemeClr val="accent3">
+        <a:tint val="50000"/>
+      </a:schemeClr>
+    </dgm:linClrLst>
+    <dgm:effectClrLst/>
+    <dgm:txLinClrLst/>
+    <dgm:txFillClrLst meth="repeat">
+      <a:schemeClr val="tx1"/>
+    </dgm:txFillClrLst>
+    <dgm:txEffectClrLst/>
+  </dgm:styleLbl>
+  <dgm:styleLbl name="asst0">
+    <dgm:fillClrLst meth="repeat">
+      <a:schemeClr val="accent3"/>
+    </dgm:fillClrLst>
+    <dgm:linClrLst meth="repeat">
+      <a:schemeClr val="lt1"/>
+    </dgm:linClrLst>
+    <dgm:effectClrLst/>
+    <dgm:txLinClrLst/>
+    <dgm:txFillClrLst/>
+    <dgm:txEffectClrLst/>
+  </dgm:styleLbl>
+  <dgm:styleLbl name="asst1">
+    <dgm:fillClrLst meth="repeat">
+      <a:schemeClr val="accent3"/>
+    </dgm:fillClrLst>
+    <dgm:linClrLst meth="repeat">
+      <a:schemeClr val="lt1"/>
+    </dgm:linClrLst>
+    <dgm:effectClrLst/>
+    <dgm:txLinClrLst/>
+    <dgm:txFillClrLst/>
+    <dgm:txEffectClrLst/>
+  </dgm:styleLbl>
+  <dgm:styleLbl name="asst2">
+    <dgm:fillClrLst meth="repeat">
+      <a:schemeClr val="accent3"/>
+    </dgm:fillClrLst>
+    <dgm:linClrLst meth="repeat">
+      <a:schemeClr val="lt1"/>
+    </dgm:linClrLst>
+    <dgm:effectClrLst/>
+    <dgm:txLinClrLst/>
+    <dgm:txFillClrLst/>
+    <dgm:txEffectClrLst/>
+  </dgm:styleLbl>
+  <dgm:styleLbl name="asst3">
+    <dgm:fillClrLst meth="repeat">
+      <a:schemeClr val="accent3"/>
+    </dgm:fillClrLst>
+    <dgm:linClrLst meth="repeat">
+      <a:schemeClr val="lt1"/>
+    </dgm:linClrLst>
+    <dgm:effectClrLst/>
+    <dgm:txLinClrLst/>
+    <dgm:txFillClrLst/>
+    <dgm:txEffectClrLst/>
+  </dgm:styleLbl>
+  <dgm:styleLbl name="asst4">
+    <dgm:fillClrLst meth="repeat">
+      <a:schemeClr val="accent3"/>
+    </dgm:fillClrLst>
+    <dgm:linClrLst meth="repeat">
+      <a:schemeClr val="lt1"/>
+    </dgm:linClrLst>
+    <dgm:effectClrLst/>
+    <dgm:txLinClrLst/>
+    <dgm:txFillClrLst/>
+    <dgm:txEffectClrLst/>
+  </dgm:styleLbl>
+  <dgm:styleLbl name="parChTrans2D1">
+    <dgm:fillClrLst meth="repeat">
+      <a:schemeClr val="accent3">
+        <a:tint val="60000"/>
+      </a:schemeClr>
+    </dgm:fillClrLst>
+    <dgm:linClrLst meth="repeat">
+      <a:schemeClr val="accent3">
+        <a:tint val="60000"/>
+      </a:schemeClr>
+    </dgm:linClrLst>
+    <dgm:effectClrLst/>
+    <dgm:txLinClrLst/>
+    <dgm:txFillClrLst meth="repeat">
+      <a:schemeClr val="lt1"/>
+    </dgm:txFillClrLst>
+    <dgm:txEffectClrLst/>
+  </dgm:styleLbl>
+  <dgm:styleLbl name="parChTrans2D2">
+    <dgm:fillClrLst meth="repeat">
+      <a:schemeClr val="accent3"/>
+    </dgm:fillClrLst>
+    <dgm:linClrLst meth="repeat">
+      <a:schemeClr val="accent3"/>
+    </dgm:linClrLst>
+    <dgm:effectClrLst/>
+    <dgm:txLinClrLst/>
+    <dgm:txFillClrLst meth="repeat">
+      <a:schemeClr val="lt1"/>
+    </dgm:txFillClrLst>
+    <dgm:txEffectClrLst/>
+  </dgm:styleLbl>
+  <dgm:styleLbl name="parChTrans2D3">
+    <dgm:fillClrLst meth="repeat">
+      <a:schemeClr val="accent3"/>
+    </dgm:fillClrLst>
+    <dgm:linClrLst meth="repeat">
+      <a:schemeClr val="accent3"/>
+    </dgm:linClrLst>
+    <dgm:effectClrLst/>
+    <dgm:txLinClrLst/>
+    <dgm:txFillClrLst meth="repeat">
+      <a:schemeClr val="lt1"/>
+    </dgm:txFillClrLst>
+    <dgm:txEffectClrLst/>
+  </dgm:styleLbl>
+  <dgm:styleLbl name="parChTrans2D4">
+    <dgm:fillClrLst meth="repeat">
+      <a:schemeClr val="accent3"/>
+    </dgm:fillClrLst>
+    <dgm:linClrLst meth="repeat">
+      <a:schemeClr val="accent3"/>
+    </dgm:linClrLst>
+    <dgm:effectClrLst/>
+    <dgm:txLinClrLst/>
+    <dgm:txFillClrLst meth="repeat">
+      <a:schemeClr val="lt1"/>
+    </dgm:txFillClrLst>
+    <dgm:txEffectClrLst/>
+  </dgm:styleLbl>
+  <dgm:styleLbl name="parChTrans1D1">
+    <dgm:fillClrLst meth="repeat">
+      <a:schemeClr val="accent3"/>
+    </dgm:fillClrLst>
+    <dgm:linClrLst meth="repeat">
+      <a:schemeClr val="accent3">
+        <a:shade val="60000"/>
+      </a:schemeClr>
+    </dgm:linClrLst>
+    <dgm:effectClrLst/>
+    <dgm:txLinClrLst/>
+    <dgm:txFillClrLst meth="repeat">
+      <a:schemeClr val="tx1"/>
+    </dgm:txFillClrLst>
+    <dgm:txEffectClrLst/>
+  </dgm:styleLbl>
+  <dgm:styleLbl name="parChTrans1D2">
+    <dgm:fillClrLst meth="repeat">
+      <a:schemeClr val="accent3"/>
+    </dgm:fillClrLst>
+    <dgm:linClrLst meth="repeat">
+      <a:schemeClr val="accent3">
+        <a:shade val="60000"/>
+      </a:schemeClr>
+    </dgm:linClrLst>
+    <dgm:effectClrLst/>
+    <dgm:txLinClrLst/>
+    <dgm:txFillClrLst meth="repeat">
+      <a:schemeClr val="tx1"/>
+    </dgm:txFillClrLst>
+    <dgm:txEffectClrLst/>
+  </dgm:styleLbl>
+  <dgm:styleLbl name="parChTrans1D3">
+    <dgm:fillClrLst meth="repeat">
+      <a:schemeClr val="accent3"/>
+    </dgm:fillClrLst>
+    <dgm:linClrLst meth="repeat">
+      <a:schemeClr val="accent3">
+        <a:shade val="80000"/>
+      </a:schemeClr>
+    </dgm:linClrLst>
+    <dgm:effectClrLst/>
+    <dgm:txLinClrLst/>
+    <dgm:txFillClrLst meth="repeat">
+      <a:schemeClr val="tx1"/>
+    </dgm:txFillClrLst>
+    <dgm:txEffectClrLst/>
+  </dgm:styleLbl>
+  <dgm:styleLbl name="parChTrans1D4">
+    <dgm:fillClrLst meth="repeat">
+      <a:schemeClr val="accent3"/>
+    </dgm:fillClrLst>
+    <dgm:linClrLst meth="repeat">
+      <a:schemeClr val="accent3">
+        <a:shade val="80000"/>
+      </a:schemeClr>
+    </dgm:linClrLst>
+    <dgm:effectClrLst/>
+    <dgm:txLinClrLst/>
+    <dgm:txFillClrLst meth="repeat">
+      <a:schemeClr val="tx1"/>
+    </dgm:txFillClrLst>
+    <dgm:txEffectClrLst/>
+  </dgm:styleLbl>
+  <dgm:styleLbl name="fgAcc1">
+    <dgm:fillClrLst meth="repeat">
+      <a:schemeClr val="lt1">
+        <a:alpha val="90000"/>
+      </a:schemeClr>
+    </dgm:fillClrLst>
+    <dgm:linClrLst meth="repeat">
+      <a:schemeClr val="accent3"/>
+    </dgm:linClrLst>
+    <dgm:effectClrLst/>
+    <dgm:txLinClrLst/>
+    <dgm:txFillClrLst meth="repeat">
+      <a:schemeClr val="dk1"/>
+    </dgm:txFillClrLst>
+    <dgm:txEffectClrLst/>
+  </dgm:styleLbl>
+  <dgm:styleLbl name="conFgAcc1">
+    <dgm:fillClrLst meth="repeat">
+      <a:schemeClr val="lt1">
+        <a:alpha val="90000"/>
+      </a:schemeClr>
+    </dgm:fillClrLst>
+    <dgm:linClrLst meth="repeat">
+      <a:schemeClr val="accent3"/>
+    </dgm:linClrLst>
+    <dgm:effectClrLst/>
+    <dgm:txLinClrLst/>
+    <dgm:txFillClrLst meth="repeat">
+      <a:schemeClr val="dk1"/>
+    </dgm:txFillClrLst>
+    <dgm:txEffectClrLst/>
+  </dgm:styleLbl>
+  <dgm:styleLbl name="alignAcc1">
+    <dgm:fillClrLst meth="repeat">
+      <a:schemeClr val="lt1">
+        <a:alpha val="90000"/>
+      </a:schemeClr>
+    </dgm:fillClrLst>
+    <dgm:linClrLst meth="repeat">
+      <a:schemeClr val="accent3"/>
+    </dgm:linClrLst>
+    <dgm:effectClrLst/>
+    <dgm:txLinClrLst/>
+    <dgm:txFillClrLst meth="repeat">
+      <a:schemeClr val="dk1"/>
+    </dgm:txFillClrLst>
+    <dgm:txEffectClrLst/>
+  </dgm:styleLbl>
+  <dgm:styleLbl name="trAlignAcc1">
+    <dgm:fillClrLst meth="repeat">
+      <a:schemeClr val="lt1">
+        <a:alpha val="40000"/>
+      </a:schemeClr>
+    </dgm:fillClrLst>
+    <dgm:linClrLst meth="repeat">
+      <a:schemeClr val="accent3"/>
+    </dgm:linClrLst>
+    <dgm:effectClrLst/>
+    <dgm:txLinClrLst/>
+    <dgm:txFillClrLst meth="repeat">
+      <a:schemeClr val="dk1"/>
+    </dgm:txFillClrLst>
+    <dgm:txEffectClrLst/>
+  </dgm:styleLbl>
+  <dgm:styleLbl name="bgAcc1">
+    <dgm:fillClrLst meth="repeat">
+      <a:schemeClr val="lt1">
+        <a:alpha val="90000"/>
+      </a:schemeClr>
+    </dgm:fillClrLst>
+    <dgm:linClrLst meth="repeat">
+      <a:schemeClr val="accent3"/>
+    </dgm:linClrLst>
+    <dgm:effectClrLst/>
+    <dgm:txLinClrLst/>
+    <dgm:txFillClrLst meth="repeat">
+      <a:schemeClr val="dk1"/>
+    </dgm:txFillClrLst>
+    <dgm:txEffectClrLst/>
+  </dgm:styleLbl>
+  <dgm:styleLbl name="solidFgAcc1">
+    <dgm:fillClrLst meth="repeat">
+      <a:schemeClr val="lt1"/>
+    </dgm:fillClrLst>
+    <dgm:linClrLst meth="repeat">
+      <a:schemeClr val="accent3"/>
+    </dgm:linClrLst>
+    <dgm:effectClrLst/>
+    <dgm:txLinClrLst/>
+    <dgm:txFillClrLst meth="repeat">
+      <a:schemeClr val="dk1"/>
+    </dgm:txFillClrLst>
+    <dgm:txEffectClrLst/>
+  </dgm:styleLbl>
+  <dgm:styleLbl name="solidAlignAcc1">
+    <dgm:fillClrLst meth="repeat">
+      <a:schemeClr val="lt1"/>
+    </dgm:fillClrLst>
+    <dgm:linClrLst meth="repeat">
+      <a:schemeClr val="accent3"/>
+    </dgm:linClrLst>
+    <dgm:effectClrLst/>
+    <dgm:txLinClrLst/>
+    <dgm:txFillClrLst meth="repeat">
+      <a:schemeClr val="dk1"/>
+    </dgm:txFillClrLst>
+    <dgm:txEffectClrLst/>
+  </dgm:styleLbl>
+  <dgm:styleLbl name="solidBgAcc1">
+    <dgm:fillClrLst meth="repeat">
+      <a:schemeClr val="lt1"/>
+    </dgm:fillClrLst>
+    <dgm:linClrLst meth="repeat">
+      <a:schemeClr val="accent3"/>
+    </dgm:linClrLst>
+    <dgm:effectClrLst/>
+    <dgm:txLinClrLst/>
+    <dgm:txFillClrLst meth="repeat">
+      <a:schemeClr val="dk1"/>
+    </dgm:txFillClrLst>
+    <dgm:txEffectClrLst/>
+  </dgm:styleLbl>
+  <dgm:styleLbl name="fgAccFollowNode1">
+    <dgm:fillClrLst meth="repeat">
+      <a:schemeClr val="accent3">
+        <a:alpha val="90000"/>
+        <a:tint val="40000"/>
+      </a:schemeClr>
+    </dgm:fillClrLst>
+    <dgm:linClrLst meth="repeat">
+      <a:schemeClr val="accent3">
+        <a:alpha val="90000"/>
+        <a:tint val="40000"/>
+      </a:schemeClr>
+    </dgm:linClrLst>
+    <dgm:effectClrLst/>
+    <dgm:txLinClrLst/>
+    <dgm:txFillClrLst meth="repeat">
+      <a:schemeClr val="dk1"/>
+    </dgm:txFillClrLst>
+    <dgm:txEffectClrLst/>
+  </dgm:styleLbl>
+  <dgm:styleLbl name="alignAccFollowNode1">
+    <dgm:fillClrLst meth="repeat">
+      <a:schemeClr val="accent3">
+        <a:alpha val="90000"/>
+        <a:tint val="40000"/>
+      </a:schemeClr>
+    </dgm:fillClrLst>
+    <dgm:linClrLst meth="repeat">
+      <a:schemeClr val="accent3">
+        <a:alpha val="90000"/>
+        <a:tint val="40000"/>
+      </a:schemeClr>
+    </dgm:linClrLst>
+    <dgm:effectClrLst/>
+    <dgm:txLinClrLst/>
+    <dgm:txFillClrLst meth="repeat">
+      <a:schemeClr val="dk1"/>
+    </dgm:txFillClrLst>
+    <dgm:txEffectClrLst/>
+  </dgm:styleLbl>
+  <dgm:styleLbl name="bgAccFollowNode1">
+    <dgm:fillClrLst meth="repeat">
+      <a:schemeClr val="accent3">
+        <a:alpha val="90000"/>
+        <a:tint val="40000"/>
+      </a:schemeClr>
+    </dgm:fillClrLst>
+    <dgm:linClrLst meth="repeat">
+      <a:schemeClr val="accent3">
+        <a:alpha val="90000"/>
+        <a:tint val="40000"/>
+      </a:schemeClr>
+    </dgm:linClrLst>
+    <dgm:effectClrLst/>
+    <dgm:txLinClrLst/>
+    <dgm:txFillClrLst meth="repeat">
+      <a:schemeClr val="dk1"/>
+    </dgm:txFillClrLst>
+    <dgm:txEffectClrLst/>
+  </dgm:styleLbl>
+  <dgm:styleLbl name="fgAcc0">
+    <dgm:fillClrLst meth="repeat">
+      <a:schemeClr val="lt1">
+        <a:alpha val="90000"/>
+      </a:schemeClr>
+    </dgm:fillClrLst>
+    <dgm:linClrLst meth="repeat">
+      <a:schemeClr val="accent3"/>
+    </dgm:linClrLst>
+    <dgm:effectClrLst/>
+    <dgm:txLinClrLst/>
+    <dgm:txFillClrLst meth="repeat">
+      <a:schemeClr val="dk1"/>
+    </dgm:txFillClrLst>
+    <dgm:txEffectClrLst/>
+  </dgm:styleLbl>
+  <dgm:styleLbl name="fgAcc2">
+    <dgm:fillClrLst meth="repeat">
+      <a:schemeClr val="lt1">
+        <a:alpha val="90000"/>
+      </a:schemeClr>
+    </dgm:fillClrLst>
+    <dgm:linClrLst meth="repeat">
+      <a:schemeClr val="accent3"/>
+    </dgm:linClrLst>
+    <dgm:effectClrLst/>
+    <dgm:txLinClrLst/>
+    <dgm:txFillClrLst meth="repeat">
+      <a:schemeClr val="dk1"/>
+    </dgm:txFillClrLst>
+    <dgm:txEffectClrLst/>
+  </dgm:styleLbl>
+  <dgm:styleLbl name="fgAcc3">
+    <dgm:fillClrLst meth="repeat">
+      <a:schemeClr val="lt1">
+        <a:alpha val="90000"/>
+      </a:schemeClr>
+    </dgm:fillClrLst>
+    <dgm:linClrLst meth="repeat">
+      <a:schemeClr val="accent3"/>
+    </dgm:linClrLst>
+    <dgm:effectClrLst/>
+    <dgm:txLinClrLst/>
+    <dgm:txFillClrLst meth="repeat">
+      <a:schemeClr val="dk1"/>
+    </dgm:txFillClrLst>
+    <dgm:txEffectClrLst/>
+  </dgm:styleLbl>
+  <dgm:styleLbl name="fgAcc4">
+    <dgm:fillClrLst meth="repeat">
+      <a:schemeClr val="lt1">
+        <a:alpha val="90000"/>
+      </a:schemeClr>
+    </dgm:fillClrLst>
+    <dgm:linClrLst meth="repeat">
+      <a:schemeClr val="accent3"/>
+    </dgm:linClrLst>
+    <dgm:effectClrLst/>
+    <dgm:txLinClrLst/>
+    <dgm:txFillClrLst meth="repeat">
+      <a:schemeClr val="dk1"/>
+    </dgm:txFillClrLst>
+    <dgm:txEffectClrLst/>
+  </dgm:styleLbl>
+  <dgm:styleLbl name="bgShp">
+    <dgm:fillClrLst meth="repeat">
+      <a:schemeClr val="accent3">
+        <a:tint val="40000"/>
+      </a:schemeClr>
+    </dgm:fillClrLst>
+    <dgm:linClrLst meth="repeat">
+      <a:schemeClr val="accent3"/>
+    </dgm:linClrLst>
+    <dgm:effectClrLst/>
+    <dgm:txLinClrLst/>
+    <dgm:txFillClrLst meth="repeat">
+      <a:schemeClr val="dk1"/>
+    </dgm:txFillClrLst>
+    <dgm:txEffectClrLst/>
+  </dgm:styleLbl>
+  <dgm:styleLbl name="dkBgShp">
+    <dgm:fillClrLst meth="repeat">
+      <a:schemeClr val="accent3">
+        <a:shade val="80000"/>
+      </a:schemeClr>
+    </dgm:fillClrLst>
+    <dgm:linClrLst meth="repeat">
+      <a:schemeClr val="accent3"/>
+    </dgm:linClrLst>
+    <dgm:effectClrLst/>
+    <dgm:txLinClrLst/>
+    <dgm:txFillClrLst meth="repeat">
+      <a:schemeClr val="lt1"/>
+    </dgm:txFillClrLst>
+    <dgm:txEffectClrLst/>
+  </dgm:styleLbl>
+  <dgm:styleLbl name="trBgShp">
+    <dgm:fillClrLst meth="repeat">
+      <a:schemeClr val="accent3">
+        <a:tint val="50000"/>
+        <a:alpha val="40000"/>
+      </a:schemeClr>
+    </dgm:fillClrLst>
+    <dgm:linClrLst meth="repeat">
+      <a:schemeClr val="accent3"/>
+    </dgm:linClrLst>
+    <dgm:effectClrLst/>
+    <dgm:txLinClrLst/>
+    <dgm:txFillClrLst meth="repeat">
+      <a:schemeClr val="lt1"/>
+    </dgm:txFillClrLst>
+    <dgm:txEffectClrLst/>
+  </dgm:styleLbl>
+  <dgm:styleLbl name="fgShp">
+    <dgm:fillClrLst meth="repeat">
+      <a:schemeClr val="accent3">
+        <a:tint val="60000"/>
+      </a:schemeClr>
+    </dgm:fillClrLst>
+    <dgm:linClrLst meth="repeat">
+      <a:schemeClr val="lt1"/>
+    </dgm:linClrLst>
+    <dgm:effectClrLst/>
+    <dgm:txLinClrLst/>
+    <dgm:txFillClrLst meth="repeat">
+      <a:schemeClr val="dk1"/>
+    </dgm:txFillClrLst>
+    <dgm:txEffectClrLst/>
+  </dgm:styleLbl>
+  <dgm:styleLbl name="revTx">
+    <dgm:fillClrLst meth="repeat">
+      <a:schemeClr val="lt1">
+        <a:alpha val="0"/>
+      </a:schemeClr>
+    </dgm:fillClrLst>
+    <dgm:linClrLst meth="repeat">
+      <a:schemeClr val="dk1">
+        <a:alpha val="0"/>
+      </a:schemeClr>
+    </dgm:linClrLst>
+    <dgm:effectClrLst/>
+    <dgm:txLinClrLst/>
+    <dgm:txFillClrLst meth="repeat">
+      <a:schemeClr val="tx1"/>
+    </dgm:txFillClrLst>
+    <dgm:txEffectClrLst/>
+  </dgm:styleLbl>
+</dgm:colorsDef>
+</file>
+
+<file path=ppt/diagrams/colors2.xml><?xml version="1.0" encoding="utf-8"?>
+<dgm:colorsDef xmlns:dgm="http://schemas.openxmlformats.org/drawingml/2006/diagram" xmlns:a="http://schemas.openxmlformats.org/drawingml/2006/main" uniqueId="urn:microsoft.com/office/officeart/2005/8/colors/accent2_2">
+  <dgm:title val=""/>
+  <dgm:desc val=""/>
+  <dgm:catLst>
+    <dgm:cat type="accent2" pri="11200"/>
+  </dgm:catLst>
+  <dgm:styleLbl name="node0">
+    <dgm:fillClrLst meth="repeat">
+      <a:schemeClr val="accent2"/>
+    </dgm:fillClrLst>
+    <dgm:linClrLst meth="repeat">
+      <a:schemeClr val="lt1"/>
+    </dgm:linClrLst>
+    <dgm:effectClrLst/>
+    <dgm:txLinClrLst/>
+    <dgm:txFillClrLst/>
+    <dgm:txEffectClrLst/>
+  </dgm:styleLbl>
+  <dgm:styleLbl name="node1">
+    <dgm:fillClrLst meth="repeat">
+      <a:schemeClr val="accent2"/>
+    </dgm:fillClrLst>
+    <dgm:linClrLst meth="repeat">
+      <a:schemeClr val="lt1"/>
+    </dgm:linClrLst>
+    <dgm:effectClrLst/>
+    <dgm:txLinClrLst/>
+    <dgm:txFillClrLst/>
+    <dgm:txEffectClrLst/>
+  </dgm:styleLbl>
+  <dgm:styleLbl name="alignNode1">
+    <dgm:fillClrLst meth="repeat">
+      <a:schemeClr val="accent2"/>
+    </dgm:fillClrLst>
+    <dgm:linClrLst meth="repeat">
+      <a:schemeClr val="accent2"/>
+    </dgm:linClrLst>
+    <dgm:effectClrLst/>
+    <dgm:txLinClrLst/>
+    <dgm:txFillClrLst/>
+    <dgm:txEffectClrLst/>
+  </dgm:styleLbl>
+  <dgm:styleLbl name="lnNode1">
+    <dgm:fillClrLst meth="repeat">
+      <a:schemeClr val="accent2"/>
+    </dgm:fillClrLst>
+    <dgm:linClrLst meth="repeat">
+      <a:schemeClr val="lt1"/>
+    </dgm:linClrLst>
+    <dgm:effectClrLst/>
+    <dgm:txLinClrLst/>
+    <dgm:txFillClrLst/>
+    <dgm:txEffectClrLst/>
+  </dgm:styleLbl>
+  <dgm:styleLbl name="vennNode1">
+    <dgm:fillClrLst meth="repeat">
+      <a:schemeClr val="accent2">
+        <a:alpha val="50000"/>
+      </a:schemeClr>
+    </dgm:fillClrLst>
+    <dgm:linClrLst meth="repeat">
+      <a:schemeClr val="lt1"/>
+    </dgm:linClrLst>
+    <dgm:effectClrLst/>
+    <dgm:txLinClrLst/>
+    <dgm:txFillClrLst/>
+    <dgm:txEffectClrLst/>
+  </dgm:styleLbl>
+  <dgm:styleLbl name="node2">
+    <dgm:fillClrLst meth="repeat">
+      <a:schemeClr val="accent2"/>
+    </dgm:fillClrLst>
+    <dgm:linClrLst meth="repeat">
+      <a:schemeClr val="lt1"/>
+    </dgm:linClrLst>
+    <dgm:effectClrLst/>
+    <dgm:txLinClrLst/>
+    <dgm:txFillClrLst/>
+    <dgm:txEffectClrLst/>
+  </dgm:styleLbl>
+  <dgm:styleLbl name="node3">
+    <dgm:fillClrLst meth="repeat">
+      <a:schemeClr val="accent2"/>
+    </dgm:fillClrLst>
+    <dgm:linClrLst meth="repeat">
+      <a:schemeClr val="lt1"/>
+    </dgm:linClrLst>
+    <dgm:effectClrLst/>
+    <dgm:txLinClrLst/>
+    <dgm:txFillClrLst/>
+    <dgm:txEffectClrLst/>
+  </dgm:styleLbl>
+  <dgm:styleLbl name="node4">
+    <dgm:fillClrLst meth="repeat">
+      <a:schemeClr val="accent2"/>
+    </dgm:fillClrLst>
+    <dgm:linClrLst meth="repeat">
+      <a:schemeClr val="lt1"/>
+    </dgm:linClrLst>
+    <dgm:effectClrLst/>
+    <dgm:txLinClrLst/>
+    <dgm:txFillClrLst/>
+    <dgm:txEffectClrLst/>
+  </dgm:styleLbl>
+  <dgm:styleLbl name="fgImgPlace1">
+    <dgm:fillClrLst meth="repeat">
+      <a:schemeClr val="accent2">
+        <a:tint val="50000"/>
+      </a:schemeClr>
+    </dgm:fillClrLst>
+    <dgm:linClrLst meth="repeat">
+      <a:schemeClr val="lt1"/>
+    </dgm:linClrLst>
+    <dgm:effectClrLst/>
+    <dgm:txLinClrLst/>
+    <dgm:txFillClrLst meth="repeat">
+      <a:schemeClr val="lt1"/>
+    </dgm:txFillClrLst>
+    <dgm:txEffectClrLst/>
+  </dgm:styleLbl>
+  <dgm:styleLbl name="alignImgPlace1">
+    <dgm:fillClrLst meth="repeat">
+      <a:schemeClr val="accent2">
+        <a:tint val="50000"/>
+      </a:schemeClr>
+    </dgm:fillClrLst>
+    <dgm:linClrLst meth="repeat">
+      <a:schemeClr val="lt1"/>
+    </dgm:linClrLst>
+    <dgm:effectClrLst/>
+    <dgm:txLinClrLst/>
+    <dgm:txFillClrLst meth="repeat">
+      <a:schemeClr val="lt1"/>
+    </dgm:txFillClrLst>
+    <dgm:txEffectClrLst/>
+  </dgm:styleLbl>
+  <dgm:styleLbl name="bgImgPlace1">
+    <dgm:fillClrLst meth="repeat">
+      <a:schemeClr val="accent2">
+        <a:tint val="50000"/>
+      </a:schemeClr>
+    </dgm:fillClrLst>
+    <dgm:linClrLst meth="repeat">
+      <a:schemeClr val="lt1"/>
+    </dgm:linClrLst>
+    <dgm:effectClrLst/>
+    <dgm:txLinClrLst/>
+    <dgm:txFillClrLst meth="repeat">
+      <a:schemeClr val="lt1"/>
+    </dgm:txFillClrLst>
+    <dgm:txEffectClrLst/>
+  </dgm:styleLbl>
+  <dgm:styleLbl name="sibTrans2D1">
+    <dgm:fillClrLst meth="repeat">
+      <a:schemeClr val="accent2">
+        <a:tint val="60000"/>
+      </a:schemeClr>
+    </dgm:fillClrLst>
+    <dgm:linClrLst meth="repeat">
+      <a:schemeClr val="accent2">
+        <a:tint val="60000"/>
+      </a:schemeClr>
+    </dgm:linClrLst>
+    <dgm:effectClrLst/>
+    <dgm:txLinClrLst/>
+    <dgm:txFillClrLst/>
+    <dgm:txEffectClrLst/>
+  </dgm:styleLbl>
+  <dgm:styleLbl name="fgSibTrans2D1">
+    <dgm:fillClrLst meth="repeat">
+      <a:schemeClr val="accent2">
+        <a:tint val="60000"/>
+      </a:schemeClr>
+    </dgm:fillClrLst>
+    <dgm:linClrLst meth="repeat">
+      <a:schemeClr val="accent2">
+        <a:tint val="60000"/>
+      </a:schemeClr>
+    </dgm:linClrLst>
+    <dgm:effectClrLst/>
+    <dgm:txLinClrLst/>
+    <dgm:txFillClrLst/>
+    <dgm:txEffectClrLst/>
+  </dgm:styleLbl>
+  <dgm:styleLbl name="bgSibTrans2D1">
+    <dgm:fillClrLst meth="repeat">
+      <a:schemeClr val="accent2">
+        <a:tint val="60000"/>
+      </a:schemeClr>
+    </dgm:fillClrLst>
+    <dgm:linClrLst meth="repeat">
+      <a:schemeClr val="accent2">
+        <a:tint val="60000"/>
+      </a:schemeClr>
+    </dgm:linClrLst>
+    <dgm:effectClrLst/>
+    <dgm:txLinClrLst/>
+    <dgm:txFillClrLst/>
+    <dgm:txEffectClrLst/>
+  </dgm:styleLbl>
+  <dgm:styleLbl name="sibTrans1D1">
+    <dgm:fillClrLst meth="repeat">
+      <a:schemeClr val="accent2"/>
+    </dgm:fillClrLst>
+    <dgm:linClrLst meth="repeat">
+      <a:schemeClr val="accent2"/>
+    </dgm:linClrLst>
+    <dgm:effectClrLst/>
+    <dgm:txLinClrLst/>
+    <dgm:txFillClrLst meth="repeat">
+      <a:schemeClr val="tx1"/>
+    </dgm:txFillClrLst>
+    <dgm:txEffectClrLst/>
+  </dgm:styleLbl>
+  <dgm:styleLbl name="callout">
+    <dgm:fillClrLst meth="repeat">
+      <a:schemeClr val="accent2"/>
+    </dgm:fillClrLst>
+    <dgm:linClrLst meth="repeat">
+      <a:schemeClr val="accent2">
+        <a:tint val="50000"/>
+      </a:schemeClr>
+    </dgm:linClrLst>
+    <dgm:effectClrLst/>
+    <dgm:txLinClrLst/>
+    <dgm:txFillClrLst meth="repeat">
+      <a:schemeClr val="tx1"/>
+    </dgm:txFillClrLst>
+    <dgm:txEffectClrLst/>
+  </dgm:styleLbl>
+  <dgm:styleLbl name="asst0">
+    <dgm:fillClrLst meth="repeat">
+      <a:schemeClr val="accent2"/>
+    </dgm:fillClrLst>
+    <dgm:linClrLst meth="repeat">
+      <a:schemeClr val="lt1"/>
+    </dgm:linClrLst>
+    <dgm:effectClrLst/>
+    <dgm:txLinClrLst/>
+    <dgm:txFillClrLst/>
+    <dgm:txEffectClrLst/>
+  </dgm:styleLbl>
+  <dgm:styleLbl name="asst1">
+    <dgm:fillClrLst meth="repeat">
+      <a:schemeClr val="accent2"/>
+    </dgm:fillClrLst>
+    <dgm:linClrLst meth="repeat">
+      <a:schemeClr val="lt1"/>
+    </dgm:linClrLst>
+    <dgm:effectClrLst/>
+    <dgm:txLinClrLst/>
+    <dgm:txFillClrLst/>
+    <dgm:txEffectClrLst/>
+  </dgm:styleLbl>
+  <dgm:styleLbl name="asst2">
+    <dgm:fillClrLst meth="repeat">
+      <a:schemeClr val="accent2"/>
+    </dgm:fillClrLst>
+    <dgm:linClrLst meth="repeat">
+      <a:schemeClr val="lt1"/>
+    </dgm:linClrLst>
+    <dgm:effectClrLst/>
+    <dgm:txLinClrLst/>
+    <dgm:txFillClrLst/>
+    <dgm:txEffectClrLst/>
+  </dgm:styleLbl>
+  <dgm:styleLbl name="asst3">
+    <dgm:fillClrLst meth="repeat">
+      <a:schemeClr val="accent2"/>
+    </dgm:fillClrLst>
+    <dgm:linClrLst meth="repeat">
+      <a:schemeClr val="lt1"/>
+    </dgm:linClrLst>
+    <dgm:effectClrLst/>
+    <dgm:txLinClrLst/>
+    <dgm:txFillClrLst/>
+    <dgm:txEffectClrLst/>
+  </dgm:styleLbl>
+  <dgm:styleLbl name="asst4">
+    <dgm:fillClrLst meth="repeat">
+      <a:schemeClr val="accent2"/>
+    </dgm:fillClrLst>
+    <dgm:linClrLst meth="repeat">
+      <a:schemeClr val="lt1"/>
+    </dgm:linClrLst>
+    <dgm:effectClrLst/>
+    <dgm:txLinClrLst/>
+    <dgm:txFillClrLst/>
+    <dgm:txEffectClrLst/>
+  </dgm:styleLbl>
+  <dgm:styleLbl name="parChTrans2D1">
+    <dgm:fillClrLst meth="repeat">
+      <a:schemeClr val="accent2">
+        <a:tint val="60000"/>
+      </a:schemeClr>
+    </dgm:fillClrLst>
+    <dgm:linClrLst meth="repeat">
+      <a:schemeClr val="accent2">
+        <a:tint val="60000"/>
+      </a:schemeClr>
+    </dgm:linClrLst>
+    <dgm:effectClrLst/>
+    <dgm:txLinClrLst/>
+    <dgm:txFillClrLst meth="repeat">
+      <a:schemeClr val="lt1"/>
+    </dgm:txFillClrLst>
+    <dgm:txEffectClrLst/>
+  </dgm:styleLbl>
+  <dgm:styleLbl name="parChTrans2D2">
+    <dgm:fillClrLst meth="repeat">
+      <a:schemeClr val="accent2"/>
+    </dgm:fillClrLst>
+    <dgm:linClrLst meth="repeat">
+      <a:schemeClr val="accent2"/>
+    </dgm:linClrLst>
+    <dgm:effectClrLst/>
+    <dgm:txLinClrLst/>
+    <dgm:txFillClrLst meth="repeat">
+      <a:schemeClr val="lt1"/>
+    </dgm:txFillClrLst>
+    <dgm:txEffectClrLst/>
+  </dgm:styleLbl>
+  <dgm:styleLbl name="parChTrans2D3">
+    <dgm:fillClrLst meth="repeat">
+      <a:schemeClr val="accent2"/>
+    </dgm:fillClrLst>
+    <dgm:linClrLst meth="repeat">
+      <a:schemeClr val="accent2"/>
+    </dgm:linClrLst>
+    <dgm:effectClrLst/>
+    <dgm:txLinClrLst/>
+    <dgm:txFillClrLst meth="repeat">
+      <a:schemeClr val="lt1"/>
+    </dgm:txFillClrLst>
+    <dgm:txEffectClrLst/>
+  </dgm:styleLbl>
+  <dgm:styleLbl name="parChTrans2D4">
+    <dgm:fillClrLst meth="repeat">
+      <a:schemeClr val="accent2"/>
+    </dgm:fillClrLst>
+    <dgm:linClrLst meth="repeat">
+      <a:schemeClr val="accent2"/>
+    </dgm:linClrLst>
+    <dgm:effectClrLst/>
+    <dgm:txLinClrLst/>
+    <dgm:txFillClrLst meth="repeat">
+      <a:schemeClr val="lt1"/>
+    </dgm:txFillClrLst>
+    <dgm:txEffectClrLst/>
+  </dgm:styleLbl>
+  <dgm:styleLbl name="parChTrans1D1">
+    <dgm:fillClrLst meth="repeat">
+      <a:schemeClr val="accent2"/>
+    </dgm:fillClrLst>
+    <dgm:linClrLst meth="repeat">
+      <a:schemeClr val="accent2">
+        <a:shade val="60000"/>
+      </a:schemeClr>
+    </dgm:linClrLst>
+    <dgm:effectClrLst/>
+    <dgm:txLinClrLst/>
+    <dgm:txFillClrLst meth="repeat">
+      <a:schemeClr val="tx1"/>
+    </dgm:txFillClrLst>
+    <dgm:txEffectClrLst/>
+  </dgm:styleLbl>
+  <dgm:styleLbl name="parChTrans1D2">
+    <dgm:fillClrLst meth="repeat">
+      <a:schemeClr val="accent2"/>
+    </dgm:fillClrLst>
+    <dgm:linClrLst meth="repeat">
+      <a:schemeClr val="accent2">
+        <a:shade val="60000"/>
+      </a:schemeClr>
+    </dgm:linClrLst>
+    <dgm:effectClrLst/>
+    <dgm:txLinClrLst/>
+    <dgm:txFillClrLst meth="repeat">
+      <a:schemeClr val="tx1"/>
+    </dgm:txFillClrLst>
+    <dgm:txEffectClrLst/>
+  </dgm:styleLbl>
+  <dgm:styleLbl name="parChTrans1D3">
+    <dgm:fillClrLst meth="repeat">
+      <a:schemeClr val="accent2"/>
+    </dgm:fillClrLst>
+    <dgm:linClrLst meth="repeat">
+      <a:schemeClr val="accent2">
+        <a:shade val="80000"/>
+      </a:schemeClr>
+    </dgm:linClrLst>
+    <dgm:effectClrLst/>
+    <dgm:txLinClrLst/>
+    <dgm:txFillClrLst meth="repeat">
+      <a:schemeClr val="tx1"/>
+    </dgm:txFillClrLst>
+    <dgm:txEffectClrLst/>
+  </dgm:styleLbl>
+  <dgm:styleLbl name="parChTrans1D4">
+    <dgm:fillClrLst meth="repeat">
+      <a:schemeClr val="accent2"/>
+    </dgm:fillClrLst>
+    <dgm:linClrLst meth="repeat">
+      <a:schemeClr val="accent2">
+        <a:shade val="80000"/>
+      </a:schemeClr>
+    </dgm:linClrLst>
+    <dgm:effectClrLst/>
+    <dgm:txLinClrLst/>
+    <dgm:txFillClrLst meth="repeat">
+      <a:schemeClr val="tx1"/>
+    </dgm:txFillClrLst>
+    <dgm:txEffectClrLst/>
+  </dgm:styleLbl>
+  <dgm:styleLbl name="fgAcc1">
+    <dgm:fillClrLst meth="repeat">
+      <a:schemeClr val="lt1">
+        <a:alpha val="90000"/>
+      </a:schemeClr>
+    </dgm:fillClrLst>
+    <dgm:linClrLst meth="repeat">
+      <a:schemeClr val="accent2"/>
+    </dgm:linClrLst>
+    <dgm:effectClrLst/>
+    <dgm:txLinClrLst/>
+    <dgm:txFillClrLst meth="repeat">
+      <a:schemeClr val="dk1"/>
+    </dgm:txFillClrLst>
+    <dgm:txEffectClrLst/>
+  </dgm:styleLbl>
+  <dgm:styleLbl name="conFgAcc1">
+    <dgm:fillClrLst meth="repeat">
+      <a:schemeClr val="lt1">
+        <a:alpha val="90000"/>
+      </a:schemeClr>
+    </dgm:fillClrLst>
+    <dgm:linClrLst meth="repeat">
+      <a:schemeClr val="accent2"/>
+    </dgm:linClrLst>
+    <dgm:effectClrLst/>
+    <dgm:txLinClrLst/>
+    <dgm:txFillClrLst meth="repeat">
+      <a:schemeClr val="dk1"/>
+    </dgm:txFillClrLst>
+    <dgm:txEffectClrLst/>
+  </dgm:styleLbl>
+  <dgm:styleLbl name="alignAcc1">
+    <dgm:fillClrLst meth="repeat">
+      <a:schemeClr val="lt1">
+        <a:alpha val="90000"/>
+      </a:schemeClr>
+    </dgm:fillClrLst>
+    <dgm:linClrLst meth="repeat">
+      <a:schemeClr val="accent2"/>
+    </dgm:linClrLst>
+    <dgm:effectClrLst/>
+    <dgm:txLinClrLst/>
+    <dgm:txFillClrLst meth="repeat">
+      <a:schemeClr val="dk1"/>
+    </dgm:txFillClrLst>
+    <dgm:txEffectClrLst/>
+  </dgm:styleLbl>
+  <dgm:styleLbl name="trAlignAcc1">
+    <dgm:fillClrLst meth="repeat">
+      <a:schemeClr val="lt1">
+        <a:alpha val="40000"/>
+      </a:schemeClr>
+    </dgm:fillClrLst>
+    <dgm:linClrLst meth="repeat">
+      <a:schemeClr val="accent2"/>
+    </dgm:linClrLst>
+    <dgm:effectClrLst/>
+    <dgm:txLinClrLst/>
+    <dgm:txFillClrLst meth="repeat">
+      <a:schemeClr val="dk1"/>
+    </dgm:txFillClrLst>
+    <dgm:txEffectClrLst/>
+  </dgm:styleLbl>
+  <dgm:styleLbl name="bgAcc1">
+    <dgm:fillClrLst meth="repeat">
+      <a:schemeClr val="lt1">
+        <a:alpha val="90000"/>
+      </a:schemeClr>
+    </dgm:fillClrLst>
+    <dgm:linClrLst meth="repeat">
+      <a:schemeClr val="accent2"/>
+    </dgm:linClrLst>
+    <dgm:effectClrLst/>
+    <dgm:txLinClrLst/>
+    <dgm:txFillClrLst meth="repeat">
+      <a:schemeClr val="dk1"/>
+    </dgm:txFillClrLst>
+    <dgm:txEffectClrLst/>
+  </dgm:styleLbl>
+  <dgm:styleLbl name="solidFgAcc1">
+    <dgm:fillClrLst meth="repeat">
+      <a:schemeClr val="lt1"/>
+    </dgm:fillClrLst>
+    <dgm:linClrLst meth="repeat">
+      <a:schemeClr val="accent2"/>
+    </dgm:linClrLst>
+    <dgm:effectClrLst/>
+    <dgm:txLinClrLst/>
+    <dgm:txFillClrLst meth="repeat">
+      <a:schemeClr val="dk1"/>
+    </dgm:txFillClrLst>
+    <dgm:txEffectClrLst/>
+  </dgm:styleLbl>
+  <dgm:styleLbl name="solidAlignAcc1">
+    <dgm:fillClrLst meth="repeat">
+      <a:schemeClr val="lt1"/>
+    </dgm:fillClrLst>
+    <dgm:linClrLst meth="repeat">
+      <a:schemeClr val="accent2"/>
+    </dgm:linClrLst>
+    <dgm:effectClrLst/>
+    <dgm:txLinClrLst/>
+    <dgm:txFillClrLst meth="repeat">
+      <a:schemeClr val="dk1"/>
+    </dgm:txFillClrLst>
+    <dgm:txEffectClrLst/>
+  </dgm:styleLbl>
+  <dgm:styleLbl name="solidBgAcc1">
+    <dgm:fillClrLst meth="repeat">
+      <a:schemeClr val="lt1"/>
+    </dgm:fillClrLst>
+    <dgm:linClrLst meth="repeat">
+      <a:schemeClr val="accent2"/>
+    </dgm:linClrLst>
+    <dgm:effectClrLst/>
+    <dgm:txLinClrLst/>
+    <dgm:txFillClrLst meth="repeat">
+      <a:schemeClr val="dk1"/>
+    </dgm:txFillClrLst>
+    <dgm:txEffectClrLst/>
+  </dgm:styleLbl>
+  <dgm:styleLbl name="fgAccFollowNode1">
+    <dgm:fillClrLst meth="repeat">
+      <a:schemeClr val="accent2">
+        <a:alpha val="90000"/>
+        <a:tint val="40000"/>
+      </a:schemeClr>
+    </dgm:fillClrLst>
+    <dgm:linClrLst meth="repeat">
+      <a:schemeClr val="accent2">
+        <a:alpha val="90000"/>
+        <a:tint val="40000"/>
+      </a:schemeClr>
+    </dgm:linClrLst>
+    <dgm:effectClrLst/>
+    <dgm:txLinClrLst/>
+    <dgm:txFillClrLst meth="repeat">
+      <a:schemeClr val="dk1"/>
+    </dgm:txFillClrLst>
+    <dgm:txEffectClrLst/>
+  </dgm:styleLbl>
+  <dgm:styleLbl name="alignAccFollowNode1">
+    <dgm:fillClrLst meth="repeat">
+      <a:schemeClr val="accent2">
+        <a:alpha val="90000"/>
+        <a:tint val="40000"/>
+      </a:schemeClr>
+    </dgm:fillClrLst>
+    <dgm:linClrLst meth="repeat">
+      <a:schemeClr val="accent2">
+        <a:alpha val="90000"/>
+        <a:tint val="40000"/>
+      </a:schemeClr>
+    </dgm:linClrLst>
+    <dgm:effectClrLst/>
+    <dgm:txLinClrLst/>
+    <dgm:txFillClrLst meth="repeat">
+      <a:schemeClr val="dk1"/>
+    </dgm:txFillClrLst>
+    <dgm:txEffectClrLst/>
+  </dgm:styleLbl>
+  <dgm:styleLbl name="bgAccFollowNode1">
+    <dgm:fillClrLst meth="repeat">
+      <a:schemeClr val="accent2">
+        <a:alpha val="90000"/>
+        <a:tint val="40000"/>
+      </a:schemeClr>
+    </dgm:fillClrLst>
+    <dgm:linClrLst meth="repeat">
+      <a:schemeClr val="accent2">
+        <a:alpha val="90000"/>
+        <a:tint val="40000"/>
+      </a:schemeClr>
+    </dgm:linClrLst>
+    <dgm:effectClrLst/>
+    <dgm:txLinClrLst/>
+    <dgm:txFillClrLst meth="repeat">
+      <a:schemeClr val="dk1"/>
+    </dgm:txFillClrLst>
+    <dgm:txEffectClrLst/>
+  </dgm:styleLbl>
+  <dgm:styleLbl name="fgAcc0">
+    <dgm:fillClrLst meth="repeat">
+      <a:schemeClr val="lt1">
+        <a:alpha val="90000"/>
+      </a:schemeClr>
+    </dgm:fillClrLst>
+    <dgm:linClrLst meth="repeat">
+      <a:schemeClr val="accent2"/>
+    </dgm:linClrLst>
+    <dgm:effectClrLst/>
+    <dgm:txLinClrLst/>
+    <dgm:txFillClrLst meth="repeat">
+      <a:schemeClr val="dk1"/>
+    </dgm:txFillClrLst>
+    <dgm:txEffectClrLst/>
+  </dgm:styleLbl>
+  <dgm:styleLbl name="fgAcc2">
+    <dgm:fillClrLst meth="repeat">
+      <a:schemeClr val="lt1">
+        <a:alpha val="90000"/>
+      </a:schemeClr>
+    </dgm:fillClrLst>
+    <dgm:linClrLst meth="repeat">
+      <a:schemeClr val="accent2"/>
+    </dgm:linClrLst>
+    <dgm:effectClrLst/>
+    <dgm:txLinClrLst/>
+    <dgm:txFillClrLst meth="repeat">
+      <a:schemeClr val="dk1"/>
+    </dgm:txFillClrLst>
+    <dgm:txEffectClrLst/>
+  </dgm:styleLbl>
+  <dgm:styleLbl name="fgAcc3">
+    <dgm:fillClrLst meth="repeat">
+      <a:schemeClr val="lt1">
+        <a:alpha val="90000"/>
+      </a:schemeClr>
+    </dgm:fillClrLst>
+    <dgm:linClrLst meth="repeat">
+      <a:schemeClr val="accent2"/>
+    </dgm:linClrLst>
+    <dgm:effectClrLst/>
+    <dgm:txLinClrLst/>
+    <dgm:txFillClrLst meth="repeat">
+      <a:schemeClr val="dk1"/>
+    </dgm:txFillClrLst>
+    <dgm:txEffectClrLst/>
+  </dgm:styleLbl>
+  <dgm:styleLbl name="fgAcc4">
+    <dgm:fillClrLst meth="repeat">
+      <a:schemeClr val="lt1">
+        <a:alpha val="90000"/>
+      </a:schemeClr>
+    </dgm:fillClrLst>
+    <dgm:linClrLst meth="repeat">
+      <a:schemeClr val="accent2"/>
+    </dgm:linClrLst>
+    <dgm:effectClrLst/>
+    <dgm:txLinClrLst/>
+    <dgm:txFillClrLst meth="repeat">
+      <a:schemeClr val="dk1"/>
+    </dgm:txFillClrLst>
+    <dgm:txEffectClrLst/>
+  </dgm:styleLbl>
+  <dgm:styleLbl name="bgShp">
+    <dgm:fillClrLst meth="repeat">
+      <a:schemeClr val="accent2">
+        <a:tint val="40000"/>
+      </a:schemeClr>
+    </dgm:fillClrLst>
+    <dgm:linClrLst meth="repeat">
+      <a:schemeClr val="accent2"/>
+    </dgm:linClrLst>
+    <dgm:effectClrLst/>
+    <dgm:txLinClrLst/>
+    <dgm:txFillClrLst meth="repeat">
+      <a:schemeClr val="dk1"/>
+    </dgm:txFillClrLst>
+    <dgm:txEffectClrLst/>
+  </dgm:styleLbl>
+  <dgm:styleLbl name="dkBgShp">
+    <dgm:fillClrLst meth="repeat">
+      <a:schemeClr val="accent2">
+        <a:shade val="80000"/>
+      </a:schemeClr>
+    </dgm:fillClrLst>
+    <dgm:linClrLst meth="repeat">
+      <a:schemeClr val="accent2"/>
+    </dgm:linClrLst>
+    <dgm:effectClrLst/>
+    <dgm:txLinClrLst/>
+    <dgm:txFillClrLst meth="repeat">
+      <a:schemeClr val="lt1"/>
+    </dgm:txFillClrLst>
+    <dgm:txEffectClrLst/>
+  </dgm:styleLbl>
+  <dgm:styleLbl name="trBgShp">
+    <dgm:fillClrLst meth="repeat">
+      <a:schemeClr val="accent2">
+        <a:tint val="50000"/>
+        <a:alpha val="40000"/>
+      </a:schemeClr>
+    </dgm:fillClrLst>
+    <dgm:linClrLst meth="repeat">
+      <a:schemeClr val="accent2"/>
+    </dgm:linClrLst>
+    <dgm:effectClrLst/>
+    <dgm:txLinClrLst/>
+    <dgm:txFillClrLst meth="repeat">
+      <a:schemeClr val="lt1"/>
+    </dgm:txFillClrLst>
+    <dgm:txEffectClrLst/>
+  </dgm:styleLbl>
+  <dgm:styleLbl name="fgShp">
+    <dgm:fillClrLst meth="repeat">
+      <a:schemeClr val="accent2">
+        <a:tint val="60000"/>
+      </a:schemeClr>
+    </dgm:fillClrLst>
+    <dgm:linClrLst meth="repeat">
+      <a:schemeClr val="lt1"/>
+    </dgm:linClrLst>
+    <dgm:effectClrLst/>
+    <dgm:txLinClrLst/>
+    <dgm:txFillClrLst meth="repeat">
+      <a:schemeClr val="dk1"/>
+    </dgm:txFillClrLst>
+    <dgm:txEffectClrLst/>
+  </dgm:styleLbl>
+  <dgm:styleLbl name="revTx">
+    <dgm:fillClrLst meth="repeat">
+      <a:schemeClr val="lt1">
+        <a:alpha val="0"/>
+      </a:schemeClr>
+    </dgm:fillClrLst>
+    <dgm:linClrLst meth="repeat">
+      <a:schemeClr val="dk1">
+        <a:alpha val="0"/>
+      </a:schemeClr>
+    </dgm:linClrLst>
+    <dgm:effectClrLst/>
+    <dgm:txLinClrLst/>
+    <dgm:txFillClrLst meth="repeat">
+      <a:schemeClr val="tx1"/>
+    </dgm:txFillClrLst>
+    <dgm:txEffectClrLst/>
+  </dgm:styleLbl>
+</dgm:colorsDef>
+</file>
+
+<file path=ppt/diagrams/data1.xml><?xml version="1.0" encoding="utf-8"?>
+<dgm:dataModel xmlns:dgm="http://schemas.openxmlformats.org/drawingml/2006/diagram" xmlns:a="http://schemas.openxmlformats.org/drawingml/2006/main">
+  <dgm:ptLst>
+    <dgm:pt modelId="{7F5F8AB9-FE2A-492C-9556-338617F957F5}" type="doc">
+      <dgm:prSet loTypeId="urn:microsoft.com/office/officeart/2005/8/layout/hChevron3" loCatId="process" qsTypeId="urn:microsoft.com/office/officeart/2005/8/quickstyle/3d3" qsCatId="3D" csTypeId="urn:microsoft.com/office/officeart/2005/8/colors/accent3_2" csCatId="accent3" phldr="1"/>
+      <dgm:spPr/>
+    </dgm:pt>
+    <dgm:pt modelId="{1E736852-6CFB-4E12-92DA-E91D856ADAD2}">
+      <dgm:prSet phldrT="[Text]"/>
+      <dgm:spPr/>
+      <dgm:t>
+        <a:bodyPr/>
+        <a:lstStyle/>
+        <a:p>
+          <a:r>
+            <a:rPr lang="pt-BR" dirty="0" smtClean="0"/>
+            <a:t>Recuperação</a:t>
+          </a:r>
+          <a:endParaRPr lang="pt-BR" dirty="0"/>
+        </a:p>
+      </dgm:t>
+    </dgm:pt>
+    <dgm:pt modelId="{808D9E32-0CE0-4F1D-8DA8-FB9E9FAEA6D0}" type="parTrans" cxnId="{E2F1A994-9D47-4C8A-AF93-60967227D977}">
+      <dgm:prSet/>
+      <dgm:spPr/>
+    </dgm:pt>
+    <dgm:pt modelId="{C381D962-775B-4E96-83A3-CEA258CB62E9}" type="sibTrans" cxnId="{E2F1A994-9D47-4C8A-AF93-60967227D977}">
+      <dgm:prSet/>
+      <dgm:spPr/>
+    </dgm:pt>
+    <dgm:pt modelId="{8D231489-5399-457F-9972-C889828F9AA7}">
+      <dgm:prSet phldrT="[Text]"/>
+      <dgm:spPr/>
+      <dgm:t>
+        <a:bodyPr/>
+        <a:lstStyle/>
+        <a:p>
+          <a:r>
+            <a:rPr lang="pt-BR" dirty="0" smtClean="0"/>
+            <a:t>Compreensão</a:t>
+          </a:r>
+          <a:endParaRPr lang="pt-BR" dirty="0"/>
+        </a:p>
+      </dgm:t>
+    </dgm:pt>
+    <dgm:pt modelId="{9176BB74-A957-48A5-8738-E92914063A8B}" type="parTrans" cxnId="{C5A9466F-F3B4-484F-9C47-C6E3D46A0B70}">
+      <dgm:prSet/>
+      <dgm:spPr/>
+    </dgm:pt>
+    <dgm:pt modelId="{E5DD23DF-E1F5-4F51-9152-4DFD3C42F37E}" type="sibTrans" cxnId="{C5A9466F-F3B4-484F-9C47-C6E3D46A0B70}">
+      <dgm:prSet/>
+      <dgm:spPr/>
+    </dgm:pt>
+    <dgm:pt modelId="{0043A9E0-C906-4259-8506-74AF2FE5E8C1}">
+      <dgm:prSet phldrT="[Text]"/>
+      <dgm:spPr/>
+      <dgm:t>
+        <a:bodyPr/>
+        <a:lstStyle/>
+        <a:p>
+          <a:r>
+            <a:rPr lang="pt-BR" dirty="0" smtClean="0"/>
+            <a:t>Adaptação</a:t>
+          </a:r>
+          <a:endParaRPr lang="pt-BR" dirty="0"/>
+        </a:p>
+      </dgm:t>
+    </dgm:pt>
+    <dgm:pt modelId="{E2C5CB15-A777-40C7-9C57-415B8399D7AB}" type="parTrans" cxnId="{4BDCD4F2-4447-4B09-9B52-BC49E40B3865}">
+      <dgm:prSet/>
+      <dgm:spPr/>
+    </dgm:pt>
+    <dgm:pt modelId="{AADDC3A7-6438-4021-AE70-D3A656A24EA9}" type="sibTrans" cxnId="{4BDCD4F2-4447-4B09-9B52-BC49E40B3865}">
+      <dgm:prSet/>
+      <dgm:spPr/>
+    </dgm:pt>
+    <dgm:pt modelId="{B1F3B419-6F70-4563-913E-F98BEDD9952C}" type="pres">
+      <dgm:prSet presAssocID="{7F5F8AB9-FE2A-492C-9556-338617F957F5}" presName="Name0" presStyleCnt="0">
+        <dgm:presLayoutVars>
+          <dgm:dir/>
+          <dgm:resizeHandles val="exact"/>
+        </dgm:presLayoutVars>
+      </dgm:prSet>
+      <dgm:spPr/>
+    </dgm:pt>
+    <dgm:pt modelId="{5D09E3FE-301E-4FFA-9CA6-342003F42CEA}" type="pres">
+      <dgm:prSet presAssocID="{1E736852-6CFB-4E12-92DA-E91D856ADAD2}" presName="parTxOnly" presStyleLbl="node1" presStyleIdx="0" presStyleCnt="3">
+        <dgm:presLayoutVars>
+          <dgm:bulletEnabled val="1"/>
+        </dgm:presLayoutVars>
+      </dgm:prSet>
+      <dgm:spPr/>
+    </dgm:pt>
+    <dgm:pt modelId="{6CDBE8AA-AE18-47EF-B31C-83C07AA6DB79}" type="pres">
+      <dgm:prSet presAssocID="{C381D962-775B-4E96-83A3-CEA258CB62E9}" presName="parSpace" presStyleCnt="0"/>
+      <dgm:spPr/>
+    </dgm:pt>
+    <dgm:pt modelId="{65F0AC75-5718-43F0-A036-9FFCE9F2079E}" type="pres">
+      <dgm:prSet presAssocID="{8D231489-5399-457F-9972-C889828F9AA7}" presName="parTxOnly" presStyleLbl="node1" presStyleIdx="1" presStyleCnt="3">
+        <dgm:presLayoutVars>
+          <dgm:bulletEnabled val="1"/>
+        </dgm:presLayoutVars>
+      </dgm:prSet>
+      <dgm:spPr/>
+    </dgm:pt>
+    <dgm:pt modelId="{9626ECD6-DA11-4EE4-9068-9F7717BE6821}" type="pres">
+      <dgm:prSet presAssocID="{E5DD23DF-E1F5-4F51-9152-4DFD3C42F37E}" presName="parSpace" presStyleCnt="0"/>
+      <dgm:spPr/>
+    </dgm:pt>
+    <dgm:pt modelId="{06006316-69A4-4C46-A0D6-746C11C43FDC}" type="pres">
+      <dgm:prSet presAssocID="{0043A9E0-C906-4259-8506-74AF2FE5E8C1}" presName="parTxOnly" presStyleLbl="node1" presStyleIdx="2" presStyleCnt="3">
+        <dgm:presLayoutVars>
+          <dgm:bulletEnabled val="1"/>
+        </dgm:presLayoutVars>
+      </dgm:prSet>
+      <dgm:spPr/>
+    </dgm:pt>
+  </dgm:ptLst>
+  <dgm:cxnLst>
+    <dgm:cxn modelId="{E2F1A994-9D47-4C8A-AF93-60967227D977}" srcId="{7F5F8AB9-FE2A-492C-9556-338617F957F5}" destId="{1E736852-6CFB-4E12-92DA-E91D856ADAD2}" srcOrd="0" destOrd="0" parTransId="{808D9E32-0CE0-4F1D-8DA8-FB9E9FAEA6D0}" sibTransId="{C381D962-775B-4E96-83A3-CEA258CB62E9}"/>
+    <dgm:cxn modelId="{9C7B0CC2-7212-453C-A91B-0A213F08D761}" type="presOf" srcId="{8D231489-5399-457F-9972-C889828F9AA7}" destId="{65F0AC75-5718-43F0-A036-9FFCE9F2079E}" srcOrd="0" destOrd="0" presId="urn:microsoft.com/office/officeart/2005/8/layout/hChevron3"/>
+    <dgm:cxn modelId="{5DC7690C-46A1-4356-9D9D-47A3157F6F71}" type="presOf" srcId="{7F5F8AB9-FE2A-492C-9556-338617F957F5}" destId="{B1F3B419-6F70-4563-913E-F98BEDD9952C}" srcOrd="0" destOrd="0" presId="urn:microsoft.com/office/officeart/2005/8/layout/hChevron3"/>
+    <dgm:cxn modelId="{4BDCD4F2-4447-4B09-9B52-BC49E40B3865}" srcId="{7F5F8AB9-FE2A-492C-9556-338617F957F5}" destId="{0043A9E0-C906-4259-8506-74AF2FE5E8C1}" srcOrd="2" destOrd="0" parTransId="{E2C5CB15-A777-40C7-9C57-415B8399D7AB}" sibTransId="{AADDC3A7-6438-4021-AE70-D3A656A24EA9}"/>
+    <dgm:cxn modelId="{C5A9466F-F3B4-484F-9C47-C6E3D46A0B70}" srcId="{7F5F8AB9-FE2A-492C-9556-338617F957F5}" destId="{8D231489-5399-457F-9972-C889828F9AA7}" srcOrd="1" destOrd="0" parTransId="{9176BB74-A957-48A5-8738-E92914063A8B}" sibTransId="{E5DD23DF-E1F5-4F51-9152-4DFD3C42F37E}"/>
+    <dgm:cxn modelId="{2024A75B-2E66-42E2-9AB8-85705C8EE43D}" type="presOf" srcId="{0043A9E0-C906-4259-8506-74AF2FE5E8C1}" destId="{06006316-69A4-4C46-A0D6-746C11C43FDC}" srcOrd="0" destOrd="0" presId="urn:microsoft.com/office/officeart/2005/8/layout/hChevron3"/>
+    <dgm:cxn modelId="{9985CD93-A77B-463B-BE76-4CA8C68501D7}" type="presOf" srcId="{1E736852-6CFB-4E12-92DA-E91D856ADAD2}" destId="{5D09E3FE-301E-4FFA-9CA6-342003F42CEA}" srcOrd="0" destOrd="0" presId="urn:microsoft.com/office/officeart/2005/8/layout/hChevron3"/>
+    <dgm:cxn modelId="{DE61B65C-083D-4225-9383-198B87ADF7AA}" type="presParOf" srcId="{B1F3B419-6F70-4563-913E-F98BEDD9952C}" destId="{5D09E3FE-301E-4FFA-9CA6-342003F42CEA}" srcOrd="0" destOrd="0" presId="urn:microsoft.com/office/officeart/2005/8/layout/hChevron3"/>
+    <dgm:cxn modelId="{BD4DB9C3-F0DF-4217-994F-7D05D179FB3A}" type="presParOf" srcId="{B1F3B419-6F70-4563-913E-F98BEDD9952C}" destId="{6CDBE8AA-AE18-47EF-B31C-83C07AA6DB79}" srcOrd="1" destOrd="0" presId="urn:microsoft.com/office/officeart/2005/8/layout/hChevron3"/>
+    <dgm:cxn modelId="{65E6C21A-C28F-414D-92DC-405ED425DD25}" type="presParOf" srcId="{B1F3B419-6F70-4563-913E-F98BEDD9952C}" destId="{65F0AC75-5718-43F0-A036-9FFCE9F2079E}" srcOrd="2" destOrd="0" presId="urn:microsoft.com/office/officeart/2005/8/layout/hChevron3"/>
+    <dgm:cxn modelId="{4E0433AF-AD63-47CE-816C-25B7240D5E06}" type="presParOf" srcId="{B1F3B419-6F70-4563-913E-F98BEDD9952C}" destId="{9626ECD6-DA11-4EE4-9068-9F7717BE6821}" srcOrd="3" destOrd="0" presId="urn:microsoft.com/office/officeart/2005/8/layout/hChevron3"/>
+    <dgm:cxn modelId="{D7B9D8F0-E98B-4C82-9AC6-D68700B23D00}" type="presParOf" srcId="{B1F3B419-6F70-4563-913E-F98BEDD9952C}" destId="{06006316-69A4-4C46-A0D6-746C11C43FDC}" srcOrd="4" destOrd="0" presId="urn:microsoft.com/office/officeart/2005/8/layout/hChevron3"/>
+  </dgm:cxnLst>
+  <dgm:bg/>
+  <dgm:whole/>
+</dgm:dataModel>
+</file>
+
+<file path=ppt/diagrams/data2.xml><?xml version="1.0" encoding="utf-8"?>
+<dgm:dataModel xmlns:dgm="http://schemas.openxmlformats.org/drawingml/2006/diagram" xmlns:a="http://schemas.openxmlformats.org/drawingml/2006/main">
+  <dgm:ptLst>
+    <dgm:pt modelId="{B3569EF9-C5F0-4242-80E6-FE96ABEC79E0}" type="doc">
+      <dgm:prSet loTypeId="urn:microsoft.com/office/officeart/2005/8/layout/hChevron3" loCatId="process" qsTypeId="urn:microsoft.com/office/officeart/2005/8/quickstyle/3d3" qsCatId="3D" csTypeId="urn:microsoft.com/office/officeart/2005/8/colors/accent2_2" csCatId="accent2" phldr="1"/>
+      <dgm:spPr/>
+    </dgm:pt>
+    <dgm:pt modelId="{D29EAB56-37A5-4797-B3E5-3504D6C9789C}">
+      <dgm:prSet phldrT="[Text]"/>
+      <dgm:spPr/>
+      <dgm:t>
+        <a:bodyPr/>
+        <a:lstStyle/>
+        <a:p>
+          <a:r>
+            <a:rPr lang="pt-BR" dirty="0" smtClean="0"/>
+            <a:t>Identificação</a:t>
+          </a:r>
+          <a:endParaRPr lang="pt-BR" dirty="0"/>
+        </a:p>
+      </dgm:t>
+    </dgm:pt>
+    <dgm:pt modelId="{9DD5D639-5D1B-40E9-AACB-7EA5BA401B0A}" type="parTrans" cxnId="{22E9F5F7-D08A-4162-8F2F-176539A0A6D0}">
+      <dgm:prSet/>
+      <dgm:spPr/>
+      <dgm:t>
+        <a:bodyPr/>
+        <a:lstStyle/>
+        <a:p>
+          <a:endParaRPr lang="pt-BR"/>
+        </a:p>
+      </dgm:t>
+    </dgm:pt>
+    <dgm:pt modelId="{F8AFE52D-4BB1-46E0-AF15-77F2C479A22A}" type="sibTrans" cxnId="{22E9F5F7-D08A-4162-8F2F-176539A0A6D0}">
+      <dgm:prSet/>
+      <dgm:spPr/>
+      <dgm:t>
+        <a:bodyPr/>
+        <a:lstStyle/>
+        <a:p>
+          <a:endParaRPr lang="pt-BR"/>
+        </a:p>
+      </dgm:t>
+    </dgm:pt>
+    <dgm:pt modelId="{E540B85F-416B-4DB2-8857-BF9AFF7F6AF1}">
+      <dgm:prSet phldrT="[Text]"/>
+      <dgm:spPr/>
+      <dgm:t>
+        <a:bodyPr/>
+        <a:lstStyle/>
+        <a:p>
+          <a:r>
+            <a:rPr lang="pt-BR" dirty="0" smtClean="0"/>
+            <a:t>Implementação</a:t>
+          </a:r>
+          <a:endParaRPr lang="pt-BR" dirty="0"/>
+        </a:p>
+      </dgm:t>
+    </dgm:pt>
+    <dgm:pt modelId="{59A968A5-3FE5-4A04-93D7-995A6C66B973}" type="parTrans" cxnId="{43E4E710-059F-412B-B8C4-C7CE53B9517A}">
+      <dgm:prSet/>
+      <dgm:spPr/>
+      <dgm:t>
+        <a:bodyPr/>
+        <a:lstStyle/>
+        <a:p>
+          <a:endParaRPr lang="pt-BR"/>
+        </a:p>
+      </dgm:t>
+    </dgm:pt>
+    <dgm:pt modelId="{439815C2-46D2-45C1-B0E8-8448A13C3F7A}" type="sibTrans" cxnId="{43E4E710-059F-412B-B8C4-C7CE53B9517A}">
+      <dgm:prSet/>
+      <dgm:spPr/>
+      <dgm:t>
+        <a:bodyPr/>
+        <a:lstStyle/>
+        <a:p>
+          <a:endParaRPr lang="pt-BR"/>
+        </a:p>
+      </dgm:t>
+    </dgm:pt>
+    <dgm:pt modelId="{D6DB17C2-4387-41CB-A455-4CEAF0F5DCE6}">
+      <dgm:prSet phldrT="[Text]"/>
+      <dgm:spPr/>
+      <dgm:t>
+        <a:bodyPr/>
+        <a:lstStyle/>
+        <a:p>
+          <a:r>
+            <a:rPr lang="pt-BR" dirty="0" smtClean="0"/>
+            <a:t>Empacotamento</a:t>
+          </a:r>
+          <a:endParaRPr lang="pt-BR" dirty="0"/>
+        </a:p>
+      </dgm:t>
+    </dgm:pt>
+    <dgm:pt modelId="{3A84FC78-31F6-498C-81B1-745B2DF81111}" type="parTrans" cxnId="{D25B5848-E392-4EEA-AFDB-3479A89BA2C8}">
+      <dgm:prSet/>
+      <dgm:spPr/>
+      <dgm:t>
+        <a:bodyPr/>
+        <a:lstStyle/>
+        <a:p>
+          <a:endParaRPr lang="pt-BR"/>
+        </a:p>
+      </dgm:t>
+    </dgm:pt>
+    <dgm:pt modelId="{4B40A339-4446-4EFC-BEF8-D0156BECDBFE}" type="sibTrans" cxnId="{D25B5848-E392-4EEA-AFDB-3479A89BA2C8}">
+      <dgm:prSet/>
+      <dgm:spPr/>
+      <dgm:t>
+        <a:bodyPr/>
+        <a:lstStyle/>
+        <a:p>
+          <a:endParaRPr lang="pt-BR"/>
+        </a:p>
+      </dgm:t>
+    </dgm:pt>
+    <dgm:pt modelId="{11FAA684-CCB5-406E-9321-01A37F7C1A57}" type="pres">
+      <dgm:prSet presAssocID="{B3569EF9-C5F0-4242-80E6-FE96ABEC79E0}" presName="Name0" presStyleCnt="0">
+        <dgm:presLayoutVars>
+          <dgm:dir/>
+          <dgm:resizeHandles val="exact"/>
+        </dgm:presLayoutVars>
+      </dgm:prSet>
+      <dgm:spPr/>
+    </dgm:pt>
+    <dgm:pt modelId="{68EFF2ED-6174-4CC2-833A-CBC7001558DA}" type="pres">
+      <dgm:prSet presAssocID="{D29EAB56-37A5-4797-B3E5-3504D6C9789C}" presName="parTxOnly" presStyleLbl="node1" presStyleIdx="0" presStyleCnt="3">
+        <dgm:presLayoutVars>
+          <dgm:bulletEnabled val="1"/>
+        </dgm:presLayoutVars>
+      </dgm:prSet>
+      <dgm:spPr/>
+    </dgm:pt>
+    <dgm:pt modelId="{28DA96DC-7B06-4F1B-BA26-DB9005D6036F}" type="pres">
+      <dgm:prSet presAssocID="{F8AFE52D-4BB1-46E0-AF15-77F2C479A22A}" presName="parSpace" presStyleCnt="0"/>
+      <dgm:spPr/>
+    </dgm:pt>
+    <dgm:pt modelId="{C77124A9-9A22-4128-B9AF-DF258F63B260}" type="pres">
+      <dgm:prSet presAssocID="{E540B85F-416B-4DB2-8857-BF9AFF7F6AF1}" presName="parTxOnly" presStyleLbl="node1" presStyleIdx="1" presStyleCnt="3">
+        <dgm:presLayoutVars>
+          <dgm:bulletEnabled val="1"/>
+        </dgm:presLayoutVars>
+      </dgm:prSet>
+      <dgm:spPr/>
+    </dgm:pt>
+    <dgm:pt modelId="{C4CC46AB-F4A8-4E55-BBFB-F807F70AAFD1}" type="pres">
+      <dgm:prSet presAssocID="{439815C2-46D2-45C1-B0E8-8448A13C3F7A}" presName="parSpace" presStyleCnt="0"/>
+      <dgm:spPr/>
+    </dgm:pt>
+    <dgm:pt modelId="{73937E79-7C5B-4DAB-9C25-965CE55C5539}" type="pres">
+      <dgm:prSet presAssocID="{D6DB17C2-4387-41CB-A455-4CEAF0F5DCE6}" presName="parTxOnly" presStyleLbl="node1" presStyleIdx="2" presStyleCnt="3">
+        <dgm:presLayoutVars>
+          <dgm:bulletEnabled val="1"/>
+        </dgm:presLayoutVars>
+      </dgm:prSet>
+      <dgm:spPr/>
+    </dgm:pt>
+  </dgm:ptLst>
+  <dgm:cxnLst>
+    <dgm:cxn modelId="{A7935C11-E205-4017-96F4-0A251383AFBA}" type="presOf" srcId="{D29EAB56-37A5-4797-B3E5-3504D6C9789C}" destId="{68EFF2ED-6174-4CC2-833A-CBC7001558DA}" srcOrd="0" destOrd="0" presId="urn:microsoft.com/office/officeart/2005/8/layout/hChevron3"/>
+    <dgm:cxn modelId="{3613D0AA-C6E5-4E34-A6E4-D1A1499946AD}" type="presOf" srcId="{E540B85F-416B-4DB2-8857-BF9AFF7F6AF1}" destId="{C77124A9-9A22-4128-B9AF-DF258F63B260}" srcOrd="0" destOrd="0" presId="urn:microsoft.com/office/officeart/2005/8/layout/hChevron3"/>
+    <dgm:cxn modelId="{4E881347-17ED-47CD-8079-563A5D414F3F}" type="presOf" srcId="{B3569EF9-C5F0-4242-80E6-FE96ABEC79E0}" destId="{11FAA684-CCB5-406E-9321-01A37F7C1A57}" srcOrd="0" destOrd="0" presId="urn:microsoft.com/office/officeart/2005/8/layout/hChevron3"/>
+    <dgm:cxn modelId="{7E6DF968-D9A3-4E8E-817E-A01DDE109B4C}" type="presOf" srcId="{D6DB17C2-4387-41CB-A455-4CEAF0F5DCE6}" destId="{73937E79-7C5B-4DAB-9C25-965CE55C5539}" srcOrd="0" destOrd="0" presId="urn:microsoft.com/office/officeart/2005/8/layout/hChevron3"/>
+    <dgm:cxn modelId="{43E4E710-059F-412B-B8C4-C7CE53B9517A}" srcId="{B3569EF9-C5F0-4242-80E6-FE96ABEC79E0}" destId="{E540B85F-416B-4DB2-8857-BF9AFF7F6AF1}" srcOrd="1" destOrd="0" parTransId="{59A968A5-3FE5-4A04-93D7-995A6C66B973}" sibTransId="{439815C2-46D2-45C1-B0E8-8448A13C3F7A}"/>
+    <dgm:cxn modelId="{D25B5848-E392-4EEA-AFDB-3479A89BA2C8}" srcId="{B3569EF9-C5F0-4242-80E6-FE96ABEC79E0}" destId="{D6DB17C2-4387-41CB-A455-4CEAF0F5DCE6}" srcOrd="2" destOrd="0" parTransId="{3A84FC78-31F6-498C-81B1-745B2DF81111}" sibTransId="{4B40A339-4446-4EFC-BEF8-D0156BECDBFE}"/>
+    <dgm:cxn modelId="{22E9F5F7-D08A-4162-8F2F-176539A0A6D0}" srcId="{B3569EF9-C5F0-4242-80E6-FE96ABEC79E0}" destId="{D29EAB56-37A5-4797-B3E5-3504D6C9789C}" srcOrd="0" destOrd="0" parTransId="{9DD5D639-5D1B-40E9-AACB-7EA5BA401B0A}" sibTransId="{F8AFE52D-4BB1-46E0-AF15-77F2C479A22A}"/>
+    <dgm:cxn modelId="{DDE72F2B-1061-473D-93D2-3F74EA54348F}" type="presParOf" srcId="{11FAA684-CCB5-406E-9321-01A37F7C1A57}" destId="{68EFF2ED-6174-4CC2-833A-CBC7001558DA}" srcOrd="0" destOrd="0" presId="urn:microsoft.com/office/officeart/2005/8/layout/hChevron3"/>
+    <dgm:cxn modelId="{67E3EF7E-7F1B-46DE-9C5B-94B15450E294}" type="presParOf" srcId="{11FAA684-CCB5-406E-9321-01A37F7C1A57}" destId="{28DA96DC-7B06-4F1B-BA26-DB9005D6036F}" srcOrd="1" destOrd="0" presId="urn:microsoft.com/office/officeart/2005/8/layout/hChevron3"/>
+    <dgm:cxn modelId="{9179A095-B210-48CE-914F-38510EA0C929}" type="presParOf" srcId="{11FAA684-CCB5-406E-9321-01A37F7C1A57}" destId="{C77124A9-9A22-4128-B9AF-DF258F63B260}" srcOrd="2" destOrd="0" presId="urn:microsoft.com/office/officeart/2005/8/layout/hChevron3"/>
+    <dgm:cxn modelId="{6FAE10B5-0CFF-4675-B32F-5C0605933CF0}" type="presParOf" srcId="{11FAA684-CCB5-406E-9321-01A37F7C1A57}" destId="{C4CC46AB-F4A8-4E55-BBFB-F807F70AAFD1}" srcOrd="3" destOrd="0" presId="urn:microsoft.com/office/officeart/2005/8/layout/hChevron3"/>
+    <dgm:cxn modelId="{0EABD596-9555-454D-AF40-21FDA4120939}" type="presParOf" srcId="{11FAA684-CCB5-406E-9321-01A37F7C1A57}" destId="{73937E79-7C5B-4DAB-9C25-965CE55C5539}" srcOrd="4" destOrd="0" presId="urn:microsoft.com/office/officeart/2005/8/layout/hChevron3"/>
+  </dgm:cxnLst>
+  <dgm:bg/>
+  <dgm:whole/>
+</dgm:dataModel>
+</file>
+
+<file path=ppt/diagrams/layout1.xml><?xml version="1.0" encoding="utf-8"?>
+<dgm:layoutDef xmlns:dgm="http://schemas.openxmlformats.org/drawingml/2006/diagram" xmlns:a="http://schemas.openxmlformats.org/drawingml/2006/main" uniqueId="urn:microsoft.com/office/officeart/2005/8/layout/hChevron3">
+  <dgm:title val=""/>
+  <dgm:desc val=""/>
+  <dgm:catLst>
+    <dgm:cat type="process" pri="10000"/>
+  </dgm:catLst>
+  <dgm:sampData useDef="1">
+    <dgm:dataModel>
+      <dgm:ptLst/>
+      <dgm:bg/>
+      <dgm:whole/>
+    </dgm:dataModel>
+  </dgm:sampData>
+  <dgm:styleData>
+    <dgm:dataModel>
+      <dgm:ptLst>
+        <dgm:pt modelId="0" type="doc"/>
+        <dgm:pt modelId="1"/>
+        <dgm:pt modelId="2"/>
+      </dgm:ptLst>
+      <dgm:cxnLst>
+        <dgm:cxn modelId="3" srcId="0" destId="1" srcOrd="0" destOrd="0"/>
+        <dgm:cxn modelId="4" srcId="0" destId="2" srcOrd="1" destOrd="0"/>
+      </dgm:cxnLst>
+      <dgm:bg/>
+      <dgm:whole/>
+    </dgm:dataModel>
+  </dgm:styleData>
+  <dgm:clrData>
+    <dgm:dataModel>
+      <dgm:ptLst>
+        <dgm:pt modelId="0" type="doc"/>
+        <dgm:pt modelId="1"/>
+        <dgm:pt modelId="2"/>
+        <dgm:pt modelId="3"/>
+        <dgm:pt modelId="4"/>
+      </dgm:ptLst>
+      <dgm:cxnLst>
+        <dgm:cxn modelId="5" srcId="0" destId="1" srcOrd="0" destOrd="0"/>
+        <dgm:cxn modelId="6" srcId="0" destId="2" srcOrd="1" destOrd="0"/>
+        <dgm:cxn modelId="7" srcId="0" destId="3" srcOrd="2" destOrd="0"/>
+        <dgm:cxn modelId="8" srcId="0" destId="4" srcOrd="3" destOrd="0"/>
+      </dgm:cxnLst>
+      <dgm:bg/>
+      <dgm:whole/>
+    </dgm:dataModel>
+  </dgm:clrData>
+  <dgm:layoutNode name="Name0">
+    <dgm:varLst>
+      <dgm:dir/>
+      <dgm:resizeHandles val="exact"/>
+    </dgm:varLst>
+    <dgm:choose name="Name1">
+      <dgm:if name="Name2" func="var" arg="dir" op="equ" val="norm">
+        <dgm:alg type="lin"/>
+      </dgm:if>
+      <dgm:else name="Name3">
+        <dgm:alg type="lin">
+          <dgm:param type="linDir" val="fromR"/>
+        </dgm:alg>
+      </dgm:else>
+    </dgm:choose>
+    <dgm:shape xmlns:r="http://schemas.openxmlformats.org/officeDocument/2006/relationships" r:blip="">
+      <dgm:adjLst/>
+    </dgm:shape>
+    <dgm:presOf/>
+    <dgm:choose name="Name4">
+      <dgm:if name="Name5" axis="root des" func="maxDepth" op="gte" val="2">
+        <dgm:constrLst>
+          <dgm:constr type="w" for="ch" forName="parAndChTx" refType="w"/>
+          <dgm:constr type="primFontSz" for="ch" ptType="node" op="equ"/>
+          <dgm:constr type="w" for="ch" forName="parAndChSpace" refType="w" refFor="ch" refForName="parAndChTx" fact="-0.2"/>
+          <dgm:constr type="w" for="ch" ptType="sibTrans" op="equ"/>
+        </dgm:constrLst>
+        <dgm:ruleLst/>
+        <dgm:forEach name="Name6" axis="ch" ptType="node">
+          <dgm:layoutNode name="parAndChTx">
+            <dgm:varLst>
+              <dgm:bulletEnabled val="1"/>
+            </dgm:varLst>
+            <dgm:alg type="tx"/>
+            <dgm:choose name="Name7">
+              <dgm:if name="Name8" func="var" arg="dir" op="equ" val="norm">
+                <dgm:choose name="Name9">
+                  <dgm:if name="Name10" axis="self" ptType="node" func="pos" op="equ" val="1">
+                    <dgm:shape xmlns:r="http://schemas.openxmlformats.org/officeDocument/2006/relationships" type="homePlate" r:blip="">
+                      <dgm:adjLst>
+                        <dgm:adj idx="1" val="0.25"/>
+                      </dgm:adjLst>
+                    </dgm:shape>
+                    <dgm:presOf axis="desOrSelf" ptType="node"/>
+                    <dgm:constrLst>
+                      <dgm:constr type="h" refType="w" op="equ" fact="0.8"/>
+                      <dgm:constr type="primFontSz" val="65"/>
+                      <dgm:constr type="tMarg" refType="primFontSz" fact="0.2"/>
+                      <dgm:constr type="bMarg" refType="primFontSz" fact="0.2"/>
+                      <dgm:constr type="lMarg" refType="w" fact="0.1"/>
+                      <dgm:constr type="rMarg" refType="w" fact="0.4"/>
+                    </dgm:constrLst>
+                  </dgm:if>
+                  <dgm:else name="Name11">
+                    <dgm:shape xmlns:r="http://schemas.openxmlformats.org/officeDocument/2006/relationships" type="chevron" r:blip="">
+                      <dgm:adjLst>
+                        <dgm:adj idx="1" val="0.25"/>
+                      </dgm:adjLst>
+                    </dgm:shape>
+                    <dgm:presOf axis="desOrSelf" ptType="node"/>
+                    <dgm:constrLst>
+                      <dgm:constr type="h" refType="w" op="equ" fact="0.8"/>
+                      <dgm:constr type="primFontSz" val="65"/>
+                      <dgm:constr type="tMarg" refType="primFontSz" fact="0.2"/>
+                      <dgm:constr type="bMarg" refType="primFontSz" fact="0.2"/>
+                      <dgm:constr type="lMarg" refType="w" fact="0.1"/>
+                      <dgm:constr type="rMarg" refType="w" fact="0.1"/>
+                    </dgm:constrLst>
+                  </dgm:else>
+                </dgm:choose>
+              </dgm:if>
+              <dgm:else name="Name12">
+                <dgm:choose name="Name13">
+                  <dgm:if name="Name14" axis="self" ptType="node" func="pos" op="equ" val="1">
+                    <dgm:shape xmlns:r="http://schemas.openxmlformats.org/officeDocument/2006/relationships" rot="180" type="homePlate" r:blip="">
+                      <dgm:adjLst>
+                        <dgm:adj idx="1" val="0.25"/>
+                      </dgm:adjLst>
+                    </dgm:shape>
+                    <dgm:presOf axis="desOrSelf" ptType="node"/>
+                    <dgm:constrLst>
+                      <dgm:constr type="h" refType="w" op="equ" fact="0.8"/>
+                      <dgm:constr type="primFontSz" val="65"/>
+                      <dgm:constr type="tMarg" refType="primFontSz" fact="0.2"/>
+                      <dgm:constr type="bMarg" refType="primFontSz" fact="0.2"/>
+                      <dgm:constr type="lMarg" refType="w" fact="0.4"/>
+                      <dgm:constr type="rMarg" refType="w" fact="0.1"/>
+                    </dgm:constrLst>
+                  </dgm:if>
+                  <dgm:else name="Name15">
+                    <dgm:shape xmlns:r="http://schemas.openxmlformats.org/officeDocument/2006/relationships" rot="180" type="chevron" r:blip="">
+                      <dgm:adjLst>
+                        <dgm:adj idx="1" val="0.25"/>
+                      </dgm:adjLst>
+                    </dgm:shape>
+                    <dgm:presOf axis="desOrSelf" ptType="node"/>
+                    <dgm:constrLst>
+                      <dgm:constr type="h" refType="w" op="equ" fact="0.8"/>
+                      <dgm:constr type="primFontSz" val="65"/>
+                      <dgm:constr type="tMarg" refType="primFontSz" fact="0.2"/>
+                      <dgm:constr type="bMarg" refType="primFontSz" fact="0.2"/>
+                      <dgm:constr type="lMarg" refType="w" fact="0.1"/>
+                      <dgm:constr type="rMarg" refType="w" fact="0.1"/>
+                    </dgm:constrLst>
+                  </dgm:else>
+                </dgm:choose>
+              </dgm:else>
+            </dgm:choose>
+            <dgm:ruleLst>
+              <dgm:rule type="primFontSz" val="5" fact="NaN" max="NaN"/>
+            </dgm:ruleLst>
+          </dgm:layoutNode>
+          <dgm:forEach name="Name16" axis="followSib" ptType="sibTrans" cnt="1">
+            <dgm:layoutNode name="parAndChSpace">
+              <dgm:alg type="sp"/>
+              <dgm:shape xmlns:r="http://schemas.openxmlformats.org/officeDocument/2006/relationships" r:blip="">
+                <dgm:adjLst/>
+              </dgm:shape>
+              <dgm:presOf/>
+              <dgm:constrLst/>
+              <dgm:ruleLst/>
+            </dgm:layoutNode>
+          </dgm:forEach>
+        </dgm:forEach>
+      </dgm:if>
+      <dgm:else name="Name17">
+        <dgm:constrLst>
+          <dgm:constr type="w" for="ch" forName="parTxOnly" refType="w"/>
+          <dgm:constr type="primFontSz" for="ch" ptType="node" op="equ"/>
+          <dgm:constr type="w" for="ch" forName="parSpace" refType="w" refFor="ch" refForName="parTxOnly" fact="-0.2"/>
+          <dgm:constr type="w" for="ch" ptType="sibTrans" op="equ"/>
+        </dgm:constrLst>
+        <dgm:ruleLst/>
+        <dgm:forEach name="Name18" axis="ch" ptType="node">
+          <dgm:layoutNode name="parTxOnly">
+            <dgm:varLst>
+              <dgm:bulletEnabled val="1"/>
+            </dgm:varLst>
+            <dgm:alg type="tx"/>
+            <dgm:presOf axis="desOrSelf" ptType="node"/>
+            <dgm:choose name="Name19">
+              <dgm:if name="Name20" func="var" arg="dir" op="equ" val="norm">
+                <dgm:choose name="Name21">
+                  <dgm:if name="Name22" axis="self" ptType="node" func="pos" op="equ" val="1">
+                    <dgm:shape xmlns:r="http://schemas.openxmlformats.org/officeDocument/2006/relationships" type="homePlate" r:blip="">
+                      <dgm:adjLst/>
+                    </dgm:shape>
+                    <dgm:constrLst>
+                      <dgm:constr type="h" refType="w" op="equ" fact="0.4"/>
+                      <dgm:constr type="primFontSz" val="65"/>
+                      <dgm:constr type="tMarg" refType="primFontSz" fact="0.21"/>
+                      <dgm:constr type="bMarg" refType="primFontSz" fact="0.21"/>
+                      <dgm:constr type="lMarg" refType="primFontSz" fact="0.42"/>
+                      <dgm:constr type="rMarg" refType="primFontSz" fact="0.105"/>
+                    </dgm:constrLst>
+                  </dgm:if>
+                  <dgm:else name="Name23">
+                    <dgm:shape xmlns:r="http://schemas.openxmlformats.org/officeDocument/2006/relationships" type="chevron" r:blip="">
+                      <dgm:adjLst/>
+                    </dgm:shape>
+                    <dgm:constrLst>
+                      <dgm:constr type="h" refType="w" op="equ" fact="0.4"/>
+                      <dgm:constr type="primFontSz" val="65"/>
+                      <dgm:constr type="tMarg" refType="primFontSz" fact="0.21"/>
+                      <dgm:constr type="bMarg" refType="primFontSz" fact="0.21"/>
+                      <dgm:constr type="lMarg" refType="primFontSz" fact="0.315"/>
+                      <dgm:constr type="rMarg" refType="primFontSz" fact="0.105"/>
+                    </dgm:constrLst>
+                  </dgm:else>
+                </dgm:choose>
+              </dgm:if>
+              <dgm:else name="Name24">
+                <dgm:choose name="Name25">
+                  <dgm:if name="Name26" axis="self" ptType="node" func="pos" op="equ" val="1">
+                    <dgm:shape xmlns:r="http://schemas.openxmlformats.org/officeDocument/2006/relationships" rot="180" type="homePlate" r:blip="">
+                      <dgm:adjLst/>
+                    </dgm:shape>
+                    <dgm:constrLst>
+                      <dgm:constr type="h" refType="w" op="equ" fact="0.4"/>
+                      <dgm:constr type="primFontSz" val="65"/>
+                      <dgm:constr type="tMarg" refType="primFontSz" fact="0.21"/>
+                      <dgm:constr type="bMarg" refType="primFontSz" fact="0.21"/>
+                      <dgm:constr type="lMarg" refType="primFontSz" fact="0.105"/>
+                      <dgm:constr type="rMarg" refType="primFontSz" fact="0.42"/>
+                    </dgm:constrLst>
+                  </dgm:if>
+                  <dgm:else name="Name27">
+                    <dgm:shape xmlns:r="http://schemas.openxmlformats.org/officeDocument/2006/relationships" rot="180" type="chevron" r:blip="">
+                      <dgm:adjLst/>
+                    </dgm:shape>
+                    <dgm:constrLst>
+                      <dgm:constr type="h" refType="w" op="equ" fact="0.4"/>
+                      <dgm:constr type="primFontSz" val="65"/>
+                      <dgm:constr type="tMarg" refType="primFontSz" fact="0.21"/>
+                      <dgm:constr type="bMarg" refType="primFontSz" fact="0.21"/>
+                      <dgm:constr type="lMarg" refType="primFontSz" fact="0.105"/>
+                      <dgm:constr type="rMarg" refType="primFontSz" fact="0.315"/>
+                    </dgm:constrLst>
+                  </dgm:else>
+                </dgm:choose>
+              </dgm:else>
+            </dgm:choose>
+            <dgm:ruleLst>
+              <dgm:rule type="primFontSz" val="5" fact="NaN" max="NaN"/>
+            </dgm:ruleLst>
+          </dgm:layoutNode>
+          <dgm:forEach name="Name28" axis="followSib" ptType="sibTrans" cnt="1">
+            <dgm:layoutNode name="parSpace">
+              <dgm:alg type="sp"/>
+              <dgm:shape xmlns:r="http://schemas.openxmlformats.org/officeDocument/2006/relationships" r:blip="">
+                <dgm:adjLst/>
+              </dgm:shape>
+              <dgm:presOf/>
+              <dgm:constrLst/>
+              <dgm:ruleLst/>
+            </dgm:layoutNode>
+          </dgm:forEach>
+        </dgm:forEach>
+      </dgm:else>
+    </dgm:choose>
+  </dgm:layoutNode>
+</dgm:layoutDef>
+</file>
+
+<file path=ppt/diagrams/layout2.xml><?xml version="1.0" encoding="utf-8"?>
+<dgm:layoutDef xmlns:dgm="http://schemas.openxmlformats.org/drawingml/2006/diagram" xmlns:a="http://schemas.openxmlformats.org/drawingml/2006/main" uniqueId="urn:microsoft.com/office/officeart/2005/8/layout/hChevron3">
+  <dgm:title val=""/>
+  <dgm:desc val=""/>
+  <dgm:catLst>
+    <dgm:cat type="process" pri="10000"/>
+  </dgm:catLst>
+  <dgm:sampData useDef="1">
+    <dgm:dataModel>
+      <dgm:ptLst/>
+      <dgm:bg/>
+      <dgm:whole/>
+    </dgm:dataModel>
+  </dgm:sampData>
+  <dgm:styleData>
+    <dgm:dataModel>
+      <dgm:ptLst>
+        <dgm:pt modelId="0" type="doc"/>
+        <dgm:pt modelId="1"/>
+        <dgm:pt modelId="2"/>
+      </dgm:ptLst>
+      <dgm:cxnLst>
+        <dgm:cxn modelId="3" srcId="0" destId="1" srcOrd="0" destOrd="0"/>
+        <dgm:cxn modelId="4" srcId="0" destId="2" srcOrd="1" destOrd="0"/>
+      </dgm:cxnLst>
+      <dgm:bg/>
+      <dgm:whole/>
+    </dgm:dataModel>
+  </dgm:styleData>
+  <dgm:clrData>
+    <dgm:dataModel>
+      <dgm:ptLst>
+        <dgm:pt modelId="0" type="doc"/>
+        <dgm:pt modelId="1"/>
+        <dgm:pt modelId="2"/>
+        <dgm:pt modelId="3"/>
+        <dgm:pt modelId="4"/>
+      </dgm:ptLst>
+      <dgm:cxnLst>
+        <dgm:cxn modelId="5" srcId="0" destId="1" srcOrd="0" destOrd="0"/>
+        <dgm:cxn modelId="6" srcId="0" destId="2" srcOrd="1" destOrd="0"/>
+        <dgm:cxn modelId="7" srcId="0" destId="3" srcOrd="2" destOrd="0"/>
+        <dgm:cxn modelId="8" srcId="0" destId="4" srcOrd="3" destOrd="0"/>
+      </dgm:cxnLst>
+      <dgm:bg/>
+      <dgm:whole/>
+    </dgm:dataModel>
+  </dgm:clrData>
+  <dgm:layoutNode name="Name0">
+    <dgm:varLst>
+      <dgm:dir/>
+      <dgm:resizeHandles val="exact"/>
+    </dgm:varLst>
+    <dgm:choose name="Name1">
+      <dgm:if name="Name2" func="var" arg="dir" op="equ" val="norm">
+        <dgm:alg type="lin"/>
+      </dgm:if>
+      <dgm:else name="Name3">
+        <dgm:alg type="lin">
+          <dgm:param type="linDir" val="fromR"/>
+        </dgm:alg>
+      </dgm:else>
+    </dgm:choose>
+    <dgm:shape xmlns:r="http://schemas.openxmlformats.org/officeDocument/2006/relationships" r:blip="">
+      <dgm:adjLst/>
+    </dgm:shape>
+    <dgm:presOf/>
+    <dgm:choose name="Name4">
+      <dgm:if name="Name5" axis="root des" func="maxDepth" op="gte" val="2">
+        <dgm:constrLst>
+          <dgm:constr type="w" for="ch" forName="parAndChTx" refType="w"/>
+          <dgm:constr type="primFontSz" for="ch" ptType="node" op="equ"/>
+          <dgm:constr type="w" for="ch" forName="parAndChSpace" refType="w" refFor="ch" refForName="parAndChTx" fact="-0.2"/>
+          <dgm:constr type="w" for="ch" ptType="sibTrans" op="equ"/>
+        </dgm:constrLst>
+        <dgm:ruleLst/>
+        <dgm:forEach name="Name6" axis="ch" ptType="node">
+          <dgm:layoutNode name="parAndChTx">
+            <dgm:varLst>
+              <dgm:bulletEnabled val="1"/>
+            </dgm:varLst>
+            <dgm:alg type="tx"/>
+            <dgm:choose name="Name7">
+              <dgm:if name="Name8" func="var" arg="dir" op="equ" val="norm">
+                <dgm:choose name="Name9">
+                  <dgm:if name="Name10" axis="self" ptType="node" func="pos" op="equ" val="1">
+                    <dgm:shape xmlns:r="http://schemas.openxmlformats.org/officeDocument/2006/relationships" type="homePlate" r:blip="">
+                      <dgm:adjLst>
+                        <dgm:adj idx="1" val="0.25"/>
+                      </dgm:adjLst>
+                    </dgm:shape>
+                    <dgm:presOf axis="desOrSelf" ptType="node"/>
+                    <dgm:constrLst>
+                      <dgm:constr type="h" refType="w" op="equ" fact="0.8"/>
+                      <dgm:constr type="primFontSz" val="65"/>
+                      <dgm:constr type="tMarg" refType="primFontSz" fact="0.2"/>
+                      <dgm:constr type="bMarg" refType="primFontSz" fact="0.2"/>
+                      <dgm:constr type="lMarg" refType="w" fact="0.1"/>
+                      <dgm:constr type="rMarg" refType="w" fact="0.4"/>
+                    </dgm:constrLst>
+                  </dgm:if>
+                  <dgm:else name="Name11">
+                    <dgm:shape xmlns:r="http://schemas.openxmlformats.org/officeDocument/2006/relationships" type="chevron" r:blip="">
+                      <dgm:adjLst>
+                        <dgm:adj idx="1" val="0.25"/>
+                      </dgm:adjLst>
+                    </dgm:shape>
+                    <dgm:presOf axis="desOrSelf" ptType="node"/>
+                    <dgm:constrLst>
+                      <dgm:constr type="h" refType="w" op="equ" fact="0.8"/>
+                      <dgm:constr type="primFontSz" val="65"/>
+                      <dgm:constr type="tMarg" refType="primFontSz" fact="0.2"/>
+                      <dgm:constr type="bMarg" refType="primFontSz" fact="0.2"/>
+                      <dgm:constr type="lMarg" refType="w" fact="0.1"/>
+                      <dgm:constr type="rMarg" refType="w" fact="0.1"/>
+                    </dgm:constrLst>
+                  </dgm:else>
+                </dgm:choose>
+              </dgm:if>
+              <dgm:else name="Name12">
+                <dgm:choose name="Name13">
+                  <dgm:if name="Name14" axis="self" ptType="node" func="pos" op="equ" val="1">
+                    <dgm:shape xmlns:r="http://schemas.openxmlformats.org/officeDocument/2006/relationships" rot="180" type="homePlate" r:blip="">
+                      <dgm:adjLst>
+                        <dgm:adj idx="1" val="0.25"/>
+                      </dgm:adjLst>
+                    </dgm:shape>
+                    <dgm:presOf axis="desOrSelf" ptType="node"/>
+                    <dgm:constrLst>
+                      <dgm:constr type="h" refType="w" op="equ" fact="0.8"/>
+                      <dgm:constr type="primFontSz" val="65"/>
+                      <dgm:constr type="tMarg" refType="primFontSz" fact="0.2"/>
+                      <dgm:constr type="bMarg" refType="primFontSz" fact="0.2"/>
+                      <dgm:constr type="lMarg" refType="w" fact="0.4"/>
+                      <dgm:constr type="rMarg" refType="w" fact="0.1"/>
+                    </dgm:constrLst>
+                  </dgm:if>
+                  <dgm:else name="Name15">
+                    <dgm:shape xmlns:r="http://schemas.openxmlformats.org/officeDocument/2006/relationships" rot="180" type="chevron" r:blip="">
+                      <dgm:adjLst>
+                        <dgm:adj idx="1" val="0.25"/>
+                      </dgm:adjLst>
+                    </dgm:shape>
+                    <dgm:presOf axis="desOrSelf" ptType="node"/>
+                    <dgm:constrLst>
+                      <dgm:constr type="h" refType="w" op="equ" fact="0.8"/>
+                      <dgm:constr type="primFontSz" val="65"/>
+                      <dgm:constr type="tMarg" refType="primFontSz" fact="0.2"/>
+                      <dgm:constr type="bMarg" refType="primFontSz" fact="0.2"/>
+                      <dgm:constr type="lMarg" refType="w" fact="0.1"/>
+                      <dgm:constr type="rMarg" refType="w" fact="0.1"/>
+                    </dgm:constrLst>
+                  </dgm:else>
+                </dgm:choose>
+              </dgm:else>
+            </dgm:choose>
+            <dgm:ruleLst>
+              <dgm:rule type="primFontSz" val="5" fact="NaN" max="NaN"/>
+            </dgm:ruleLst>
+          </dgm:layoutNode>
+          <dgm:forEach name="Name16" axis="followSib" ptType="sibTrans" cnt="1">
+            <dgm:layoutNode name="parAndChSpace">
+              <dgm:alg type="sp"/>
+              <dgm:shape xmlns:r="http://schemas.openxmlformats.org/officeDocument/2006/relationships" r:blip="">
+                <dgm:adjLst/>
+              </dgm:shape>
+              <dgm:presOf/>
+              <dgm:constrLst/>
+              <dgm:ruleLst/>
+            </dgm:layoutNode>
+          </dgm:forEach>
+        </dgm:forEach>
+      </dgm:if>
+      <dgm:else name="Name17">
+        <dgm:constrLst>
+          <dgm:constr type="w" for="ch" forName="parTxOnly" refType="w"/>
+          <dgm:constr type="primFontSz" for="ch" ptType="node" op="equ"/>
+          <dgm:constr type="w" for="ch" forName="parSpace" refType="w" refFor="ch" refForName="parTxOnly" fact="-0.2"/>
+          <dgm:constr type="w" for="ch" ptType="sibTrans" op="equ"/>
+        </dgm:constrLst>
+        <dgm:ruleLst/>
+        <dgm:forEach name="Name18" axis="ch" ptType="node">
+          <dgm:layoutNode name="parTxOnly">
+            <dgm:varLst>
+              <dgm:bulletEnabled val="1"/>
+            </dgm:varLst>
+            <dgm:alg type="tx"/>
+            <dgm:presOf axis="desOrSelf" ptType="node"/>
+            <dgm:choose name="Name19">
+              <dgm:if name="Name20" func="var" arg="dir" op="equ" val="norm">
+                <dgm:choose name="Name21">
+                  <dgm:if name="Name22" axis="self" ptType="node" func="pos" op="equ" val="1">
+                    <dgm:shape xmlns:r="http://schemas.openxmlformats.org/officeDocument/2006/relationships" type="homePlate" r:blip="">
+                      <dgm:adjLst/>
+                    </dgm:shape>
+                    <dgm:constrLst>
+                      <dgm:constr type="h" refType="w" op="equ" fact="0.4"/>
+                      <dgm:constr type="primFontSz" val="65"/>
+                      <dgm:constr type="tMarg" refType="primFontSz" fact="0.21"/>
+                      <dgm:constr type="bMarg" refType="primFontSz" fact="0.21"/>
+                      <dgm:constr type="lMarg" refType="primFontSz" fact="0.42"/>
+                      <dgm:constr type="rMarg" refType="primFontSz" fact="0.105"/>
+                    </dgm:constrLst>
+                  </dgm:if>
+                  <dgm:else name="Name23">
+                    <dgm:shape xmlns:r="http://schemas.openxmlformats.org/officeDocument/2006/relationships" type="chevron" r:blip="">
+                      <dgm:adjLst/>
+                    </dgm:shape>
+                    <dgm:constrLst>
+                      <dgm:constr type="h" refType="w" op="equ" fact="0.4"/>
+                      <dgm:constr type="primFontSz" val="65"/>
+                      <dgm:constr type="tMarg" refType="primFontSz" fact="0.21"/>
+                      <dgm:constr type="bMarg" refType="primFontSz" fact="0.21"/>
+                      <dgm:constr type="lMarg" refType="primFontSz" fact="0.315"/>
+                      <dgm:constr type="rMarg" refType="primFontSz" fact="0.105"/>
+                    </dgm:constrLst>
+                  </dgm:else>
+                </dgm:choose>
+              </dgm:if>
+              <dgm:else name="Name24">
+                <dgm:choose name="Name25">
+                  <dgm:if name="Name26" axis="self" ptType="node" func="pos" op="equ" val="1">
+                    <dgm:shape xmlns:r="http://schemas.openxmlformats.org/officeDocument/2006/relationships" rot="180" type="homePlate" r:blip="">
+                      <dgm:adjLst/>
+                    </dgm:shape>
+                    <dgm:constrLst>
+                      <dgm:constr type="h" refType="w" op="equ" fact="0.4"/>
+                      <dgm:constr type="primFontSz" val="65"/>
+                      <dgm:constr type="tMarg" refType="primFontSz" fact="0.21"/>
+                      <dgm:constr type="bMarg" refType="primFontSz" fact="0.21"/>
+                      <dgm:constr type="lMarg" refType="primFontSz" fact="0.105"/>
+                      <dgm:constr type="rMarg" refType="primFontSz" fact="0.42"/>
+                    </dgm:constrLst>
+                  </dgm:if>
+                  <dgm:else name="Name27">
+                    <dgm:shape xmlns:r="http://schemas.openxmlformats.org/officeDocument/2006/relationships" rot="180" type="chevron" r:blip="">
+                      <dgm:adjLst/>
+                    </dgm:shape>
+                    <dgm:constrLst>
+                      <dgm:constr type="h" refType="w" op="equ" fact="0.4"/>
+                      <dgm:constr type="primFontSz" val="65"/>
+                      <dgm:constr type="tMarg" refType="primFontSz" fact="0.21"/>
+                      <dgm:constr type="bMarg" refType="primFontSz" fact="0.21"/>
+                      <dgm:constr type="lMarg" refType="primFontSz" fact="0.105"/>
+                      <dgm:constr type="rMarg" refType="primFontSz" fact="0.315"/>
+                    </dgm:constrLst>
+                  </dgm:else>
+                </dgm:choose>
+              </dgm:else>
+            </dgm:choose>
+            <dgm:ruleLst>
+              <dgm:rule type="primFontSz" val="5" fact="NaN" max="NaN"/>
+            </dgm:ruleLst>
+          </dgm:layoutNode>
+          <dgm:forEach name="Name28" axis="followSib" ptType="sibTrans" cnt="1">
+            <dgm:layoutNode name="parSpace">
+              <dgm:alg type="sp"/>
+              <dgm:shape xmlns:r="http://schemas.openxmlformats.org/officeDocument/2006/relationships" r:blip="">
+                <dgm:adjLst/>
+              </dgm:shape>
+              <dgm:presOf/>
+              <dgm:constrLst/>
+              <dgm:ruleLst/>
+            </dgm:layoutNode>
+          </dgm:forEach>
+        </dgm:forEach>
+      </dgm:else>
+    </dgm:choose>
+  </dgm:layoutNode>
+</dgm:layoutDef>
+</file>
+
+<file path=ppt/diagrams/quickStyle1.xml><?xml version="1.0" encoding="utf-8"?>
+<dgm:styleDef xmlns:dgm="http://schemas.openxmlformats.org/drawingml/2006/diagram" xmlns:a="http://schemas.openxmlformats.org/drawingml/2006/main" uniqueId="urn:microsoft.com/office/officeart/2005/8/quickstyle/3d3">
+  <dgm:title val=""/>
+  <dgm:desc val=""/>
+  <dgm:catLst>
+    <dgm:cat type="3D" pri="11300"/>
+  </dgm:catLst>
+  <dgm:scene3d>
+    <a:camera prst="orthographicFront"/>
+    <a:lightRig rig="threePt" dir="t"/>
+  </dgm:scene3d>
+  <dgm:styleLbl name="node0">
+    <dgm:scene3d>
+      <a:camera prst="orthographicFront">
+        <a:rot lat="0" lon="0" rev="0"/>
+      </a:camera>
+      <a:lightRig rig="contrasting" dir="t">
+        <a:rot lat="0" lon="0" rev="1200000"/>
+      </a:lightRig>
+    </dgm:scene3d>
+    <dgm:sp3d contourW="19050" prstMaterial="metal">
+      <a:bevelT w="88900" h="203200"/>
+      <a:bevelB w="165100" h="254000"/>
+    </dgm:sp3d>
+    <dgm:txPr/>
+    <dgm:style>
+      <a:lnRef idx="0">
+        <a:scrgbClr r="0" g="0" b="0"/>
+      </a:lnRef>
+      <a:fillRef idx="1">
+        <a:scrgbClr r="0" g="0" b="0"/>
+      </a:fillRef>
+      <a:effectRef idx="1">
+        <a:scrgbClr r="0" g="0" b="0"/>
+      </a:effectRef>
+      <a:fontRef idx="minor">
+        <a:schemeClr val="lt1"/>
+      </a:fontRef>
+    </dgm:style>
+  </dgm:styleLbl>
+  <dgm:styleLbl name="lnNode1">
+    <dgm:scene3d>
+      <a:camera prst="orthographicFront">
+        <a:rot lat="0" lon="0" rev="0"/>
+      </a:camera>
+      <a:lightRig rig="contrasting" dir="t">
+        <a:rot lat="0" lon="0" rev="1200000"/>
+      </a:lightRig>
+    </dgm:scene3d>
+    <dgm:sp3d contourW="19050" prstMaterial="metal">
+      <a:bevelT w="88900" h="203200"/>
+      <a:bevelB w="165100" h="254000"/>
+    </dgm:sp3d>
+    <dgm:txPr/>
+    <dgm:style>
+      <a:lnRef idx="0">
+        <a:scrgbClr r="0" g="0" b="0"/>
+      </a:lnRef>
+      <a:fillRef idx="1">
+        <a:scrgbClr r="0" g="0" b="0"/>
+      </a:fillRef>
+      <a:effectRef idx="1">
+        <a:scrgbClr r="0" g="0" b="0"/>
+      </a:effectRef>
+      <a:fontRef idx="minor">
+        <a:schemeClr val="lt1"/>
+      </a:fontRef>
+    </dgm:style>
+  </dgm:styleLbl>
+  <dgm:styleLbl name="vennNode1">
+    <dgm:scene3d>
+      <a:camera prst="orthographicFront">
+        <a:rot lat="0" lon="0" rev="0"/>
+      </a:camera>
+      <a:lightRig rig="contrasting" dir="t">
+        <a:rot lat="0" lon="0" rev="1200000"/>
+      </a:lightRig>
+    </dgm:scene3d>
+    <dgm:sp3d contourW="12700" prstMaterial="clear">
+      <a:bevelT w="177800" h="254000"/>
+      <a:bevelB w="152400"/>
+    </dgm:sp3d>
+    <dgm:txPr/>
+    <dgm:style>
+      <a:lnRef idx="0">
+        <a:scrgbClr r="0" g="0" b="0"/>
+      </a:lnRef>
+      <a:fillRef idx="1">
+        <a:scrgbClr r="0" g="0" b="0"/>
+      </a:fillRef>
+      <a:effectRef idx="0">
+        <a:scrgbClr r="0" g="0" b="0"/>
+      </a:effectRef>
+      <a:fontRef idx="minor">
+        <a:schemeClr val="tx1"/>
+      </a:fontRef>
+    </dgm:style>
+  </dgm:styleLbl>
+  <dgm:styleLbl name="alignNode1">
+    <dgm:scene3d>
+      <a:camera prst="orthographicFront">
+        <a:rot lat="0" lon="0" rev="0"/>
+      </a:camera>
+      <a:lightRig rig="contrasting" dir="t">
+        <a:rot lat="0" lon="0" rev="1200000"/>
+      </a:lightRig>
+    </dgm:scene3d>
+    <dgm:sp3d contourW="19050" prstMaterial="metal">
+      <a:bevelT w="88900" h="203200"/>
+      <a:bevelB w="165100" h="254000"/>
+    </dgm:sp3d>
+    <dgm:txPr/>
+    <dgm:style>
+      <a:lnRef idx="0">
+        <a:scrgbClr r="0" g="0" b="0"/>
+      </a:lnRef>
+      <a:fillRef idx="1">
+        <a:scrgbClr r="0" g="0" b="0"/>
+      </a:fillRef>
+      <a:effectRef idx="2">
+        <a:scrgbClr r="0" g="0" b="0"/>
+      </a:effectRef>
+      <a:fontRef idx="minor">
+        <a:schemeClr val="lt1"/>
+      </a:fontRef>
+    </dgm:style>
+  </dgm:styleLbl>
+  <dgm:styleLbl name="node1">
+    <dgm:scene3d>
+      <a:camera prst="orthographicFront">
+        <a:rot lat="0" lon="0" rev="0"/>
+      </a:camera>
+      <a:lightRig rig="contrasting" dir="t">
+        <a:rot lat="0" lon="0" rev="1200000"/>
+      </a:lightRig>
+    </dgm:scene3d>
+    <dgm:sp3d contourW="19050" prstMaterial="metal">
+      <a:bevelT w="88900" h="203200"/>
+      <a:bevelB w="165100" h="254000"/>
+    </dgm:sp3d>
+    <dgm:txPr/>
+    <dgm:style>
+      <a:lnRef idx="0">
+        <a:scrgbClr r="0" g="0" b="0"/>
+      </a:lnRef>
+      <a:fillRef idx="1">
+        <a:scrgbClr r="0" g="0" b="0"/>
+      </a:fillRef>
+      <a:effectRef idx="2">
+        <a:scrgbClr r="0" g="0" b="0"/>
+      </a:effectRef>
+      <a:fontRef idx="minor">
+        <a:schemeClr val="lt1"/>
+      </a:fontRef>
+    </dgm:style>
+  </dgm:styleLbl>
+  <dgm:styleLbl name="node2">
+    <dgm:scene3d>
+      <a:camera prst="orthographicFront">
+        <a:rot lat="0" lon="0" rev="0"/>
+      </a:camera>
+      <a:lightRig rig="contrasting" dir="t">
+        <a:rot lat="0" lon="0" rev="1200000"/>
+      </a:lightRig>
+    </dgm:scene3d>
+    <dgm:sp3d contourW="19050" prstMaterial="metal">
+      <a:bevelT w="88900" h="203200"/>
+      <a:bevelB w="165100" h="254000"/>
+    </dgm:sp3d>
+    <dgm:txPr/>
+    <dgm:style>
+      <a:lnRef idx="0">
+        <a:scrgbClr r="0" g="0" b="0"/>
+      </a:lnRef>
+      <a:fillRef idx="1">
+        <a:scrgbClr r="0" g="0" b="0"/>
+      </a:fillRef>
+      <a:effectRef idx="1">
+        <a:scrgbClr r="0" g="0" b="0"/>
+      </a:effectRef>
+      <a:fontRef idx="minor">
+        <a:schemeClr val="lt1"/>
+      </a:fontRef>
+    </dgm:style>
+  </dgm:styleLbl>
+  <dgm:styleLbl name="node3">
+    <dgm:scene3d>
+      <a:camera prst="orthographicFront">
+        <a:rot lat="0" lon="0" rev="0"/>
+      </a:camera>
+      <a:lightRig rig="contrasting" dir="t">
+        <a:rot lat="0" lon="0" rev="1200000"/>
+      </a:lightRig>
+    </dgm:scene3d>
+    <dgm:sp3d contourW="19050" prstMaterial="metal">
+      <a:bevelT w="88900" h="203200"/>
+      <a:bevelB w="165100" h="254000"/>
+    </dgm:sp3d>
+    <dgm:txPr/>
+    <dgm:style>
+      <a:lnRef idx="0">
+        <a:scrgbClr r="0" g="0" b="0"/>
+      </a:lnRef>
+      <a:fillRef idx="1">
+        <a:scrgbClr r="0" g="0" b="0"/>
+      </a:fillRef>
+      <a:effectRef idx="1">
+        <a:scrgbClr r="0" g="0" b="0"/>
+      </a:effectRef>
+      <a:fontRef idx="minor">
+        <a:schemeClr val="lt1"/>
+      </a:fontRef>
+    </dgm:style>
+  </dgm:styleLbl>
+  <dgm:styleLbl name="node4">
+    <dgm:scene3d>
+      <a:camera prst="orthographicFront">
+        <a:rot lat="0" lon="0" rev="0"/>
+      </a:camera>
+      <a:lightRig rig="contrasting" dir="t">
+        <a:rot lat="0" lon="0" rev="1200000"/>
+      </a:lightRig>
+    </dgm:scene3d>
+    <dgm:sp3d contourW="19050" prstMaterial="metal">
+      <a:bevelT w="88900" h="203200"/>
+      <a:bevelB w="165100" h="254000"/>
+    </dgm:sp3d>
+    <dgm:txPr/>
+    <dgm:style>
+      <a:lnRef idx="0">
+        <a:scrgbClr r="0" g="0" b="0"/>
+      </a:lnRef>
+      <a:fillRef idx="1">
+        <a:scrgbClr r="0" g="0" b="0"/>
+      </a:fillRef>
+      <a:effectRef idx="1">
+        <a:scrgbClr r="0" g="0" b="0"/>
+      </a:effectRef>
+      <a:fontRef idx="minor">
+        <a:schemeClr val="lt1"/>
+      </a:fontRef>
+    </dgm:style>
+  </dgm:styleLbl>
+  <dgm:styleLbl name="fgImgPlace1">
+    <dgm:scene3d>
+      <a:camera prst="orthographicFront">
+        <a:rot lat="0" lon="0" rev="0"/>
+      </a:camera>
+      <a:lightRig rig="contrasting" dir="t">
+        <a:rot lat="0" lon="0" rev="1200000"/>
+      </a:lightRig>
+    </dgm:scene3d>
+    <dgm:sp3d z="300000" contourW="19050" prstMaterial="metal">
+      <a:bevelT w="88900" h="203200"/>
+      <a:bevelB w="165100" h="254000"/>
+    </dgm:sp3d>
+    <dgm:txPr/>
+    <dgm:style>
+      <a:lnRef idx="0">
+        <a:scrgbClr r="0" g="0" b="0"/>
+      </a:lnRef>
+      <a:fillRef idx="1">
+        <a:scrgbClr r="0" g="0" b="0"/>
+      </a:fillRef>
+      <a:effectRef idx="1">
+        <a:scrgbClr r="0" g="0" b="0"/>
+      </a:effectRef>
+      <a:fontRef idx="minor"/>
+    </dgm:style>
+  </dgm:styleLbl>
+  <dgm:styleLbl name="alignImgPlace1">
+    <dgm:scene3d>
+      <a:camera prst="orthographicFront">
+        <a:rot lat="0" lon="0" rev="0"/>
+      </a:camera>
+      <a:lightRig rig="contrasting" dir="t">
+        <a:rot lat="0" lon="0" rev="1200000"/>
+      </a:lightRig>
+    </dgm:scene3d>
+    <dgm:sp3d contourW="12700" prstMaterial="flat">
+      <a:bevelT w="177800" h="254000"/>
+      <a:bevelB w="152400"/>
+    </dgm:sp3d>
+    <dgm:txPr/>
+    <dgm:style>
+      <a:lnRef idx="0">
+        <a:scrgbClr r="0" g="0" b="0"/>
+      </a:lnRef>
+      <a:fillRef idx="1">
+        <a:scrgbClr r="0" g="0" b="0"/>
+      </a:fillRef>
+      <a:effectRef idx="1">
+        <a:scrgbClr r="0" g="0" b="0"/>
+      </a:effectRef>
+      <a:fontRef idx="minor"/>
+    </dgm:style>
+  </dgm:styleLbl>
+  <dgm:styleLbl name="bgImgPlace1">
+    <dgm:scene3d>
+      <a:camera prst="orthographicFront">
+        <a:rot lat="0" lon="0" rev="0"/>
+      </a:camera>
+      <a:lightRig rig="contrasting" dir="t">
+        <a:rot lat="0" lon="0" rev="1200000"/>
+      </a:lightRig>
+    </dgm:scene3d>
+    <dgm:sp3d z="-300000" contourW="19050" prstMaterial="metal">
+      <a:bevelT w="88900" h="203200"/>
+      <a:bevelB w="165100" h="254000"/>
+    </dgm:sp3d>
+    <dgm:txPr/>
+    <dgm:style>
+      <a:lnRef idx="0">
+        <a:scrgbClr r="0" g="0" b="0"/>
+      </a:lnRef>
+      <a:fillRef idx="1">
+        <a:scrgbClr r="0" g="0" b="0"/>
+      </a:fillRef>
+      <a:effectRef idx="1">
+        <a:scrgbClr r="0" g="0" b="0"/>
+      </a:effectRef>
+      <a:fontRef idx="minor"/>
+    </dgm:style>
+  </dgm:styleLbl>
+  <dgm:styleLbl name="sibTrans2D1">
+    <dgm:scene3d>
+      <a:camera prst="orthographicFront">
+        <a:rot lat="0" lon="0" rev="0"/>
+      </a:camera>
+      <a:lightRig rig="contrasting" dir="t">
+        <a:rot lat="0" lon="0" rev="1200000"/>
+      </a:lightRig>
+    </dgm:scene3d>
+    <dgm:sp3d z="-182000" contourW="19050" prstMaterial="metal">
+      <a:bevelT w="88900" h="203200"/>
+      <a:bevelB w="165100" h="254000"/>
+    </dgm:sp3d>
+    <dgm:txPr/>
+    <dgm:style>
+      <a:lnRef idx="0">
+        <a:scrgbClr r="0" g="0" b="0"/>
+      </a:lnRef>
+      <a:fillRef idx="1">
+        <a:scrgbClr r="0" g="0" b="0"/>
+      </a:fillRef>
+      <a:effectRef idx="0">
+        <a:scrgbClr r="0" g="0" b="0"/>
+      </a:effectRef>
+      <a:fontRef idx="minor">
+        <a:schemeClr val="lt1"/>
+      </a:fontRef>
+    </dgm:style>
+  </dgm:styleLbl>
+  <dgm:styleLbl name="fgSibTrans2D1">
+    <dgm:scene3d>
+      <a:camera prst="orthographicFront">
+        <a:rot lat="0" lon="0" rev="0"/>
+      </a:camera>
+      <a:lightRig rig="contrasting" dir="t">
+        <a:rot lat="0" lon="0" rev="1200000"/>
+      </a:lightRig>
+    </dgm:scene3d>
+    <dgm:sp3d z="300000" contourW="19050" prstMaterial="metal">
+      <a:bevelT w="88900" h="203200"/>
+      <a:bevelB w="165100" h="254000"/>
+    </dgm:sp3d>
+    <dgm:txPr/>
+    <dgm:style>
+      <a:lnRef idx="0">
+        <a:scrgbClr r="0" g="0" b="0"/>
+      </a:lnRef>
+      <a:fillRef idx="1">
+        <a:scrgbClr r="0" g="0" b="0"/>
+      </a:fillRef>
+      <a:effectRef idx="0">
+        <a:scrgbClr r="0" g="0" b="0"/>
+      </a:effectRef>
+      <a:fontRef idx="minor"/>
+    </dgm:style>
+  </dgm:styleLbl>
+  <dgm:styleLbl name="bgSibTrans2D1">
+    <dgm:scene3d>
+      <a:camera prst="orthographicFront">
+        <a:rot lat="0" lon="0" rev="0"/>
+      </a:camera>
+      <a:lightRig rig="contrasting" dir="t">
+        <a:rot lat="0" lon="0" rev="1200000"/>
+      </a:lightRig>
+    </dgm:scene3d>
+    <dgm:sp3d z="-300000" contourW="19050" prstMaterial="metal">
+      <a:bevelT w="88900" h="203200"/>
+      <a:bevelB w="165100" h="254000"/>
+    </dgm:sp3d>
+    <dgm:txPr/>
+    <dgm:style>
+      <a:lnRef idx="0">
+        <a:scrgbClr r="0" g="0" b="0"/>
+      </a:lnRef>
+      <a:fillRef idx="1">
+        <a:scrgbClr r="0" g="0" b="0"/>
+      </a:fillRef>
+      <a:effectRef idx="0">
+        <a:scrgbClr r="0" g="0" b="0"/>
+      </a:effectRef>
+      <a:fontRef idx="minor"/>
+    </dgm:style>
+  </dgm:styleLbl>
+  <dgm:styleLbl name="sibTrans1D1">
+    <dgm:scene3d>
+      <a:camera prst="orthographicFront">
+        <a:rot lat="0" lon="0" rev="0"/>
+      </a:camera>
+      <a:lightRig rig="contrasting" dir="t">
+        <a:rot lat="0" lon="0" rev="1200000"/>
+      </a:lightRig>
+    </dgm:scene3d>
+    <dgm:sp3d z="-110000"/>
+    <dgm:txPr/>
+    <dgm:style>
+      <a:lnRef idx="1">
+        <a:scrgbClr r="0" g="0" b="0"/>
+      </a:lnRef>
+      <a:fillRef idx="0">
+        <a:scrgbClr r="0" g="0" b="0"/>
+      </a:fillRef>
+      <a:effectRef idx="0">
+        <a:scrgbClr r="0" g="0" b="0"/>
+      </a:effectRef>
+      <a:fontRef idx="minor"/>
+    </dgm:style>
+  </dgm:styleLbl>
+  <dgm:styleLbl name="callout">
+    <dgm:scene3d>
+      <a:camera prst="orthographicFront">
+        <a:rot lat="0" lon="0" rev="0"/>
+      </a:camera>
+      <a:lightRig rig="contrasting" dir="t">
+        <a:rot lat="0" lon="0" rev="1200000"/>
+      </a:lightRig>
+    </dgm:scene3d>
+    <dgm:sp3d z="10000"/>
+    <dgm:txPr/>
+    <dgm:style>
+      <a:lnRef idx="2">
+        <a:scrgbClr r="0" g="0" b="0"/>
+      </a:lnRef>
+      <a:fillRef idx="1">
+        <a:scrgbClr r="0" g="0" b="0"/>
+      </a:fillRef>
+      <a:effectRef idx="0">
+        <a:scrgbClr r="0" g="0" b="0"/>
+      </a:effectRef>
+      <a:fontRef idx="minor"/>
+    </dgm:style>
+  </dgm:styleLbl>
+  <dgm:styleLbl name="asst0">
+    <dgm:scene3d>
+      <a:camera prst="orthographicFront">
+        <a:rot lat="0" lon="0" rev="0"/>
+      </a:camera>
+      <a:lightRig rig="contrasting" dir="t">
+        <a:rot lat="0" lon="0" rev="1200000"/>
+      </a:lightRig>
+    </dgm:scene3d>
+    <dgm:sp3d contourW="19050" prstMaterial="metal">
+      <a:bevelT w="88900" h="203200"/>
+      <a:bevelB w="165100" h="254000"/>
+    </dgm:sp3d>
+    <dgm:txPr/>
+    <dgm:style>
+      <a:lnRef idx="0">
+        <a:scrgbClr r="0" g="0" b="0"/>
+      </a:lnRef>
+      <a:fillRef idx="1">
+        <a:scrgbClr r="0" g="0" b="0"/>
+      </a:fillRef>
+      <a:effectRef idx="1">
+        <a:scrgbClr r="0" g="0" b="0"/>
+      </a:effectRef>
+      <a:fontRef idx="minor">
+        <a:schemeClr val="lt1"/>
+      </a:fontRef>
+    </dgm:style>
+  </dgm:styleLbl>
+  <dgm:styleLbl name="asst1">
+    <dgm:scene3d>
+      <a:camera prst="orthographicFront">
+        <a:rot lat="0" lon="0" rev="0"/>
+      </a:camera>
+      <a:lightRig rig="contrasting" dir="t">
+        <a:rot lat="0" lon="0" rev="1200000"/>
+      </a:lightRig>
+    </dgm:scene3d>
+    <dgm:sp3d contourW="19050" prstMaterial="metal">
+      <a:bevelT w="88900" h="203200"/>
+      <a:bevelB w="165100" h="254000"/>
+    </dgm:sp3d>
+    <dgm:txPr/>
+    <dgm:style>
+      <a:lnRef idx="0">
+        <a:scrgbClr r="0" g="0" b="0"/>
+      </a:lnRef>
+      <a:fillRef idx="1">
+        <a:scrgbClr r="0" g="0" b="0"/>
+      </a:fillRef>
+      <a:effectRef idx="1">
+        <a:scrgbClr r="0" g="0" b="0"/>
+      </a:effectRef>
+      <a:fontRef idx="minor">
+        <a:schemeClr val="lt1"/>
+      </a:fontRef>
+    </dgm:style>
+  </dgm:styleLbl>
+  <dgm:styleLbl name="asst2">
+    <dgm:scene3d>
+      <a:camera prst="orthographicFront">
+        <a:rot lat="0" lon="0" rev="0"/>
+      </a:camera>
+      <a:lightRig rig="contrasting" dir="t">
+        <a:rot lat="0" lon="0" rev="1200000"/>
+      </a:lightRig>
+    </dgm:scene3d>
+    <dgm:sp3d contourW="19050" prstMaterial="metal">
+      <a:bevelT w="88900" h="203200"/>
+      <a:bevelB w="165100" h="254000"/>
+    </dgm:sp3d>
+    <dgm:txPr/>
+    <dgm:style>
+      <a:lnRef idx="0">
+        <a:scrgbClr r="0" g="0" b="0"/>
+      </a:lnRef>
+      <a:fillRef idx="1">
+        <a:scrgbClr r="0" g="0" b="0"/>
+      </a:fillRef>
+      <a:effectRef idx="1">
+        <a:scrgbClr r="0" g="0" b="0"/>
+      </a:effectRef>
+      <a:fontRef idx="minor">
+        <a:schemeClr val="lt1"/>
+      </a:fontRef>
+    </dgm:style>
+  </dgm:styleLbl>
+  <dgm:styleLbl name="asst3">
+    <dgm:scene3d>
+      <a:camera prst="orthographicFront">
+        <a:rot lat="0" lon="0" rev="0"/>
+      </a:camera>
+      <a:lightRig rig="contrasting" dir="t">
+        <a:rot lat="0" lon="0" rev="1200000"/>
+      </a:lightRig>
+    </dgm:scene3d>
+    <dgm:sp3d contourW="19050" prstMaterial="metal">
+      <a:bevelT w="88900" h="203200"/>
+      <a:bevelB w="165100" h="254000"/>
+    </dgm:sp3d>
+    <dgm:txPr/>
+    <dgm:style>
+      <a:lnRef idx="0">
+        <a:scrgbClr r="0" g="0" b="0"/>
+      </a:lnRef>
+      <a:fillRef idx="1">
+        <a:scrgbClr r="0" g="0" b="0"/>
+      </a:fillRef>
+      <a:effectRef idx="1">
+        <a:scrgbClr r="0" g="0" b="0"/>
+      </a:effectRef>
+      <a:fontRef idx="minor">
+        <a:schemeClr val="lt1"/>
+      </a:fontRef>
+    </dgm:style>
+  </dgm:styleLbl>
+  <dgm:styleLbl name="asst4">
+    <dgm:scene3d>
+      <a:camera prst="orthographicFront"/>
+      <a:lightRig rig="threePt" dir="t"/>
+    </dgm:scene3d>
+    <dgm:sp3d contourW="19050" prstMaterial="metal">
+      <a:bevelT w="88900" h="203200"/>
+      <a:bevelB w="165100" h="254000"/>
+    </dgm:sp3d>
+    <dgm:txPr/>
+    <dgm:style>
+      <a:lnRef idx="0">
+        <a:scrgbClr r="0" g="0" b="0"/>
+      </a:lnRef>
+      <a:fillRef idx="1">
+        <a:scrgbClr r="0" g="0" b="0"/>
+      </a:fillRef>
+      <a:effectRef idx="1">
+        <a:scrgbClr r="0" g="0" b="0"/>
+      </a:effectRef>
+      <a:fontRef idx="minor">
+        <a:schemeClr val="lt1"/>
+      </a:fontRef>
+    </dgm:style>
+  </dgm:styleLbl>
+  <dgm:styleLbl name="parChTrans2D1">
+    <dgm:scene3d>
+      <a:camera prst="orthographicFront">
+        <a:rot lat="0" lon="0" rev="0"/>
+      </a:camera>
+      <a:lightRig rig="contrasting" dir="t">
+        <a:rot lat="0" lon="0" rev="1200000"/>
+      </a:lightRig>
+    </dgm:scene3d>
+    <dgm:sp3d contourW="19050" prstMaterial="metal">
+      <a:bevelT w="88900" h="203200"/>
+      <a:bevelB w="165100" h="254000"/>
+    </dgm:sp3d>
+    <dgm:txPr/>
+    <dgm:style>
+      <a:lnRef idx="0">
+        <a:scrgbClr r="0" g="0" b="0"/>
+      </a:lnRef>
+      <a:fillRef idx="1">
+        <a:scrgbClr r="0" g="0" b="0"/>
+      </a:fillRef>
+      <a:effectRef idx="0">
+        <a:scrgbClr r="0" g="0" b="0"/>
+      </a:effectRef>
+      <a:fontRef idx="minor"/>
+    </dgm:style>
+  </dgm:styleLbl>
+  <dgm:styleLbl name="parChTrans2D2">
+    <dgm:scene3d>
+      <a:camera prst="orthographicFront">
+        <a:rot lat="0" lon="0" rev="0"/>
+      </a:camera>
+      <a:lightRig rig="contrasting" dir="t">
+        <a:rot lat="0" lon="0" rev="1200000"/>
+      </a:lightRig>
+    </dgm:scene3d>
+    <dgm:sp3d contourW="19050" prstMaterial="metal">
+      <a:bevelT w="88900" h="203200"/>
+      <a:bevelB w="165100" h="254000"/>
+    </dgm:sp3d>
+    <dgm:txPr/>
+    <dgm:style>
+      <a:lnRef idx="0">
+        <a:scrgbClr r="0" g="0" b="0"/>
+      </a:lnRef>
+      <a:fillRef idx="1">
+        <a:scrgbClr r="0" g="0" b="0"/>
+      </a:fillRef>
+      <a:effectRef idx="0">
+        <a:scrgbClr r="0" g="0" b="0"/>
+      </a:effectRef>
+      <a:fontRef idx="minor"/>
+    </dgm:style>
+  </dgm:styleLbl>
+  <dgm:styleLbl name="parChTrans2D3">
+    <dgm:scene3d>
+      <a:camera prst="orthographicFront">
+        <a:rot lat="0" lon="0" rev="0"/>
+      </a:camera>
+      <a:lightRig rig="contrasting" dir="t">
+        <a:rot lat="0" lon="0" rev="1200000"/>
+      </a:lightRig>
+    </dgm:scene3d>
+    <dgm:sp3d contourW="19050" prstMaterial="metal">
+      <a:bevelT w="88900" h="203200"/>
+      <a:bevelB w="165100" h="254000"/>
+    </dgm:sp3d>
+    <dgm:txPr/>
+    <dgm:style>
+      <a:lnRef idx="0">
+        <a:scrgbClr r="0" g="0" b="0"/>
+      </a:lnRef>
+      <a:fillRef idx="1">
+        <a:scrgbClr r="0" g="0" b="0"/>
+      </a:fillRef>
+      <a:effectRef idx="0">
+        <a:scrgbClr r="0" g="0" b="0"/>
+      </a:effectRef>
+      <a:fontRef idx="minor"/>
+    </dgm:style>
+  </dgm:styleLbl>
+  <dgm:styleLbl name="parChTrans2D4">
+    <dgm:scene3d>
+      <a:camera prst="orthographicFront">
+        <a:rot lat="0" lon="0" rev="0"/>
+      </a:camera>
+      <a:lightRig rig="contrasting" dir="t">
+        <a:rot lat="0" lon="0" rev="1200000"/>
+      </a:lightRig>
+    </dgm:scene3d>
+    <dgm:sp3d contourW="19050" prstMaterial="metal">
+      <a:bevelT w="88900" h="203200"/>
+      <a:bevelB w="165100" h="254000"/>
+    </dgm:sp3d>
+    <dgm:txPr/>
+    <dgm:style>
+      <a:lnRef idx="0">
+        <a:scrgbClr r="0" g="0" b="0"/>
+      </a:lnRef>
+      <a:fillRef idx="1">
+        <a:scrgbClr r="0" g="0" b="0"/>
+      </a:fillRef>
+      <a:effectRef idx="0">
+        <a:scrgbClr r="0" g="0" b="0"/>
+      </a:effectRef>
+      <a:fontRef idx="minor"/>
+    </dgm:style>
+  </dgm:styleLbl>
+  <dgm:styleLbl name="parChTrans1D1">
+    <dgm:scene3d>
+      <a:camera prst="orthographicFront">
+        <a:rot lat="0" lon="0" rev="0"/>
+      </a:camera>
+      <a:lightRig rig="contrasting" dir="t">
+        <a:rot lat="0" lon="0" rev="1200000"/>
+      </a:lightRig>
+    </dgm:scene3d>
+    <dgm:sp3d z="-110000"/>
+    <dgm:txPr/>
+    <dgm:style>
+      <a:lnRef idx="2">
+        <a:scrgbClr r="0" g="0" b="0"/>
+      </a:lnRef>
+      <a:fillRef idx="0">
+        <a:scrgbClr r="0" g="0" b="0"/>
+      </a:fillRef>
+      <a:effectRef idx="0">
+        <a:scrgbClr r="0" g="0" b="0"/>
+      </a:effectRef>
+      <a:fontRef idx="minor"/>
+    </dgm:style>
+  </dgm:styleLbl>
+  <dgm:styleLbl name="parChTrans1D2">
+    <dgm:scene3d>
+      <a:camera prst="orthographicFront">
+        <a:rot lat="0" lon="0" rev="0"/>
+      </a:camera>
+      <a:lightRig rig="contrasting" dir="t">
+        <a:rot lat="0" lon="0" rev="1200000"/>
+      </a:lightRig>
+    </dgm:scene3d>
+    <dgm:sp3d z="-110000"/>
+    <dgm:txPr/>
+    <dgm:style>
+      <a:lnRef idx="2">
+        <a:scrgbClr r="0" g="0" b="0"/>
+      </a:lnRef>
+      <a:fillRef idx="0">
+        <a:scrgbClr r="0" g="0" b="0"/>
+      </a:fillRef>
+      <a:effectRef idx="0">
+        <a:scrgbClr r="0" g="0" b="0"/>
+      </a:effectRef>
+      <a:fontRef idx="minor"/>
+    </dgm:style>
+  </dgm:styleLbl>
+  <dgm:styleLbl name="parChTrans1D3">
+    <dgm:scene3d>
+      <a:camera prst="orthographicFront">
+        <a:rot lat="0" lon="0" rev="0"/>
+      </a:camera>
+      <a:lightRig rig="contrasting" dir="t">
+        <a:rot lat="0" lon="0" rev="1200000"/>
+      </a:lightRig>
+    </dgm:scene3d>
+    <dgm:sp3d z="-110000"/>
+    <dgm:txPr/>
+    <dgm:style>
+      <a:lnRef idx="2">
+        <a:scrgbClr r="0" g="0" b="0"/>
+      </a:lnRef>
+      <a:fillRef idx="0">
+        <a:scrgbClr r="0" g="0" b="0"/>
+      </a:fillRef>
+      <a:effectRef idx="0">
+        <a:scrgbClr r="0" g="0" b="0"/>
+      </a:effectRef>
+      <a:fontRef idx="minor"/>
+    </dgm:style>
+  </dgm:styleLbl>
+  <dgm:styleLbl name="parChTrans1D4">
+    <dgm:scene3d>
+      <a:camera prst="orthographicFront">
+        <a:rot lat="0" lon="0" rev="0"/>
+      </a:camera>
+      <a:lightRig rig="contrasting" dir="t">
+        <a:rot lat="0" lon="0" rev="1200000"/>
+      </a:lightRig>
+    </dgm:scene3d>
+    <dgm:sp3d z="-110000"/>
+    <dgm:txPr/>
+    <dgm:style>
+      <a:lnRef idx="2">
+        <a:scrgbClr r="0" g="0" b="0"/>
+      </a:lnRef>
+      <a:fillRef idx="0">
+        <a:scrgbClr r="0" g="0" b="0"/>
+      </a:fillRef>
+      <a:effectRef idx="0">
+        <a:scrgbClr r="0" g="0" b="0"/>
+      </a:effectRef>
+      <a:fontRef idx="minor"/>
+    </dgm:style>
+  </dgm:styleLbl>
+  <dgm:styleLbl name="fgAcc1">
+    <dgm:scene3d>
+      <a:camera prst="orthographicFront">
+        <a:rot lat="0" lon="0" rev="0"/>
+      </a:camera>
+      <a:lightRig rig="contrasting" dir="t">
+        <a:rot lat="0" lon="0" rev="1200000"/>
+      </a:lightRig>
+    </dgm:scene3d>
+    <dgm:sp3d z="300000" contourW="19050" prstMaterial="metal">
+      <a:bevelT w="88900" h="203200"/>
+      <a:bevelB w="165100" h="254000"/>
+    </dgm:sp3d>
+    <dgm:txPr/>
+    <dgm:style>
+      <a:lnRef idx="0">
+        <a:scrgbClr r="0" g="0" b="0"/>
+      </a:lnRef>
+      <a:fillRef idx="1">
+        <a:scrgbClr r="0" g="0" b="0"/>
+      </a:fillRef>
+      <a:effectRef idx="0">
+        <a:scrgbClr r="0" g="0" b="0"/>
+      </a:effectRef>
+      <a:fontRef idx="minor"/>
+    </dgm:style>
+  </dgm:styleLbl>
+  <dgm:styleLbl name="conFgAcc1">
+    <dgm:scene3d>
+      <a:camera prst="orthographicFront">
+        <a:rot lat="0" lon="0" rev="0"/>
+      </a:camera>
+      <a:lightRig rig="contrasting" dir="t">
+        <a:rot lat="0" lon="0" rev="1200000"/>
+      </a:lightRig>
+    </dgm:scene3d>
+    <dgm:sp3d z="300000" contourW="19050" prstMaterial="metal">
+      <a:bevelT w="88900" h="203200"/>
+      <a:bevelB w="165100" h="254000"/>
+    </dgm:sp3d>
+    <dgm:txPr/>
+    <dgm:style>
+      <a:lnRef idx="0">
+        <a:scrgbClr r="0" g="0" b="0"/>
+      </a:lnRef>
+      <a:fillRef idx="1">
+        <a:scrgbClr r="0" g="0" b="0"/>
+      </a:fillRef>
+      <a:effectRef idx="0">
+        <a:scrgbClr r="0" g="0" b="0"/>
+      </a:effectRef>
+      <a:fontRef idx="minor"/>
+    </dgm:style>
+  </dgm:styleLbl>
+  <dgm:styleLbl name="alignAcc1">
+    <dgm:scene3d>
+      <a:camera prst="orthographicFront">
+        <a:rot lat="0" lon="0" rev="0"/>
+      </a:camera>
+      <a:lightRig rig="contrasting" dir="t">
+        <a:rot lat="0" lon="0" rev="1200000"/>
+      </a:lightRig>
+    </dgm:scene3d>
+    <dgm:sp3d contourW="19050" prstMaterial="metal">
+      <a:bevelT w="88900" h="203200"/>
+      <a:bevelB w="165100" h="254000"/>
+    </dgm:sp3d>
+    <dgm:txPr/>
+    <dgm:style>
+      <a:lnRef idx="0">
+        <a:scrgbClr r="0" g="0" b="0"/>
+      </a:lnRef>
+      <a:fillRef idx="1">
+        <a:scrgbClr r="0" g="0" b="0"/>
+      </a:fillRef>
+      <a:effectRef idx="0">
+        <a:scrgbClr r="0" g="0" b="0"/>
+      </a:effectRef>
+      <a:fontRef idx="minor"/>
+    </dgm:style>
+  </dgm:styleLbl>
+  <dgm:styleLbl name="trAlignAcc1">
+    <dgm:scene3d>
+      <a:camera prst="orthographicFront">
+        <a:rot lat="0" lon="0" rev="0"/>
+      </a:camera>
+      <a:lightRig rig="contrasting" dir="t">
+        <a:rot lat="0" lon="0" rev="1200000"/>
+      </a:lightRig>
+    </dgm:scene3d>
+    <dgm:sp3d contourW="19050" prstMaterial="metal">
+      <a:bevelT w="88900" h="203200"/>
+      <a:bevelB w="165100" h="254000"/>
+    </dgm:sp3d>
+    <dgm:txPr/>
+    <dgm:style>
+      <a:lnRef idx="0">
+        <a:scrgbClr r="0" g="0" b="0"/>
+      </a:lnRef>
+      <a:fillRef idx="1">
+        <a:scrgbClr r="0" g="0" b="0"/>
+      </a:fillRef>
+      <a:effectRef idx="1">
+        <a:scrgbClr r="0" g="0" b="0"/>
+      </a:effectRef>
+      <a:fontRef idx="minor"/>
+    </dgm:style>
+  </dgm:styleLbl>
+  <dgm:styleLbl name="bgAcc1">
+    <dgm:scene3d>
+      <a:camera prst="orthographicFront">
+        <a:rot lat="0" lon="0" rev="0"/>
+      </a:camera>
+      <a:lightRig rig="contrasting" dir="t">
+        <a:rot lat="0" lon="0" rev="1200000"/>
+      </a:lightRig>
+    </dgm:scene3d>
+    <dgm:sp3d z="-300000" contourW="19050" prstMaterial="metal">
+      <a:bevelT w="88900" h="203200"/>
+      <a:bevelB w="165100" h="254000"/>
+    </dgm:sp3d>
+    <dgm:txPr/>
+    <dgm:style>
+      <a:lnRef idx="0">
+        <a:scrgbClr r="0" g="0" b="0"/>
+      </a:lnRef>
+      <a:fillRef idx="1">
+        <a:scrgbClr r="0" g="0" b="0"/>
+      </a:fillRef>
+      <a:effectRef idx="0">
+        <a:scrgbClr r="0" g="0" b="0"/>
+      </a:effectRef>
+      <a:fontRef idx="minor"/>
+    </dgm:style>
+  </dgm:styleLbl>
+  <dgm:styleLbl name="solidFgAcc1">
+    <dgm:scene3d>
+      <a:camera prst="orthographicFront">
+        <a:rot lat="0" lon="0" rev="0"/>
+      </a:camera>
+      <a:lightRig rig="contrasting" dir="t">
+        <a:rot lat="0" lon="0" rev="1200000"/>
+      </a:lightRig>
+    </dgm:scene3d>
+    <dgm:sp3d z="300000" contourW="12700" prstMaterial="flat">
+      <a:bevelT w="177800" h="254000"/>
+      <a:bevelB w="152400"/>
+    </dgm:sp3d>
+    <dgm:txPr/>
+    <dgm:style>
+      <a:lnRef idx="0">
+        <a:scrgbClr r="0" g="0" b="0"/>
+      </a:lnRef>
+      <a:fillRef idx="1">
+        <a:scrgbClr r="0" g="0" b="0"/>
+      </a:fillRef>
+      <a:effectRef idx="0">
+        <a:scrgbClr r="0" g="0" b="0"/>
+      </a:effectRef>
+      <a:fontRef idx="minor"/>
+    </dgm:style>
+  </dgm:styleLbl>
+  <dgm:styleLbl name="solidAlignAcc1">
+    <dgm:scene3d>
+      <a:camera prst="orthographicFront">
+        <a:rot lat="0" lon="0" rev="0"/>
+      </a:camera>
+      <a:lightRig rig="contrasting" dir="t">
+        <a:rot lat="0" lon="0" rev="1200000"/>
+      </a:lightRig>
+    </dgm:scene3d>
+    <dgm:sp3d contourW="19050" prstMaterial="metal">
+      <a:bevelT w="88900" h="203200"/>
+      <a:bevelB w="165100" h="254000"/>
+    </dgm:sp3d>
+    <dgm:txPr/>
+    <dgm:style>
+      <a:lnRef idx="0">
+        <a:scrgbClr r="0" g="0" b="0"/>
+      </a:lnRef>
+      <a:fillRef idx="1">
+        <a:scrgbClr r="0" g="0" b="0"/>
+      </a:fillRef>
+      <a:effectRef idx="0">
+        <a:scrgbClr r="0" g="0" b="0"/>
+      </a:effectRef>
+      <a:fontRef idx="minor"/>
+    </dgm:style>
+  </dgm:styleLbl>
+  <dgm:styleLbl name="solidBgAcc1">
+    <dgm:scene3d>
+      <a:camera prst="orthographicFront">
+        <a:rot lat="0" lon="0" rev="0"/>
+      </a:camera>
+      <a:lightRig rig="contrasting" dir="t">
+        <a:rot lat="0" lon="0" rev="1200000"/>
+      </a:lightRig>
+    </dgm:scene3d>
+    <dgm:sp3d z="-300000" contourW="19050" prstMaterial="metal">
+      <a:bevelT w="88900" h="203200"/>
+      <a:bevelB w="165100" h="254000"/>
+    </dgm:sp3d>
+    <dgm:txPr/>
+    <dgm:style>
+      <a:lnRef idx="0">
+        <a:scrgbClr r="0" g="0" b="0"/>
+      </a:lnRef>
+      <a:fillRef idx="1">
+        <a:scrgbClr r="0" g="0" b="0"/>
+      </a:fillRef>
+      <a:effectRef idx="0">
+        <a:scrgbClr r="0" g="0" b="0"/>
+      </a:effectRef>
+      <a:fontRef idx="minor"/>
+    </dgm:style>
+  </dgm:styleLbl>
+  <dgm:styleLbl name="fgAccFollowNode1">
+    <dgm:scene3d>
+      <a:camera prst="orthographicFront">
+        <a:rot lat="0" lon="0" rev="0"/>
+      </a:camera>
+      <a:lightRig rig="contrasting" dir="t">
+        <a:rot lat="0" lon="0" rev="1200000"/>
+      </a:lightRig>
+    </dgm:scene3d>
+    <dgm:sp3d z="300000" contourW="19050" prstMaterial="metal">
+      <a:bevelT w="88900" h="203200"/>
+      <a:bevelB w="165100" h="254000"/>
+    </dgm:sp3d>
+    <dgm:txPr/>
+    <dgm:style>
+      <a:lnRef idx="0">
+        <a:scrgbClr r="0" g="0" b="0"/>
+      </a:lnRef>
+      <a:fillRef idx="1">
+        <a:scrgbClr r="0" g="0" b="0"/>
+      </a:fillRef>
+      <a:effectRef idx="0">
+        <a:scrgbClr r="0" g="0" b="0"/>
+      </a:effectRef>
+      <a:fontRef idx="minor"/>
+    </dgm:style>
+  </dgm:styleLbl>
+  <dgm:styleLbl name="alignAccFollowNode1">
+    <dgm:scene3d>
+      <a:camera prst="orthographicFront">
+        <a:rot lat="0" lon="0" rev="0"/>
+      </a:camera>
+      <a:lightRig rig="contrasting" dir="t">
+        <a:rot lat="0" lon="0" rev="1200000"/>
+      </a:lightRig>
+    </dgm:scene3d>
+    <dgm:sp3d contourW="19050" prstMaterial="metal">
+      <a:bevelT w="88900" h="203200"/>
+      <a:bevelB w="165100" h="254000"/>
+    </dgm:sp3d>
+    <dgm:txPr/>
+    <dgm:style>
+      <a:lnRef idx="0">
+        <a:scrgbClr r="0" g="0" b="0"/>
+      </a:lnRef>
+      <a:fillRef idx="1">
+        <a:scrgbClr r="0" g="0" b="0"/>
+      </a:fillRef>
+      <a:effectRef idx="0">
+        <a:scrgbClr r="0" g="0" b="0"/>
+      </a:effectRef>
+      <a:fontRef idx="minor"/>
+    </dgm:style>
+  </dgm:styleLbl>
+  <dgm:styleLbl name="bgAccFollowNode1">
+    <dgm:scene3d>
+      <a:camera prst="orthographicFront">
+        <a:rot lat="0" lon="0" rev="0"/>
+      </a:camera>
+      <a:lightRig rig="contrasting" dir="t">
+        <a:rot lat="0" lon="0" rev="1200000"/>
+      </a:lightRig>
+    </dgm:scene3d>
+    <dgm:sp3d z="-300000" contourW="19050" prstMaterial="metal">
+      <a:bevelT w="88900" h="203200"/>
+      <a:bevelB w="165100" h="254000"/>
+    </dgm:sp3d>
+    <dgm:txPr/>
+    <dgm:style>
+      <a:lnRef idx="0">
+        <a:scrgbClr r="0" g="0" b="0"/>
+      </a:lnRef>
+      <a:fillRef idx="1">
+        <a:scrgbClr r="0" g="0" b="0"/>
+      </a:fillRef>
+      <a:effectRef idx="0">
+        <a:scrgbClr r="0" g="0" b="0"/>
+      </a:effectRef>
+      <a:fontRef idx="minor"/>
+    </dgm:style>
+  </dgm:styleLbl>
+  <dgm:styleLbl name="fgAcc0">
+    <dgm:scene3d>
+      <a:camera prst="orthographicFront">
+        <a:rot lat="0" lon="0" rev="0"/>
+      </a:camera>
+      <a:lightRig rig="contrasting" dir="t">
+        <a:rot lat="0" lon="0" rev="1200000"/>
+      </a:lightRig>
+    </dgm:scene3d>
+    <dgm:sp3d z="300000" contourW="19050" prstMaterial="metal">
+      <a:bevelT w="88900" h="203200"/>
+      <a:bevelB w="165100" h="254000"/>
+    </dgm:sp3d>
+    <dgm:txPr/>
+    <dgm:style>
+      <a:lnRef idx="0">
+        <a:scrgbClr r="0" g="0" b="0"/>
+      </a:lnRef>
+      <a:fillRef idx="1">
+        <a:scrgbClr r="0" g="0" b="0"/>
+      </a:fillRef>
+      <a:effectRef idx="0">
+        <a:scrgbClr r="0" g="0" b="0"/>
+      </a:effectRef>
+      <a:fontRef idx="minor"/>
+    </dgm:style>
+  </dgm:styleLbl>
+  <dgm:styleLbl name="fgAcc2">
+    <dgm:scene3d>
+      <a:camera prst="orthographicFront">
+        <a:rot lat="0" lon="0" rev="0"/>
+      </a:camera>
+      <a:lightRig rig="contrasting" dir="t">
+        <a:rot lat="0" lon="0" rev="1200000"/>
+      </a:lightRig>
+    </dgm:scene3d>
+    <dgm:sp3d z="300000" contourW="19050" prstMaterial="metal">
+      <a:bevelT w="88900" h="203200"/>
+      <a:bevelB w="165100" h="254000"/>
+    </dgm:sp3d>
+    <dgm:txPr/>
+    <dgm:style>
+      <a:lnRef idx="0">
+        <a:scrgbClr r="0" g="0" b="0"/>
+      </a:lnRef>
+      <a:fillRef idx="1">
+        <a:scrgbClr r="0" g="0" b="0"/>
+      </a:fillRef>
+      <a:effectRef idx="0">
+        <a:scrgbClr r="0" g="0" b="0"/>
+      </a:effectRef>
+      <a:fontRef idx="minor"/>
+    </dgm:style>
+  </dgm:styleLbl>
+  <dgm:styleLbl name="fgAcc3">
+    <dgm:scene3d>
+      <a:camera prst="orthographicFront">
+        <a:rot lat="0" lon="0" rev="0"/>
+      </a:camera>
+      <a:lightRig rig="contrasting" dir="t">
+        <a:rot lat="0" lon="0" rev="1200000"/>
+      </a:lightRig>
+    </dgm:scene3d>
+    <dgm:sp3d z="300000" contourW="19050" prstMaterial="metal">
+      <a:bevelT w="88900" h="203200"/>
+      <a:bevelB w="165100" h="254000"/>
+    </dgm:sp3d>
+    <dgm:txPr/>
+    <dgm:style>
+      <a:lnRef idx="0">
+        <a:scrgbClr r="0" g="0" b="0"/>
+      </a:lnRef>
+      <a:fillRef idx="1">
+        <a:scrgbClr r="0" g="0" b="0"/>
+      </a:fillRef>
+      <a:effectRef idx="0">
+        <a:scrgbClr r="0" g="0" b="0"/>
+      </a:effectRef>
+      <a:fontRef idx="minor"/>
+    </dgm:style>
+  </dgm:styleLbl>
+  <dgm:styleLbl name="fgAcc4">
+    <dgm:scene3d>
+      <a:camera prst="orthographicFront">
+        <a:rot lat="0" lon="0" rev="0"/>
+      </a:camera>
+      <a:lightRig rig="contrasting" dir="t">
+        <a:rot lat="0" lon="0" rev="1200000"/>
+      </a:lightRig>
+    </dgm:scene3d>
+    <dgm:sp3d z="300000" contourW="19050" prstMaterial="metal">
+      <a:bevelT w="88900" h="203200"/>
+      <a:bevelB w="165100" h="254000"/>
+    </dgm:sp3d>
+    <dgm:txPr/>
+    <dgm:style>
+      <a:lnRef idx="0">
+        <a:scrgbClr r="0" g="0" b="0"/>
+      </a:lnRef>
+      <a:fillRef idx="1">
+        <a:scrgbClr r="0" g="0" b="0"/>
+      </a:fillRef>
+      <a:effectRef idx="0">
+        <a:scrgbClr r="0" g="0" b="0"/>
+      </a:effectRef>
+      <a:fontRef idx="minor"/>
+    </dgm:style>
+  </dgm:styleLbl>
+  <dgm:styleLbl name="bgShp">
+    <dgm:scene3d>
+      <a:camera prst="orthographicFront">
+        <a:rot lat="0" lon="0" rev="0"/>
+      </a:camera>
+      <a:lightRig rig="contrasting" dir="t">
+        <a:rot lat="0" lon="0" rev="1200000"/>
+      </a:lightRig>
+    </dgm:scene3d>
+    <dgm:sp3d z="-300000" prstMaterial="plastic"/>
+    <dgm:txPr/>
+    <dgm:style>
+      <a:lnRef idx="1">
+        <a:scrgbClr r="0" g="0" b="0"/>
+      </a:lnRef>
+      <a:fillRef idx="1">
+        <a:scrgbClr r="0" g="0" b="0"/>
+      </a:fillRef>
+      <a:effectRef idx="0">
+        <a:scrgbClr r="0" g="0" b="0"/>
+      </a:effectRef>
+      <a:fontRef idx="minor"/>
+    </dgm:style>
+  </dgm:styleLbl>
+  <dgm:styleLbl name="dkBgShp">
+    <dgm:scene3d>
+      <a:camera prst="orthographicFront">
+        <a:rot lat="0" lon="0" rev="0"/>
+      </a:camera>
+      <a:lightRig rig="contrasting" dir="t">
+        <a:rot lat="0" lon="0" rev="1200000"/>
+      </a:lightRig>
+    </dgm:scene3d>
+    <dgm:sp3d contourW="12700" prstMaterial="flat">
+      <a:bevelT w="100800" h="154000"/>
+      <a:bevelB w="152400"/>
+    </dgm:sp3d>
+    <dgm:txPr/>
+    <dgm:style>
+      <a:lnRef idx="0">
+        <a:scrgbClr r="0" g="0" b="0"/>
+      </a:lnRef>
+      <a:fillRef idx="1">
+        <a:scrgbClr r="0" g="0" b="0"/>
+      </a:fillRef>
+      <a:effectRef idx="0">
+        <a:scrgbClr r="0" g="0" b="0"/>
+      </a:effectRef>
+      <a:fontRef idx="minor"/>
+    </dgm:style>
+  </dgm:styleLbl>
+  <dgm:styleLbl name="trBgShp">
+    <dgm:scene3d>
+      <a:camera prst="orthographicFront">
+        <a:rot lat="0" lon="0" rev="0"/>
+      </a:camera>
+      <a:lightRig rig="contrasting" dir="t">
+        <a:rot lat="0" lon="0" rev="1200000"/>
+      </a:lightRig>
+    </dgm:scene3d>
+    <dgm:sp3d z="-152400" prstMaterial="matte"/>
+    <dgm:txPr/>
+    <dgm:style>
+      <a:lnRef idx="1">
+        <a:scrgbClr r="0" g="0" b="0"/>
+      </a:lnRef>
+      <a:fillRef idx="1">
+        <a:scrgbClr r="0" g="0" b="0"/>
+      </a:fillRef>
+      <a:effectRef idx="0">
+        <a:scrgbClr r="0" g="0" b="0"/>
+      </a:effectRef>
+      <a:fontRef idx="minor"/>
+    </dgm:style>
+  </dgm:styleLbl>
+  <dgm:styleLbl name="fgShp">
+    <dgm:scene3d>
+      <a:camera prst="orthographicFront">
+        <a:rot lat="0" lon="0" rev="0"/>
+      </a:camera>
+      <a:lightRig rig="contrasting" dir="t">
+        <a:rot lat="0" lon="0" rev="1200000"/>
+      </a:lightRig>
+    </dgm:scene3d>
+    <dgm:sp3d z="300000" contourW="19050" prstMaterial="metal">
+      <a:bevelT w="88900" h="203200"/>
+      <a:bevelB w="165100" h="254000"/>
+    </dgm:sp3d>
+    <dgm:txPr/>
+    <dgm:style>
+      <a:lnRef idx="0">
+        <a:scrgbClr r="0" g="0" b="0"/>
+      </a:lnRef>
+      <a:fillRef idx="1">
+        <a:scrgbClr r="0" g="0" b="0"/>
+      </a:fillRef>
+      <a:effectRef idx="0">
+        <a:scrgbClr r="0" g="0" b="0"/>
+      </a:effectRef>
+      <a:fontRef idx="minor"/>
+    </dgm:style>
+  </dgm:styleLbl>
+  <dgm:styleLbl name="revTx">
+    <dgm:scene3d>
+      <a:camera prst="orthographicFront"/>
+      <a:lightRig rig="threePt" dir="t"/>
+    </dgm:scene3d>
+    <dgm:sp3d/>
+    <dgm:txPr/>
+    <dgm:style>
+      <a:lnRef idx="1">
+        <a:scrgbClr r="0" g="0" b="0"/>
+      </a:lnRef>
+      <a:fillRef idx="0">
+        <a:scrgbClr r="0" g="0" b="0"/>
+      </a:fillRef>
+      <a:effectRef idx="0">
+        <a:scrgbClr r="0" g="0" b="0"/>
+      </a:effectRef>
+      <a:fontRef idx="minor"/>
+    </dgm:style>
+  </dgm:styleLbl>
+</dgm:styleDef>
+</file>
+
+<file path=ppt/diagrams/quickStyle2.xml><?xml version="1.0" encoding="utf-8"?>
+<dgm:styleDef xmlns:dgm="http://schemas.openxmlformats.org/drawingml/2006/diagram" xmlns:a="http://schemas.openxmlformats.org/drawingml/2006/main" uniqueId="urn:microsoft.com/office/officeart/2005/8/quickstyle/3d3">
+  <dgm:title val=""/>
+  <dgm:desc val=""/>
+  <dgm:catLst>
+    <dgm:cat type="3D" pri="11300"/>
+  </dgm:catLst>
+  <dgm:scene3d>
+    <a:camera prst="orthographicFront"/>
+    <a:lightRig rig="threePt" dir="t"/>
+  </dgm:scene3d>
+  <dgm:styleLbl name="node0">
+    <dgm:scene3d>
+      <a:camera prst="orthographicFront">
+        <a:rot lat="0" lon="0" rev="0"/>
+      </a:camera>
+      <a:lightRig rig="contrasting" dir="t">
+        <a:rot lat="0" lon="0" rev="1200000"/>
+      </a:lightRig>
+    </dgm:scene3d>
+    <dgm:sp3d contourW="19050" prstMaterial="metal">
+      <a:bevelT w="88900" h="203200"/>
+      <a:bevelB w="165100" h="254000"/>
+    </dgm:sp3d>
+    <dgm:txPr/>
+    <dgm:style>
+      <a:lnRef idx="0">
+        <a:scrgbClr r="0" g="0" b="0"/>
+      </a:lnRef>
+      <a:fillRef idx="1">
+        <a:scrgbClr r="0" g="0" b="0"/>
+      </a:fillRef>
+      <a:effectRef idx="1">
+        <a:scrgbClr r="0" g="0" b="0"/>
+      </a:effectRef>
+      <a:fontRef idx="minor">
+        <a:schemeClr val="lt1"/>
+      </a:fontRef>
+    </dgm:style>
+  </dgm:styleLbl>
+  <dgm:styleLbl name="lnNode1">
+    <dgm:scene3d>
+      <a:camera prst="orthographicFront">
+        <a:rot lat="0" lon="0" rev="0"/>
+      </a:camera>
+      <a:lightRig rig="contrasting" dir="t">
+        <a:rot lat="0" lon="0" rev="1200000"/>
+      </a:lightRig>
+    </dgm:scene3d>
+    <dgm:sp3d contourW="19050" prstMaterial="metal">
+      <a:bevelT w="88900" h="203200"/>
+      <a:bevelB w="165100" h="254000"/>
+    </dgm:sp3d>
+    <dgm:txPr/>
+    <dgm:style>
+      <a:lnRef idx="0">
+        <a:scrgbClr r="0" g="0" b="0"/>
+      </a:lnRef>
+      <a:fillRef idx="1">
+        <a:scrgbClr r="0" g="0" b="0"/>
+      </a:fillRef>
+      <a:effectRef idx="1">
+        <a:scrgbClr r="0" g="0" b="0"/>
+      </a:effectRef>
+      <a:fontRef idx="minor">
+        <a:schemeClr val="lt1"/>
+      </a:fontRef>
+    </dgm:style>
+  </dgm:styleLbl>
+  <dgm:styleLbl name="vennNode1">
+    <dgm:scene3d>
+      <a:camera prst="orthographicFront">
+        <a:rot lat="0" lon="0" rev="0"/>
+      </a:camera>
+      <a:lightRig rig="contrasting" dir="t">
+        <a:rot lat="0" lon="0" rev="1200000"/>
+      </a:lightRig>
+    </dgm:scene3d>
+    <dgm:sp3d contourW="12700" prstMaterial="clear">
+      <a:bevelT w="177800" h="254000"/>
+      <a:bevelB w="152400"/>
+    </dgm:sp3d>
+    <dgm:txPr/>
+    <dgm:style>
+      <a:lnRef idx="0">
+        <a:scrgbClr r="0" g="0" b="0"/>
+      </a:lnRef>
+      <a:fillRef idx="1">
+        <a:scrgbClr r="0" g="0" b="0"/>
+      </a:fillRef>
+      <a:effectRef idx="0">
+        <a:scrgbClr r="0" g="0" b="0"/>
+      </a:effectRef>
+      <a:fontRef idx="minor">
+        <a:schemeClr val="tx1"/>
+      </a:fontRef>
+    </dgm:style>
+  </dgm:styleLbl>
+  <dgm:styleLbl name="alignNode1">
+    <dgm:scene3d>
+      <a:camera prst="orthographicFront">
+        <a:rot lat="0" lon="0" rev="0"/>
+      </a:camera>
+      <a:lightRig rig="contrasting" dir="t">
+        <a:rot lat="0" lon="0" rev="1200000"/>
+      </a:lightRig>
+    </dgm:scene3d>
+    <dgm:sp3d contourW="19050" prstMaterial="metal">
+      <a:bevelT w="88900" h="203200"/>
+      <a:bevelB w="165100" h="254000"/>
+    </dgm:sp3d>
+    <dgm:txPr/>
+    <dgm:style>
+      <a:lnRef idx="0">
+        <a:scrgbClr r="0" g="0" b="0"/>
+      </a:lnRef>
+      <a:fillRef idx="1">
+        <a:scrgbClr r="0" g="0" b="0"/>
+      </a:fillRef>
+      <a:effectRef idx="2">
+        <a:scrgbClr r="0" g="0" b="0"/>
+      </a:effectRef>
+      <a:fontRef idx="minor">
+        <a:schemeClr val="lt1"/>
+      </a:fontRef>
+    </dgm:style>
+  </dgm:styleLbl>
+  <dgm:styleLbl name="node1">
+    <dgm:scene3d>
+      <a:camera prst="orthographicFront">
+        <a:rot lat="0" lon="0" rev="0"/>
+      </a:camera>
+      <a:lightRig rig="contrasting" dir="t">
+        <a:rot lat="0" lon="0" rev="1200000"/>
+      </a:lightRig>
+    </dgm:scene3d>
+    <dgm:sp3d contourW="19050" prstMaterial="metal">
+      <a:bevelT w="88900" h="203200"/>
+      <a:bevelB w="165100" h="254000"/>
+    </dgm:sp3d>
+    <dgm:txPr/>
+    <dgm:style>
+      <a:lnRef idx="0">
+        <a:scrgbClr r="0" g="0" b="0"/>
+      </a:lnRef>
+      <a:fillRef idx="1">
+        <a:scrgbClr r="0" g="0" b="0"/>
+      </a:fillRef>
+      <a:effectRef idx="2">
+        <a:scrgbClr r="0" g="0" b="0"/>
+      </a:effectRef>
+      <a:fontRef idx="minor">
+        <a:schemeClr val="lt1"/>
+      </a:fontRef>
+    </dgm:style>
+  </dgm:styleLbl>
+  <dgm:styleLbl name="node2">
+    <dgm:scene3d>
+      <a:camera prst="orthographicFront">
+        <a:rot lat="0" lon="0" rev="0"/>
+      </a:camera>
+      <a:lightRig rig="contrasting" dir="t">
+        <a:rot lat="0" lon="0" rev="1200000"/>
+      </a:lightRig>
+    </dgm:scene3d>
+    <dgm:sp3d contourW="19050" prstMaterial="metal">
+      <a:bevelT w="88900" h="203200"/>
+      <a:bevelB w="165100" h="254000"/>
+    </dgm:sp3d>
+    <dgm:txPr/>
+    <dgm:style>
+      <a:lnRef idx="0">
+        <a:scrgbClr r="0" g="0" b="0"/>
+      </a:lnRef>
+      <a:fillRef idx="1">
+        <a:scrgbClr r="0" g="0" b="0"/>
+      </a:fillRef>
+      <a:effectRef idx="1">
+        <a:scrgbClr r="0" g="0" b="0"/>
+      </a:effectRef>
+      <a:fontRef idx="minor">
+        <a:schemeClr val="lt1"/>
+      </a:fontRef>
+    </dgm:style>
+  </dgm:styleLbl>
+  <dgm:styleLbl name="node3">
+    <dgm:scene3d>
+      <a:camera prst="orthographicFront">
+        <a:rot lat="0" lon="0" rev="0"/>
+      </a:camera>
+      <a:lightRig rig="contrasting" dir="t">
+        <a:rot lat="0" lon="0" rev="1200000"/>
+      </a:lightRig>
+    </dgm:scene3d>
+    <dgm:sp3d contourW="19050" prstMaterial="metal">
+      <a:bevelT w="88900" h="203200"/>
+      <a:bevelB w="165100" h="254000"/>
+    </dgm:sp3d>
+    <dgm:txPr/>
+    <dgm:style>
+      <a:lnRef idx="0">
+        <a:scrgbClr r="0" g="0" b="0"/>
+      </a:lnRef>
+      <a:fillRef idx="1">
+        <a:scrgbClr r="0" g="0" b="0"/>
+      </a:fillRef>
+      <a:effectRef idx="1">
+        <a:scrgbClr r="0" g="0" b="0"/>
+      </a:effectRef>
+      <a:fontRef idx="minor">
+        <a:schemeClr val="lt1"/>
+      </a:fontRef>
+    </dgm:style>
+  </dgm:styleLbl>
+  <dgm:styleLbl name="node4">
+    <dgm:scene3d>
+      <a:camera prst="orthographicFront">
+        <a:rot lat="0" lon="0" rev="0"/>
+      </a:camera>
+      <a:lightRig rig="contrasting" dir="t">
+        <a:rot lat="0" lon="0" rev="1200000"/>
+      </a:lightRig>
+    </dgm:scene3d>
+    <dgm:sp3d contourW="19050" prstMaterial="metal">
+      <a:bevelT w="88900" h="203200"/>
+      <a:bevelB w="165100" h="254000"/>
+    </dgm:sp3d>
+    <dgm:txPr/>
+    <dgm:style>
+      <a:lnRef idx="0">
+        <a:scrgbClr r="0" g="0" b="0"/>
+      </a:lnRef>
+      <a:fillRef idx="1">
+        <a:scrgbClr r="0" g="0" b="0"/>
+      </a:fillRef>
+      <a:effectRef idx="1">
+        <a:scrgbClr r="0" g="0" b="0"/>
+      </a:effectRef>
+      <a:fontRef idx="minor">
+        <a:schemeClr val="lt1"/>
+      </a:fontRef>
+    </dgm:style>
+  </dgm:styleLbl>
+  <dgm:styleLbl name="fgImgPlace1">
+    <dgm:scene3d>
+      <a:camera prst="orthographicFront">
+        <a:rot lat="0" lon="0" rev="0"/>
+      </a:camera>
+      <a:lightRig rig="contrasting" dir="t">
+        <a:rot lat="0" lon="0" rev="1200000"/>
+      </a:lightRig>
+    </dgm:scene3d>
+    <dgm:sp3d z="300000" contourW="19050" prstMaterial="metal">
+      <a:bevelT w="88900" h="203200"/>
+      <a:bevelB w="165100" h="254000"/>
+    </dgm:sp3d>
+    <dgm:txPr/>
+    <dgm:style>
+      <a:lnRef idx="0">
+        <a:scrgbClr r="0" g="0" b="0"/>
+      </a:lnRef>
+      <a:fillRef idx="1">
+        <a:scrgbClr r="0" g="0" b="0"/>
+      </a:fillRef>
+      <a:effectRef idx="1">
+        <a:scrgbClr r="0" g="0" b="0"/>
+      </a:effectRef>
+      <a:fontRef idx="minor"/>
+    </dgm:style>
+  </dgm:styleLbl>
+  <dgm:styleLbl name="alignImgPlace1">
+    <dgm:scene3d>
+      <a:camera prst="orthographicFront">
+        <a:rot lat="0" lon="0" rev="0"/>
+      </a:camera>
+      <a:lightRig rig="contrasting" dir="t">
+        <a:rot lat="0" lon="0" rev="1200000"/>
+      </a:lightRig>
+    </dgm:scene3d>
+    <dgm:sp3d contourW="12700" prstMaterial="flat">
+      <a:bevelT w="177800" h="254000"/>
+      <a:bevelB w="152400"/>
+    </dgm:sp3d>
+    <dgm:txPr/>
+    <dgm:style>
+      <a:lnRef idx="0">
+        <a:scrgbClr r="0" g="0" b="0"/>
+      </a:lnRef>
+      <a:fillRef idx="1">
+        <a:scrgbClr r="0" g="0" b="0"/>
+      </a:fillRef>
+      <a:effectRef idx="1">
+        <a:scrgbClr r="0" g="0" b="0"/>
+      </a:effectRef>
+      <a:fontRef idx="minor"/>
+    </dgm:style>
+  </dgm:styleLbl>
+  <dgm:styleLbl name="bgImgPlace1">
+    <dgm:scene3d>
+      <a:camera prst="orthographicFront">
+        <a:rot lat="0" lon="0" rev="0"/>
+      </a:camera>
+      <a:lightRig rig="contrasting" dir="t">
+        <a:rot lat="0" lon="0" rev="1200000"/>
+      </a:lightRig>
+    </dgm:scene3d>
+    <dgm:sp3d z="-300000" contourW="19050" prstMaterial="metal">
+      <a:bevelT w="88900" h="203200"/>
+      <a:bevelB w="165100" h="254000"/>
+    </dgm:sp3d>
+    <dgm:txPr/>
+    <dgm:style>
+      <a:lnRef idx="0">
+        <a:scrgbClr r="0" g="0" b="0"/>
+      </a:lnRef>
+      <a:fillRef idx="1">
+        <a:scrgbClr r="0" g="0" b="0"/>
+      </a:fillRef>
+      <a:effectRef idx="1">
+        <a:scrgbClr r="0" g="0" b="0"/>
+      </a:effectRef>
+      <a:fontRef idx="minor"/>
+    </dgm:style>
+  </dgm:styleLbl>
+  <dgm:styleLbl name="sibTrans2D1">
+    <dgm:scene3d>
+      <a:camera prst="orthographicFront">
+        <a:rot lat="0" lon="0" rev="0"/>
+      </a:camera>
+      <a:lightRig rig="contrasting" dir="t">
+        <a:rot lat="0" lon="0" rev="1200000"/>
+      </a:lightRig>
+    </dgm:scene3d>
+    <dgm:sp3d z="-182000" contourW="19050" prstMaterial="metal">
+      <a:bevelT w="88900" h="203200"/>
+      <a:bevelB w="165100" h="254000"/>
+    </dgm:sp3d>
+    <dgm:txPr/>
+    <dgm:style>
+      <a:lnRef idx="0">
+        <a:scrgbClr r="0" g="0" b="0"/>
+      </a:lnRef>
+      <a:fillRef idx="1">
+        <a:scrgbClr r="0" g="0" b="0"/>
+      </a:fillRef>
+      <a:effectRef idx="0">
+        <a:scrgbClr r="0" g="0" b="0"/>
+      </a:effectRef>
+      <a:fontRef idx="minor">
+        <a:schemeClr val="lt1"/>
+      </a:fontRef>
+    </dgm:style>
+  </dgm:styleLbl>
+  <dgm:styleLbl name="fgSibTrans2D1">
+    <dgm:scene3d>
+      <a:camera prst="orthographicFront">
+        <a:rot lat="0" lon="0" rev="0"/>
+      </a:camera>
+      <a:lightRig rig="contrasting" dir="t">
+        <a:rot lat="0" lon="0" rev="1200000"/>
+      </a:lightRig>
+    </dgm:scene3d>
+    <dgm:sp3d z="300000" contourW="19050" prstMaterial="metal">
+      <a:bevelT w="88900" h="203200"/>
+      <a:bevelB w="165100" h="254000"/>
+    </dgm:sp3d>
+    <dgm:txPr/>
+    <dgm:style>
+      <a:lnRef idx="0">
+        <a:scrgbClr r="0" g="0" b="0"/>
+      </a:lnRef>
+      <a:fillRef idx="1">
+        <a:scrgbClr r="0" g="0" b="0"/>
+      </a:fillRef>
+      <a:effectRef idx="0">
+        <a:scrgbClr r="0" g="0" b="0"/>
+      </a:effectRef>
+      <a:fontRef idx="minor"/>
+    </dgm:style>
+  </dgm:styleLbl>
+  <dgm:styleLbl name="bgSibTrans2D1">
+    <dgm:scene3d>
+      <a:camera prst="orthographicFront">
+        <a:rot lat="0" lon="0" rev="0"/>
+      </a:camera>
+      <a:lightRig rig="contrasting" dir="t">
+        <a:rot lat="0" lon="0" rev="1200000"/>
+      </a:lightRig>
+    </dgm:scene3d>
+    <dgm:sp3d z="-300000" contourW="19050" prstMaterial="metal">
+      <a:bevelT w="88900" h="203200"/>
+      <a:bevelB w="165100" h="254000"/>
+    </dgm:sp3d>
+    <dgm:txPr/>
+    <dgm:style>
+      <a:lnRef idx="0">
+        <a:scrgbClr r="0" g="0" b="0"/>
+      </a:lnRef>
+      <a:fillRef idx="1">
+        <a:scrgbClr r="0" g="0" b="0"/>
+      </a:fillRef>
+      <a:effectRef idx="0">
+        <a:scrgbClr r="0" g="0" b="0"/>
+      </a:effectRef>
+      <a:fontRef idx="minor"/>
+    </dgm:style>
+  </dgm:styleLbl>
+  <dgm:styleLbl name="sibTrans1D1">
+    <dgm:scene3d>
+      <a:camera prst="orthographicFront">
+        <a:rot lat="0" lon="0" rev="0"/>
+      </a:camera>
+      <a:lightRig rig="contrasting" dir="t">
+        <a:rot lat="0" lon="0" rev="1200000"/>
+      </a:lightRig>
+    </dgm:scene3d>
+    <dgm:sp3d z="-110000"/>
+    <dgm:txPr/>
+    <dgm:style>
+      <a:lnRef idx="1">
+        <a:scrgbClr r="0" g="0" b="0"/>
+      </a:lnRef>
+      <a:fillRef idx="0">
+        <a:scrgbClr r="0" g="0" b="0"/>
+      </a:fillRef>
+      <a:effectRef idx="0">
+        <a:scrgbClr r="0" g="0" b="0"/>
+      </a:effectRef>
+      <a:fontRef idx="minor"/>
+    </dgm:style>
+  </dgm:styleLbl>
+  <dgm:styleLbl name="callout">
+    <dgm:scene3d>
+      <a:camera prst="orthographicFront">
+        <a:rot lat="0" lon="0" rev="0"/>
+      </a:camera>
+      <a:lightRig rig="contrasting" dir="t">
+        <a:rot lat="0" lon="0" rev="1200000"/>
+      </a:lightRig>
+    </dgm:scene3d>
+    <dgm:sp3d z="10000"/>
+    <dgm:txPr/>
+    <dgm:style>
+      <a:lnRef idx="2">
+        <a:scrgbClr r="0" g="0" b="0"/>
+      </a:lnRef>
+      <a:fillRef idx="1">
+        <a:scrgbClr r="0" g="0" b="0"/>
+      </a:fillRef>
+      <a:effectRef idx="0">
+        <a:scrgbClr r="0" g="0" b="0"/>
+      </a:effectRef>
+      <a:fontRef idx="minor"/>
+    </dgm:style>
+  </dgm:styleLbl>
+  <dgm:styleLbl name="asst0">
+    <dgm:scene3d>
+      <a:camera prst="orthographicFront">
+        <a:rot lat="0" lon="0" rev="0"/>
+      </a:camera>
+      <a:lightRig rig="contrasting" dir="t">
+        <a:rot lat="0" lon="0" rev="1200000"/>
+      </a:lightRig>
+    </dgm:scene3d>
+    <dgm:sp3d contourW="19050" prstMaterial="metal">
+      <a:bevelT w="88900" h="203200"/>
+      <a:bevelB w="165100" h="254000"/>
+    </dgm:sp3d>
+    <dgm:txPr/>
+    <dgm:style>
+      <a:lnRef idx="0">
+        <a:scrgbClr r="0" g="0" b="0"/>
+      </a:lnRef>
+      <a:fillRef idx="1">
+        <a:scrgbClr r="0" g="0" b="0"/>
+      </a:fillRef>
+      <a:effectRef idx="1">
+        <a:scrgbClr r="0" g="0" b="0"/>
+      </a:effectRef>
+      <a:fontRef idx="minor">
+        <a:schemeClr val="lt1"/>
+      </a:fontRef>
+    </dgm:style>
+  </dgm:styleLbl>
+  <dgm:styleLbl name="asst1">
+    <dgm:scene3d>
+      <a:camera prst="orthographicFront">
+        <a:rot lat="0" lon="0" rev="0"/>
+      </a:camera>
+      <a:lightRig rig="contrasting" dir="t">
+        <a:rot lat="0" lon="0" rev="1200000"/>
+      </a:lightRig>
+    </dgm:scene3d>
+    <dgm:sp3d contourW="19050" prstMaterial="metal">
+      <a:bevelT w="88900" h="203200"/>
+      <a:bevelB w="165100" h="254000"/>
+    </dgm:sp3d>
+    <dgm:txPr/>
+    <dgm:style>
+      <a:lnRef idx="0">
+        <a:scrgbClr r="0" g="0" b="0"/>
+      </a:lnRef>
+      <a:fillRef idx="1">
+        <a:scrgbClr r="0" g="0" b="0"/>
+      </a:fillRef>
+      <a:effectRef idx="1">
+        <a:scrgbClr r="0" g="0" b="0"/>
+      </a:effectRef>
+      <a:fontRef idx="minor">
+        <a:schemeClr val="lt1"/>
+      </a:fontRef>
+    </dgm:style>
+  </dgm:styleLbl>
+  <dgm:styleLbl name="asst2">
+    <dgm:scene3d>
+      <a:camera prst="orthographicFront">
+        <a:rot lat="0" lon="0" rev="0"/>
+      </a:camera>
+      <a:lightRig rig="contrasting" dir="t">
+        <a:rot lat="0" lon="0" rev="1200000"/>
+      </a:lightRig>
+    </dgm:scene3d>
+    <dgm:sp3d contourW="19050" prstMaterial="metal">
+      <a:bevelT w="88900" h="203200"/>
+      <a:bevelB w="165100" h="254000"/>
+    </dgm:sp3d>
+    <dgm:txPr/>
+    <dgm:style>
+      <a:lnRef idx="0">
+        <a:scrgbClr r="0" g="0" b="0"/>
+      </a:lnRef>
+      <a:fillRef idx="1">
+        <a:scrgbClr r="0" g="0" b="0"/>
+      </a:fillRef>
+      <a:effectRef idx="1">
+        <a:scrgbClr r="0" g="0" b="0"/>
+      </a:effectRef>
+      <a:fontRef idx="minor">
+        <a:schemeClr val="lt1"/>
+      </a:fontRef>
+    </dgm:style>
+  </dgm:styleLbl>
+  <dgm:styleLbl name="asst3">
+    <dgm:scene3d>
+      <a:camera prst="orthographicFront">
+        <a:rot lat="0" lon="0" rev="0"/>
+      </a:camera>
+      <a:lightRig rig="contrasting" dir="t">
+        <a:rot lat="0" lon="0" rev="1200000"/>
+      </a:lightRig>
+    </dgm:scene3d>
+    <dgm:sp3d contourW="19050" prstMaterial="metal">
+      <a:bevelT w="88900" h="203200"/>
+      <a:bevelB w="165100" h="254000"/>
+    </dgm:sp3d>
+    <dgm:txPr/>
+    <dgm:style>
+      <a:lnRef idx="0">
+        <a:scrgbClr r="0" g="0" b="0"/>
+      </a:lnRef>
+      <a:fillRef idx="1">
+        <a:scrgbClr r="0" g="0" b="0"/>
+      </a:fillRef>
+      <a:effectRef idx="1">
+        <a:scrgbClr r="0" g="0" b="0"/>
+      </a:effectRef>
+      <a:fontRef idx="minor">
+        <a:schemeClr val="lt1"/>
+      </a:fontRef>
+    </dgm:style>
+  </dgm:styleLbl>
+  <dgm:styleLbl name="asst4">
+    <dgm:scene3d>
+      <a:camera prst="orthographicFront"/>
+      <a:lightRig rig="threePt" dir="t"/>
+    </dgm:scene3d>
+    <dgm:sp3d contourW="19050" prstMaterial="metal">
+      <a:bevelT w="88900" h="203200"/>
+      <a:bevelB w="165100" h="254000"/>
+    </dgm:sp3d>
+    <dgm:txPr/>
+    <dgm:style>
+      <a:lnRef idx="0">
+        <a:scrgbClr r="0" g="0" b="0"/>
+      </a:lnRef>
+      <a:fillRef idx="1">
+        <a:scrgbClr r="0" g="0" b="0"/>
+      </a:fillRef>
+      <a:effectRef idx="1">
+        <a:scrgbClr r="0" g="0" b="0"/>
+      </a:effectRef>
+      <a:fontRef idx="minor">
+        <a:schemeClr val="lt1"/>
+      </a:fontRef>
+    </dgm:style>
+  </dgm:styleLbl>
+  <dgm:styleLbl name="parChTrans2D1">
+    <dgm:scene3d>
+      <a:camera prst="orthographicFront">
+        <a:rot lat="0" lon="0" rev="0"/>
+      </a:camera>
+      <a:lightRig rig="contrasting" dir="t">
+        <a:rot lat="0" lon="0" rev="1200000"/>
+      </a:lightRig>
+    </dgm:scene3d>
+    <dgm:sp3d contourW="19050" prstMaterial="metal">
+      <a:bevelT w="88900" h="203200"/>
+      <a:bevelB w="165100" h="254000"/>
+    </dgm:sp3d>
+    <dgm:txPr/>
+    <dgm:style>
+      <a:lnRef idx="0">
+        <a:scrgbClr r="0" g="0" b="0"/>
+      </a:lnRef>
+      <a:fillRef idx="1">
+        <a:scrgbClr r="0" g="0" b="0"/>
+      </a:fillRef>
+      <a:effectRef idx="0">
+        <a:scrgbClr r="0" g="0" b="0"/>
+      </a:effectRef>
+      <a:fontRef idx="minor"/>
+    </dgm:style>
+  </dgm:styleLbl>
+  <dgm:styleLbl name="parChTrans2D2">
+    <dgm:scene3d>
+      <a:camera prst="orthographicFront">
+        <a:rot lat="0" lon="0" rev="0"/>
+      </a:camera>
+      <a:lightRig rig="contrasting" dir="t">
+        <a:rot lat="0" lon="0" rev="1200000"/>
+      </a:lightRig>
+    </dgm:scene3d>
+    <dgm:sp3d contourW="19050" prstMaterial="metal">
+      <a:bevelT w="88900" h="203200"/>
+      <a:bevelB w="165100" h="254000"/>
+    </dgm:sp3d>
+    <dgm:txPr/>
+    <dgm:style>
+      <a:lnRef idx="0">
+        <a:scrgbClr r="0" g="0" b="0"/>
+      </a:lnRef>
+      <a:fillRef idx="1">
+        <a:scrgbClr r="0" g="0" b="0"/>
+      </a:fillRef>
+      <a:effectRef idx="0">
+        <a:scrgbClr r="0" g="0" b="0"/>
+      </a:effectRef>
+      <a:fontRef idx="minor"/>
+    </dgm:style>
+  </dgm:styleLbl>
+  <dgm:styleLbl name="parChTrans2D3">
+    <dgm:scene3d>
+      <a:camera prst="orthographicFront">
+        <a:rot lat="0" lon="0" rev="0"/>
+      </a:camera>
+      <a:lightRig rig="contrasting" dir="t">
+        <a:rot lat="0" lon="0" rev="1200000"/>
+      </a:lightRig>
+    </dgm:scene3d>
+    <dgm:sp3d contourW="19050" prstMaterial="metal">
+      <a:bevelT w="88900" h="203200"/>
+      <a:bevelB w="165100" h="254000"/>
+    </dgm:sp3d>
+    <dgm:txPr/>
+    <dgm:style>
+      <a:lnRef idx="0">
+        <a:scrgbClr r="0" g="0" b="0"/>
+      </a:lnRef>
+      <a:fillRef idx="1">
+        <a:scrgbClr r="0" g="0" b="0"/>
+      </a:fillRef>
+      <a:effectRef idx="0">
+        <a:scrgbClr r="0" g="0" b="0"/>
+      </a:effectRef>
+      <a:fontRef idx="minor"/>
+    </dgm:style>
+  </dgm:styleLbl>
+  <dgm:styleLbl name="parChTrans2D4">
+    <dgm:scene3d>
+      <a:camera prst="orthographicFront">
+        <a:rot lat="0" lon="0" rev="0"/>
+      </a:camera>
+      <a:lightRig rig="contrasting" dir="t">
+        <a:rot lat="0" lon="0" rev="1200000"/>
+      </a:lightRig>
+    </dgm:scene3d>
+    <dgm:sp3d contourW="19050" prstMaterial="metal">
+      <a:bevelT w="88900" h="203200"/>
+      <a:bevelB w="165100" h="254000"/>
+    </dgm:sp3d>
+    <dgm:txPr/>
+    <dgm:style>
+      <a:lnRef idx="0">
+        <a:scrgbClr r="0" g="0" b="0"/>
+      </a:lnRef>
+      <a:fillRef idx="1">
+        <a:scrgbClr r="0" g="0" b="0"/>
+      </a:fillRef>
+      <a:effectRef idx="0">
+        <a:scrgbClr r="0" g="0" b="0"/>
+      </a:effectRef>
+      <a:fontRef idx="minor"/>
+    </dgm:style>
+  </dgm:styleLbl>
+  <dgm:styleLbl name="parChTrans1D1">
+    <dgm:scene3d>
+      <a:camera prst="orthographicFront">
+        <a:rot lat="0" lon="0" rev="0"/>
+      </a:camera>
+      <a:lightRig rig="contrasting" dir="t">
+        <a:rot lat="0" lon="0" rev="1200000"/>
+      </a:lightRig>
+    </dgm:scene3d>
+    <dgm:sp3d z="-110000"/>
+    <dgm:txPr/>
+    <dgm:style>
+      <a:lnRef idx="2">
+        <a:scrgbClr r="0" g="0" b="0"/>
+      </a:lnRef>
+      <a:fillRef idx="0">
+        <a:scrgbClr r="0" g="0" b="0"/>
+      </a:fillRef>
+      <a:effectRef idx="0">
+        <a:scrgbClr r="0" g="0" b="0"/>
+      </a:effectRef>
+      <a:fontRef idx="minor"/>
+    </dgm:style>
+  </dgm:styleLbl>
+  <dgm:styleLbl name="parChTrans1D2">
+    <dgm:scene3d>
+      <a:camera prst="orthographicFront">
+        <a:rot lat="0" lon="0" rev="0"/>
+      </a:camera>
+      <a:lightRig rig="contrasting" dir="t">
+        <a:rot lat="0" lon="0" rev="1200000"/>
+      </a:lightRig>
+    </dgm:scene3d>
+    <dgm:sp3d z="-110000"/>
+    <dgm:txPr/>
+    <dgm:style>
+      <a:lnRef idx="2">
+        <a:scrgbClr r="0" g="0" b="0"/>
+      </a:lnRef>
+      <a:fillRef idx="0">
+        <a:scrgbClr r="0" g="0" b="0"/>
+      </a:fillRef>
+      <a:effectRef idx="0">
+        <a:scrgbClr r="0" g="0" b="0"/>
+      </a:effectRef>
+      <a:fontRef idx="minor"/>
+    </dgm:style>
+  </dgm:styleLbl>
+  <dgm:styleLbl name="parChTrans1D3">
+    <dgm:scene3d>
+      <a:camera prst="orthographicFront">
+        <a:rot lat="0" lon="0" rev="0"/>
+      </a:camera>
+      <a:lightRig rig="contrasting" dir="t">
+        <a:rot lat="0" lon="0" rev="1200000"/>
+      </a:lightRig>
+    </dgm:scene3d>
+    <dgm:sp3d z="-110000"/>
+    <dgm:txPr/>
+    <dgm:style>
+      <a:lnRef idx="2">
+        <a:scrgbClr r="0" g="0" b="0"/>
+      </a:lnRef>
+      <a:fillRef idx="0">
+        <a:scrgbClr r="0" g="0" b="0"/>
+      </a:fillRef>
+      <a:effectRef idx="0">
+        <a:scrgbClr r="0" g="0" b="0"/>
+      </a:effectRef>
+      <a:fontRef idx="minor"/>
+    </dgm:style>
+  </dgm:styleLbl>
+  <dgm:styleLbl name="parChTrans1D4">
+    <dgm:scene3d>
+      <a:camera prst="orthographicFront">
+        <a:rot lat="0" lon="0" rev="0"/>
+      </a:camera>
+      <a:lightRig rig="contrasting" dir="t">
+        <a:rot lat="0" lon="0" rev="1200000"/>
+      </a:lightRig>
+    </dgm:scene3d>
+    <dgm:sp3d z="-110000"/>
+    <dgm:txPr/>
+    <dgm:style>
+      <a:lnRef idx="2">
+        <a:scrgbClr r="0" g="0" b="0"/>
+      </a:lnRef>
+      <a:fillRef idx="0">
+        <a:scrgbClr r="0" g="0" b="0"/>
+      </a:fillRef>
+      <a:effectRef idx="0">
+        <a:scrgbClr r="0" g="0" b="0"/>
+      </a:effectRef>
+      <a:fontRef idx="minor"/>
+    </dgm:style>
+  </dgm:styleLbl>
+  <dgm:styleLbl name="fgAcc1">
+    <dgm:scene3d>
+      <a:camera prst="orthographicFront">
+        <a:rot lat="0" lon="0" rev="0"/>
+      </a:camera>
+      <a:lightRig rig="contrasting" dir="t">
+        <a:rot lat="0" lon="0" rev="1200000"/>
+      </a:lightRig>
+    </dgm:scene3d>
+    <dgm:sp3d z="300000" contourW="19050" prstMaterial="metal">
+      <a:bevelT w="88900" h="203200"/>
+      <a:bevelB w="165100" h="254000"/>
+    </dgm:sp3d>
+    <dgm:txPr/>
+    <dgm:style>
+      <a:lnRef idx="0">
+        <a:scrgbClr r="0" g="0" b="0"/>
+      </a:lnRef>
+      <a:fillRef idx="1">
+        <a:scrgbClr r="0" g="0" b="0"/>
+      </a:fillRef>
+      <a:effectRef idx="0">
+        <a:scrgbClr r="0" g="0" b="0"/>
+      </a:effectRef>
+      <a:fontRef idx="minor"/>
+    </dgm:style>
+  </dgm:styleLbl>
+  <dgm:styleLbl name="conFgAcc1">
+    <dgm:scene3d>
+      <a:camera prst="orthographicFront">
+        <a:rot lat="0" lon="0" rev="0"/>
+      </a:camera>
+      <a:lightRig rig="contrasting" dir="t">
+        <a:rot lat="0" lon="0" rev="1200000"/>
+      </a:lightRig>
+    </dgm:scene3d>
+    <dgm:sp3d z="300000" contourW="19050" prstMaterial="metal">
+      <a:bevelT w="88900" h="203200"/>
+      <a:bevelB w="165100" h="254000"/>
+    </dgm:sp3d>
+    <dgm:txPr/>
+    <dgm:style>
+      <a:lnRef idx="0">
+        <a:scrgbClr r="0" g="0" b="0"/>
+      </a:lnRef>
+      <a:fillRef idx="1">
+        <a:scrgbClr r="0" g="0" b="0"/>
+      </a:fillRef>
+      <a:effectRef idx="0">
+        <a:scrgbClr r="0" g="0" b="0"/>
+      </a:effectRef>
+      <a:fontRef idx="minor"/>
+    </dgm:style>
+  </dgm:styleLbl>
+  <dgm:styleLbl name="alignAcc1">
+    <dgm:scene3d>
+      <a:camera prst="orthographicFront">
+        <a:rot lat="0" lon="0" rev="0"/>
+      </a:camera>
+      <a:lightRig rig="contrasting" dir="t">
+        <a:rot lat="0" lon="0" rev="1200000"/>
+      </a:lightRig>
+    </dgm:scene3d>
+    <dgm:sp3d contourW="19050" prstMaterial="metal">
+      <a:bevelT w="88900" h="203200"/>
+      <a:bevelB w="165100" h="254000"/>
+    </dgm:sp3d>
+    <dgm:txPr/>
+    <dgm:style>
+      <a:lnRef idx="0">
+        <a:scrgbClr r="0" g="0" b="0"/>
+      </a:lnRef>
+      <a:fillRef idx="1">
+        <a:scrgbClr r="0" g="0" b="0"/>
+      </a:fillRef>
+      <a:effectRef idx="0">
+        <a:scrgbClr r="0" g="0" b="0"/>
+      </a:effectRef>
+      <a:fontRef idx="minor"/>
+    </dgm:style>
+  </dgm:styleLbl>
+  <dgm:styleLbl name="trAlignAcc1">
+    <dgm:scene3d>
+      <a:camera prst="orthographicFront">
+        <a:rot lat="0" lon="0" rev="0"/>
+      </a:camera>
+      <a:lightRig rig="contrasting" dir="t">
+        <a:rot lat="0" lon="0" rev="1200000"/>
+      </a:lightRig>
+    </dgm:scene3d>
+    <dgm:sp3d contourW="19050" prstMaterial="metal">
+      <a:bevelT w="88900" h="203200"/>
+      <a:bevelB w="165100" h="254000"/>
+    </dgm:sp3d>
+    <dgm:txPr/>
+    <dgm:style>
+      <a:lnRef idx="0">
+        <a:scrgbClr r="0" g="0" b="0"/>
+      </a:lnRef>
+      <a:fillRef idx="1">
+        <a:scrgbClr r="0" g="0" b="0"/>
+      </a:fillRef>
+      <a:effectRef idx="1">
+        <a:scrgbClr r="0" g="0" b="0"/>
+      </a:effectRef>
+      <a:fontRef idx="minor"/>
+    </dgm:style>
+  </dgm:styleLbl>
+  <dgm:styleLbl name="bgAcc1">
+    <dgm:scene3d>
+      <a:camera prst="orthographicFront">
+        <a:rot lat="0" lon="0" rev="0"/>
+      </a:camera>
+      <a:lightRig rig="contrasting" dir="t">
+        <a:rot lat="0" lon="0" rev="1200000"/>
+      </a:lightRig>
+    </dgm:scene3d>
+    <dgm:sp3d z="-300000" contourW="19050" prstMaterial="metal">
+      <a:bevelT w="88900" h="203200"/>
+      <a:bevelB w="165100" h="254000"/>
+    </dgm:sp3d>
+    <dgm:txPr/>
+    <dgm:style>
+      <a:lnRef idx="0">
+        <a:scrgbClr r="0" g="0" b="0"/>
+      </a:lnRef>
+      <a:fillRef idx="1">
+        <a:scrgbClr r="0" g="0" b="0"/>
+      </a:fillRef>
+      <a:effectRef idx="0">
+        <a:scrgbClr r="0" g="0" b="0"/>
+      </a:effectRef>
+      <a:fontRef idx="minor"/>
+    </dgm:style>
+  </dgm:styleLbl>
+  <dgm:styleLbl name="solidFgAcc1">
+    <dgm:scene3d>
+      <a:camera prst="orthographicFront">
+        <a:rot lat="0" lon="0" rev="0"/>
+      </a:camera>
+      <a:lightRig rig="contrasting" dir="t">
+        <a:rot lat="0" lon="0" rev="1200000"/>
+      </a:lightRig>
+    </dgm:scene3d>
+    <dgm:sp3d z="300000" contourW="12700" prstMaterial="flat">
+      <a:bevelT w="177800" h="254000"/>
+      <a:bevelB w="152400"/>
+    </dgm:sp3d>
+    <dgm:txPr/>
+    <dgm:style>
+      <a:lnRef idx="0">
+        <a:scrgbClr r="0" g="0" b="0"/>
+      </a:lnRef>
+      <a:fillRef idx="1">
+        <a:scrgbClr r="0" g="0" b="0"/>
+      </a:fillRef>
+      <a:effectRef idx="0">
+        <a:scrgbClr r="0" g="0" b="0"/>
+      </a:effectRef>
+      <a:fontRef idx="minor"/>
+    </dgm:style>
+  </dgm:styleLbl>
+  <dgm:styleLbl name="solidAlignAcc1">
+    <dgm:scene3d>
+      <a:camera prst="orthographicFront">
+        <a:rot lat="0" lon="0" rev="0"/>
+      </a:camera>
+      <a:lightRig rig="contrasting" dir="t">
+        <a:rot lat="0" lon="0" rev="1200000"/>
+      </a:lightRig>
+    </dgm:scene3d>
+    <dgm:sp3d contourW="19050" prstMaterial="metal">
+      <a:bevelT w="88900" h="203200"/>
+      <a:bevelB w="165100" h="254000"/>
+    </dgm:sp3d>
+    <dgm:txPr/>
+    <dgm:style>
+      <a:lnRef idx="0">
+        <a:scrgbClr r="0" g="0" b="0"/>
+      </a:lnRef>
+      <a:fillRef idx="1">
+        <a:scrgbClr r="0" g="0" b="0"/>
+      </a:fillRef>
+      <a:effectRef idx="0">
+        <a:scrgbClr r="0" g="0" b="0"/>
+      </a:effectRef>
+      <a:fontRef idx="minor"/>
+    </dgm:style>
+  </dgm:styleLbl>
+  <dgm:styleLbl name="solidBgAcc1">
+    <dgm:scene3d>
+      <a:camera prst="orthographicFront">
+        <a:rot lat="0" lon="0" rev="0"/>
+      </a:camera>
+      <a:lightRig rig="contrasting" dir="t">
+        <a:rot lat="0" lon="0" rev="1200000"/>
+      </a:lightRig>
+    </dgm:scene3d>
+    <dgm:sp3d z="-300000" contourW="19050" prstMaterial="metal">
+      <a:bevelT w="88900" h="203200"/>
+      <a:bevelB w="165100" h="254000"/>
+    </dgm:sp3d>
+    <dgm:txPr/>
+    <dgm:style>
+      <a:lnRef idx="0">
+        <a:scrgbClr r="0" g="0" b="0"/>
+      </a:lnRef>
+      <a:fillRef idx="1">
+        <a:scrgbClr r="0" g="0" b="0"/>
+      </a:fillRef>
+      <a:effectRef idx="0">
+        <a:scrgbClr r="0" g="0" b="0"/>
+      </a:effectRef>
+      <a:fontRef idx="minor"/>
+    </dgm:style>
+  </dgm:styleLbl>
+  <dgm:styleLbl name="fgAccFollowNode1">
+    <dgm:scene3d>
+      <a:camera prst="orthographicFront">
+        <a:rot lat="0" lon="0" rev="0"/>
+      </a:camera>
+      <a:lightRig rig="contrasting" dir="t">
+        <a:rot lat="0" lon="0" rev="1200000"/>
+      </a:lightRig>
+    </dgm:scene3d>
+    <dgm:sp3d z="300000" contourW="19050" prstMaterial="metal">
+      <a:bevelT w="88900" h="203200"/>
+      <a:bevelB w="165100" h="254000"/>
+    </dgm:sp3d>
+    <dgm:txPr/>
+    <dgm:style>
+      <a:lnRef idx="0">
+        <a:scrgbClr r="0" g="0" b="0"/>
+      </a:lnRef>
+      <a:fillRef idx="1">
+        <a:scrgbClr r="0" g="0" b="0"/>
+      </a:fillRef>
+      <a:effectRef idx="0">
+        <a:scrgbClr r="0" g="0" b="0"/>
+      </a:effectRef>
+      <a:fontRef idx="minor"/>
+    </dgm:style>
+  </dgm:styleLbl>
+  <dgm:styleLbl name="alignAccFollowNode1">
+    <dgm:scene3d>
+      <a:camera prst="orthographicFront">
+        <a:rot lat="0" lon="0" rev="0"/>
+      </a:camera>
+      <a:lightRig rig="contrasting" dir="t">
+        <a:rot lat="0" lon="0" rev="1200000"/>
+      </a:lightRig>
+    </dgm:scene3d>
+    <dgm:sp3d contourW="19050" prstMaterial="metal">
+      <a:bevelT w="88900" h="203200"/>
+      <a:bevelB w="165100" h="254000"/>
+    </dgm:sp3d>
+    <dgm:txPr/>
+    <dgm:style>
+      <a:lnRef idx="0">
+        <a:scrgbClr r="0" g="0" b="0"/>
+      </a:lnRef>
+      <a:fillRef idx="1">
+        <a:scrgbClr r="0" g="0" b="0"/>
+      </a:fillRef>
+      <a:effectRef idx="0">
+        <a:scrgbClr r="0" g="0" b="0"/>
+      </a:effectRef>
+      <a:fontRef idx="minor"/>
+    </dgm:style>
+  </dgm:styleLbl>
+  <dgm:styleLbl name="bgAccFollowNode1">
+    <dgm:scene3d>
+      <a:camera prst="orthographicFront">
+        <a:rot lat="0" lon="0" rev="0"/>
+      </a:camera>
+      <a:lightRig rig="contrasting" dir="t">
+        <a:rot lat="0" lon="0" rev="1200000"/>
+      </a:lightRig>
+    </dgm:scene3d>
+    <dgm:sp3d z="-300000" contourW="19050" prstMaterial="metal">
+      <a:bevelT w="88900" h="203200"/>
+      <a:bevelB w="165100" h="254000"/>
+    </dgm:sp3d>
+    <dgm:txPr/>
+    <dgm:style>
+      <a:lnRef idx="0">
+        <a:scrgbClr r="0" g="0" b="0"/>
+      </a:lnRef>
+      <a:fillRef idx="1">
+        <a:scrgbClr r="0" g="0" b="0"/>
+      </a:fillRef>
+      <a:effectRef idx="0">
+        <a:scrgbClr r="0" g="0" b="0"/>
+      </a:effectRef>
+      <a:fontRef idx="minor"/>
+    </dgm:style>
+  </dgm:styleLbl>
+  <dgm:styleLbl name="fgAcc0">
+    <dgm:scene3d>
+      <a:camera prst="orthographicFront">
+        <a:rot lat="0" lon="0" rev="0"/>
+      </a:camera>
+      <a:lightRig rig="contrasting" dir="t">
+        <a:rot lat="0" lon="0" rev="1200000"/>
+      </a:lightRig>
+    </dgm:scene3d>
+    <dgm:sp3d z="300000" contourW="19050" prstMaterial="metal">
+      <a:bevelT w="88900" h="203200"/>
+      <a:bevelB w="165100" h="254000"/>
+    </dgm:sp3d>
+    <dgm:txPr/>
+    <dgm:style>
+      <a:lnRef idx="0">
+        <a:scrgbClr r="0" g="0" b="0"/>
+      </a:lnRef>
+      <a:fillRef idx="1">
+        <a:scrgbClr r="0" g="0" b="0"/>
+      </a:fillRef>
+      <a:effectRef idx="0">
+        <a:scrgbClr r="0" g="0" b="0"/>
+      </a:effectRef>
+      <a:fontRef idx="minor"/>
+    </dgm:style>
+  </dgm:styleLbl>
+  <dgm:styleLbl name="fgAcc2">
+    <dgm:scene3d>
+      <a:camera prst="orthographicFront">
+        <a:rot lat="0" lon="0" rev="0"/>
+      </a:camera>
+      <a:lightRig rig="contrasting" dir="t">
+        <a:rot lat="0" lon="0" rev="1200000"/>
+      </a:lightRig>
+    </dgm:scene3d>
+    <dgm:sp3d z="300000" contourW="19050" prstMaterial="metal">
+      <a:bevelT w="88900" h="203200"/>
+      <a:bevelB w="165100" h="254000"/>
+    </dgm:sp3d>
+    <dgm:txPr/>
+    <dgm:style>
+      <a:lnRef idx="0">
+        <a:scrgbClr r="0" g="0" b="0"/>
+      </a:lnRef>
+      <a:fillRef idx="1">
+        <a:scrgbClr r="0" g="0" b="0"/>
+      </a:fillRef>
+      <a:effectRef idx="0">
+        <a:scrgbClr r="0" g="0" b="0"/>
+      </a:effectRef>
+      <a:fontRef idx="minor"/>
+    </dgm:style>
+  </dgm:styleLbl>
+  <dgm:styleLbl name="fgAcc3">
+    <dgm:scene3d>
+      <a:camera prst="orthographicFront">
+        <a:rot lat="0" lon="0" rev="0"/>
+      </a:camera>
+      <a:lightRig rig="contrasting" dir="t">
+        <a:rot lat="0" lon="0" rev="1200000"/>
+      </a:lightRig>
+    </dgm:scene3d>
+    <dgm:sp3d z="300000" contourW="19050" prstMaterial="metal">
+      <a:bevelT w="88900" h="203200"/>
+      <a:bevelB w="165100" h="254000"/>
+    </dgm:sp3d>
+    <dgm:txPr/>
+    <dgm:style>
+      <a:lnRef idx="0">
+        <a:scrgbClr r="0" g="0" b="0"/>
+      </a:lnRef>
+      <a:fillRef idx="1">
+        <a:scrgbClr r="0" g="0" b="0"/>
+      </a:fillRef>
+      <a:effectRef idx="0">
+        <a:scrgbClr r="0" g="0" b="0"/>
+      </a:effectRef>
+      <a:fontRef idx="minor"/>
+    </dgm:style>
+  </dgm:styleLbl>
+  <dgm:styleLbl name="fgAcc4">
+    <dgm:scene3d>
+      <a:camera prst="orthographicFront">
+        <a:rot lat="0" lon="0" rev="0"/>
+      </a:camera>
+      <a:lightRig rig="contrasting" dir="t">
+        <a:rot lat="0" lon="0" rev="1200000"/>
+      </a:lightRig>
+    </dgm:scene3d>
+    <dgm:sp3d z="300000" contourW="19050" prstMaterial="metal">
+      <a:bevelT w="88900" h="203200"/>
+      <a:bevelB w="165100" h="254000"/>
+    </dgm:sp3d>
+    <dgm:txPr/>
+    <dgm:style>
+      <a:lnRef idx="0">
+        <a:scrgbClr r="0" g="0" b="0"/>
+      </a:lnRef>
+      <a:fillRef idx="1">
+        <a:scrgbClr r="0" g="0" b="0"/>
+      </a:fillRef>
+      <a:effectRef idx="0">
+        <a:scrgbClr r="0" g="0" b="0"/>
+      </a:effectRef>
+      <a:fontRef idx="minor"/>
+    </dgm:style>
+  </dgm:styleLbl>
+  <dgm:styleLbl name="bgShp">
+    <dgm:scene3d>
+      <a:camera prst="orthographicFront">
+        <a:rot lat="0" lon="0" rev="0"/>
+      </a:camera>
+      <a:lightRig rig="contrasting" dir="t">
+        <a:rot lat="0" lon="0" rev="1200000"/>
+      </a:lightRig>
+    </dgm:scene3d>
+    <dgm:sp3d z="-300000" prstMaterial="plastic"/>
+    <dgm:txPr/>
+    <dgm:style>
+      <a:lnRef idx="1">
+        <a:scrgbClr r="0" g="0" b="0"/>
+      </a:lnRef>
+      <a:fillRef idx="1">
+        <a:scrgbClr r="0" g="0" b="0"/>
+      </a:fillRef>
+      <a:effectRef idx="0">
+        <a:scrgbClr r="0" g="0" b="0"/>
+      </a:effectRef>
+      <a:fontRef idx="minor"/>
+    </dgm:style>
+  </dgm:styleLbl>
+  <dgm:styleLbl name="dkBgShp">
+    <dgm:scene3d>
+      <a:camera prst="orthographicFront">
+        <a:rot lat="0" lon="0" rev="0"/>
+      </a:camera>
+      <a:lightRig rig="contrasting" dir="t">
+        <a:rot lat="0" lon="0" rev="1200000"/>
+      </a:lightRig>
+    </dgm:scene3d>
+    <dgm:sp3d contourW="12700" prstMaterial="flat">
+      <a:bevelT w="100800" h="154000"/>
+      <a:bevelB w="152400"/>
+    </dgm:sp3d>
+    <dgm:txPr/>
+    <dgm:style>
+      <a:lnRef idx="0">
+        <a:scrgbClr r="0" g="0" b="0"/>
+      </a:lnRef>
+      <a:fillRef idx="1">
+        <a:scrgbClr r="0" g="0" b="0"/>
+      </a:fillRef>
+      <a:effectRef idx="0">
+        <a:scrgbClr r="0" g="0" b="0"/>
+      </a:effectRef>
+      <a:fontRef idx="minor"/>
+    </dgm:style>
+  </dgm:styleLbl>
+  <dgm:styleLbl name="trBgShp">
+    <dgm:scene3d>
+      <a:camera prst="orthographicFront">
+        <a:rot lat="0" lon="0" rev="0"/>
+      </a:camera>
+      <a:lightRig rig="contrasting" dir="t">
+        <a:rot lat="0" lon="0" rev="1200000"/>
+      </a:lightRig>
+    </dgm:scene3d>
+    <dgm:sp3d z="-152400" prstMaterial="matte"/>
+    <dgm:txPr/>
+    <dgm:style>
+      <a:lnRef idx="1">
+        <a:scrgbClr r="0" g="0" b="0"/>
+      </a:lnRef>
+      <a:fillRef idx="1">
+        <a:scrgbClr r="0" g="0" b="0"/>
+      </a:fillRef>
+      <a:effectRef idx="0">
+        <a:scrgbClr r="0" g="0" b="0"/>
+      </a:effectRef>
+      <a:fontRef idx="minor"/>
+    </dgm:style>
+  </dgm:styleLbl>
+  <dgm:styleLbl name="fgShp">
+    <dgm:scene3d>
+      <a:camera prst="orthographicFront">
+        <a:rot lat="0" lon="0" rev="0"/>
+      </a:camera>
+      <a:lightRig rig="contrasting" dir="t">
+        <a:rot lat="0" lon="0" rev="1200000"/>
+      </a:lightRig>
+    </dgm:scene3d>
+    <dgm:sp3d z="300000" contourW="19050" prstMaterial="metal">
+      <a:bevelT w="88900" h="203200"/>
+      <a:bevelB w="165100" h="254000"/>
+    </dgm:sp3d>
+    <dgm:txPr/>
+    <dgm:style>
+      <a:lnRef idx="0">
+        <a:scrgbClr r="0" g="0" b="0"/>
+      </a:lnRef>
+      <a:fillRef idx="1">
+        <a:scrgbClr r="0" g="0" b="0"/>
+      </a:fillRef>
+      <a:effectRef idx="0">
+        <a:scrgbClr r="0" g="0" b="0"/>
+      </a:effectRef>
+      <a:fontRef idx="minor"/>
+    </dgm:style>
+  </dgm:styleLbl>
+  <dgm:styleLbl name="revTx">
+    <dgm:scene3d>
+      <a:camera prst="orthographicFront"/>
+      <a:lightRig rig="threePt" dir="t"/>
+    </dgm:scene3d>
+    <dgm:sp3d/>
+    <dgm:txPr/>
+    <dgm:style>
+      <a:lnRef idx="1">
+        <a:scrgbClr r="0" g="0" b="0"/>
+      </a:lnRef>
+      <a:fillRef idx="0">
+        <a:scrgbClr r="0" g="0" b="0"/>
+      </a:fillRef>
+      <a:effectRef idx="0">
+        <a:scrgbClr r="0" g="0" b="0"/>
+      </a:effectRef>
+      <a:fontRef idx="minor"/>
+    </dgm:style>
+  </dgm:styleLbl>
+</dgm:styleDef>
+</file>
+
 <file path=ppt/notesMasters/notesMaster1.xml><?xml version="1.0" encoding="utf-8"?>
 <p:notesMaster xmlns:a="http://schemas.openxmlformats.org/drawingml/2006/main" xmlns:r="http://schemas.openxmlformats.org/officeDocument/2006/relationships" xmlns:p="http://schemas.openxmlformats.org/presentationml/2006/main">
   <p:cSld>
@@ -212,7 +5226,8 @@
           <a:p>
             <a:fld id="{1CEB8204-BB8E-4014-A8A1-3409E73F8B21}" type="datetimeFigureOut">
               <a:rPr lang="pt-BR" smtClean="0"/>
-              <a:t>02/07/2009</a:t>
+              <a:pPr/>
+              <a:t>03/07/2009</a:t>
             </a:fld>
             <a:endParaRPr lang="pt-BR"/>
           </a:p>
@@ -373,7 +5388,8 @@
           <a:p>
             <a:fld id="{078CAFBE-1723-4D65-B7E0-2244CFEFD7CF}" type="slidenum">
               <a:rPr lang="pt-BR" smtClean="0"/>
-              <a:t>‹nº›</a:t>
+              <a:pPr/>
+              <a:t>‹#›</a:t>
             </a:fld>
             <a:endParaRPr lang="pt-BR"/>
           </a:p>
@@ -1365,7 +6381,7 @@
             <a:fld id="{B21CF4C9-8548-403D-AA12-946ABD2FAD03}" type="slidenum">
               <a:rPr lang="pt-BR" smtClean="0"/>
               <a:pPr/>
-              <a:t>‹nº›</a:t>
+              <a:t>‹#›</a:t>
             </a:fld>
             <a:endParaRPr lang="pt-BR"/>
           </a:p>
@@ -1535,7 +6551,7 @@
             <a:fld id="{B21CF4C9-8548-403D-AA12-946ABD2FAD03}" type="slidenum">
               <a:rPr lang="pt-BR" smtClean="0"/>
               <a:pPr/>
-              <a:t>‹nº›</a:t>
+              <a:t>‹#›</a:t>
             </a:fld>
             <a:endParaRPr lang="pt-BR"/>
           </a:p>
@@ -1715,9 +6731,440 @@
             <a:fld id="{B21CF4C9-8548-403D-AA12-946ABD2FAD03}" type="slidenum">
               <a:rPr lang="pt-BR" smtClean="0"/>
               <a:pPr/>
-              <a:t>‹nº›</a:t>
+              <a:t>‹#›</a:t>
             </a:fld>
             <a:endParaRPr lang="pt-BR"/>
+          </a:p>
+        </p:txBody>
+      </p:sp>
+    </p:spTree>
+  </p:cSld>
+  <p:clrMapOvr>
+    <a:masterClrMapping/>
+  </p:clrMapOvr>
+</p:sldLayout>
+</file>
+
+<file path=ppt/slideLayouts/slideLayout12.xml><?xml version="1.0" encoding="utf-8"?>
+<p:sldLayout xmlns:a="http://schemas.openxmlformats.org/drawingml/2006/main" xmlns:r="http://schemas.openxmlformats.org/officeDocument/2006/relationships" xmlns:p="http://schemas.openxmlformats.org/presentationml/2006/main" preserve="1" userDrawn="1">
+  <p:cSld name="Custom Layout">
+    <p:spTree>
+      <p:nvGrpSpPr>
+        <p:cNvPr id="1" name=""/>
+        <p:cNvGrpSpPr/>
+        <p:nvPr/>
+      </p:nvGrpSpPr>
+      <p:grpSpPr>
+        <a:xfrm>
+          <a:off x="0" y="0"/>
+          <a:ext cx="0" cy="0"/>
+          <a:chOff x="0" y="0"/>
+          <a:chExt cx="0" cy="0"/>
+        </a:xfrm>
+      </p:grpSpPr>
+      <p:sp>
+        <p:nvSpPr>
+          <p:cNvPr id="2" name="Title 1"/>
+          <p:cNvSpPr>
+            <a:spLocks noGrp="1"/>
+          </p:cNvSpPr>
+          <p:nvPr>
+            <p:ph type="title"/>
+          </p:nvPr>
+        </p:nvSpPr>
+        <p:spPr/>
+        <p:txBody>
+          <a:bodyPr/>
+          <a:lstStyle/>
+          <a:p>
+            <a:r>
+              <a:rPr lang="en-US" smtClean="0"/>
+              <a:t>Click to edit Master title style</a:t>
+            </a:r>
+            <a:endParaRPr lang="pt-BR"/>
+          </a:p>
+        </p:txBody>
+      </p:sp>
+      <p:sp>
+        <p:nvSpPr>
+          <p:cNvPr id="3" name="Date Placeholder 2"/>
+          <p:cNvSpPr>
+            <a:spLocks noGrp="1"/>
+          </p:cNvSpPr>
+          <p:nvPr>
+            <p:ph type="dt" sz="half" idx="10"/>
+          </p:nvPr>
+        </p:nvSpPr>
+        <p:spPr/>
+        <p:txBody>
+          <a:bodyPr/>
+          <a:lstStyle/>
+          <a:p>
+            <a:r>
+              <a:rPr lang="pt-BR" smtClean="0"/>
+              <a:t>06/07/2009</a:t>
+            </a:r>
+            <a:endParaRPr lang="pt-BR"/>
+          </a:p>
+        </p:txBody>
+      </p:sp>
+      <p:sp>
+        <p:nvSpPr>
+          <p:cNvPr id="4" name="Footer Placeholder 3"/>
+          <p:cNvSpPr>
+            <a:spLocks noGrp="1"/>
+          </p:cNvSpPr>
+          <p:nvPr>
+            <p:ph type="ftr" sz="quarter" idx="11"/>
+          </p:nvPr>
+        </p:nvSpPr>
+        <p:spPr/>
+        <p:txBody>
+          <a:bodyPr/>
+          <a:lstStyle/>
+          <a:p>
+            <a:r>
+              <a:rPr lang="pt-BR" smtClean="0"/>
+              <a:t>RASPUTIN</a:t>
+            </a:r>
+            <a:endParaRPr lang="pt-BR"/>
+          </a:p>
+        </p:txBody>
+      </p:sp>
+      <p:sp>
+        <p:nvSpPr>
+          <p:cNvPr id="5" name="Slide Number Placeholder 4"/>
+          <p:cNvSpPr>
+            <a:spLocks noGrp="1"/>
+          </p:cNvSpPr>
+          <p:nvPr>
+            <p:ph type="sldNum" sz="quarter" idx="12"/>
+          </p:nvPr>
+        </p:nvSpPr>
+        <p:spPr/>
+        <p:txBody>
+          <a:bodyPr/>
+          <a:lstStyle/>
+          <a:p>
+            <a:fld id="{B21CF4C9-8548-403D-AA12-946ABD2FAD03}" type="slidenum">
+              <a:rPr lang="pt-BR" smtClean="0"/>
+              <a:pPr/>
+              <a:t>‹#›</a:t>
+            </a:fld>
+            <a:endParaRPr lang="pt-BR"/>
+          </a:p>
+        </p:txBody>
+      </p:sp>
+      <p:sp>
+        <p:nvSpPr>
+          <p:cNvPr id="7" name="Text Placeholder 6"/>
+          <p:cNvSpPr>
+            <a:spLocks noGrp="1"/>
+          </p:cNvSpPr>
+          <p:nvPr>
+            <p:ph type="body" sz="quarter" idx="13"/>
+          </p:nvPr>
+        </p:nvSpPr>
+        <p:spPr>
+          <a:xfrm>
+            <a:off x="428625" y="1714500"/>
+            <a:ext cx="7500938" cy="3286136"/>
+          </a:xfrm>
+        </p:spPr>
+        <p:txBody>
+          <a:bodyPr/>
+          <a:lstStyle/>
+          <a:p>
+            <a:pPr lvl="0"/>
+            <a:r>
+              <a:rPr lang="en-US" smtClean="0"/>
+              <a:t>Click to edit Master text styles</a:t>
+            </a:r>
+          </a:p>
+          <a:p>
+            <a:pPr lvl="1"/>
+            <a:r>
+              <a:rPr lang="en-US" smtClean="0"/>
+              <a:t>Second level</a:t>
+            </a:r>
+          </a:p>
+          <a:p>
+            <a:pPr lvl="2"/>
+            <a:r>
+              <a:rPr lang="en-US" smtClean="0"/>
+              <a:t>Third level</a:t>
+            </a:r>
+          </a:p>
+          <a:p>
+            <a:pPr lvl="3"/>
+            <a:r>
+              <a:rPr lang="en-US" smtClean="0"/>
+              <a:t>Fourth level</a:t>
+            </a:r>
+          </a:p>
+          <a:p>
+            <a:pPr lvl="4"/>
+            <a:r>
+              <a:rPr lang="en-US" smtClean="0"/>
+              <a:t>Fifth level</a:t>
+            </a:r>
+            <a:endParaRPr lang="pt-BR"/>
+          </a:p>
+        </p:txBody>
+      </p:sp>
+      <p:sp>
+        <p:nvSpPr>
+          <p:cNvPr id="9" name="SmartArt Placeholder 8"/>
+          <p:cNvSpPr>
+            <a:spLocks noGrp="1"/>
+          </p:cNvSpPr>
+          <p:nvPr>
+            <p:ph type="dgm" sz="quarter" idx="14"/>
+          </p:nvPr>
+        </p:nvSpPr>
+        <p:spPr>
+          <a:xfrm>
+            <a:off x="428625" y="5143500"/>
+            <a:ext cx="7500938" cy="1500210"/>
+          </a:xfrm>
+        </p:spPr>
+        <p:txBody>
+          <a:bodyPr/>
+          <a:lstStyle/>
+          <a:p>
+            <a:endParaRPr lang="pt-BR"/>
+          </a:p>
+        </p:txBody>
+      </p:sp>
+    </p:spTree>
+  </p:cSld>
+  <p:clrMapOvr>
+    <a:masterClrMapping/>
+  </p:clrMapOvr>
+</p:sldLayout>
+</file>
+
+<file path=ppt/slideLayouts/slideLayout13.xml><?xml version="1.0" encoding="utf-8"?>
+<p:sldLayout xmlns:a="http://schemas.openxmlformats.org/drawingml/2006/main" xmlns:r="http://schemas.openxmlformats.org/officeDocument/2006/relationships" xmlns:p="http://schemas.openxmlformats.org/presentationml/2006/main" preserve="1" userDrawn="1">
+  <p:cSld name="1_Custom Layout">
+    <p:spTree>
+      <p:nvGrpSpPr>
+        <p:cNvPr id="1" name=""/>
+        <p:cNvGrpSpPr/>
+        <p:nvPr/>
+      </p:nvGrpSpPr>
+      <p:grpSpPr>
+        <a:xfrm>
+          <a:off x="0" y="0"/>
+          <a:ext cx="0" cy="0"/>
+          <a:chOff x="0" y="0"/>
+          <a:chExt cx="0" cy="0"/>
+        </a:xfrm>
+      </p:grpSpPr>
+      <p:sp>
+        <p:nvSpPr>
+          <p:cNvPr id="2" name="Title 1"/>
+          <p:cNvSpPr>
+            <a:spLocks noGrp="1"/>
+          </p:cNvSpPr>
+          <p:nvPr>
+            <p:ph type="title"/>
+          </p:nvPr>
+        </p:nvSpPr>
+        <p:spPr/>
+        <p:txBody>
+          <a:bodyPr/>
+          <a:lstStyle/>
+          <a:p>
+            <a:r>
+              <a:rPr lang="en-US" smtClean="0"/>
+              <a:t>Click to edit Master title style</a:t>
+            </a:r>
+            <a:endParaRPr lang="pt-BR"/>
+          </a:p>
+        </p:txBody>
+      </p:sp>
+      <p:sp>
+        <p:nvSpPr>
+          <p:cNvPr id="3" name="Date Placeholder 2"/>
+          <p:cNvSpPr>
+            <a:spLocks noGrp="1"/>
+          </p:cNvSpPr>
+          <p:nvPr>
+            <p:ph type="dt" sz="half" idx="10"/>
+          </p:nvPr>
+        </p:nvSpPr>
+        <p:spPr/>
+        <p:txBody>
+          <a:bodyPr/>
+          <a:lstStyle/>
+          <a:p>
+            <a:r>
+              <a:rPr lang="pt-BR" smtClean="0"/>
+              <a:t>06/07/2009</a:t>
+            </a:r>
+            <a:endParaRPr lang="pt-BR"/>
+          </a:p>
+        </p:txBody>
+      </p:sp>
+      <p:sp>
+        <p:nvSpPr>
+          <p:cNvPr id="4" name="Footer Placeholder 3"/>
+          <p:cNvSpPr>
+            <a:spLocks noGrp="1"/>
+          </p:cNvSpPr>
+          <p:nvPr>
+            <p:ph type="ftr" sz="quarter" idx="11"/>
+          </p:nvPr>
+        </p:nvSpPr>
+        <p:spPr/>
+        <p:txBody>
+          <a:bodyPr/>
+          <a:lstStyle/>
+          <a:p>
+            <a:r>
+              <a:rPr lang="pt-BR" smtClean="0"/>
+              <a:t>RASPUTIN</a:t>
+            </a:r>
+            <a:endParaRPr lang="pt-BR"/>
+          </a:p>
+        </p:txBody>
+      </p:sp>
+      <p:sp>
+        <p:nvSpPr>
+          <p:cNvPr id="5" name="Slide Number Placeholder 4"/>
+          <p:cNvSpPr>
+            <a:spLocks noGrp="1"/>
+          </p:cNvSpPr>
+          <p:nvPr>
+            <p:ph type="sldNum" sz="quarter" idx="12"/>
+          </p:nvPr>
+        </p:nvSpPr>
+        <p:spPr/>
+        <p:txBody>
+          <a:bodyPr/>
+          <a:lstStyle/>
+          <a:p>
+            <a:fld id="{B21CF4C9-8548-403D-AA12-946ABD2FAD03}" type="slidenum">
+              <a:rPr lang="pt-BR" smtClean="0"/>
+              <a:pPr/>
+              <a:t>‹#›</a:t>
+            </a:fld>
+            <a:endParaRPr lang="pt-BR"/>
+          </a:p>
+        </p:txBody>
+      </p:sp>
+      <p:sp>
+        <p:nvSpPr>
+          <p:cNvPr id="11" name="Text Placeholder 10"/>
+          <p:cNvSpPr>
+            <a:spLocks noGrp="1"/>
+          </p:cNvSpPr>
+          <p:nvPr>
+            <p:ph type="body" sz="quarter" idx="15"/>
+          </p:nvPr>
+        </p:nvSpPr>
+        <p:spPr>
+          <a:xfrm>
+            <a:off x="428596" y="1714488"/>
+            <a:ext cx="7500938" cy="1500188"/>
+          </a:xfrm>
+        </p:spPr>
+        <p:txBody>
+          <a:bodyPr/>
+          <a:lstStyle/>
+          <a:p>
+            <a:pPr lvl="0"/>
+            <a:r>
+              <a:rPr lang="en-US" dirty="0" smtClean="0"/>
+              <a:t>Click to edit Master text styles</a:t>
+            </a:r>
+          </a:p>
+          <a:p>
+            <a:pPr lvl="1"/>
+            <a:r>
+              <a:rPr lang="en-US" dirty="0" smtClean="0"/>
+              <a:t>Second level</a:t>
+            </a:r>
+          </a:p>
+          <a:p>
+            <a:pPr lvl="2"/>
+            <a:r>
+              <a:rPr lang="en-US" dirty="0" smtClean="0"/>
+              <a:t>Third level</a:t>
+            </a:r>
+          </a:p>
+          <a:p>
+            <a:pPr lvl="3"/>
+            <a:r>
+              <a:rPr lang="en-US" dirty="0" smtClean="0"/>
+              <a:t>Fourth level</a:t>
+            </a:r>
+          </a:p>
+          <a:p>
+            <a:pPr lvl="4"/>
+            <a:r>
+              <a:rPr lang="en-US" dirty="0" smtClean="0"/>
+              <a:t>Fifth level</a:t>
+            </a:r>
+            <a:endParaRPr lang="pt-BR" dirty="0"/>
+          </a:p>
+        </p:txBody>
+      </p:sp>
+      <p:sp>
+        <p:nvSpPr>
+          <p:cNvPr id="13" name="Content Placeholder 12"/>
+          <p:cNvSpPr>
+            <a:spLocks noGrp="1"/>
+          </p:cNvSpPr>
+          <p:nvPr>
+            <p:ph sz="quarter" idx="16"/>
+          </p:nvPr>
+        </p:nvSpPr>
+        <p:spPr>
+          <a:xfrm>
+            <a:off x="428596" y="3357585"/>
+            <a:ext cx="7500938" cy="3286125"/>
+          </a:xfrm>
+        </p:spPr>
+        <p:txBody>
+          <a:bodyPr/>
+          <a:lstStyle/>
+          <a:p>
+            <a:pPr lvl="0"/>
+            <a:r>
+              <a:rPr lang="en-US" dirty="0" smtClean="0"/>
+              <a:t>Click to edit Master text styles</a:t>
+            </a:r>
+          </a:p>
+          <a:p>
+            <a:pPr lvl="1"/>
+            <a:r>
+              <a:rPr lang="en-US" dirty="0" smtClean="0"/>
+              <a:t>Second level</a:t>
+            </a:r>
+          </a:p>
+          <a:p>
+            <a:pPr lvl="2"/>
+            <a:r>
+              <a:rPr lang="en-US" dirty="0" smtClean="0"/>
+              <a:t>Third level</a:t>
+            </a:r>
+          </a:p>
+          <a:p>
+            <a:pPr lvl="3"/>
+            <a:r>
+              <a:rPr lang="en-US" dirty="0" smtClean="0"/>
+              <a:t>Fourth level</a:t>
+            </a:r>
+          </a:p>
+          <a:p>
+            <a:pPr lvl="4"/>
+            <a:r>
+              <a:rPr lang="en-US" dirty="0" smtClean="0"/>
+              <a:t>Fifth level</a:t>
+            </a:r>
+            <a:endParaRPr lang="pt-BR" dirty="0"/>
           </a:p>
         </p:txBody>
       </p:sp>
@@ -1867,7 +7314,7 @@
             <a:fld id="{B21CF4C9-8548-403D-AA12-946ABD2FAD03}" type="slidenum">
               <a:rPr lang="pt-BR" smtClean="0"/>
               <a:pPr/>
-              <a:t>‹nº›</a:t>
+              <a:t>‹#›</a:t>
             </a:fld>
             <a:endParaRPr lang="pt-BR" dirty="0"/>
           </a:p>
@@ -2806,7 +8253,7 @@
             <a:fld id="{B21CF4C9-8548-403D-AA12-946ABD2FAD03}" type="slidenum">
               <a:rPr lang="pt-BR" smtClean="0"/>
               <a:pPr/>
-              <a:t>‹nº›</a:t>
+              <a:t>‹#›</a:t>
             </a:fld>
             <a:endParaRPr lang="pt-BR"/>
           </a:p>
@@ -2924,7 +8371,7 @@
             <a:fld id="{B21CF4C9-8548-403D-AA12-946ABD2FAD03}" type="slidenum">
               <a:rPr lang="pt-BR" smtClean="0"/>
               <a:pPr/>
-              <a:t>‹nº›</a:t>
+              <a:t>‹#›</a:t>
             </a:fld>
             <a:endParaRPr lang="pt-BR"/>
           </a:p>
@@ -3165,7 +8612,7 @@
             <a:fld id="{B21CF4C9-8548-403D-AA12-946ABD2FAD03}" type="slidenum">
               <a:rPr lang="pt-BR" smtClean="0"/>
               <a:pPr/>
-              <a:t>‹nº›</a:t>
+              <a:t>‹#›</a:t>
             </a:fld>
             <a:endParaRPr lang="pt-BR"/>
           </a:p>
@@ -3470,7 +8917,7 @@
             <a:fld id="{B21CF4C9-8548-403D-AA12-946ABD2FAD03}" type="slidenum">
               <a:rPr lang="pt-BR" smtClean="0"/>
               <a:pPr/>
-              <a:t>‹nº›</a:t>
+              <a:t>‹#›</a:t>
             </a:fld>
             <a:endParaRPr lang="pt-BR"/>
           </a:p>
@@ -3588,7 +9035,7 @@
             <a:fld id="{B21CF4C9-8548-403D-AA12-946ABD2FAD03}" type="slidenum">
               <a:rPr lang="pt-BR" smtClean="0"/>
               <a:pPr/>
-              <a:t>‹nº›</a:t>
+              <a:t>‹#›</a:t>
             </a:fld>
             <a:endParaRPr lang="pt-BR"/>
           </a:p>
@@ -4087,7 +9534,7 @@
             <a:fld id="{B21CF4C9-8548-403D-AA12-946ABD2FAD03}" type="slidenum">
               <a:rPr lang="pt-BR" smtClean="0"/>
               <a:pPr/>
-              <a:t>‹nº›</a:t>
+              <a:t>‹#›</a:t>
             </a:fld>
             <a:endParaRPr lang="pt-BR"/>
           </a:p>
@@ -4603,7 +10050,7 @@
             <a:fld id="{B21CF4C9-8548-403D-AA12-946ABD2FAD03}" type="slidenum">
               <a:rPr lang="pt-BR" smtClean="0"/>
               <a:pPr/>
-              <a:t>‹nº›</a:t>
+              <a:t>‹#›</a:t>
             </a:fld>
             <a:endParaRPr lang="pt-BR"/>
           </a:p>
@@ -5110,7 +10557,7 @@
             <a:fld id="{B21CF4C9-8548-403D-AA12-946ABD2FAD03}" type="slidenum">
               <a:rPr lang="pt-BR" smtClean="0"/>
               <a:pPr/>
-              <a:t>‹nº›</a:t>
+              <a:t>‹#›</a:t>
             </a:fld>
             <a:endParaRPr lang="pt-BR"/>
           </a:p>
@@ -5131,6 +10578,8 @@
     <p:sldLayoutId id="2147483789" r:id="rId9"/>
     <p:sldLayoutId id="2147483790" r:id="rId10"/>
     <p:sldLayoutId id="2147483791" r:id="rId11"/>
+    <p:sldLayoutId id="2147483792" r:id="rId12"/>
+    <p:sldLayoutId id="2147483793" r:id="rId13"/>
   </p:sldLayoutIdLst>
   <p:hf hdr="0"/>
   <p:txStyles>
@@ -5541,6 +10990,13 @@
   <p:clrMapOvr>
     <a:masterClrMapping/>
   </p:clrMapOvr>
+  <p:timing>
+    <p:tnLst>
+      <p:par>
+        <p:cTn id="1" dur="indefinite" restart="never" nodeType="tmRoot"/>
+      </p:par>
+    </p:tnLst>
+  </p:timing>
 </p:sld>
 </file>
 
@@ -5578,7 +11034,7 @@
           <a:p>
             <a:r>
               <a:rPr lang="pt-BR" dirty="0" smtClean="0"/>
-              <a:t>Repositório de Reuso</a:t>
+              <a:t>Reuso: Repositório</a:t>
             </a:r>
             <a:endParaRPr lang="pt-BR" dirty="0"/>
           </a:p>
@@ -5599,7 +11055,7 @@
           <a:bodyPr/>
           <a:lstStyle/>
           <a:p>
-            <a:endParaRPr lang="pt-BR"/>
+            <a:endParaRPr lang="pt-BR" dirty="0"/>
           </a:p>
         </p:txBody>
       </p:sp>
@@ -5673,11 +11129,312 @@
           </a:p>
         </p:txBody>
       </p:sp>
+      <p:grpSp>
+        <p:nvGrpSpPr>
+          <p:cNvPr id="13" name="Group 12"/>
+          <p:cNvGrpSpPr/>
+          <p:nvPr/>
+        </p:nvGrpSpPr>
+        <p:grpSpPr>
+          <a:xfrm>
+            <a:off x="500034" y="1571612"/>
+            <a:ext cx="7500990" cy="4929222"/>
+            <a:chOff x="500034" y="1571612"/>
+            <a:chExt cx="7500990" cy="4929222"/>
+          </a:xfrm>
+        </p:grpSpPr>
+        <p:sp>
+          <p:nvSpPr>
+            <p:cNvPr id="7" name="Rounded Rectangle 6"/>
+            <p:cNvSpPr/>
+            <p:nvPr/>
+          </p:nvSpPr>
+          <p:spPr>
+            <a:xfrm>
+              <a:off x="500034" y="1571612"/>
+              <a:ext cx="7500990" cy="1285884"/>
+            </a:xfrm>
+            <a:prstGeom prst="roundRect">
+              <a:avLst/>
+            </a:prstGeom>
+          </p:spPr>
+          <p:style>
+            <a:lnRef idx="0">
+              <a:schemeClr val="accent2"/>
+            </a:lnRef>
+            <a:fillRef idx="3">
+              <a:schemeClr val="accent2"/>
+            </a:fillRef>
+            <a:effectRef idx="3">
+              <a:schemeClr val="accent2"/>
+            </a:effectRef>
+            <a:fontRef idx="minor">
+              <a:schemeClr val="lt1"/>
+            </a:fontRef>
+          </p:style>
+          <p:txBody>
+            <a:bodyPr rtlCol="0" anchor="ctr"/>
+            <a:lstStyle/>
+            <a:p>
+              <a:pPr algn="ctr"/>
+              <a:r>
+                <a:rPr lang="pt-BR" sz="2800" dirty="0" smtClean="0"/>
+                <a:t>Desenvolvimento </a:t>
+              </a:r>
+              <a:r>
+                <a:rPr lang="pt-BR" sz="2800" b="1" dirty="0" smtClean="0"/>
+                <a:t>para</a:t>
+              </a:r>
+              <a:r>
+                <a:rPr lang="pt-BR" sz="2800" dirty="0" smtClean="0"/>
+                <a:t> reuso</a:t>
+              </a:r>
+              <a:endParaRPr lang="pt-BR" sz="2800" dirty="0"/>
+            </a:p>
+          </p:txBody>
+        </p:sp>
+        <p:sp>
+          <p:nvSpPr>
+            <p:cNvPr id="8" name="Rounded Rectangle 7"/>
+            <p:cNvSpPr/>
+            <p:nvPr/>
+          </p:nvSpPr>
+          <p:spPr>
+            <a:xfrm>
+              <a:off x="500034" y="5214950"/>
+              <a:ext cx="7500990" cy="1285884"/>
+            </a:xfrm>
+            <a:prstGeom prst="roundRect">
+              <a:avLst/>
+            </a:prstGeom>
+          </p:spPr>
+          <p:style>
+            <a:lnRef idx="0">
+              <a:schemeClr val="accent3"/>
+            </a:lnRef>
+            <a:fillRef idx="3">
+              <a:schemeClr val="accent3"/>
+            </a:fillRef>
+            <a:effectRef idx="3">
+              <a:schemeClr val="accent3"/>
+            </a:effectRef>
+            <a:fontRef idx="minor">
+              <a:schemeClr val="lt1"/>
+            </a:fontRef>
+          </p:style>
+          <p:txBody>
+            <a:bodyPr rtlCol="0" anchor="ctr"/>
+            <a:lstStyle/>
+            <a:p>
+              <a:pPr algn="ctr"/>
+              <a:r>
+                <a:rPr lang="pt-BR" sz="2800" dirty="0" smtClean="0"/>
+                <a:t>Desevolvimento </a:t>
+              </a:r>
+              <a:r>
+                <a:rPr lang="pt-BR" sz="2800" b="1" dirty="0" smtClean="0"/>
+                <a:t>com</a:t>
+              </a:r>
+              <a:r>
+                <a:rPr lang="pt-BR" sz="2800" dirty="0" smtClean="0"/>
+                <a:t> reuso</a:t>
+              </a:r>
+              <a:endParaRPr lang="pt-BR" sz="2800" dirty="0"/>
+            </a:p>
+          </p:txBody>
+        </p:sp>
+        <p:sp>
+          <p:nvSpPr>
+            <p:cNvPr id="9" name="Flowchart: Magnetic Disk 8"/>
+            <p:cNvSpPr/>
+            <p:nvPr/>
+          </p:nvSpPr>
+          <p:spPr>
+            <a:xfrm>
+              <a:off x="2678893" y="3286124"/>
+              <a:ext cx="3143272" cy="1500198"/>
+            </a:xfrm>
+            <a:prstGeom prst="flowChartMagneticDisk">
+              <a:avLst/>
+            </a:prstGeom>
+          </p:spPr>
+          <p:style>
+            <a:lnRef idx="0">
+              <a:schemeClr val="accent5"/>
+            </a:lnRef>
+            <a:fillRef idx="3">
+              <a:schemeClr val="accent5"/>
+            </a:fillRef>
+            <a:effectRef idx="3">
+              <a:schemeClr val="accent5"/>
+            </a:effectRef>
+            <a:fontRef idx="minor">
+              <a:schemeClr val="lt1"/>
+            </a:fontRef>
+          </p:style>
+          <p:txBody>
+            <a:bodyPr rtlCol="0" anchor="ctr"/>
+            <a:lstStyle/>
+            <a:p>
+              <a:pPr algn="ctr"/>
+              <a:r>
+                <a:rPr lang="pt-BR" sz="3200" dirty="0" smtClean="0"/>
+                <a:t>Repositório de Reuso</a:t>
+              </a:r>
+              <a:endParaRPr lang="pt-BR" sz="3200" dirty="0"/>
+            </a:p>
+          </p:txBody>
+        </p:sp>
+      </p:grpSp>
+      <p:sp>
+        <p:nvSpPr>
+          <p:cNvPr id="11" name="Bent-Up Arrow 10"/>
+          <p:cNvSpPr/>
+          <p:nvPr/>
+        </p:nvSpPr>
+        <p:spPr>
+          <a:xfrm rot="16200000" flipH="1">
+            <a:off x="5929322" y="3214687"/>
+            <a:ext cx="1080000" cy="1080000"/>
+          </a:xfrm>
+          <a:prstGeom prst="bentUpArrow">
+            <a:avLst/>
+          </a:prstGeom>
+        </p:spPr>
+        <p:style>
+          <a:lnRef idx="0">
+            <a:schemeClr val="accent5"/>
+          </a:lnRef>
+          <a:fillRef idx="3">
+            <a:schemeClr val="accent5"/>
+          </a:fillRef>
+          <a:effectRef idx="3">
+            <a:schemeClr val="accent5"/>
+          </a:effectRef>
+          <a:fontRef idx="minor">
+            <a:schemeClr val="lt1"/>
+          </a:fontRef>
+        </p:style>
+        <p:txBody>
+          <a:bodyPr rtlCol="0" anchor="ctr"/>
+          <a:lstStyle/>
+          <a:p>
+            <a:pPr algn="ctr"/>
+            <a:endParaRPr lang="pt-BR"/>
+          </a:p>
+        </p:txBody>
+      </p:sp>
+      <p:sp>
+        <p:nvSpPr>
+          <p:cNvPr id="12" name="Bent-Up Arrow 11"/>
+          <p:cNvSpPr/>
+          <p:nvPr/>
+        </p:nvSpPr>
+        <p:spPr>
+          <a:xfrm rot="10800000">
+            <a:off x="1420298" y="3777760"/>
+            <a:ext cx="1080000" cy="1080000"/>
+          </a:xfrm>
+          <a:prstGeom prst="bentUpArrow">
+            <a:avLst/>
+          </a:prstGeom>
+        </p:spPr>
+        <p:style>
+          <a:lnRef idx="0">
+            <a:schemeClr val="accent5"/>
+          </a:lnRef>
+          <a:fillRef idx="3">
+            <a:schemeClr val="accent5"/>
+          </a:fillRef>
+          <a:effectRef idx="3">
+            <a:schemeClr val="accent5"/>
+          </a:effectRef>
+          <a:fontRef idx="minor">
+            <a:schemeClr val="lt1"/>
+          </a:fontRef>
+        </p:style>
+        <p:txBody>
+          <a:bodyPr rtlCol="0" anchor="ctr"/>
+          <a:lstStyle/>
+          <a:p>
+            <a:pPr algn="ctr"/>
+            <a:endParaRPr lang="pt-BR"/>
+          </a:p>
+        </p:txBody>
+      </p:sp>
+      <p:sp>
+        <p:nvSpPr>
+          <p:cNvPr id="14" name="TextBox 13"/>
+          <p:cNvSpPr txBox="1"/>
+          <p:nvPr/>
+        </p:nvSpPr>
+        <p:spPr>
+          <a:xfrm>
+            <a:off x="6286512" y="4143380"/>
+            <a:ext cx="1643074" cy="461665"/>
+          </a:xfrm>
+          <a:prstGeom prst="rect">
+            <a:avLst/>
+          </a:prstGeom>
+          <a:noFill/>
+        </p:spPr>
+        <p:txBody>
+          <a:bodyPr wrap="square" rtlCol="0">
+            <a:spAutoFit/>
+          </a:bodyPr>
+          <a:lstStyle/>
+          <a:p>
+            <a:pPr algn="r"/>
+            <a:r>
+              <a:rPr lang="pt-BR" sz="2400" dirty="0" smtClean="0"/>
+              <a:t>Liberação</a:t>
+            </a:r>
+            <a:endParaRPr lang="pt-BR" sz="2400" dirty="0"/>
+          </a:p>
+        </p:txBody>
+      </p:sp>
+      <p:sp>
+        <p:nvSpPr>
+          <p:cNvPr id="15" name="TextBox 14"/>
+          <p:cNvSpPr txBox="1"/>
+          <p:nvPr/>
+        </p:nvSpPr>
+        <p:spPr>
+          <a:xfrm>
+            <a:off x="500034" y="3286124"/>
+            <a:ext cx="1285884" cy="461665"/>
+          </a:xfrm>
+          <a:prstGeom prst="rect">
+            <a:avLst/>
+          </a:prstGeom>
+          <a:noFill/>
+        </p:spPr>
+        <p:txBody>
+          <a:bodyPr wrap="square" rtlCol="0">
+            <a:spAutoFit/>
+          </a:bodyPr>
+          <a:lstStyle/>
+          <a:p>
+            <a:r>
+              <a:rPr lang="pt-BR" sz="2400" dirty="0" smtClean="0"/>
+              <a:t>Reuso</a:t>
+            </a:r>
+            <a:endParaRPr lang="pt-BR" sz="2400" dirty="0"/>
+          </a:p>
+        </p:txBody>
+      </p:sp>
     </p:spTree>
   </p:cSld>
   <p:clrMapOvr>
     <a:masterClrMapping/>
   </p:clrMapOvr>
+  <p:timing>
+    <p:tnLst>
+      <p:par>
+        <p:cTn id="1" dur="indefinite" restart="never" nodeType="tmRoot"/>
+      </p:par>
+    </p:tnLst>
+  </p:timing>
 </p:sld>
 </file>
 
@@ -5715,7 +11472,7 @@
           <a:p>
             <a:r>
               <a:rPr lang="pt-BR" dirty="0" smtClean="0"/>
-              <a:t>RASPUTIN</a:t>
+              <a:t>Reuso: Repositório</a:t>
             </a:r>
             <a:endParaRPr lang="pt-BR" dirty="0"/>
           </a:p>
@@ -5736,7 +11493,79 @@
           <a:bodyPr/>
           <a:lstStyle/>
           <a:p>
-            <a:endParaRPr lang="pt-BR"/>
+            <a:r>
+              <a:rPr lang="pt-BR" dirty="0" smtClean="0"/>
+              <a:t>Funcionalidades do Repositório de Reuso</a:t>
+            </a:r>
+          </a:p>
+          <a:p>
+            <a:pPr lvl="1"/>
+            <a:r>
+              <a:rPr lang="pt-BR" dirty="0" smtClean="0"/>
+              <a:t>Identificação e descrição de artefato</a:t>
+            </a:r>
+          </a:p>
+          <a:p>
+            <a:pPr lvl="1"/>
+            <a:r>
+              <a:rPr lang="pt-BR" dirty="0" smtClean="0"/>
+              <a:t>Inserção de artefato</a:t>
+            </a:r>
+          </a:p>
+          <a:p>
+            <a:pPr lvl="1"/>
+            <a:r>
+              <a:rPr lang="pt-BR" dirty="0" smtClean="0"/>
+              <a:t>Navegação através do catálogo</a:t>
+            </a:r>
+          </a:p>
+          <a:p>
+            <a:pPr lvl="1"/>
+            <a:r>
+              <a:rPr lang="pt-BR" dirty="0" smtClean="0"/>
+              <a:t>Busca</a:t>
+            </a:r>
+          </a:p>
+          <a:p>
+            <a:pPr lvl="1"/>
+            <a:r>
+              <a:rPr lang="pt-BR" dirty="0" smtClean="0"/>
+              <a:t>Recuperação</a:t>
+            </a:r>
+          </a:p>
+          <a:p>
+            <a:pPr lvl="1"/>
+            <a:r>
+              <a:rPr lang="pt-BR" dirty="0" smtClean="0"/>
+              <a:t>Controle de acesso</a:t>
+            </a:r>
+          </a:p>
+          <a:p>
+            <a:r>
+              <a:rPr lang="pt-BR" dirty="0" smtClean="0"/>
+              <a:t>Existem outras</a:t>
+            </a:r>
+          </a:p>
+          <a:p>
+            <a:pPr lvl="1"/>
+            <a:r>
+              <a:rPr lang="pt-BR" dirty="0" smtClean="0"/>
+              <a:t>Mas nem todas precisam estar presentes</a:t>
+            </a:r>
+          </a:p>
+          <a:p>
+            <a:r>
+              <a:rPr lang="pt-BR" dirty="0" smtClean="0"/>
+              <a:t>Básicas</a:t>
+            </a:r>
+          </a:p>
+          <a:p>
+            <a:pPr lvl="1"/>
+            <a:r>
+              <a:rPr lang="pt-BR" dirty="0" smtClean="0"/>
+              <a:t>Inserção (armazenamento), busca, recuperação</a:t>
+            </a:r>
+            <a:endParaRPr lang="pt-BR" dirty="0"/>
           </a:p>
         </p:txBody>
       </p:sp>
@@ -5815,6 +11644,13 @@
   <p:clrMapOvr>
     <a:masterClrMapping/>
   </p:clrMapOvr>
+  <p:timing>
+    <p:tnLst>
+      <p:par>
+        <p:cTn id="1" dur="indefinite" restart="never" nodeType="tmRoot"/>
+      </p:par>
+    </p:tnLst>
+  </p:timing>
 </p:sld>
 </file>
 
@@ -5850,13 +11686,17 @@
           <a:bodyPr/>
           <a:lstStyle/>
           <a:p>
-            <a:endParaRPr lang="pt-BR"/>
-          </a:p>
-        </p:txBody>
-      </p:sp>
-      <p:sp>
-        <p:nvSpPr>
-          <p:cNvPr id="3" name="Espaço Reservado para Conteúdo 2"/>
+            <a:r>
+              <a:rPr lang="pt-BR" dirty="0" smtClean="0"/>
+              <a:t>RASPUTIN</a:t>
+            </a:r>
+            <a:endParaRPr lang="pt-BR" dirty="0"/>
+          </a:p>
+        </p:txBody>
+      </p:sp>
+      <p:sp>
+        <p:nvSpPr>
+          <p:cNvPr id="7" name="Text Placeholder 6"/>
           <p:cNvSpPr>
             <a:spLocks noGrp="1"/>
           </p:cNvSpPr>
@@ -5869,7 +11709,22 @@
           <a:bodyPr/>
           <a:lstStyle/>
           <a:p>
-            <a:endParaRPr lang="pt-BR"/>
+            <a:r>
+              <a:rPr lang="pt-BR" dirty="0" smtClean="0"/>
+              <a:t>Suporta a promoção do reuso</a:t>
+            </a:r>
+          </a:p>
+          <a:p>
+            <a:pPr lvl="1"/>
+            <a:r>
+              <a:rPr lang="pt-BR" dirty="0" smtClean="0"/>
+              <a:t>Integrando o RAS com um repositório de reuso (Archiva</a:t>
+            </a:r>
+            <a:r>
+              <a:rPr lang="pt-BR" dirty="0" smtClean="0"/>
+              <a:t>)</a:t>
+            </a:r>
+            <a:endParaRPr lang="pt-BR" dirty="0" smtClean="0"/>
           </a:p>
         </p:txBody>
       </p:sp>
@@ -5948,6 +11803,13 @@
   <p:clrMapOvr>
     <a:masterClrMapping/>
   </p:clrMapOvr>
+  <p:timing>
+    <p:tnLst>
+      <p:par>
+        <p:cTn id="1" dur="indefinite" restart="never" nodeType="tmRoot"/>
+      </p:par>
+    </p:tnLst>
+  </p:timing>
 </p:sld>
 </file>
 
@@ -5970,7 +11832,7 @@
       </p:grpSpPr>
       <p:sp>
         <p:nvSpPr>
-          <p:cNvPr id="2" name="Título 1"/>
+          <p:cNvPr id="48" name="Title 47"/>
           <p:cNvSpPr>
             <a:spLocks noGrp="1"/>
           </p:cNvSpPr>
@@ -5983,26 +11845,11 @@
           <a:bodyPr/>
           <a:lstStyle/>
           <a:p>
-            <a:endParaRPr lang="pt-BR"/>
-          </a:p>
-        </p:txBody>
-      </p:sp>
-      <p:sp>
-        <p:nvSpPr>
-          <p:cNvPr id="3" name="Espaço Reservado para Conteúdo 2"/>
-          <p:cNvSpPr>
-            <a:spLocks noGrp="1"/>
-          </p:cNvSpPr>
-          <p:nvPr>
-            <p:ph sz="quarter" idx="1"/>
-          </p:nvPr>
-        </p:nvSpPr>
-        <p:spPr/>
-        <p:txBody>
-          <a:bodyPr/>
-          <a:lstStyle/>
-          <a:p>
-            <a:endParaRPr lang="pt-BR"/>
+            <a:r>
+              <a:rPr lang="pt-BR" dirty="0" smtClean="0"/>
+              <a:t>Infra-estrutura de Suporte ao RAS</a:t>
+            </a:r>
+            <a:endParaRPr lang="pt-BR" dirty="0"/>
           </a:p>
         </p:txBody>
       </p:sp>
@@ -6013,7 +11860,7 @@
             <a:spLocks noGrp="1"/>
           </p:cNvSpPr>
           <p:nvPr>
-            <p:ph type="dt" sz="half" idx="14"/>
+            <p:ph type="dt" sz="half" idx="10"/>
           </p:nvPr>
         </p:nvSpPr>
         <p:spPr/>
@@ -6036,7 +11883,7 @@
             <a:spLocks noGrp="1"/>
           </p:cNvSpPr>
           <p:nvPr>
-            <p:ph type="sldNum" sz="quarter" idx="15"/>
+            <p:ph type="sldNum" sz="quarter" idx="11"/>
           </p:nvPr>
         </p:nvSpPr>
         <p:spPr/>
@@ -6060,7 +11907,7 @@
             <a:spLocks noGrp="1"/>
           </p:cNvSpPr>
           <p:nvPr>
-            <p:ph type="ftr" sz="quarter" idx="16"/>
+            <p:ph type="ftr" sz="quarter" idx="12"/>
           </p:nvPr>
         </p:nvSpPr>
         <p:spPr/>
@@ -6073,6 +11920,539 @@
               <a:t>RASPUTIN</a:t>
             </a:r>
             <a:endParaRPr lang="pt-BR"/>
+          </a:p>
+        </p:txBody>
+      </p:sp>
+      <p:sp>
+        <p:nvSpPr>
+          <p:cNvPr id="54" name="Retângulo 2"/>
+          <p:cNvSpPr/>
+          <p:nvPr/>
+        </p:nvSpPr>
+        <p:spPr>
+          <a:xfrm>
+            <a:off x="642910" y="3757600"/>
+            <a:ext cx="2880000" cy="1080000"/>
+          </a:xfrm>
+          <a:prstGeom prst="rect">
+            <a:avLst/>
+          </a:prstGeom>
+        </p:spPr>
+        <p:style>
+          <a:lnRef idx="0">
+            <a:schemeClr val="accent2"/>
+          </a:lnRef>
+          <a:fillRef idx="3">
+            <a:schemeClr val="accent2"/>
+          </a:fillRef>
+          <a:effectRef idx="3">
+            <a:schemeClr val="accent2"/>
+          </a:effectRef>
+          <a:fontRef idx="minor">
+            <a:schemeClr val="lt1"/>
+          </a:fontRef>
+        </p:style>
+        <p:txBody>
+          <a:bodyPr rtlCol="0" anchor="ctr"/>
+          <a:lstStyle/>
+          <a:p>
+            <a:pPr algn="ctr"/>
+            <a:r>
+              <a:rPr lang="pt-BR" dirty="0" smtClean="0">
+                <a:latin typeface="Calibri" pitchFamily="34" charset="0"/>
+              </a:rPr>
+              <a:t>Contexto do Ator do Reuso </a:t>
+            </a:r>
+            <a:br>
+              <a:rPr lang="pt-BR" dirty="0" smtClean="0">
+                <a:latin typeface="Calibri" pitchFamily="34" charset="0"/>
+              </a:rPr>
+            </a:br>
+            <a:r>
+              <a:rPr lang="pt-BR" dirty="0" smtClean="0">
+                <a:latin typeface="Calibri" pitchFamily="34" charset="0"/>
+              </a:rPr>
+              <a:t>(produtor ou consumidor)</a:t>
+            </a:r>
+            <a:endParaRPr lang="pt-BR" dirty="0">
+              <a:latin typeface="Calibri" pitchFamily="34" charset="0"/>
+            </a:endParaRPr>
+          </a:p>
+        </p:txBody>
+      </p:sp>
+      <p:sp>
+        <p:nvSpPr>
+          <p:cNvPr id="55" name="Retângulo 3"/>
+          <p:cNvSpPr/>
+          <p:nvPr/>
+        </p:nvSpPr>
+        <p:spPr>
+          <a:xfrm>
+            <a:off x="3529006" y="3756012"/>
+            <a:ext cx="4572000" cy="1080000"/>
+          </a:xfrm>
+          <a:prstGeom prst="rect">
+            <a:avLst/>
+          </a:prstGeom>
+        </p:spPr>
+        <p:style>
+          <a:lnRef idx="0">
+            <a:schemeClr val="accent5"/>
+          </a:lnRef>
+          <a:fillRef idx="3">
+            <a:schemeClr val="accent5"/>
+          </a:fillRef>
+          <a:effectRef idx="3">
+            <a:schemeClr val="accent5"/>
+          </a:effectRef>
+          <a:fontRef idx="minor">
+            <a:schemeClr val="lt1"/>
+          </a:fontRef>
+        </p:style>
+        <p:txBody>
+          <a:bodyPr rtlCol="0" anchor="ctr"/>
+          <a:lstStyle/>
+          <a:p>
+            <a:pPr algn="ctr"/>
+            <a:r>
+              <a:rPr lang="pt-BR" dirty="0" smtClean="0">
+                <a:latin typeface="Calibri" pitchFamily="34" charset="0"/>
+              </a:rPr>
+              <a:t>Contexto do </a:t>
+            </a:r>
+            <a:br>
+              <a:rPr lang="pt-BR" dirty="0" smtClean="0">
+                <a:latin typeface="Calibri" pitchFamily="34" charset="0"/>
+              </a:rPr>
+            </a:br>
+            <a:r>
+              <a:rPr lang="pt-BR" dirty="0" smtClean="0">
+                <a:latin typeface="Calibri" pitchFamily="34" charset="0"/>
+              </a:rPr>
+              <a:t>Repositório de Reuso</a:t>
+            </a:r>
+            <a:endParaRPr lang="pt-BR" dirty="0">
+              <a:latin typeface="Calibri" pitchFamily="34" charset="0"/>
+            </a:endParaRPr>
+          </a:p>
+        </p:txBody>
+      </p:sp>
+      <p:sp>
+        <p:nvSpPr>
+          <p:cNvPr id="56" name="Retângulo de cantos arredondados 5"/>
+          <p:cNvSpPr/>
+          <p:nvPr/>
+        </p:nvSpPr>
+        <p:spPr>
+          <a:xfrm>
+            <a:off x="649260" y="2305026"/>
+            <a:ext cx="1440000" cy="1440000"/>
+          </a:xfrm>
+          <a:prstGeom prst="roundRect">
+            <a:avLst/>
+          </a:prstGeom>
+        </p:spPr>
+        <p:style>
+          <a:lnRef idx="0">
+            <a:schemeClr val="accent2"/>
+          </a:lnRef>
+          <a:fillRef idx="3">
+            <a:schemeClr val="accent2"/>
+          </a:fillRef>
+          <a:effectRef idx="3">
+            <a:schemeClr val="accent2"/>
+          </a:effectRef>
+          <a:fontRef idx="minor">
+            <a:schemeClr val="lt1"/>
+          </a:fontRef>
+        </p:style>
+        <p:txBody>
+          <a:bodyPr rtlCol="0" anchor="ctr"/>
+          <a:lstStyle/>
+          <a:p>
+            <a:pPr algn="ctr"/>
+            <a:r>
+              <a:rPr lang="pt-BR" sz="1600" dirty="0" smtClean="0">
+                <a:latin typeface="Calibri" pitchFamily="34" charset="0"/>
+              </a:rPr>
+              <a:t>Recuperador RAS</a:t>
+            </a:r>
+            <a:endParaRPr lang="pt-BR" sz="1600" dirty="0">
+              <a:latin typeface="Calibri" pitchFamily="34" charset="0"/>
+            </a:endParaRPr>
+          </a:p>
+        </p:txBody>
+      </p:sp>
+      <p:sp>
+        <p:nvSpPr>
+          <p:cNvPr id="57" name="Retângulo de cantos arredondados 6"/>
+          <p:cNvSpPr/>
+          <p:nvPr/>
+        </p:nvSpPr>
+        <p:spPr>
+          <a:xfrm>
+            <a:off x="2082783" y="2305026"/>
+            <a:ext cx="1440000" cy="1440000"/>
+          </a:xfrm>
+          <a:prstGeom prst="roundRect">
+            <a:avLst/>
+          </a:prstGeom>
+        </p:spPr>
+        <p:style>
+          <a:lnRef idx="0">
+            <a:schemeClr val="accent2"/>
+          </a:lnRef>
+          <a:fillRef idx="3">
+            <a:schemeClr val="accent2"/>
+          </a:fillRef>
+          <a:effectRef idx="3">
+            <a:schemeClr val="accent2"/>
+          </a:effectRef>
+          <a:fontRef idx="minor">
+            <a:schemeClr val="lt1"/>
+          </a:fontRef>
+        </p:style>
+        <p:txBody>
+          <a:bodyPr rtlCol="0" anchor="ctr"/>
+          <a:lstStyle/>
+          <a:p>
+            <a:pPr algn="ctr"/>
+            <a:r>
+              <a:rPr lang="pt-BR" sz="1600" dirty="0" smtClean="0">
+                <a:latin typeface="Calibri" pitchFamily="34" charset="0"/>
+              </a:rPr>
+              <a:t>Gerador </a:t>
+            </a:r>
+            <a:br>
+              <a:rPr lang="pt-BR" sz="1600" dirty="0" smtClean="0">
+                <a:latin typeface="Calibri" pitchFamily="34" charset="0"/>
+              </a:rPr>
+            </a:br>
+            <a:r>
+              <a:rPr lang="pt-BR" sz="1600" dirty="0" smtClean="0">
+                <a:latin typeface="Calibri" pitchFamily="34" charset="0"/>
+              </a:rPr>
+              <a:t>RAS</a:t>
+            </a:r>
+            <a:endParaRPr lang="pt-BR" sz="1600" dirty="0">
+              <a:latin typeface="Calibri" pitchFamily="34" charset="0"/>
+            </a:endParaRPr>
+          </a:p>
+        </p:txBody>
+      </p:sp>
+      <p:sp>
+        <p:nvSpPr>
+          <p:cNvPr id="58" name="Retângulo de cantos arredondados 7"/>
+          <p:cNvSpPr/>
+          <p:nvPr/>
+        </p:nvSpPr>
+        <p:spPr>
+          <a:xfrm>
+            <a:off x="3525834" y="2285992"/>
+            <a:ext cx="1692000" cy="1080000"/>
+          </a:xfrm>
+          <a:prstGeom prst="roundRect">
+            <a:avLst/>
+          </a:prstGeom>
+        </p:spPr>
+        <p:style>
+          <a:lnRef idx="0">
+            <a:schemeClr val="accent3"/>
+          </a:lnRef>
+          <a:fillRef idx="3">
+            <a:schemeClr val="accent3"/>
+          </a:fillRef>
+          <a:effectRef idx="3">
+            <a:schemeClr val="accent3"/>
+          </a:effectRef>
+          <a:fontRef idx="minor">
+            <a:schemeClr val="lt1"/>
+          </a:fontRef>
+        </p:style>
+        <p:txBody>
+          <a:bodyPr rtlCol="0" anchor="ctr"/>
+          <a:lstStyle/>
+          <a:p>
+            <a:pPr algn="ctr"/>
+            <a:r>
+              <a:rPr lang="pt-BR" sz="1600" dirty="0" smtClean="0">
+                <a:latin typeface="Calibri" pitchFamily="34" charset="0"/>
+              </a:rPr>
+              <a:t>Armazenamento Artefatos RAS</a:t>
+            </a:r>
+            <a:endParaRPr lang="pt-BR" sz="1600" dirty="0">
+              <a:latin typeface="Calibri" pitchFamily="34" charset="0"/>
+            </a:endParaRPr>
+          </a:p>
+        </p:txBody>
+      </p:sp>
+      <p:sp>
+        <p:nvSpPr>
+          <p:cNvPr id="59" name="Retângulo de cantos arredondados 8"/>
+          <p:cNvSpPr/>
+          <p:nvPr/>
+        </p:nvSpPr>
+        <p:spPr>
+          <a:xfrm>
+            <a:off x="5221282" y="3386121"/>
+            <a:ext cx="2880000" cy="360000"/>
+          </a:xfrm>
+          <a:prstGeom prst="rect">
+            <a:avLst/>
+          </a:prstGeom>
+        </p:spPr>
+        <p:style>
+          <a:lnRef idx="0">
+            <a:schemeClr val="accent5"/>
+          </a:lnRef>
+          <a:fillRef idx="3">
+            <a:schemeClr val="accent5"/>
+          </a:fillRef>
+          <a:effectRef idx="3">
+            <a:schemeClr val="accent5"/>
+          </a:effectRef>
+          <a:fontRef idx="minor">
+            <a:schemeClr val="lt1"/>
+          </a:fontRef>
+        </p:style>
+        <p:txBody>
+          <a:bodyPr rtlCol="0" anchor="ctr"/>
+          <a:lstStyle/>
+          <a:p>
+            <a:pPr algn="ctr"/>
+            <a:r>
+              <a:rPr lang="pt-BR" sz="1600" dirty="0" smtClean="0">
+                <a:latin typeface="Calibri" pitchFamily="34" charset="0"/>
+              </a:rPr>
+              <a:t>Base de Dados</a:t>
+            </a:r>
+            <a:endParaRPr lang="pt-BR" sz="1600" dirty="0">
+              <a:latin typeface="Calibri" pitchFamily="34" charset="0"/>
+            </a:endParaRPr>
+          </a:p>
+        </p:txBody>
+      </p:sp>
+      <p:sp>
+        <p:nvSpPr>
+          <p:cNvPr id="60" name="Retângulo de cantos arredondados 9"/>
+          <p:cNvSpPr/>
+          <p:nvPr/>
+        </p:nvSpPr>
+        <p:spPr>
+          <a:xfrm>
+            <a:off x="5221285" y="2293589"/>
+            <a:ext cx="1422000" cy="1080000"/>
+          </a:xfrm>
+          <a:prstGeom prst="roundRect">
+            <a:avLst/>
+          </a:prstGeom>
+        </p:spPr>
+        <p:style>
+          <a:lnRef idx="0">
+            <a:schemeClr val="accent3"/>
+          </a:lnRef>
+          <a:fillRef idx="3">
+            <a:schemeClr val="accent3"/>
+          </a:fillRef>
+          <a:effectRef idx="3">
+            <a:schemeClr val="accent3"/>
+          </a:effectRef>
+          <a:fontRef idx="minor">
+            <a:schemeClr val="lt1"/>
+          </a:fontRef>
+        </p:style>
+        <p:txBody>
+          <a:bodyPr rtlCol="0" anchor="ctr"/>
+          <a:lstStyle/>
+          <a:p>
+            <a:pPr algn="ctr"/>
+            <a:r>
+              <a:rPr lang="pt-BR" sz="1600" dirty="0" smtClean="0">
+                <a:latin typeface="Calibri" pitchFamily="34" charset="0"/>
+              </a:rPr>
+              <a:t>Busca Artefatos RAS</a:t>
+            </a:r>
+            <a:endParaRPr lang="pt-BR" sz="1600" dirty="0">
+              <a:latin typeface="Calibri" pitchFamily="34" charset="0"/>
+            </a:endParaRPr>
+          </a:p>
+        </p:txBody>
+      </p:sp>
+      <p:sp>
+        <p:nvSpPr>
+          <p:cNvPr id="61" name="Retângulo de cantos arredondados 10"/>
+          <p:cNvSpPr/>
+          <p:nvPr/>
+        </p:nvSpPr>
+        <p:spPr>
+          <a:xfrm>
+            <a:off x="6649089" y="2293589"/>
+            <a:ext cx="1440000" cy="1080000"/>
+          </a:xfrm>
+          <a:prstGeom prst="roundRect">
+            <a:avLst/>
+          </a:prstGeom>
+        </p:spPr>
+        <p:style>
+          <a:lnRef idx="0">
+            <a:schemeClr val="accent3"/>
+          </a:lnRef>
+          <a:fillRef idx="3">
+            <a:schemeClr val="accent3"/>
+          </a:fillRef>
+          <a:effectRef idx="3">
+            <a:schemeClr val="accent3"/>
+          </a:effectRef>
+          <a:fontRef idx="minor">
+            <a:schemeClr val="lt1"/>
+          </a:fontRef>
+        </p:style>
+        <p:txBody>
+          <a:bodyPr rtlCol="0" anchor="ctr"/>
+          <a:lstStyle/>
+          <a:p>
+            <a:pPr algn="ctr"/>
+            <a:r>
+              <a:rPr lang="pt-BR" sz="1600" dirty="0" smtClean="0">
+                <a:latin typeface="Calibri" pitchFamily="34" charset="0"/>
+              </a:rPr>
+              <a:t>Recuperação </a:t>
+            </a:r>
+          </a:p>
+          <a:p>
+            <a:pPr algn="ctr"/>
+            <a:r>
+              <a:rPr lang="pt-BR" sz="1600" dirty="0" smtClean="0">
+                <a:latin typeface="Calibri" pitchFamily="34" charset="0"/>
+              </a:rPr>
+              <a:t>Artefatos RAS</a:t>
+            </a:r>
+            <a:endParaRPr lang="pt-BR" sz="1600" dirty="0">
+              <a:latin typeface="Calibri" pitchFamily="34" charset="0"/>
+            </a:endParaRPr>
+          </a:p>
+        </p:txBody>
+      </p:sp>
+      <p:sp>
+        <p:nvSpPr>
+          <p:cNvPr id="62" name="Retângulo de cantos arredondados 11"/>
+          <p:cNvSpPr/>
+          <p:nvPr/>
+        </p:nvSpPr>
+        <p:spPr>
+          <a:xfrm>
+            <a:off x="3523524" y="4915150"/>
+            <a:ext cx="452440" cy="452440"/>
+          </a:xfrm>
+          <a:prstGeom prst="roundRect">
+            <a:avLst/>
+          </a:prstGeom>
+          <a:ln>
+            <a:prstDash val="dash"/>
+          </a:ln>
+        </p:spPr>
+        <p:style>
+          <a:lnRef idx="0">
+            <a:schemeClr val="accent3"/>
+          </a:lnRef>
+          <a:fillRef idx="3">
+            <a:schemeClr val="accent3"/>
+          </a:fillRef>
+          <a:effectRef idx="3">
+            <a:schemeClr val="accent3"/>
+          </a:effectRef>
+          <a:fontRef idx="minor">
+            <a:schemeClr val="lt1"/>
+          </a:fontRef>
+        </p:style>
+        <p:txBody>
+          <a:bodyPr rtlCol="0" anchor="ctr"/>
+          <a:lstStyle/>
+          <a:p>
+            <a:pPr algn="ctr"/>
+            <a:endParaRPr lang="pt-BR">
+              <a:latin typeface="Calibri" pitchFamily="34" charset="0"/>
+            </a:endParaRPr>
+          </a:p>
+        </p:txBody>
+      </p:sp>
+      <p:sp>
+        <p:nvSpPr>
+          <p:cNvPr id="63" name="CaixaDeTexto 12"/>
+          <p:cNvSpPr txBox="1"/>
+          <p:nvPr/>
+        </p:nvSpPr>
+        <p:spPr>
+          <a:xfrm>
+            <a:off x="3966439" y="4961682"/>
+            <a:ext cx="2146421" cy="369332"/>
+          </a:xfrm>
+          <a:prstGeom prst="rect">
+            <a:avLst/>
+          </a:prstGeom>
+          <a:noFill/>
+        </p:spPr>
+        <p:txBody>
+          <a:bodyPr wrap="none" rtlCol="0">
+            <a:spAutoFit/>
+          </a:bodyPr>
+          <a:lstStyle/>
+          <a:p>
+            <a:r>
+              <a:rPr lang="pt-BR" dirty="0" smtClean="0">
+                <a:latin typeface="Calibri" pitchFamily="34" charset="0"/>
+              </a:rPr>
+              <a:t>Escopo do RASPUTIN</a:t>
+            </a:r>
+            <a:endParaRPr lang="pt-BR" dirty="0">
+              <a:latin typeface="Calibri" pitchFamily="34" charset="0"/>
+            </a:endParaRPr>
+          </a:p>
+        </p:txBody>
+      </p:sp>
+      <p:sp>
+        <p:nvSpPr>
+          <p:cNvPr id="64" name="Retângulo de cantos arredondados 8"/>
+          <p:cNvSpPr/>
+          <p:nvPr/>
+        </p:nvSpPr>
+        <p:spPr>
+          <a:xfrm>
+            <a:off x="3525833" y="3386121"/>
+            <a:ext cx="1692000" cy="360000"/>
+          </a:xfrm>
+          <a:prstGeom prst="rect">
+            <a:avLst/>
+          </a:prstGeom>
+        </p:spPr>
+        <p:style>
+          <a:lnRef idx="0">
+            <a:schemeClr val="accent5"/>
+          </a:lnRef>
+          <a:fillRef idx="3">
+            <a:schemeClr val="accent5"/>
+          </a:fillRef>
+          <a:effectRef idx="3">
+            <a:schemeClr val="accent5"/>
+          </a:effectRef>
+          <a:fontRef idx="minor">
+            <a:schemeClr val="lt1"/>
+          </a:fontRef>
+        </p:style>
+        <p:txBody>
+          <a:bodyPr rtlCol="0" anchor="ctr"/>
+          <a:lstStyle/>
+          <a:p>
+            <a:pPr algn="ctr"/>
+            <a:r>
+              <a:rPr lang="pt-BR" sz="1600" dirty="0" smtClean="0">
+                <a:latin typeface="Calibri" pitchFamily="34" charset="0"/>
+              </a:rPr>
+              <a:t>Disco</a:t>
+            </a:r>
+            <a:endParaRPr lang="pt-BR" sz="1600" dirty="0">
+              <a:latin typeface="Calibri" pitchFamily="34" charset="0"/>
+            </a:endParaRPr>
           </a:p>
         </p:txBody>
       </p:sp>
@@ -6081,6 +12461,13 @@
   <p:clrMapOvr>
     <a:masterClrMapping/>
   </p:clrMapOvr>
+  <p:timing>
+    <p:tnLst>
+      <p:par>
+        <p:cTn id="1" dur="indefinite" restart="never" nodeType="tmRoot"/>
+      </p:par>
+    </p:tnLst>
+  </p:timing>
 </p:sld>
 </file>
 
@@ -6214,6 +12601,13 @@
   <p:clrMapOvr>
     <a:masterClrMapping/>
   </p:clrMapOvr>
+  <p:timing>
+    <p:tnLst>
+      <p:par>
+        <p:cTn id="1" dur="indefinite" restart="never" nodeType="tmRoot"/>
+      </p:par>
+    </p:tnLst>
+  </p:timing>
 </p:sld>
 </file>
 
@@ -6347,6 +12741,13 @@
   <p:clrMapOvr>
     <a:masterClrMapping/>
   </p:clrMapOvr>
+  <p:timing>
+    <p:tnLst>
+      <p:par>
+        <p:cTn id="1" dur="indefinite" restart="never" nodeType="tmRoot"/>
+      </p:par>
+    </p:tnLst>
+  </p:timing>
 </p:sld>
 </file>
 
@@ -6480,6 +12881,13 @@
   <p:clrMapOvr>
     <a:masterClrMapping/>
   </p:clrMapOvr>
+  <p:timing>
+    <p:tnLst>
+      <p:par>
+        <p:cTn id="1" dur="indefinite" restart="never" nodeType="tmRoot"/>
+      </p:par>
+    </p:tnLst>
+  </p:timing>
 </p:sld>
 </file>
 
@@ -6953,16 +13361,11 @@
               <a:rPr lang="pt-BR" dirty="0" smtClean="0"/>
               <a:t>Motivação</a:t>
             </a:r>
-            <a:endParaRPr lang="pt-BR" dirty="0" smtClean="0"/>
           </a:p>
           <a:p>
             <a:r>
               <a:rPr lang="pt-BR" dirty="0" smtClean="0"/>
-              <a:t>Reuso </a:t>
-            </a:r>
-            <a:r>
-              <a:rPr lang="pt-BR" dirty="0" smtClean="0"/>
-              <a:t>e Conceitos</a:t>
+              <a:t>Reuso e Conceitos</a:t>
             </a:r>
           </a:p>
           <a:p>
@@ -6982,21 +13385,18 @@
               <a:rPr lang="pt-BR" dirty="0" smtClean="0"/>
               <a:t>Artefato RAS</a:t>
             </a:r>
-            <a:endParaRPr lang="pt-BR" dirty="0" smtClean="0"/>
           </a:p>
           <a:p>
             <a:r>
               <a:rPr lang="pt-BR" dirty="0" smtClean="0"/>
               <a:t>RASPUTIN</a:t>
             </a:r>
-            <a:endParaRPr lang="pt-BR" dirty="0" smtClean="0"/>
           </a:p>
           <a:p>
             <a:r>
               <a:rPr lang="pt-BR" dirty="0" smtClean="0"/>
               <a:t>Exemplo</a:t>
             </a:r>
-            <a:endParaRPr lang="pt-BR" dirty="0" smtClean="0"/>
           </a:p>
           <a:p>
             <a:r>
@@ -7084,6 +13484,13 @@
   <p:clrMapOvr>
     <a:masterClrMapping/>
   </p:clrMapOvr>
+  <p:timing>
+    <p:tnLst>
+      <p:par>
+        <p:cTn id="1" dur="indefinite" restart="never" nodeType="tmRoot"/>
+      </p:par>
+    </p:tnLst>
+  </p:timing>
 </p:sld>
 </file>
 
@@ -7342,6 +13749,13 @@
   <p:clrMapOvr>
     <a:masterClrMapping/>
   </p:clrMapOvr>
+  <p:timing>
+    <p:tnLst>
+      <p:par>
+        <p:cTn id="1" dur="indefinite" restart="never" nodeType="tmRoot"/>
+      </p:par>
+    </p:tnLst>
+  </p:timing>
 </p:sld>
 </file>
 
@@ -7416,11 +13830,7 @@
             <a:pPr lvl="1"/>
             <a:r>
               <a:rPr lang="pt-BR" dirty="0" smtClean="0"/>
-              <a:t>Uso </a:t>
-            </a:r>
-            <a:r>
-              <a:rPr lang="pt-BR" dirty="0" smtClean="0"/>
-              <a:t>do conhecimento de software existente para construir novos artefatos de software</a:t>
+              <a:t>Uso do conhecimento de software existente para construir novos artefatos de software</a:t>
             </a:r>
           </a:p>
           <a:p>
@@ -7456,70 +13866,33 @@
             <a:pPr lvl="1"/>
             <a:r>
               <a:rPr lang="pt-BR" dirty="0" smtClean="0"/>
-              <a:t>Reuso sistemático de artefatos com um plano estruturado contendo </a:t>
-            </a:r>
+              <a:t>Reuso sistemático de artefatos com um plano estruturado contendo processos e ciclos de vida bem definidos e garantias de financiamento, pessoal e incentivo  para produção e uso de artefatos reusáveis</a:t>
+            </a:r>
+          </a:p>
+          <a:p>
             <a:r>
               <a:rPr lang="pt-BR" dirty="0" smtClean="0"/>
-              <a:t>processos e ciclos de vida bem </a:t>
+              <a:t>Tem sido estudada por décadas</a:t>
+            </a:r>
+          </a:p>
+          <a:p>
+            <a:pPr lvl="1"/>
+            <a:r>
+              <a:rPr lang="pt-BR" i="1" dirty="0" smtClean="0"/>
+              <a:t>Mass Produced Software </a:t>
+            </a:r>
+            <a:r>
+              <a:rPr lang="pt-BR" i="1" dirty="0" smtClean="0"/>
+              <a:t>Components</a:t>
             </a:r>
             <a:r>
               <a:rPr lang="pt-BR" dirty="0" smtClean="0"/>
-              <a:t>definidos e garantias de financiamento, pessoal e incentivo  para produção e uso de artefatos reusáveis</a:t>
-            </a:r>
-          </a:p>
-          <a:p>
+              <a:t>: </a:t>
+            </a:r>
             <a:r>
               <a:rPr lang="pt-BR" dirty="0" smtClean="0"/>
-              <a:t>Tem </a:t>
-            </a:r>
-            <a:r>
-              <a:rPr lang="pt-BR" dirty="0" smtClean="0"/>
-              <a:t>sido estudada por décadas</a:t>
-            </a:r>
-          </a:p>
-          <a:p>
-            <a:pPr lvl="1"/>
-            <a:r>
-              <a:rPr lang="pt-BR" i="1" dirty="0" err="1" smtClean="0"/>
-              <a:t>Mass</a:t>
-            </a:r>
-            <a:r>
-              <a:rPr lang="pt-BR" i="1" dirty="0" smtClean="0"/>
-              <a:t> </a:t>
-            </a:r>
-            <a:r>
-              <a:rPr lang="pt-BR" i="1" dirty="0" err="1" smtClean="0"/>
-              <a:t>Produced</a:t>
-            </a:r>
-            <a:r>
-              <a:rPr lang="pt-BR" i="1" dirty="0" smtClean="0"/>
-              <a:t> Software </a:t>
-            </a:r>
-            <a:r>
-              <a:rPr lang="pt-BR" i="1" dirty="0" err="1" smtClean="0"/>
-              <a:t>Components</a:t>
-            </a:r>
-            <a:r>
-              <a:rPr lang="pt-BR" i="1" dirty="0" smtClean="0"/>
-              <a:t>,</a:t>
-            </a:r>
-            <a:r>
-              <a:rPr lang="pt-BR" dirty="0" smtClean="0"/>
-              <a:t> </a:t>
-            </a:r>
-            <a:r>
-              <a:rPr lang="pt-BR" dirty="0" err="1" smtClean="0"/>
-              <a:t>McILROY</a:t>
-            </a:r>
-            <a:r>
-              <a:rPr lang="pt-BR" dirty="0" smtClean="0"/>
-              <a:t>, </a:t>
-            </a:r>
-            <a:r>
-              <a:rPr lang="pt-BR" dirty="0" smtClean="0"/>
-              <a:t>1968.</a:t>
-            </a:r>
-            <a:endParaRPr lang="pt-BR" dirty="0" smtClean="0"/>
+              <a:t>McILROY, 1968.</a:t>
+            </a:r>
           </a:p>
           <a:p>
             <a:pPr lvl="1"/>
@@ -7527,7 +13900,6 @@
               <a:rPr lang="pt-BR" dirty="0" smtClean="0"/>
               <a:t>Enfrenta barreiras em sua adoção</a:t>
             </a:r>
-            <a:endParaRPr lang="pt-BR" dirty="0" smtClean="0"/>
           </a:p>
           <a:p>
             <a:pPr lvl="1"/>
@@ -7616,6 +13988,13 @@
   <p:clrMapOvr>
     <a:masterClrMapping/>
   </p:clrMapOvr>
+  <p:timing>
+    <p:tnLst>
+      <p:par>
+        <p:cTn id="1" dur="indefinite" restart="never" nodeType="tmRoot"/>
+      </p:par>
+    </p:tnLst>
+  </p:timing>
 </p:sld>
 </file>
 
@@ -7696,8 +14075,13 @@
             <a:pPr lvl="1"/>
             <a:r>
               <a:rPr lang="pt-BR" dirty="0" smtClean="0"/>
-              <a:t>Menos incerteza sobre seu custo</a:t>
-            </a:r>
+              <a:t>Menos incerteza sobre </a:t>
+            </a:r>
+            <a:r>
+              <a:rPr lang="pt-BR" dirty="0" smtClean="0"/>
+              <a:t>custo</a:t>
+            </a:r>
+            <a:endParaRPr lang="pt-BR" dirty="0" smtClean="0"/>
           </a:p>
           <a:p>
             <a:r>
@@ -7821,6 +14205,13 @@
   <p:clrMapOvr>
     <a:masterClrMapping/>
   </p:clrMapOvr>
+  <p:timing>
+    <p:tnLst>
+      <p:par>
+        <p:cTn id="1" dur="indefinite" restart="never" nodeType="tmRoot"/>
+      </p:par>
+    </p:tnLst>
+  </p:timing>
 </p:sld>
 </file>
 
@@ -7876,109 +14267,94 @@
         </p:nvSpPr>
         <p:spPr/>
         <p:txBody>
-          <a:bodyPr/>
-          <a:lstStyle/>
-          <a:p>
-            <a:pPr>
-              <a:lnSpc>
-                <a:spcPct val="150000"/>
-              </a:lnSpc>
-            </a:pPr>
-            <a:r>
-              <a:rPr lang="pt-BR" dirty="0" smtClean="0"/>
+          <a:bodyPr>
+            <a:noAutofit/>
+          </a:bodyPr>
+          <a:lstStyle/>
+          <a:p>
+            <a:r>
+              <a:rPr lang="pt-BR" sz="2800" dirty="0" smtClean="0"/>
               <a:t>Maiores barreiras são fatores psicológicos, sociológicos e econômicos</a:t>
             </a:r>
           </a:p>
           <a:p>
-            <a:pPr lvl="1">
-              <a:lnSpc>
-                <a:spcPct val="150000"/>
-              </a:lnSpc>
-            </a:pPr>
-            <a:r>
-              <a:rPr lang="pt-BR" i="1" dirty="0" err="1" smtClean="0"/>
+            <a:pPr lvl="1"/>
+            <a:r>
+              <a:rPr lang="pt-BR" sz="2400" i="1" dirty="0" err="1" smtClean="0"/>
               <a:t>Not</a:t>
             </a:r>
             <a:r>
-              <a:rPr lang="pt-BR" i="1" dirty="0" smtClean="0"/>
+              <a:rPr lang="pt-BR" sz="2400" i="1" dirty="0" smtClean="0"/>
               <a:t> </a:t>
             </a:r>
             <a:r>
-              <a:rPr lang="pt-BR" i="1" dirty="0" err="1" smtClean="0"/>
+              <a:rPr lang="pt-BR" sz="2400" i="1" dirty="0" err="1" smtClean="0"/>
               <a:t>Invented</a:t>
             </a:r>
             <a:r>
-              <a:rPr lang="pt-BR" i="1" dirty="0" smtClean="0"/>
+              <a:rPr lang="pt-BR" sz="2400" i="1" dirty="0" smtClean="0"/>
               <a:t> </a:t>
             </a:r>
             <a:r>
-              <a:rPr lang="pt-BR" i="1" dirty="0" err="1" smtClean="0"/>
+              <a:rPr lang="pt-BR" sz="2400" i="1" dirty="0" err="1" smtClean="0"/>
               <a:t>Here</a:t>
             </a:r>
-            <a:endParaRPr lang="pt-BR" dirty="0" smtClean="0"/>
-          </a:p>
-          <a:p>
-            <a:pPr lvl="1">
-              <a:lnSpc>
-                <a:spcPct val="150000"/>
-              </a:lnSpc>
-            </a:pPr>
-            <a:r>
-              <a:rPr lang="pt-BR" dirty="0" smtClean="0"/>
+            <a:endParaRPr lang="pt-BR" sz="2400" dirty="0" smtClean="0"/>
+          </a:p>
+          <a:p>
+            <a:pPr lvl="1"/>
+            <a:r>
+              <a:rPr lang="pt-BR" sz="2400" dirty="0" smtClean="0"/>
               <a:t>Investimento inicial</a:t>
             </a:r>
           </a:p>
           <a:p>
-            <a:pPr lvl="1">
-              <a:lnSpc>
-                <a:spcPct val="150000"/>
-              </a:lnSpc>
-            </a:pPr>
-            <a:r>
-              <a:rPr lang="pt-BR" dirty="0" smtClean="0"/>
+            <a:pPr lvl="1"/>
+            <a:r>
+              <a:rPr lang="pt-BR" sz="2400" dirty="0" smtClean="0"/>
               <a:t>Resistência gerencial</a:t>
             </a:r>
           </a:p>
           <a:p>
-            <a:pPr>
-              <a:lnSpc>
-                <a:spcPct val="150000"/>
-              </a:lnSpc>
-            </a:pPr>
-            <a:r>
-              <a:rPr lang="pt-BR" dirty="0" smtClean="0"/>
+            <a:r>
+              <a:rPr lang="pt-BR" sz="2800" dirty="0" smtClean="0"/>
               <a:t>Maiores barreiras técnicas</a:t>
             </a:r>
           </a:p>
           <a:p>
-            <a:pPr lvl="1">
-              <a:lnSpc>
-                <a:spcPct val="150000"/>
-              </a:lnSpc>
-            </a:pPr>
-            <a:r>
-              <a:rPr lang="pt-BR" dirty="0" smtClean="0"/>
+            <a:pPr lvl="1"/>
+            <a:r>
+              <a:rPr lang="pt-BR" sz="2400" dirty="0" smtClean="0"/>
               <a:t>Dificuldade de encontrar componentes reusáveis</a:t>
             </a:r>
           </a:p>
           <a:p>
-            <a:pPr lvl="1">
-              <a:lnSpc>
-                <a:spcPct val="150000"/>
-              </a:lnSpc>
-            </a:pPr>
-            <a:r>
-              <a:rPr lang="pt-BR" dirty="0" smtClean="0"/>
-              <a:t>Qualidade dos componentes encontrados</a:t>
-            </a:r>
-          </a:p>
-          <a:p>
-            <a:pPr>
-              <a:lnSpc>
-                <a:spcPct val="150000"/>
-              </a:lnSpc>
-            </a:pPr>
-            <a:endParaRPr lang="pt-BR" dirty="0"/>
+            <a:pPr lvl="1"/>
+            <a:r>
+              <a:rPr lang="pt-BR" sz="2400" dirty="0" smtClean="0"/>
+              <a:t>Qualidade dos componentes </a:t>
+            </a:r>
+            <a:r>
+              <a:rPr lang="pt-BR" sz="2400" dirty="0" smtClean="0"/>
+              <a:t>encontrados</a:t>
+            </a:r>
+          </a:p>
+          <a:p>
+            <a:r>
+              <a:rPr lang="pt-BR" sz="2800" dirty="0" smtClean="0"/>
+              <a:t>Considerar também</a:t>
+            </a:r>
+          </a:p>
+          <a:p>
+            <a:pPr lvl="1"/>
+            <a:r>
+              <a:rPr lang="pt-BR" sz="2400" dirty="0" smtClean="0"/>
+              <a:t>Indefinição quanto à descrição necessária</a:t>
+            </a:r>
+            <a:endParaRPr lang="pt-BR" sz="2400" dirty="0" smtClean="0"/>
+          </a:p>
+          <a:p>
+            <a:endParaRPr lang="pt-BR" sz="2800" dirty="0"/>
           </a:p>
         </p:txBody>
       </p:sp>
@@ -8057,6 +14433,13 @@
   <p:clrMapOvr>
     <a:masterClrMapping/>
   </p:clrMapOvr>
+  <p:timing>
+    <p:tnLst>
+      <p:par>
+        <p:cTn id="1" dur="indefinite" restart="never" nodeType="tmRoot"/>
+      </p:par>
+    </p:tnLst>
+  </p:timing>
 </p:sld>
 </file>
 
@@ -8214,13 +14597,8 @@
             <a:pPr lvl="2"/>
             <a:r>
               <a:rPr lang="pt-BR" dirty="0" smtClean="0"/>
-              <a:t>Gerenciamento, compreensão, construção  e documentação de projetos </a:t>
-            </a:r>
-            <a:r>
-              <a:rPr lang="pt-BR" smtClean="0"/>
-              <a:t>de software.</a:t>
-            </a:r>
-            <a:endParaRPr lang="pt-BR" dirty="0" smtClean="0"/>
+              <a:t>Gerenciamento, compreensão, construção  e documentação de projetos de software.</a:t>
+            </a:r>
           </a:p>
           <a:p>
             <a:pPr lvl="2"/>
@@ -8319,6 +14697,13 @@
   <p:clrMapOvr>
     <a:masterClrMapping/>
   </p:clrMapOvr>
+  <p:timing>
+    <p:tnLst>
+      <p:par>
+        <p:cTn id="1" dur="indefinite" restart="never" nodeType="tmRoot"/>
+      </p:par>
+    </p:tnLst>
+  </p:timing>
 </p:sld>
 </file>
 
@@ -8354,7 +14739,11 @@
           <a:bodyPr/>
           <a:lstStyle/>
           <a:p>
-            <a:endParaRPr lang="pt-BR"/>
+            <a:r>
+              <a:rPr lang="pt-BR" dirty="0" smtClean="0"/>
+              <a:t>Objetivo</a:t>
+            </a:r>
+            <a:endParaRPr lang="pt-BR" dirty="0"/>
           </a:p>
         </p:txBody>
       </p:sp>
@@ -8370,10 +14759,69 @@
         </p:nvSpPr>
         <p:spPr/>
         <p:txBody>
-          <a:bodyPr/>
-          <a:lstStyle/>
-          <a:p>
-            <a:endParaRPr lang="pt-BR"/>
+          <a:bodyPr>
+            <a:normAutofit/>
+          </a:bodyPr>
+          <a:lstStyle/>
+          <a:p>
+            <a:pPr>
+              <a:lnSpc>
+                <a:spcPct val="150000"/>
+              </a:lnSpc>
+            </a:pPr>
+            <a:r>
+              <a:rPr lang="pt-BR" sz="3600" dirty="0" smtClean="0"/>
+              <a:t>Suporte à promoção do reuso</a:t>
+            </a:r>
+          </a:p>
+          <a:p>
+            <a:pPr lvl="1">
+              <a:lnSpc>
+                <a:spcPct val="150000"/>
+              </a:lnSpc>
+            </a:pPr>
+            <a:r>
+              <a:rPr lang="pt-BR" sz="3200" dirty="0" smtClean="0"/>
+              <a:t>Através do padrão RAS</a:t>
+            </a:r>
+          </a:p>
+          <a:p>
+            <a:pPr lvl="2">
+              <a:lnSpc>
+                <a:spcPct val="150000"/>
+              </a:lnSpc>
+            </a:pPr>
+            <a:r>
+              <a:rPr lang="pt-BR" sz="2800" dirty="0" smtClean="0"/>
+              <a:t>Reusable Asset Specification, OMG</a:t>
+            </a:r>
+            <a:endParaRPr lang="pt-BR" sz="2800" dirty="0" smtClean="0"/>
+          </a:p>
+          <a:p>
+            <a:pPr lvl="1">
+              <a:lnSpc>
+                <a:spcPct val="150000"/>
+              </a:lnSpc>
+            </a:pPr>
+            <a:r>
+              <a:rPr lang="pt-BR" sz="3200" dirty="0" smtClean="0"/>
+              <a:t>Solução </a:t>
+            </a:r>
+            <a:r>
+              <a:rPr lang="pt-BR" sz="3200" i="1" dirty="0" smtClean="0"/>
+              <a:t>open source</a:t>
+            </a:r>
+          </a:p>
+          <a:p>
+            <a:pPr lvl="2">
+              <a:lnSpc>
+                <a:spcPct val="150000"/>
+              </a:lnSpc>
+            </a:pPr>
+            <a:r>
+              <a:rPr lang="pt-BR" sz="2800" dirty="0" smtClean="0"/>
+              <a:t>Integração com solução existente</a:t>
+            </a:r>
           </a:p>
         </p:txBody>
       </p:sp>
@@ -8452,6 +14900,13 @@
   <p:clrMapOvr>
     <a:masterClrMapping/>
   </p:clrMapOvr>
+  <p:timing>
+    <p:tnLst>
+      <p:par>
+        <p:cTn id="1" dur="indefinite" restart="never" nodeType="tmRoot"/>
+      </p:par>
+    </p:tnLst>
+  </p:timing>
 </p:sld>
 </file>
 
@@ -8505,31 +14960,12 @@
       </p:sp>
       <p:sp>
         <p:nvSpPr>
-          <p:cNvPr id="3" name="Espaço Reservado para Conteúdo 2"/>
-          <p:cNvSpPr>
-            <a:spLocks noGrp="1"/>
-          </p:cNvSpPr>
-          <p:nvPr>
-            <p:ph sz="quarter" idx="1"/>
-          </p:nvPr>
-        </p:nvSpPr>
-        <p:spPr/>
-        <p:txBody>
-          <a:bodyPr/>
-          <a:lstStyle/>
-          <a:p>
-            <a:endParaRPr lang="pt-BR"/>
-          </a:p>
-        </p:txBody>
-      </p:sp>
-      <p:sp>
-        <p:nvSpPr>
           <p:cNvPr id="4" name="Espaço Reservado para Data 3"/>
           <p:cNvSpPr>
             <a:spLocks noGrp="1"/>
           </p:cNvSpPr>
           <p:nvPr>
-            <p:ph type="dt" sz="half" idx="14"/>
+            <p:ph type="dt" sz="half" idx="10"/>
           </p:nvPr>
         </p:nvSpPr>
         <p:spPr/>
@@ -8547,12 +14983,35 @@
       </p:sp>
       <p:sp>
         <p:nvSpPr>
+          <p:cNvPr id="6" name="Espaço Reservado para Rodapé 5"/>
+          <p:cNvSpPr>
+            <a:spLocks noGrp="1"/>
+          </p:cNvSpPr>
+          <p:nvPr>
+            <p:ph type="ftr" sz="quarter" idx="11"/>
+          </p:nvPr>
+        </p:nvSpPr>
+        <p:spPr/>
+        <p:txBody>
+          <a:bodyPr/>
+          <a:lstStyle/>
+          <a:p>
+            <a:r>
+              <a:rPr lang="pt-BR" smtClean="0"/>
+              <a:t>RASPUTIN</a:t>
+            </a:r>
+            <a:endParaRPr lang="pt-BR"/>
+          </a:p>
+        </p:txBody>
+      </p:sp>
+      <p:sp>
+        <p:nvSpPr>
           <p:cNvPr id="5" name="Espaço Reservado para Número de Slide 4"/>
           <p:cNvSpPr>
             <a:spLocks noGrp="1"/>
           </p:cNvSpPr>
           <p:nvPr>
-            <p:ph type="sldNum" sz="quarter" idx="15"/>
+            <p:ph type="sldNum" sz="quarter" idx="12"/>
           </p:nvPr>
         </p:nvSpPr>
         <p:spPr/>
@@ -8571,32 +15030,107 @@
       </p:sp>
       <p:sp>
         <p:nvSpPr>
-          <p:cNvPr id="6" name="Espaço Reservado para Rodapé 5"/>
-          <p:cNvSpPr>
-            <a:spLocks noGrp="1"/>
-          </p:cNvSpPr>
-          <p:nvPr>
-            <p:ph type="ftr" sz="quarter" idx="16"/>
+          <p:cNvPr id="3" name="Espaço Reservado para Conteúdo 2"/>
+          <p:cNvSpPr>
+            <a:spLocks noGrp="1"/>
+          </p:cNvSpPr>
+          <p:nvPr>
+            <p:ph type="body" sz="quarter" idx="13"/>
           </p:nvPr>
         </p:nvSpPr>
         <p:spPr/>
         <p:txBody>
-          <a:bodyPr/>
-          <a:lstStyle/>
-          <a:p>
-            <a:r>
-              <a:rPr lang="pt-BR" smtClean="0"/>
-              <a:t>RASPUTIN</a:t>
-            </a:r>
-            <a:endParaRPr lang="pt-BR"/>
-          </a:p>
-        </p:txBody>
-      </p:sp>
+          <a:bodyPr>
+            <a:normAutofit lnSpcReduction="10000"/>
+          </a:bodyPr>
+          <a:lstStyle/>
+          <a:p>
+            <a:r>
+              <a:rPr lang="pt-BR" dirty="0" smtClean="0"/>
+              <a:t>Maximizar reuso de software existente</a:t>
+            </a:r>
+          </a:p>
+          <a:p>
+            <a:pPr lvl="1"/>
+            <a:r>
+              <a:rPr lang="pt-BR" dirty="0" smtClean="0"/>
+              <a:t>Redução de custo.</a:t>
+            </a:r>
+          </a:p>
+          <a:p>
+            <a:r>
+              <a:rPr lang="pt-BR" dirty="0" smtClean="0"/>
+              <a:t>Acontece logo após a fase de especificação</a:t>
+            </a:r>
+          </a:p>
+          <a:p>
+            <a:r>
+              <a:rPr lang="pt-BR" dirty="0" smtClean="0"/>
+              <a:t>Algumas condições</a:t>
+            </a:r>
+          </a:p>
+          <a:p>
+            <a:pPr lvl="1"/>
+            <a:r>
+              <a:rPr lang="pt-BR" dirty="0" smtClean="0"/>
+              <a:t>Custo de procura deve ser relativamente baixo</a:t>
+            </a:r>
+          </a:p>
+          <a:p>
+            <a:pPr lvl="1"/>
+            <a:r>
+              <a:rPr lang="pt-BR" dirty="0" smtClean="0"/>
+              <a:t>Componentes devem ser confiáveis</a:t>
+            </a:r>
+          </a:p>
+          <a:p>
+            <a:pPr lvl="1"/>
+            <a:r>
+              <a:rPr lang="pt-BR" dirty="0" smtClean="0"/>
+              <a:t>Documentação associada</a:t>
+            </a:r>
+          </a:p>
+          <a:p>
+            <a:r>
+              <a:rPr lang="pt-BR" dirty="0" smtClean="0"/>
+              <a:t>De onde vém os componentes?</a:t>
+            </a:r>
+            <a:endParaRPr lang="pt-BR" dirty="0"/>
+          </a:p>
+        </p:txBody>
+      </p:sp>
+      <p:graphicFrame>
+        <p:nvGraphicFramePr>
+          <p:cNvPr id="8" name="SmartArt Placeholder 7"/>
+          <p:cNvGraphicFramePr>
+            <a:graphicFrameLocks noGrp="1"/>
+          </p:cNvGraphicFramePr>
+          <p:nvPr>
+            <p:ph type="dgm" sz="quarter" idx="14"/>
+          </p:nvPr>
+        </p:nvGraphicFramePr>
+        <p:xfrm>
+          <a:off x="428625" y="5143500"/>
+          <a:ext cx="7500938" cy="1500188"/>
+        </p:xfrm>
+        <a:graphic>
+          <a:graphicData uri="http://schemas.openxmlformats.org/drawingml/2006/diagram">
+            <dgm:relIds xmlns:dgm="http://schemas.openxmlformats.org/drawingml/2006/diagram" xmlns:r="http://schemas.openxmlformats.org/officeDocument/2006/relationships" r:dm="rId2" r:lo="rId3" r:qs="rId4" r:cs="rId5"/>
+          </a:graphicData>
+        </a:graphic>
+      </p:graphicFrame>
     </p:spTree>
   </p:cSld>
   <p:clrMapOvr>
     <a:masterClrMapping/>
   </p:clrMapOvr>
+  <p:timing>
+    <p:tnLst>
+      <p:par>
+        <p:cTn id="1" dur="indefinite" restart="never" nodeType="tmRoot"/>
+      </p:par>
+    </p:tnLst>
+  </p:timing>
 </p:sld>
 </file>
 
@@ -8650,31 +15184,12 @@
       </p:sp>
       <p:sp>
         <p:nvSpPr>
-          <p:cNvPr id="3" name="Espaço Reservado para Conteúdo 2"/>
-          <p:cNvSpPr>
-            <a:spLocks noGrp="1"/>
-          </p:cNvSpPr>
-          <p:nvPr>
-            <p:ph sz="quarter" idx="1"/>
-          </p:nvPr>
-        </p:nvSpPr>
-        <p:spPr/>
-        <p:txBody>
-          <a:bodyPr/>
-          <a:lstStyle/>
-          <a:p>
-            <a:endParaRPr lang="pt-BR"/>
-          </a:p>
-        </p:txBody>
-      </p:sp>
-      <p:sp>
-        <p:nvSpPr>
           <p:cNvPr id="4" name="Espaço Reservado para Data 3"/>
           <p:cNvSpPr>
             <a:spLocks noGrp="1"/>
           </p:cNvSpPr>
           <p:nvPr>
-            <p:ph type="dt" sz="half" idx="14"/>
+            <p:ph type="dt" sz="half" idx="10"/>
           </p:nvPr>
         </p:nvSpPr>
         <p:spPr/>
@@ -8692,12 +15207,35 @@
       </p:sp>
       <p:sp>
         <p:nvSpPr>
+          <p:cNvPr id="6" name="Espaço Reservado para Rodapé 5"/>
+          <p:cNvSpPr>
+            <a:spLocks noGrp="1"/>
+          </p:cNvSpPr>
+          <p:nvPr>
+            <p:ph type="ftr" sz="quarter" idx="11"/>
+          </p:nvPr>
+        </p:nvSpPr>
+        <p:spPr/>
+        <p:txBody>
+          <a:bodyPr/>
+          <a:lstStyle/>
+          <a:p>
+            <a:r>
+              <a:rPr lang="pt-BR" smtClean="0"/>
+              <a:t>RASPUTIN</a:t>
+            </a:r>
+            <a:endParaRPr lang="pt-BR"/>
+          </a:p>
+        </p:txBody>
+      </p:sp>
+      <p:sp>
+        <p:nvSpPr>
           <p:cNvPr id="5" name="Espaço Reservado para Número de Slide 4"/>
           <p:cNvSpPr>
             <a:spLocks noGrp="1"/>
           </p:cNvSpPr>
           <p:nvPr>
-            <p:ph type="sldNum" sz="quarter" idx="15"/>
+            <p:ph type="sldNum" sz="quarter" idx="12"/>
           </p:nvPr>
         </p:nvSpPr>
         <p:spPr/>
@@ -8716,12 +15254,12 @@
       </p:sp>
       <p:sp>
         <p:nvSpPr>
-          <p:cNvPr id="6" name="Espaço Reservado para Rodapé 5"/>
-          <p:cNvSpPr>
-            <a:spLocks noGrp="1"/>
-          </p:cNvSpPr>
-          <p:nvPr>
-            <p:ph type="ftr" sz="quarter" idx="16"/>
+          <p:cNvPr id="3" name="Espaço Reservado para Conteúdo 2"/>
+          <p:cNvSpPr>
+            <a:spLocks noGrp="1"/>
+          </p:cNvSpPr>
+          <p:nvPr>
+            <p:ph type="body" sz="quarter" idx="13"/>
           </p:nvPr>
         </p:nvSpPr>
         <p:spPr/>
@@ -8730,18 +15268,87 @@
           <a:lstStyle/>
           <a:p>
             <a:r>
-              <a:rPr lang="pt-BR" smtClean="0"/>
-              <a:t>RASPUTIN</a:t>
-            </a:r>
-            <a:endParaRPr lang="pt-BR"/>
-          </a:p>
-        </p:txBody>
-      </p:sp>
+              <a:rPr lang="pt-BR" dirty="0" smtClean="0"/>
+              <a:t>Identificação  e geração de componentes reusáveis</a:t>
+            </a:r>
+          </a:p>
+          <a:p>
+            <a:r>
+              <a:rPr lang="pt-BR" dirty="0" smtClean="0"/>
+              <a:t>Adaptação dos compoentes</a:t>
+            </a:r>
+          </a:p>
+          <a:p>
+            <a:pPr lvl="1"/>
+            <a:r>
+              <a:rPr lang="pt-BR" dirty="0" smtClean="0"/>
+              <a:t>Tornar componentes existentes passíveis de reuso</a:t>
+            </a:r>
+          </a:p>
+          <a:p>
+            <a:pPr lvl="1"/>
+            <a:r>
+              <a:rPr lang="pt-BR" dirty="0" smtClean="0"/>
+              <a:t>Exemplos de mudanças</a:t>
+            </a:r>
+          </a:p>
+          <a:p>
+            <a:pPr lvl="2"/>
+            <a:r>
+              <a:rPr lang="pt-BR" dirty="0" smtClean="0"/>
+              <a:t>Nomenclatura</a:t>
+            </a:r>
+          </a:p>
+          <a:p>
+            <a:pPr lvl="2"/>
+            <a:r>
+              <a:rPr lang="pt-BR" dirty="0" smtClean="0"/>
+              <a:t>Adição e remoção de operações</a:t>
+            </a:r>
+          </a:p>
+          <a:p>
+            <a:r>
+              <a:rPr lang="pt-BR" dirty="0" smtClean="0"/>
+              <a:t>Verificação da qualidade</a:t>
+            </a:r>
+          </a:p>
+          <a:p>
+            <a:endParaRPr lang="pt-BR" dirty="0" smtClean="0"/>
+          </a:p>
+        </p:txBody>
+      </p:sp>
+      <p:graphicFrame>
+        <p:nvGraphicFramePr>
+          <p:cNvPr id="8" name="SmartArt Placeholder 7"/>
+          <p:cNvGraphicFramePr>
+            <a:graphicFrameLocks noGrp="1"/>
+          </p:cNvGraphicFramePr>
+          <p:nvPr>
+            <p:ph type="dgm" sz="quarter" idx="14"/>
+          </p:nvPr>
+        </p:nvGraphicFramePr>
+        <p:xfrm>
+          <a:off x="428625" y="5143500"/>
+          <a:ext cx="7500938" cy="1500188"/>
+        </p:xfrm>
+        <a:graphic>
+          <a:graphicData uri="http://schemas.openxmlformats.org/drawingml/2006/diagram">
+            <dgm:relIds xmlns:dgm="http://schemas.openxmlformats.org/drawingml/2006/diagram" xmlns:r="http://schemas.openxmlformats.org/officeDocument/2006/relationships" r:dm="rId2" r:lo="rId3" r:qs="rId4" r:cs="rId5"/>
+          </a:graphicData>
+        </a:graphic>
+      </p:graphicFrame>
     </p:spTree>
   </p:cSld>
   <p:clrMapOvr>
     <a:masterClrMapping/>
   </p:clrMapOvr>
+  <p:timing>
+    <p:tnLst>
+      <p:par>
+        <p:cTn id="1" dur="indefinite" restart="never" nodeType="tmRoot"/>
+      </p:par>
+    </p:tnLst>
+  </p:timing>
 </p:sld>
 </file>
 

--- a/PromotingSoftwareReuseWithRAS/RASPUTIN.pptx
+++ b/PromotingSoftwareReuseWithRAS/RASPUTIN.pptx
@@ -5342,6 +5342,13 @@
         </dgm:presLayoutVars>
       </dgm:prSet>
       <dgm:spPr/>
+      <dgm:t>
+        <a:bodyPr/>
+        <a:lstStyle/>
+        <a:p>
+          <a:endParaRPr lang="pt-BR"/>
+        </a:p>
+      </dgm:t>
     </dgm:pt>
     <dgm:pt modelId="{995EC26F-6572-4460-8394-CC78B42FC2FB}" type="pres">
       <dgm:prSet presAssocID="{22FEECEC-54D5-49AC-B149-B8CA74A4FCB3}" presName="parentLin" presStyleCnt="0"/>
@@ -5350,6 +5357,13 @@
     <dgm:pt modelId="{1D311902-0D8D-457E-9BAA-CE320EC3F3AF}" type="pres">
       <dgm:prSet presAssocID="{22FEECEC-54D5-49AC-B149-B8CA74A4FCB3}" presName="parentLeftMargin" presStyleLbl="node1" presStyleIdx="0" presStyleCnt="7"/>
       <dgm:spPr/>
+      <dgm:t>
+        <a:bodyPr/>
+        <a:lstStyle/>
+        <a:p>
+          <a:endParaRPr lang="pt-BR"/>
+        </a:p>
+      </dgm:t>
     </dgm:pt>
     <dgm:pt modelId="{6353BEFE-788C-45ED-A09E-3A93A2F1C8B7}" type="pres">
       <dgm:prSet presAssocID="{22FEECEC-54D5-49AC-B149-B8CA74A4FCB3}" presName="parentText" presStyleLbl="node1" presStyleIdx="0" presStyleCnt="7">
@@ -5390,6 +5404,13 @@
     <dgm:pt modelId="{208F4EA5-5F94-45B0-A1BA-6403267A985B}" type="pres">
       <dgm:prSet presAssocID="{BB850C15-3DF3-41E1-AEAA-25F1FC4AF087}" presName="parentLeftMargin" presStyleLbl="node1" presStyleIdx="0" presStyleCnt="7"/>
       <dgm:spPr/>
+      <dgm:t>
+        <a:bodyPr/>
+        <a:lstStyle/>
+        <a:p>
+          <a:endParaRPr lang="pt-BR"/>
+        </a:p>
+      </dgm:t>
     </dgm:pt>
     <dgm:pt modelId="{BF19DAF8-4225-41C3-9D8B-A82DC20FA59C}" type="pres">
       <dgm:prSet presAssocID="{BB850C15-3DF3-41E1-AEAA-25F1FC4AF087}" presName="parentText" presStyleLbl="node1" presStyleIdx="1" presStyleCnt="7">
@@ -5399,6 +5420,13 @@
         </dgm:presLayoutVars>
       </dgm:prSet>
       <dgm:spPr/>
+      <dgm:t>
+        <a:bodyPr/>
+        <a:lstStyle/>
+        <a:p>
+          <a:endParaRPr lang="pt-BR"/>
+        </a:p>
+      </dgm:t>
     </dgm:pt>
     <dgm:pt modelId="{2D648F96-5156-4322-AA60-26B197609713}" type="pres">
       <dgm:prSet presAssocID="{BB850C15-3DF3-41E1-AEAA-25F1FC4AF087}" presName="negativeSpace" presStyleCnt="0"/>
@@ -5423,6 +5451,13 @@
     <dgm:pt modelId="{08777231-B774-4143-AB50-28245B3D57A8}" type="pres">
       <dgm:prSet presAssocID="{5256243A-8894-43DC-A7DE-31E773E5FF40}" presName="parentLeftMargin" presStyleLbl="node1" presStyleIdx="1" presStyleCnt="7"/>
       <dgm:spPr/>
+      <dgm:t>
+        <a:bodyPr/>
+        <a:lstStyle/>
+        <a:p>
+          <a:endParaRPr lang="pt-BR"/>
+        </a:p>
+      </dgm:t>
     </dgm:pt>
     <dgm:pt modelId="{0739AF2F-F146-486C-AE8E-00642EB1B354}" type="pres">
       <dgm:prSet presAssocID="{5256243A-8894-43DC-A7DE-31E773E5FF40}" presName="parentText" presStyleLbl="node1" presStyleIdx="2" presStyleCnt="7">
@@ -5432,6 +5467,13 @@
         </dgm:presLayoutVars>
       </dgm:prSet>
       <dgm:spPr/>
+      <dgm:t>
+        <a:bodyPr/>
+        <a:lstStyle/>
+        <a:p>
+          <a:endParaRPr lang="pt-BR"/>
+        </a:p>
+      </dgm:t>
     </dgm:pt>
     <dgm:pt modelId="{DCB62376-2378-41B7-9FC3-23B0C55EE5FC}" type="pres">
       <dgm:prSet presAssocID="{5256243A-8894-43DC-A7DE-31E773E5FF40}" presName="negativeSpace" presStyleCnt="0"/>
@@ -5456,6 +5498,13 @@
     <dgm:pt modelId="{D6BE1685-1DDE-468D-A42F-88959BFE2BA2}" type="pres">
       <dgm:prSet presAssocID="{C807B2C9-FE6E-42AF-B5A4-18BC12089093}" presName="parentLeftMargin" presStyleLbl="node1" presStyleIdx="2" presStyleCnt="7"/>
       <dgm:spPr/>
+      <dgm:t>
+        <a:bodyPr/>
+        <a:lstStyle/>
+        <a:p>
+          <a:endParaRPr lang="pt-BR"/>
+        </a:p>
+      </dgm:t>
     </dgm:pt>
     <dgm:pt modelId="{96E7A00A-F4EA-4404-884B-49748A5BB376}" type="pres">
       <dgm:prSet presAssocID="{C807B2C9-FE6E-42AF-B5A4-18BC12089093}" presName="parentText" presStyleLbl="node1" presStyleIdx="3" presStyleCnt="7">
@@ -5465,6 +5514,13 @@
         </dgm:presLayoutVars>
       </dgm:prSet>
       <dgm:spPr/>
+      <dgm:t>
+        <a:bodyPr/>
+        <a:lstStyle/>
+        <a:p>
+          <a:endParaRPr lang="pt-BR"/>
+        </a:p>
+      </dgm:t>
     </dgm:pt>
     <dgm:pt modelId="{950CCBD4-E8D4-4B2E-B6B3-1953A3388CDA}" type="pres">
       <dgm:prSet presAssocID="{C807B2C9-FE6E-42AF-B5A4-18BC12089093}" presName="negativeSpace" presStyleCnt="0"/>
@@ -5489,6 +5545,13 @@
     <dgm:pt modelId="{BCFD3B5F-BCA7-4F7A-88AE-B95F1369EA01}" type="pres">
       <dgm:prSet presAssocID="{F94CB013-3FA4-4469-AE0E-0C3C64E84A76}" presName="parentLeftMargin" presStyleLbl="node1" presStyleIdx="3" presStyleCnt="7"/>
       <dgm:spPr/>
+      <dgm:t>
+        <a:bodyPr/>
+        <a:lstStyle/>
+        <a:p>
+          <a:endParaRPr lang="pt-BR"/>
+        </a:p>
+      </dgm:t>
     </dgm:pt>
     <dgm:pt modelId="{59E7D65B-C76B-4003-83AA-B2FFC4B2B829}" type="pres">
       <dgm:prSet presAssocID="{F94CB013-3FA4-4469-AE0E-0C3C64E84A76}" presName="parentText" presStyleLbl="node1" presStyleIdx="4" presStyleCnt="7">
@@ -5498,6 +5561,13 @@
         </dgm:presLayoutVars>
       </dgm:prSet>
       <dgm:spPr/>
+      <dgm:t>
+        <a:bodyPr/>
+        <a:lstStyle/>
+        <a:p>
+          <a:endParaRPr lang="pt-BR"/>
+        </a:p>
+      </dgm:t>
     </dgm:pt>
     <dgm:pt modelId="{652CB271-B3CE-4DFD-A33E-5CDB477FD3E9}" type="pres">
       <dgm:prSet presAssocID="{F94CB013-3FA4-4469-AE0E-0C3C64E84A76}" presName="negativeSpace" presStyleCnt="0"/>
@@ -5522,6 +5592,13 @@
     <dgm:pt modelId="{3CF7CDE7-1CA3-4524-8C7A-2DFE7BBF1EFD}" type="pres">
       <dgm:prSet presAssocID="{6C91A7DC-8002-485F-B518-1B7D71693CD6}" presName="parentLeftMargin" presStyleLbl="node1" presStyleIdx="4" presStyleCnt="7"/>
       <dgm:spPr/>
+      <dgm:t>
+        <a:bodyPr/>
+        <a:lstStyle/>
+        <a:p>
+          <a:endParaRPr lang="pt-BR"/>
+        </a:p>
+      </dgm:t>
     </dgm:pt>
     <dgm:pt modelId="{D69FDF02-8EEB-4066-9603-1F231BBE96B6}" type="pres">
       <dgm:prSet presAssocID="{6C91A7DC-8002-485F-B518-1B7D71693CD6}" presName="parentText" presStyleLbl="node1" presStyleIdx="5" presStyleCnt="7">
@@ -5531,6 +5608,13 @@
         </dgm:presLayoutVars>
       </dgm:prSet>
       <dgm:spPr/>
+      <dgm:t>
+        <a:bodyPr/>
+        <a:lstStyle/>
+        <a:p>
+          <a:endParaRPr lang="pt-BR"/>
+        </a:p>
+      </dgm:t>
     </dgm:pt>
     <dgm:pt modelId="{90BFFE56-9B4E-4AB2-9565-57E6D4823A4E}" type="pres">
       <dgm:prSet presAssocID="{6C91A7DC-8002-485F-B518-1B7D71693CD6}" presName="negativeSpace" presStyleCnt="0"/>
@@ -5555,6 +5639,13 @@
     <dgm:pt modelId="{A92E771B-DB05-4541-87DD-B50CE89BFB9A}" type="pres">
       <dgm:prSet presAssocID="{122CF154-D49A-4ABB-9030-22EDAD1579B7}" presName="parentLeftMargin" presStyleLbl="node1" presStyleIdx="5" presStyleCnt="7"/>
       <dgm:spPr/>
+      <dgm:t>
+        <a:bodyPr/>
+        <a:lstStyle/>
+        <a:p>
+          <a:endParaRPr lang="pt-BR"/>
+        </a:p>
+      </dgm:t>
     </dgm:pt>
     <dgm:pt modelId="{367313A9-A5BE-47AB-B80E-F9E5B7962A66}" type="pres">
       <dgm:prSet presAssocID="{122CF154-D49A-4ABB-9030-22EDAD1579B7}" presName="parentText" presStyleLbl="node1" presStyleIdx="6" presStyleCnt="7">
@@ -5564,6 +5655,13 @@
         </dgm:presLayoutVars>
       </dgm:prSet>
       <dgm:spPr/>
+      <dgm:t>
+        <a:bodyPr/>
+        <a:lstStyle/>
+        <a:p>
+          <a:endParaRPr lang="pt-BR"/>
+        </a:p>
+      </dgm:t>
     </dgm:pt>
     <dgm:pt modelId="{0743724C-21E3-48B7-BEF2-DA807319E880}" type="pres">
       <dgm:prSet presAssocID="{122CF154-D49A-4ABB-9030-22EDAD1579B7}" presName="negativeSpace" presStyleCnt="0"/>
@@ -5580,8 +5678,8 @@
   </dgm:ptLst>
   <dgm:cxnLst>
     <dgm:cxn modelId="{811C64E8-7DA8-42DF-9E0F-D1B773AAAAC5}" type="presOf" srcId="{7B487356-0390-489B-A9AF-641BD3B11DE6}" destId="{EDB01710-F8F2-4429-8EE4-92EA27E77C32}" srcOrd="0" destOrd="0" presId="urn:microsoft.com/office/officeart/2005/8/layout/list1"/>
+    <dgm:cxn modelId="{AC2EB8AB-EEE0-4B75-BCC4-74C8AD361623}" type="presOf" srcId="{F94CB013-3FA4-4469-AE0E-0C3C64E84A76}" destId="{59E7D65B-C76B-4003-83AA-B2FFC4B2B829}" srcOrd="1" destOrd="0" presId="urn:microsoft.com/office/officeart/2005/8/layout/list1"/>
     <dgm:cxn modelId="{4C4CAA71-A132-497B-9BA3-2F5120732726}" type="presOf" srcId="{122CF154-D49A-4ABB-9030-22EDAD1579B7}" destId="{A92E771B-DB05-4541-87DD-B50CE89BFB9A}" srcOrd="0" destOrd="0" presId="urn:microsoft.com/office/officeart/2005/8/layout/list1"/>
-    <dgm:cxn modelId="{AC2EB8AB-EEE0-4B75-BCC4-74C8AD361623}" type="presOf" srcId="{F94CB013-3FA4-4469-AE0E-0C3C64E84A76}" destId="{59E7D65B-C76B-4003-83AA-B2FFC4B2B829}" srcOrd="1" destOrd="0" presId="urn:microsoft.com/office/officeart/2005/8/layout/list1"/>
     <dgm:cxn modelId="{37DA7267-0236-411C-9F84-43887468D733}" srcId="{7B487356-0390-489B-A9AF-641BD3B11DE6}" destId="{C807B2C9-FE6E-42AF-B5A4-18BC12089093}" srcOrd="3" destOrd="0" parTransId="{5FB865DE-6AB5-48A0-B1EB-35F6DF2D855D}" sibTransId="{C0E092F7-4F2F-4B89-9861-F570844211C2}"/>
     <dgm:cxn modelId="{3EF404FE-BCCE-4450-B010-A23EEAF081B2}" type="presOf" srcId="{22FEECEC-54D5-49AC-B149-B8CA74A4FCB3}" destId="{1D311902-0D8D-457E-9BAA-CE320EC3F3AF}" srcOrd="0" destOrd="0" presId="urn:microsoft.com/office/officeart/2005/8/layout/list1"/>
     <dgm:cxn modelId="{26BF81F6-9584-4645-ADF1-0315BF5A06F0}" srcId="{7B487356-0390-489B-A9AF-641BD3B11DE6}" destId="{122CF154-D49A-4ABB-9030-22EDAD1579B7}" srcOrd="6" destOrd="0" parTransId="{84B2BE10-EB10-4759-8923-F88C1EE7FB36}" sibTransId="{AF9C0687-FFED-42A0-A7D5-C221B9D6E568}"/>
@@ -5592,14 +5690,14 @@
     <dgm:cxn modelId="{7EA8D193-D646-42A1-8016-FA2EF03F1977}" srcId="{7B487356-0390-489B-A9AF-641BD3B11DE6}" destId="{22FEECEC-54D5-49AC-B149-B8CA74A4FCB3}" srcOrd="0" destOrd="0" parTransId="{A470B9DD-4571-48EB-AEF8-FD18003E858D}" sibTransId="{5EE4741B-4D84-4E1B-9142-11E20D252A78}"/>
     <dgm:cxn modelId="{4D6A8948-1B6E-45B9-B942-262D3F06A727}" type="presOf" srcId="{5256243A-8894-43DC-A7DE-31E773E5FF40}" destId="{0739AF2F-F146-486C-AE8E-00642EB1B354}" srcOrd="1" destOrd="0" presId="urn:microsoft.com/office/officeart/2005/8/layout/list1"/>
     <dgm:cxn modelId="{48F8210F-1F41-4A9E-8E0A-202314A01DA0}" type="presOf" srcId="{5256243A-8894-43DC-A7DE-31E773E5FF40}" destId="{08777231-B774-4143-AB50-28245B3D57A8}" srcOrd="0" destOrd="0" presId="urn:microsoft.com/office/officeart/2005/8/layout/list1"/>
+    <dgm:cxn modelId="{A556E85E-960A-4B5A-A709-E49BE45CE168}" type="presOf" srcId="{6C91A7DC-8002-485F-B518-1B7D71693CD6}" destId="{3CF7CDE7-1CA3-4524-8C7A-2DFE7BBF1EFD}" srcOrd="0" destOrd="0" presId="urn:microsoft.com/office/officeart/2005/8/layout/list1"/>
     <dgm:cxn modelId="{97E8187C-D846-48F5-B741-0AA38DFAC910}" srcId="{7B487356-0390-489B-A9AF-641BD3B11DE6}" destId="{BB850C15-3DF3-41E1-AEAA-25F1FC4AF087}" srcOrd="1" destOrd="0" parTransId="{ED1F2739-04D2-4748-B0BA-977535CFF169}" sibTransId="{1A38BC1E-D2ED-4400-834A-6A1DA7FA8994}"/>
-    <dgm:cxn modelId="{A556E85E-960A-4B5A-A709-E49BE45CE168}" type="presOf" srcId="{6C91A7DC-8002-485F-B518-1B7D71693CD6}" destId="{3CF7CDE7-1CA3-4524-8C7A-2DFE7BBF1EFD}" srcOrd="0" destOrd="0" presId="urn:microsoft.com/office/officeart/2005/8/layout/list1"/>
     <dgm:cxn modelId="{43040E52-AF2A-4199-827F-9BF58DE3C265}" type="presOf" srcId="{122CF154-D49A-4ABB-9030-22EDAD1579B7}" destId="{367313A9-A5BE-47AB-B80E-F9E5B7962A66}" srcOrd="1" destOrd="0" presId="urn:microsoft.com/office/officeart/2005/8/layout/list1"/>
     <dgm:cxn modelId="{CFBF3778-B7F3-4CDB-8269-CAC53A161099}" type="presOf" srcId="{BB850C15-3DF3-41E1-AEAA-25F1FC4AF087}" destId="{BF19DAF8-4225-41C3-9D8B-A82DC20FA59C}" srcOrd="1" destOrd="0" presId="urn:microsoft.com/office/officeart/2005/8/layout/list1"/>
     <dgm:cxn modelId="{9825406D-4F6B-4958-8144-312E511FE2A9}" type="presOf" srcId="{F94CB013-3FA4-4469-AE0E-0C3C64E84A76}" destId="{BCFD3B5F-BCA7-4F7A-88AE-B95F1369EA01}" srcOrd="0" destOrd="0" presId="urn:microsoft.com/office/officeart/2005/8/layout/list1"/>
     <dgm:cxn modelId="{81A94F7A-3ABC-401A-8539-07787F4781D3}" srcId="{7B487356-0390-489B-A9AF-641BD3B11DE6}" destId="{5256243A-8894-43DC-A7DE-31E773E5FF40}" srcOrd="2" destOrd="0" parTransId="{8F4259C9-D32A-4DE1-829A-BD71DF214D99}" sibTransId="{AA56A5E2-5332-4454-AE6D-D08C051938B8}"/>
+    <dgm:cxn modelId="{234358E0-ABE6-40FF-BD84-98C6996A4C95}" type="presOf" srcId="{C807B2C9-FE6E-42AF-B5A4-18BC12089093}" destId="{D6BE1685-1DDE-468D-A42F-88959BFE2BA2}" srcOrd="0" destOrd="0" presId="urn:microsoft.com/office/officeart/2005/8/layout/list1"/>
     <dgm:cxn modelId="{E507C737-D758-4054-9162-F34FB90E7D03}" srcId="{7B487356-0390-489B-A9AF-641BD3B11DE6}" destId="{F94CB013-3FA4-4469-AE0E-0C3C64E84A76}" srcOrd="4" destOrd="0" parTransId="{01DB9A1C-0614-43E6-90B9-1BCD7AED55A7}" sibTransId="{7CDD1447-2971-480A-8569-0D88C7429781}"/>
-    <dgm:cxn modelId="{234358E0-ABE6-40FF-BD84-98C6996A4C95}" type="presOf" srcId="{C807B2C9-FE6E-42AF-B5A4-18BC12089093}" destId="{D6BE1685-1DDE-468D-A42F-88959BFE2BA2}" srcOrd="0" destOrd="0" presId="urn:microsoft.com/office/officeart/2005/8/layout/list1"/>
     <dgm:cxn modelId="{8803778A-A221-450C-B3A6-2072FEA9EF32}" type="presOf" srcId="{C807B2C9-FE6E-42AF-B5A4-18BC12089093}" destId="{96E7A00A-F4EA-4404-884B-49748A5BB376}" srcOrd="1" destOrd="0" presId="urn:microsoft.com/office/officeart/2005/8/layout/list1"/>
     <dgm:cxn modelId="{C5F38953-AC4A-4FAB-AF3C-8A14B4FBCCBA}" type="presParOf" srcId="{EDB01710-F8F2-4429-8EE4-92EA27E77C32}" destId="{995EC26F-6572-4460-8394-CC78B42FC2FB}" srcOrd="0" destOrd="0" presId="urn:microsoft.com/office/officeart/2005/8/layout/list1"/>
     <dgm:cxn modelId="{8F75E515-8DF0-4C74-88D4-63681CECEA5D}" type="presParOf" srcId="{995EC26F-6572-4460-8394-CC78B42FC2FB}" destId="{1D311902-0D8D-457E-9BAA-CE320EC3F3AF}" srcOrd="0" destOrd="0" presId="urn:microsoft.com/office/officeart/2005/8/layout/list1"/>
@@ -5935,6 +6033,13 @@
         </dgm:presLayoutVars>
       </dgm:prSet>
       <dgm:spPr/>
+      <dgm:t>
+        <a:bodyPr/>
+        <a:lstStyle/>
+        <a:p>
+          <a:endParaRPr lang="pt-BR"/>
+        </a:p>
+      </dgm:t>
     </dgm:pt>
     <dgm:pt modelId="{4E0E347F-18B5-425C-9EE9-CA0A02C2B4CC}" type="pres">
       <dgm:prSet presAssocID="{85BF84FF-6505-418E-ADF3-E9EF881CB28E}" presName="parentLin" presStyleCnt="0"/>
@@ -5943,6 +6048,13 @@
     <dgm:pt modelId="{1FCECB35-1C9E-4AD4-990F-C726D850F244}" type="pres">
       <dgm:prSet presAssocID="{85BF84FF-6505-418E-ADF3-E9EF881CB28E}" presName="parentLeftMargin" presStyleLbl="node1" presStyleIdx="0" presStyleCnt="7"/>
       <dgm:spPr/>
+      <dgm:t>
+        <a:bodyPr/>
+        <a:lstStyle/>
+        <a:p>
+          <a:endParaRPr lang="pt-BR"/>
+        </a:p>
+      </dgm:t>
     </dgm:pt>
     <dgm:pt modelId="{ED03A09B-09CE-40A9-B8F3-EA9E9881CE37}" type="pres">
       <dgm:prSet presAssocID="{85BF84FF-6505-418E-ADF3-E9EF881CB28E}" presName="parentText" presStyleLbl="node1" presStyleIdx="0" presStyleCnt="7">
@@ -5983,6 +6095,13 @@
     <dgm:pt modelId="{903833F1-7CD1-413B-ABEC-E015ED5857C6}" type="pres">
       <dgm:prSet presAssocID="{76BF2F9A-6F99-47D8-BF65-E731D3C63E55}" presName="parentLeftMargin" presStyleLbl="node1" presStyleIdx="0" presStyleCnt="7"/>
       <dgm:spPr/>
+      <dgm:t>
+        <a:bodyPr/>
+        <a:lstStyle/>
+        <a:p>
+          <a:endParaRPr lang="pt-BR"/>
+        </a:p>
+      </dgm:t>
     </dgm:pt>
     <dgm:pt modelId="{9156BCB5-DFA2-4273-972F-5F6CDDCB0164}" type="pres">
       <dgm:prSet presAssocID="{76BF2F9A-6F99-47D8-BF65-E731D3C63E55}" presName="parentText" presStyleLbl="node1" presStyleIdx="1" presStyleCnt="7">
@@ -5992,6 +6111,13 @@
         </dgm:presLayoutVars>
       </dgm:prSet>
       <dgm:spPr/>
+      <dgm:t>
+        <a:bodyPr/>
+        <a:lstStyle/>
+        <a:p>
+          <a:endParaRPr lang="pt-BR"/>
+        </a:p>
+      </dgm:t>
     </dgm:pt>
     <dgm:pt modelId="{A063D7DA-B545-4F7A-AE2B-BE7982BFD345}" type="pres">
       <dgm:prSet presAssocID="{76BF2F9A-6F99-47D8-BF65-E731D3C63E55}" presName="negativeSpace" presStyleCnt="0"/>
@@ -6016,6 +6142,13 @@
     <dgm:pt modelId="{CF1F93F7-0F92-4B50-A5A3-13AA1D905E44}" type="pres">
       <dgm:prSet presAssocID="{8CC9AEC5-5E43-4353-8298-6D07B592467F}" presName="parentLeftMargin" presStyleLbl="node1" presStyleIdx="1" presStyleCnt="7"/>
       <dgm:spPr/>
+      <dgm:t>
+        <a:bodyPr/>
+        <a:lstStyle/>
+        <a:p>
+          <a:endParaRPr lang="pt-BR"/>
+        </a:p>
+      </dgm:t>
     </dgm:pt>
     <dgm:pt modelId="{EDE275BF-141C-4FF0-905E-5AD9D7F78937}" type="pres">
       <dgm:prSet presAssocID="{8CC9AEC5-5E43-4353-8298-6D07B592467F}" presName="parentText" presStyleLbl="node1" presStyleIdx="2" presStyleCnt="7">
@@ -6025,6 +6158,13 @@
         </dgm:presLayoutVars>
       </dgm:prSet>
       <dgm:spPr/>
+      <dgm:t>
+        <a:bodyPr/>
+        <a:lstStyle/>
+        <a:p>
+          <a:endParaRPr lang="pt-BR"/>
+        </a:p>
+      </dgm:t>
     </dgm:pt>
     <dgm:pt modelId="{ABF878DA-BCEB-44A8-8B00-1D935A131E2B}" type="pres">
       <dgm:prSet presAssocID="{8CC9AEC5-5E43-4353-8298-6D07B592467F}" presName="negativeSpace" presStyleCnt="0"/>
@@ -6049,6 +6189,13 @@
     <dgm:pt modelId="{A3322687-DDC2-4A57-9BAE-CCD05FAC1EF0}" type="pres">
       <dgm:prSet presAssocID="{2D72C48F-DCA7-42AC-968C-DEBDD72ADD51}" presName="parentLeftMargin" presStyleLbl="node1" presStyleIdx="2" presStyleCnt="7"/>
       <dgm:spPr/>
+      <dgm:t>
+        <a:bodyPr/>
+        <a:lstStyle/>
+        <a:p>
+          <a:endParaRPr lang="pt-BR"/>
+        </a:p>
+      </dgm:t>
     </dgm:pt>
     <dgm:pt modelId="{C5C4D478-3712-4081-A204-3C7B9963196A}" type="pres">
       <dgm:prSet presAssocID="{2D72C48F-DCA7-42AC-968C-DEBDD72ADD51}" presName="parentText" presStyleLbl="node1" presStyleIdx="3" presStyleCnt="7">
@@ -6058,6 +6205,13 @@
         </dgm:presLayoutVars>
       </dgm:prSet>
       <dgm:spPr/>
+      <dgm:t>
+        <a:bodyPr/>
+        <a:lstStyle/>
+        <a:p>
+          <a:endParaRPr lang="pt-BR"/>
+        </a:p>
+      </dgm:t>
     </dgm:pt>
     <dgm:pt modelId="{5133A3A2-87EB-4B54-8854-E089FA0BB882}" type="pres">
       <dgm:prSet presAssocID="{2D72C48F-DCA7-42AC-968C-DEBDD72ADD51}" presName="negativeSpace" presStyleCnt="0"/>
@@ -6082,6 +6236,13 @@
     <dgm:pt modelId="{B1B9F3B2-0C48-4882-968E-166C7D9447E8}" type="pres">
       <dgm:prSet presAssocID="{BFC2F97E-21A5-4F42-9BD3-39F374308BC4}" presName="parentLeftMargin" presStyleLbl="node1" presStyleIdx="3" presStyleCnt="7"/>
       <dgm:spPr/>
+      <dgm:t>
+        <a:bodyPr/>
+        <a:lstStyle/>
+        <a:p>
+          <a:endParaRPr lang="pt-BR"/>
+        </a:p>
+      </dgm:t>
     </dgm:pt>
     <dgm:pt modelId="{B6D5A23E-643F-4B84-AFF6-E5CA02F03E4C}" type="pres">
       <dgm:prSet presAssocID="{BFC2F97E-21A5-4F42-9BD3-39F374308BC4}" presName="parentText" presStyleLbl="node1" presStyleIdx="4" presStyleCnt="7">
@@ -6091,6 +6252,13 @@
         </dgm:presLayoutVars>
       </dgm:prSet>
       <dgm:spPr/>
+      <dgm:t>
+        <a:bodyPr/>
+        <a:lstStyle/>
+        <a:p>
+          <a:endParaRPr lang="pt-BR"/>
+        </a:p>
+      </dgm:t>
     </dgm:pt>
     <dgm:pt modelId="{34956326-C66F-4D5F-878C-5CB7F705EA9F}" type="pres">
       <dgm:prSet presAssocID="{BFC2F97E-21A5-4F42-9BD3-39F374308BC4}" presName="negativeSpace" presStyleCnt="0"/>
@@ -6115,6 +6283,13 @@
     <dgm:pt modelId="{32DC271A-5876-4B66-8836-E668825AD39C}" type="pres">
       <dgm:prSet presAssocID="{22017017-CDB2-47D1-994B-36E277185478}" presName="parentLeftMargin" presStyleLbl="node1" presStyleIdx="4" presStyleCnt="7"/>
       <dgm:spPr/>
+      <dgm:t>
+        <a:bodyPr/>
+        <a:lstStyle/>
+        <a:p>
+          <a:endParaRPr lang="pt-BR"/>
+        </a:p>
+      </dgm:t>
     </dgm:pt>
     <dgm:pt modelId="{C1BCFFBF-C5AF-48D3-9F23-782E3D6F51EF}" type="pres">
       <dgm:prSet presAssocID="{22017017-CDB2-47D1-994B-36E277185478}" presName="parentText" presStyleLbl="node1" presStyleIdx="5" presStyleCnt="7">
@@ -6124,6 +6299,13 @@
         </dgm:presLayoutVars>
       </dgm:prSet>
       <dgm:spPr/>
+      <dgm:t>
+        <a:bodyPr/>
+        <a:lstStyle/>
+        <a:p>
+          <a:endParaRPr lang="pt-BR"/>
+        </a:p>
+      </dgm:t>
     </dgm:pt>
     <dgm:pt modelId="{0ECAC873-091A-4A82-BC6A-BCFEB5F7F401}" type="pres">
       <dgm:prSet presAssocID="{22017017-CDB2-47D1-994B-36E277185478}" presName="negativeSpace" presStyleCnt="0"/>
@@ -6148,6 +6330,13 @@
     <dgm:pt modelId="{2D1C0ED0-D819-42E0-92F6-787C274082EB}" type="pres">
       <dgm:prSet presAssocID="{97A55616-3622-49A6-A99A-6C8FF2BE86A7}" presName="parentLeftMargin" presStyleLbl="node1" presStyleIdx="5" presStyleCnt="7"/>
       <dgm:spPr/>
+      <dgm:t>
+        <a:bodyPr/>
+        <a:lstStyle/>
+        <a:p>
+          <a:endParaRPr lang="pt-BR"/>
+        </a:p>
+      </dgm:t>
     </dgm:pt>
     <dgm:pt modelId="{7F2619ED-F1A8-4F75-AD0C-320D7987B81A}" type="pres">
       <dgm:prSet presAssocID="{97A55616-3622-49A6-A99A-6C8FF2BE86A7}" presName="parentText" presStyleLbl="node1" presStyleIdx="6" presStyleCnt="7">
@@ -6157,6 +6346,13 @@
         </dgm:presLayoutVars>
       </dgm:prSet>
       <dgm:spPr/>
+      <dgm:t>
+        <a:bodyPr/>
+        <a:lstStyle/>
+        <a:p>
+          <a:endParaRPr lang="pt-BR"/>
+        </a:p>
+      </dgm:t>
     </dgm:pt>
     <dgm:pt modelId="{09336AA1-BDA0-4612-ACC7-4C00A833DEAB}" type="pres">
       <dgm:prSet presAssocID="{97A55616-3622-49A6-A99A-6C8FF2BE86A7}" presName="negativeSpace" presStyleCnt="0"/>
@@ -19535,7 +19731,7 @@
             <a:fld id="{1CEB8204-BB8E-4014-A8A1-3409E73F8B21}" type="datetimeFigureOut">
               <a:rPr lang="pt-BR" smtClean="0"/>
               <a:pPr/>
-              <a:t>05/07/2009</a:t>
+              <a:t>06/07/2009</a:t>
             </a:fld>
             <a:endParaRPr lang="pt-BR"/>
           </a:p>
@@ -25816,8 +26012,12 @@
           <a:p>
             <a:pPr lvl="1"/>
             <a:r>
+              <a:rPr lang="pt-BR" b="1" dirty="0" smtClean="0"/>
+              <a:t>Inserção</a:t>
+            </a:r>
+            <a:r>
               <a:rPr lang="pt-BR" dirty="0" smtClean="0"/>
-              <a:t>Inserção de artefato</a:t>
+              <a:t> de artefato</a:t>
             </a:r>
           </a:p>
           <a:p>
@@ -25830,14 +26030,14 @@
           <a:p>
             <a:pPr lvl="1"/>
             <a:r>
-              <a:rPr lang="pt-BR" dirty="0" smtClean="0"/>
+              <a:rPr lang="pt-BR" b="1" dirty="0" smtClean="0"/>
               <a:t>Busca</a:t>
             </a:r>
           </a:p>
           <a:p>
             <a:pPr lvl="1"/>
             <a:r>
-              <a:rPr lang="pt-BR" dirty="0" smtClean="0"/>
+              <a:rPr lang="pt-BR" b="1" dirty="0" smtClean="0"/>
               <a:t>Recuperação</a:t>
             </a:r>
           </a:p>
@@ -26520,11 +26720,7 @@
           <a:p>
             <a:r>
               <a:rPr lang="pt-BR" dirty="0" smtClean="0"/>
-              <a:t>RAS: </a:t>
-            </a:r>
-            <a:r>
-              <a:rPr lang="pt-BR" dirty="0" smtClean="0"/>
-              <a:t>Artefato RAS</a:t>
+              <a:t>RAS: Artefato RAS</a:t>
             </a:r>
             <a:endParaRPr lang="pt-BR" dirty="0"/>
           </a:p>
@@ -26549,13 +26745,8 @@
           <a:p>
             <a:r>
               <a:rPr lang="pt-BR" dirty="0" smtClean="0"/>
-              <a:t>Representa um elemento </a:t>
-            </a:r>
-            <a:r>
-              <a:rPr lang="pt-BR" dirty="0" smtClean="0"/>
-              <a:t>reusável: </a:t>
-            </a:r>
-            <a:endParaRPr lang="pt-BR" dirty="0" smtClean="0"/>
+              <a:t>Representa um elemento reusável: </a:t>
+            </a:r>
           </a:p>
           <a:p>
             <a:r>
@@ -26827,11 +27018,7 @@
             </a:r>
             <a:r>
               <a:rPr lang="pt-BR" sz="2000" i="1" dirty="0" smtClean="0"/>
-              <a:t>open </a:t>
-            </a:r>
-            <a:r>
-              <a:rPr lang="pt-BR" sz="2000" i="1" dirty="0" smtClean="0"/>
-              <a:t>source</a:t>
+              <a:t>open source</a:t>
             </a:r>
           </a:p>
           <a:p>
@@ -26844,7 +27031,6 @@
               <a:rPr lang="pt-BR" sz="2000" dirty="0" smtClean="0"/>
               <a:t>Geração, armazenamento, procura, recuperação de artefatos RAS</a:t>
             </a:r>
-            <a:endParaRPr lang="pt-BR" sz="2000" dirty="0" smtClean="0"/>
           </a:p>
           <a:p>
             <a:pPr>
@@ -26865,19 +27051,7 @@
             </a:pPr>
             <a:r>
               <a:rPr lang="pt-BR" sz="2000" dirty="0" smtClean="0"/>
-              <a:t>Integra o RAS com a solução Archiva a fim de </a:t>
-            </a:r>
-            <a:r>
-              <a:rPr lang="pt-BR" sz="2000" dirty="0" smtClean="0"/>
-              <a:t>permitir </a:t>
-            </a:r>
-            <a:r>
-              <a:rPr lang="pt-BR" sz="2000" dirty="0" smtClean="0"/>
-              <a:t>armazenamento</a:t>
-            </a:r>
-            <a:r>
-              <a:rPr lang="pt-BR" sz="2000" dirty="0" smtClean="0"/>
-              <a:t>, busca e recuperação</a:t>
+              <a:t>Integra o RAS com a solução Archiva a fim de permitir armazenamento, busca e recuperação</a:t>
             </a:r>
           </a:p>
           <a:p>
@@ -27983,11 +28157,7 @@
           <a:p>
             <a:r>
               <a:rPr lang="pt-BR" dirty="0" smtClean="0"/>
-              <a:t>Fortemente ligado </a:t>
-            </a:r>
-            <a:r>
-              <a:rPr lang="pt-BR" dirty="0" smtClean="0"/>
-              <a:t>ao </a:t>
+              <a:t>Fortemente ligado ao </a:t>
             </a:r>
             <a:r>
               <a:rPr lang="pt-BR" dirty="0" err="1" smtClean="0"/>
@@ -28006,15 +28176,7 @@
             <a:pPr lvl="1"/>
             <a:r>
               <a:rPr lang="pt-BR" dirty="0" smtClean="0"/>
-              <a:t>Fortemente </a:t>
-            </a:r>
-            <a:r>
-              <a:rPr lang="pt-BR" dirty="0" smtClean="0"/>
-              <a:t>baseado </a:t>
-            </a:r>
-            <a:r>
-              <a:rPr lang="pt-BR" dirty="0" smtClean="0"/>
-              <a:t>no arquivo POM</a:t>
+              <a:t>Fortemente baseado no arquivo POM</a:t>
             </a:r>
           </a:p>
           <a:p>
@@ -28127,6 +28289,13 @@
   <p:clrMapOvr>
     <a:masterClrMapping/>
   </p:clrMapOvr>
+  <p:timing>
+    <p:tnLst>
+      <p:par>
+        <p:cTn id="1" dur="indefinite" restart="never" nodeType="tmRoot"/>
+      </p:par>
+    </p:tnLst>
+  </p:timing>
 </p:sld>
 </file>
 
@@ -28194,13 +28363,13 @@
               <a:buNone/>
             </a:pPr>
             <a:r>
-              <a:rPr lang="en-US" sz="1200" dirty="0" smtClean="0">
+              <a:rPr lang="en-US" sz="1200" b="1" dirty="0" smtClean="0">
                 <a:latin typeface="Courier New" pitchFamily="49" charset="0"/>
                 <a:cs typeface="Courier New" pitchFamily="49" charset="0"/>
               </a:rPr>
               <a:t>&lt;?xml version="1.0" encoding="utf-8"?&gt;</a:t>
             </a:r>
-            <a:endParaRPr lang="pt-BR" sz="1200" dirty="0" smtClean="0">
+            <a:endParaRPr lang="pt-BR" sz="1200" b="1" dirty="0" smtClean="0">
               <a:latin typeface="Courier New" pitchFamily="49" charset="0"/>
               <a:cs typeface="Courier New" pitchFamily="49" charset="0"/>
             </a:endParaRPr>
@@ -28213,14 +28382,14 @@
               <a:buNone/>
             </a:pPr>
             <a:r>
-              <a:rPr lang="en-US" sz="1200" dirty="0" smtClean="0">
+              <a:rPr lang="en-US" sz="1200" b="1" dirty="0" smtClean="0">
                 <a:latin typeface="Courier New" pitchFamily="49" charset="0"/>
                 <a:cs typeface="Courier New" pitchFamily="49" charset="0"/>
               </a:rPr>
               <a:t>&lt;</a:t>
             </a:r>
             <a:r>
-              <a:rPr lang="en-US" sz="1200" dirty="0" smtClean="0">
+              <a:rPr lang="en-US" sz="1200" b="1" dirty="0" smtClean="0">
                 <a:solidFill>
                   <a:srgbClr val="0070C0"/>
                 </a:solidFill>
@@ -28230,13 +28399,13 @@
               <a:t>asset</a:t>
             </a:r>
             <a:r>
-              <a:rPr lang="en-US" sz="1200" dirty="0" smtClean="0">
+              <a:rPr lang="en-US" sz="1200" b="1" dirty="0" smtClean="0">
                 <a:latin typeface="Courier New" pitchFamily="49" charset="0"/>
                 <a:cs typeface="Courier New" pitchFamily="49" charset="0"/>
               </a:rPr>
               <a:t> xmlns="http://www.omg.com/RAS" </a:t>
             </a:r>
-            <a:endParaRPr lang="pt-BR" sz="1200" dirty="0" smtClean="0">
+            <a:endParaRPr lang="pt-BR" sz="1200" b="1" dirty="0" smtClean="0">
               <a:latin typeface="Courier New" pitchFamily="49" charset="0"/>
               <a:cs typeface="Courier New" pitchFamily="49" charset="0"/>
             </a:endParaRPr>
@@ -28249,13 +28418,13 @@
               <a:buNone/>
             </a:pPr>
             <a:r>
-              <a:rPr lang="en-US" sz="1200" dirty="0" smtClean="0">
+              <a:rPr lang="en-US" sz="1200" b="1" dirty="0" smtClean="0">
                 <a:latin typeface="Courier New" pitchFamily="49" charset="0"/>
                 <a:cs typeface="Courier New" pitchFamily="49" charset="0"/>
               </a:rPr>
               <a:t>	xmlns:xs="http://www.w3.org/2001/XMLSchema-instance"</a:t>
             </a:r>
-            <a:endParaRPr lang="pt-BR" sz="1200" dirty="0" smtClean="0">
+            <a:endParaRPr lang="pt-BR" sz="1200" b="1" dirty="0" smtClean="0">
               <a:latin typeface="Courier New" pitchFamily="49" charset="0"/>
               <a:cs typeface="Courier New" pitchFamily="49" charset="0"/>
             </a:endParaRPr>
@@ -28268,13 +28437,13 @@
               <a:buNone/>
             </a:pPr>
             <a:r>
-              <a:rPr lang="en-US" sz="1200" dirty="0" smtClean="0">
+              <a:rPr lang="en-US" sz="1200" b="1" dirty="0" smtClean="0">
                 <a:latin typeface="Courier New" pitchFamily="49" charset="0"/>
                 <a:cs typeface="Courier New" pitchFamily="49" charset="0"/>
               </a:rPr>
               <a:t>	name="JUnit"</a:t>
             </a:r>
-            <a:endParaRPr lang="pt-BR" sz="1200" dirty="0" smtClean="0">
+            <a:endParaRPr lang="pt-BR" sz="1200" b="1" dirty="0" smtClean="0">
               <a:latin typeface="Courier New" pitchFamily="49" charset="0"/>
               <a:cs typeface="Courier New" pitchFamily="49" charset="0"/>
             </a:endParaRPr>
@@ -28287,13 +28456,13 @@
               <a:buNone/>
             </a:pPr>
             <a:r>
-              <a:rPr lang="en-US" sz="1200" dirty="0" smtClean="0">
+              <a:rPr lang="en-US" sz="1200" b="1" dirty="0" smtClean="0">
                 <a:latin typeface="Courier New" pitchFamily="49" charset="0"/>
                 <a:cs typeface="Courier New" pitchFamily="49" charset="0"/>
               </a:rPr>
               <a:t>	id="junit"</a:t>
             </a:r>
-            <a:endParaRPr lang="pt-BR" sz="1200" dirty="0" smtClean="0">
+            <a:endParaRPr lang="pt-BR" sz="1200" b="1" dirty="0" smtClean="0">
               <a:latin typeface="Courier New" pitchFamily="49" charset="0"/>
               <a:cs typeface="Courier New" pitchFamily="49" charset="0"/>
             </a:endParaRPr>
@@ -28306,13 +28475,13 @@
               <a:buNone/>
             </a:pPr>
             <a:r>
-              <a:rPr lang="en-US" sz="1200" dirty="0" smtClean="0">
+              <a:rPr lang="en-US" sz="1200" b="1" dirty="0" smtClean="0">
                 <a:latin typeface="Courier New" pitchFamily="49" charset="0"/>
                 <a:cs typeface="Courier New" pitchFamily="49" charset="0"/>
               </a:rPr>
               <a:t>	version="3.8.1"</a:t>
             </a:r>
-            <a:endParaRPr lang="pt-BR" sz="1200" dirty="0" smtClean="0">
+            <a:endParaRPr lang="pt-BR" sz="1200" b="1" dirty="0" smtClean="0">
               <a:latin typeface="Courier New" pitchFamily="49" charset="0"/>
               <a:cs typeface="Courier New" pitchFamily="49" charset="0"/>
             </a:endParaRPr>
@@ -28325,13 +28494,13 @@
               <a:buNone/>
             </a:pPr>
             <a:r>
-              <a:rPr lang="en-US" sz="1200" dirty="0" smtClean="0">
+              <a:rPr lang="en-US" sz="1200" b="1" dirty="0" smtClean="0">
                 <a:latin typeface="Courier New" pitchFamily="49" charset="0"/>
                 <a:cs typeface="Courier New" pitchFamily="49" charset="0"/>
               </a:rPr>
               <a:t>	short-description="JUnit is a regression testing framework."</a:t>
             </a:r>
-            <a:endParaRPr lang="pt-BR" sz="1200" dirty="0" smtClean="0">
+            <a:endParaRPr lang="pt-BR" sz="1200" b="1" dirty="0" smtClean="0">
               <a:latin typeface="Courier New" pitchFamily="49" charset="0"/>
               <a:cs typeface="Courier New" pitchFamily="49" charset="0"/>
             </a:endParaRPr>
@@ -28344,13 +28513,13 @@
               <a:buNone/>
             </a:pPr>
             <a:r>
-              <a:rPr lang="en-US" sz="1200" dirty="0" smtClean="0">
+              <a:rPr lang="en-US" sz="1200" b="1" dirty="0" smtClean="0">
                 <a:latin typeface="Courier New" pitchFamily="49" charset="0"/>
                 <a:cs typeface="Courier New" pitchFamily="49" charset="0"/>
               </a:rPr>
               <a:t>	&gt;</a:t>
             </a:r>
-            <a:endParaRPr lang="pt-BR" sz="1200" dirty="0" smtClean="0">
+            <a:endParaRPr lang="pt-BR" sz="1200" b="1" dirty="0" smtClean="0">
               <a:latin typeface="Courier New" pitchFamily="49" charset="0"/>
               <a:cs typeface="Courier New" pitchFamily="49" charset="0"/>
             </a:endParaRPr>
@@ -28363,14 +28532,14 @@
               <a:buNone/>
             </a:pPr>
             <a:r>
-              <a:rPr lang="en-US" sz="1200" dirty="0" smtClean="0">
+              <a:rPr lang="en-US" sz="1200" b="1" dirty="0" smtClean="0">
                 <a:latin typeface="Courier New" pitchFamily="49" charset="0"/>
                 <a:cs typeface="Courier New" pitchFamily="49" charset="0"/>
               </a:rPr>
               <a:t>	&lt;</a:t>
             </a:r>
             <a:r>
-              <a:rPr lang="en-US" sz="1200" dirty="0" smtClean="0">
+              <a:rPr lang="en-US" sz="1200" b="1" dirty="0" smtClean="0">
                 <a:solidFill>
                   <a:srgbClr val="0070C0"/>
                 </a:solidFill>
@@ -28380,13 +28549,13 @@
               <a:t>profile</a:t>
             </a:r>
             <a:r>
-              <a:rPr lang="en-US" sz="1200" dirty="0" smtClean="0">
+              <a:rPr lang="en-US" sz="1200" b="1" dirty="0" smtClean="0">
                 <a:latin typeface="Courier New" pitchFamily="49" charset="0"/>
                 <a:cs typeface="Courier New" pitchFamily="49" charset="0"/>
               </a:rPr>
               <a:t> name="Default" id-history="F1C842AD-CE85-4261-ACA7-178C457018A1::31E5BFBF-B16E-4253-8037-98D70D07F35F" version-major="2" version-minor="1"/&gt;</a:t>
             </a:r>
-            <a:endParaRPr lang="pt-BR" sz="1200" dirty="0" smtClean="0">
+            <a:endParaRPr lang="pt-BR" sz="1200" b="1" dirty="0" smtClean="0">
               <a:latin typeface="Courier New" pitchFamily="49" charset="0"/>
               <a:cs typeface="Courier New" pitchFamily="49" charset="0"/>
             </a:endParaRPr>
@@ -28399,14 +28568,14 @@
               <a:buNone/>
             </a:pPr>
             <a:r>
-              <a:rPr lang="en-US" sz="1200" dirty="0" smtClean="0">
+              <a:rPr lang="en-US" sz="1200" b="1" dirty="0" smtClean="0">
                 <a:latin typeface="Courier New" pitchFamily="49" charset="0"/>
                 <a:cs typeface="Courier New" pitchFamily="49" charset="0"/>
               </a:rPr>
               <a:t>	&lt;</a:t>
             </a:r>
             <a:r>
-              <a:rPr lang="en-US" sz="1200" dirty="0" smtClean="0">
+              <a:rPr lang="en-US" sz="1200" b="1" dirty="0" smtClean="0">
                 <a:solidFill>
                   <a:srgbClr val="0070C0"/>
                 </a:solidFill>
@@ -28416,7 +28585,7 @@
               <a:t>description</a:t>
             </a:r>
             <a:r>
-              <a:rPr lang="en-US" sz="1200" dirty="0" smtClean="0">
+              <a:rPr lang="en-US" sz="1200" b="1" dirty="0" smtClean="0">
                 <a:latin typeface="Courier New" pitchFamily="49" charset="0"/>
                 <a:cs typeface="Courier New" pitchFamily="49" charset="0"/>
               </a:rPr>
@@ -28431,32 +28600,11 @@
               <a:buNone/>
             </a:pPr>
             <a:r>
-              <a:rPr lang="en-US" sz="1200" dirty="0" smtClean="0">
+              <a:rPr lang="en-US" sz="1200" b="1" dirty="0" smtClean="0">
                 <a:latin typeface="Courier New" pitchFamily="49" charset="0"/>
                 <a:cs typeface="Courier New" pitchFamily="49" charset="0"/>
               </a:rPr>
-              <a:t>	</a:t>
-            </a:r>
-            <a:r>
-              <a:rPr lang="en-US" sz="1200" dirty="0" smtClean="0">
-                <a:latin typeface="Courier New" pitchFamily="49" charset="0"/>
-                <a:cs typeface="Courier New" pitchFamily="49" charset="0"/>
-              </a:rPr>
-              <a:t>	JUnit </a:t>
-            </a:r>
-            <a:r>
-              <a:rPr lang="en-US" sz="1200" dirty="0" smtClean="0">
-                <a:latin typeface="Courier New" pitchFamily="49" charset="0"/>
-                <a:cs typeface="Courier New" pitchFamily="49" charset="0"/>
-              </a:rPr>
-              <a:t>is a regression testing frameword written by Erich Gamma and kent Beck. It is used by the developer who implements unit tests in Java</a:t>
-            </a:r>
-            <a:r>
-              <a:rPr lang="en-US" sz="1200" dirty="0" smtClean="0">
-                <a:latin typeface="Courier New" pitchFamily="49" charset="0"/>
-                <a:cs typeface="Courier New" pitchFamily="49" charset="0"/>
-              </a:rPr>
-              <a:t>.</a:t>
+              <a:t>		JUnit is a regression testing frameword written by Erich Gamma and kent Beck. It is used by the developer who implements unit tests in Java.</a:t>
             </a:r>
           </a:p>
           <a:p>
@@ -28467,21 +28615,14 @@
               <a:buNone/>
             </a:pPr>
             <a:r>
-              <a:rPr lang="en-US" sz="1200" dirty="0" smtClean="0">
+              <a:rPr lang="en-US" sz="1200" b="1" dirty="0" smtClean="0">
                 <a:latin typeface="Courier New" pitchFamily="49" charset="0"/>
                 <a:cs typeface="Courier New" pitchFamily="49" charset="0"/>
               </a:rPr>
-              <a:t>	</a:t>
-            </a:r>
-            <a:r>
-              <a:rPr lang="en-US" sz="1200" dirty="0" smtClean="0">
-                <a:latin typeface="Courier New" pitchFamily="49" charset="0"/>
-                <a:cs typeface="Courier New" pitchFamily="49" charset="0"/>
-              </a:rPr>
-              <a:t>&lt;/</a:t>
-            </a:r>
-            <a:r>
-              <a:rPr lang="en-US" sz="1200" dirty="0" smtClean="0">
+              <a:t>	&lt;/</a:t>
+            </a:r>
+            <a:r>
+              <a:rPr lang="en-US" sz="1200" b="1" dirty="0" smtClean="0">
                 <a:solidFill>
                   <a:srgbClr val="0070C0"/>
                 </a:solidFill>
@@ -28491,13 +28632,13 @@
               <a:t>description</a:t>
             </a:r>
             <a:r>
-              <a:rPr lang="en-US" sz="1200" dirty="0" smtClean="0">
+              <a:rPr lang="en-US" sz="1200" b="1" dirty="0" smtClean="0">
                 <a:latin typeface="Courier New" pitchFamily="49" charset="0"/>
                 <a:cs typeface="Courier New" pitchFamily="49" charset="0"/>
               </a:rPr>
               <a:t>&gt;</a:t>
             </a:r>
-            <a:endParaRPr lang="pt-BR" sz="1200" dirty="0" smtClean="0">
+            <a:endParaRPr lang="pt-BR" sz="1200" b="1" dirty="0" smtClean="0">
               <a:latin typeface="Courier New" pitchFamily="49" charset="0"/>
               <a:cs typeface="Courier New" pitchFamily="49" charset="0"/>
             </a:endParaRPr>
@@ -28510,14 +28651,14 @@
               <a:buNone/>
             </a:pPr>
             <a:r>
-              <a:rPr lang="en-US" sz="1200" dirty="0" smtClean="0">
+              <a:rPr lang="en-US" sz="1200" b="1" dirty="0" smtClean="0">
                 <a:latin typeface="Courier New" pitchFamily="49" charset="0"/>
                 <a:cs typeface="Courier New" pitchFamily="49" charset="0"/>
               </a:rPr>
               <a:t>	&lt;</a:t>
             </a:r>
             <a:r>
-              <a:rPr lang="en-US" sz="1200" dirty="0" smtClean="0">
+              <a:rPr lang="en-US" sz="1200" b="1" dirty="0" smtClean="0">
                 <a:solidFill>
                   <a:srgbClr val="0070C0"/>
                 </a:solidFill>
@@ -28527,13 +28668,13 @@
               <a:t>solution</a:t>
             </a:r>
             <a:r>
-              <a:rPr lang="en-US" sz="1200" dirty="0" smtClean="0">
+              <a:rPr lang="en-US" sz="1200" b="1" dirty="0" smtClean="0">
                 <a:latin typeface="Courier New" pitchFamily="49" charset="0"/>
                 <a:cs typeface="Courier New" pitchFamily="49" charset="0"/>
               </a:rPr>
               <a:t>&gt;</a:t>
             </a:r>
-            <a:endParaRPr lang="pt-BR" sz="1200" dirty="0" smtClean="0">
+            <a:endParaRPr lang="pt-BR" sz="1200" b="1" dirty="0" smtClean="0">
               <a:latin typeface="Courier New" pitchFamily="49" charset="0"/>
               <a:cs typeface="Courier New" pitchFamily="49" charset="0"/>
             </a:endParaRPr>
@@ -28546,14 +28687,14 @@
               <a:buNone/>
             </a:pPr>
             <a:r>
-              <a:rPr lang="en-US" sz="1200" dirty="0" smtClean="0">
+              <a:rPr lang="en-US" sz="1200" b="1" dirty="0" smtClean="0">
                 <a:latin typeface="Courier New" pitchFamily="49" charset="0"/>
                 <a:cs typeface="Courier New" pitchFamily="49" charset="0"/>
               </a:rPr>
               <a:t>		&lt;</a:t>
             </a:r>
             <a:r>
-              <a:rPr lang="en-US" sz="1200" dirty="0" smtClean="0">
+              <a:rPr lang="en-US" sz="1200" b="1" dirty="0" smtClean="0">
                 <a:solidFill>
                   <a:srgbClr val="0070C0"/>
                 </a:solidFill>
@@ -28563,13 +28704,13 @@
               <a:t>artifact</a:t>
             </a:r>
             <a:r>
-              <a:rPr lang="en-US" sz="1200" dirty="0" smtClean="0">
+              <a:rPr lang="en-US" sz="1200" b="1" dirty="0" smtClean="0">
                 <a:latin typeface="Courier New" pitchFamily="49" charset="0"/>
                 <a:cs typeface="Courier New" pitchFamily="49" charset="0"/>
               </a:rPr>
               <a:t> name="junit.jar" type="jar"&gt;</a:t>
             </a:r>
-            <a:endParaRPr lang="pt-BR" sz="1200" dirty="0" smtClean="0">
+            <a:endParaRPr lang="pt-BR" sz="1200" b="1" dirty="0" smtClean="0">
               <a:latin typeface="Courier New" pitchFamily="49" charset="0"/>
               <a:cs typeface="Courier New" pitchFamily="49" charset="0"/>
             </a:endParaRPr>
@@ -28582,14 +28723,14 @@
               <a:buNone/>
             </a:pPr>
             <a:r>
-              <a:rPr lang="en-US" sz="1200" dirty="0" smtClean="0">
+              <a:rPr lang="en-US" sz="1200" b="1" dirty="0" smtClean="0">
                 <a:latin typeface="Courier New" pitchFamily="49" charset="0"/>
                 <a:cs typeface="Courier New" pitchFamily="49" charset="0"/>
               </a:rPr>
               <a:t>			&lt;</a:t>
             </a:r>
             <a:r>
-              <a:rPr lang="en-US" sz="1200" dirty="0" smtClean="0">
+              <a:rPr lang="en-US" sz="1200" b="1" dirty="0" smtClean="0">
                 <a:solidFill>
                   <a:srgbClr val="0070C0"/>
                 </a:solidFill>
@@ -28599,7 +28740,7 @@
               <a:t>description</a:t>
             </a:r>
             <a:r>
-              <a:rPr lang="en-US" sz="1200" dirty="0" smtClean="0">
+              <a:rPr lang="en-US" sz="1200" b="1" dirty="0" smtClean="0">
                 <a:latin typeface="Courier New" pitchFamily="49" charset="0"/>
                 <a:cs typeface="Courier New" pitchFamily="49" charset="0"/>
               </a:rPr>
@@ -28614,32 +28755,11 @@
               <a:buNone/>
             </a:pPr>
             <a:r>
-              <a:rPr lang="en-US" sz="1200" dirty="0" smtClean="0">
+              <a:rPr lang="en-US" sz="1200" b="1" dirty="0" smtClean="0">
                 <a:latin typeface="Courier New" pitchFamily="49" charset="0"/>
                 <a:cs typeface="Courier New" pitchFamily="49" charset="0"/>
               </a:rPr>
-              <a:t>	</a:t>
-            </a:r>
-            <a:r>
-              <a:rPr lang="en-US" sz="1200" dirty="0" smtClean="0">
-                <a:latin typeface="Courier New" pitchFamily="49" charset="0"/>
-                <a:cs typeface="Courier New" pitchFamily="49" charset="0"/>
-              </a:rPr>
-              <a:t>			This </a:t>
-            </a:r>
-            <a:r>
-              <a:rPr lang="en-US" sz="1200" dirty="0" smtClean="0">
-                <a:latin typeface="Courier New" pitchFamily="49" charset="0"/>
-                <a:cs typeface="Courier New" pitchFamily="49" charset="0"/>
-              </a:rPr>
-              <a:t>is the JAR package for JUnit </a:t>
-            </a:r>
-            <a:r>
-              <a:rPr lang="en-US" sz="1200" dirty="0" smtClean="0">
-                <a:latin typeface="Courier New" pitchFamily="49" charset="0"/>
-                <a:cs typeface="Courier New" pitchFamily="49" charset="0"/>
-              </a:rPr>
-              <a:t>3.8.1</a:t>
+              <a:t>				This is the JAR package for JUnit 3.8.1</a:t>
             </a:r>
           </a:p>
           <a:p>
@@ -28650,21 +28770,14 @@
               <a:buNone/>
             </a:pPr>
             <a:r>
-              <a:rPr lang="en-US" sz="1200" dirty="0" smtClean="0">
+              <a:rPr lang="en-US" sz="1200" b="1" dirty="0" smtClean="0">
                 <a:latin typeface="Courier New" pitchFamily="49" charset="0"/>
                 <a:cs typeface="Courier New" pitchFamily="49" charset="0"/>
               </a:rPr>
-              <a:t>	</a:t>
-            </a:r>
-            <a:r>
-              <a:rPr lang="en-US" sz="1200" dirty="0" smtClean="0">
-                <a:latin typeface="Courier New" pitchFamily="49" charset="0"/>
-                <a:cs typeface="Courier New" pitchFamily="49" charset="0"/>
-              </a:rPr>
-              <a:t>		&lt;/</a:t>
-            </a:r>
-            <a:r>
-              <a:rPr lang="en-US" sz="1200" dirty="0" smtClean="0">
+              <a:t>			&lt;/</a:t>
+            </a:r>
+            <a:r>
+              <a:rPr lang="en-US" sz="1200" b="1" dirty="0" smtClean="0">
                 <a:solidFill>
                   <a:srgbClr val="0070C0"/>
                 </a:solidFill>
@@ -28674,13 +28787,13 @@
               <a:t>description</a:t>
             </a:r>
             <a:r>
-              <a:rPr lang="en-US" sz="1200" dirty="0" smtClean="0">
+              <a:rPr lang="en-US" sz="1200" b="1" dirty="0" smtClean="0">
                 <a:latin typeface="Courier New" pitchFamily="49" charset="0"/>
                 <a:cs typeface="Courier New" pitchFamily="49" charset="0"/>
               </a:rPr>
               <a:t>&gt;</a:t>
             </a:r>
-            <a:endParaRPr lang="pt-BR" sz="1200" dirty="0" smtClean="0">
+            <a:endParaRPr lang="pt-BR" sz="1200" b="1" dirty="0" smtClean="0">
               <a:latin typeface="Courier New" pitchFamily="49" charset="0"/>
               <a:cs typeface="Courier New" pitchFamily="49" charset="0"/>
             </a:endParaRPr>
@@ -28693,14 +28806,14 @@
               <a:buNone/>
             </a:pPr>
             <a:r>
-              <a:rPr lang="en-US" sz="1200" dirty="0" smtClean="0">
+              <a:rPr lang="en-US" sz="1200" b="1" dirty="0" smtClean="0">
                 <a:latin typeface="Courier New" pitchFamily="49" charset="0"/>
                 <a:cs typeface="Courier New" pitchFamily="49" charset="0"/>
               </a:rPr>
               <a:t>			&lt;</a:t>
             </a:r>
             <a:r>
-              <a:rPr lang="en-US" sz="1200" dirty="0" smtClean="0">
+              <a:rPr lang="en-US" sz="1200" b="1" dirty="0" smtClean="0">
                 <a:solidFill>
                   <a:srgbClr val="0070C0"/>
                 </a:solidFill>
@@ -28710,18 +28823,11 @@
               <a:t>artifact-type</a:t>
             </a:r>
             <a:r>
-              <a:rPr lang="en-US" sz="1200" dirty="0" smtClean="0">
+              <a:rPr lang="en-US" sz="1200" b="1" dirty="0" smtClean="0">
                 <a:latin typeface="Courier New" pitchFamily="49" charset="0"/>
                 <a:cs typeface="Courier New" pitchFamily="49" charset="0"/>
               </a:rPr>
-              <a:t> type="xs:string</a:t>
-            </a:r>
-            <a:r>
-              <a:rPr lang="en-US" sz="1200" dirty="0" smtClean="0">
-                <a:latin typeface="Courier New" pitchFamily="49" charset="0"/>
-                <a:cs typeface="Courier New" pitchFamily="49" charset="0"/>
-              </a:rPr>
-              <a:t>"&gt;</a:t>
+              <a:t> type="xs:string"&gt;</a:t>
             </a:r>
           </a:p>
           <a:p>
@@ -28732,18 +28838,11 @@
               <a:buNone/>
             </a:pPr>
             <a:r>
-              <a:rPr lang="en-US" sz="1200" dirty="0" smtClean="0">
+              <a:rPr lang="en-US" sz="1200" b="1" dirty="0" smtClean="0">
                 <a:latin typeface="Courier New" pitchFamily="49" charset="0"/>
                 <a:cs typeface="Courier New" pitchFamily="49" charset="0"/>
               </a:rPr>
-              <a:t>	</a:t>
-            </a:r>
-            <a:r>
-              <a:rPr lang="en-US" sz="1200" dirty="0" smtClean="0">
-                <a:latin typeface="Courier New" pitchFamily="49" charset="0"/>
-                <a:cs typeface="Courier New" pitchFamily="49" charset="0"/>
-              </a:rPr>
-              <a:t>			Java Package</a:t>
+              <a:t>				Java Package</a:t>
             </a:r>
           </a:p>
           <a:p>
@@ -28754,21 +28853,14 @@
               <a:buNone/>
             </a:pPr>
             <a:r>
-              <a:rPr lang="en-US" sz="1200" dirty="0" smtClean="0">
+              <a:rPr lang="en-US" sz="1200" b="1" dirty="0" smtClean="0">
                 <a:latin typeface="Courier New" pitchFamily="49" charset="0"/>
                 <a:cs typeface="Courier New" pitchFamily="49" charset="0"/>
               </a:rPr>
-              <a:t>	</a:t>
-            </a:r>
-            <a:r>
-              <a:rPr lang="en-US" sz="1200" dirty="0" smtClean="0">
-                <a:latin typeface="Courier New" pitchFamily="49" charset="0"/>
-                <a:cs typeface="Courier New" pitchFamily="49" charset="0"/>
-              </a:rPr>
-              <a:t>		&lt;/</a:t>
-            </a:r>
-            <a:r>
-              <a:rPr lang="en-US" sz="1200" dirty="0" smtClean="0">
+              <a:t>			&lt;/</a:t>
+            </a:r>
+            <a:r>
+              <a:rPr lang="en-US" sz="1200" b="1" dirty="0" smtClean="0">
                 <a:solidFill>
                   <a:srgbClr val="0070C0"/>
                 </a:solidFill>
@@ -28778,13 +28870,13 @@
               <a:t>artifact-type</a:t>
             </a:r>
             <a:r>
-              <a:rPr lang="en-US" sz="1200" dirty="0" smtClean="0">
+              <a:rPr lang="en-US" sz="1200" b="1" dirty="0" smtClean="0">
                 <a:latin typeface="Courier New" pitchFamily="49" charset="0"/>
                 <a:cs typeface="Courier New" pitchFamily="49" charset="0"/>
               </a:rPr>
               <a:t>&gt;</a:t>
             </a:r>
-            <a:endParaRPr lang="pt-BR" sz="1200" dirty="0" smtClean="0">
+            <a:endParaRPr lang="pt-BR" sz="1200" b="1" dirty="0" smtClean="0">
               <a:latin typeface="Courier New" pitchFamily="49" charset="0"/>
               <a:cs typeface="Courier New" pitchFamily="49" charset="0"/>
             </a:endParaRPr>
@@ -28797,21 +28889,21 @@
               <a:buNone/>
             </a:pPr>
             <a:r>
-              <a:rPr lang="en-US" sz="1200" dirty="0" smtClean="0">
+              <a:rPr lang="en-US" sz="1200" b="1" dirty="0" smtClean="0">
                 <a:latin typeface="Courier New" pitchFamily="49" charset="0"/>
                 <a:cs typeface="Courier New" pitchFamily="49" charset="0"/>
               </a:rPr>
               <a:t>		</a:t>
             </a:r>
             <a:r>
-              <a:rPr lang="pt-BR" sz="1200" dirty="0" smtClean="0">
+              <a:rPr lang="pt-BR" sz="1200" b="1" dirty="0" smtClean="0">
                 <a:latin typeface="Courier New" pitchFamily="49" charset="0"/>
                 <a:cs typeface="Courier New" pitchFamily="49" charset="0"/>
               </a:rPr>
               <a:t>&lt;/</a:t>
             </a:r>
             <a:r>
-              <a:rPr lang="pt-BR" sz="1200" dirty="0" err="1" smtClean="0">
+              <a:rPr lang="pt-BR" sz="1200" b="1" dirty="0" err="1" smtClean="0">
                 <a:solidFill>
                   <a:srgbClr val="0070C0"/>
                 </a:solidFill>
@@ -28821,7 +28913,7 @@
               <a:t>artifact</a:t>
             </a:r>
             <a:r>
-              <a:rPr lang="pt-BR" sz="1200" dirty="0" smtClean="0">
+              <a:rPr lang="pt-BR" sz="1200" b="1" dirty="0" smtClean="0">
                 <a:latin typeface="Courier New" pitchFamily="49" charset="0"/>
                 <a:cs typeface="Courier New" pitchFamily="49" charset="0"/>
               </a:rPr>
@@ -28836,14 +28928,14 @@
               <a:buNone/>
             </a:pPr>
             <a:r>
-              <a:rPr lang="pt-BR" sz="1200" dirty="0" smtClean="0">
+              <a:rPr lang="pt-BR" sz="1200" b="1" dirty="0" smtClean="0">
                 <a:latin typeface="Courier New" pitchFamily="49" charset="0"/>
                 <a:cs typeface="Courier New" pitchFamily="49" charset="0"/>
               </a:rPr>
               <a:t>	&lt;/</a:t>
             </a:r>
             <a:r>
-              <a:rPr lang="pt-BR" sz="1200" dirty="0" smtClean="0">
+              <a:rPr lang="pt-BR" sz="1200" b="1" dirty="0" smtClean="0">
                 <a:solidFill>
                   <a:srgbClr val="0070C0"/>
                 </a:solidFill>
@@ -28853,7 +28945,7 @@
               <a:t>solution</a:t>
             </a:r>
             <a:r>
-              <a:rPr lang="pt-BR" sz="1200" dirty="0" smtClean="0">
+              <a:rPr lang="pt-BR" sz="1200" b="1" dirty="0" smtClean="0">
                 <a:latin typeface="Courier New" pitchFamily="49" charset="0"/>
                 <a:cs typeface="Courier New" pitchFamily="49" charset="0"/>
               </a:rPr>
@@ -28868,14 +28960,14 @@
               <a:buNone/>
             </a:pPr>
             <a:r>
-              <a:rPr lang="pt-BR" sz="1200" dirty="0" smtClean="0">
+              <a:rPr lang="pt-BR" sz="1200" b="1" dirty="0" smtClean="0">
                 <a:latin typeface="Courier New" pitchFamily="49" charset="0"/>
                 <a:cs typeface="Courier New" pitchFamily="49" charset="0"/>
               </a:rPr>
               <a:t>&lt;/</a:t>
             </a:r>
             <a:r>
-              <a:rPr lang="pt-BR" sz="1200" dirty="0" err="1" smtClean="0">
+              <a:rPr lang="pt-BR" sz="1200" b="1" dirty="0" err="1" smtClean="0">
                 <a:solidFill>
                   <a:srgbClr val="0070C0"/>
                 </a:solidFill>
@@ -28885,16 +28977,12 @@
               <a:t>asset</a:t>
             </a:r>
             <a:r>
-              <a:rPr lang="pt-BR" sz="1200" dirty="0" smtClean="0">
+              <a:rPr lang="pt-BR" sz="1200" b="1" dirty="0" smtClean="0">
                 <a:latin typeface="Courier New" pitchFamily="49" charset="0"/>
                 <a:cs typeface="Courier New" pitchFamily="49" charset="0"/>
               </a:rPr>
               <a:t>&gt;</a:t>
             </a:r>
-            <a:endParaRPr lang="pt-BR" sz="1200" dirty="0" smtClean="0">
-              <a:latin typeface="Courier New" pitchFamily="49" charset="0"/>
-              <a:cs typeface="Courier New" pitchFamily="49" charset="0"/>
-            </a:endParaRPr>
           </a:p>
         </p:txBody>
       </p:sp>
@@ -28973,6 +29061,13 @@
   <p:clrMapOvr>
     <a:masterClrMapping/>
   </p:clrMapOvr>
+  <p:timing>
+    <p:tnLst>
+      <p:par>
+        <p:cTn id="1" dur="indefinite" restart="never" nodeType="tmRoot"/>
+      </p:par>
+    </p:tnLst>
+  </p:timing>
 </p:sld>
 </file>
 
@@ -29010,11 +29105,7 @@
           <a:p>
             <a:r>
               <a:rPr lang="pt-BR" dirty="0" smtClean="0"/>
-              <a:t>Passo a Passo: </a:t>
-            </a:r>
-            <a:r>
-              <a:rPr lang="pt-BR" dirty="0" smtClean="0"/>
-              <a:t>Inserção</a:t>
+              <a:t>Passo a Passo: Inserção</a:t>
             </a:r>
             <a:endParaRPr lang="pt-BR" dirty="0"/>
           </a:p>
@@ -29199,25 +29290,39 @@
           <a:p>
             <a:r>
               <a:rPr lang="pt-BR" dirty="0" smtClean="0"/>
-              <a:t>Reuso e Conceitos</a:t>
+              <a:t>Objetivo</a:t>
             </a:r>
           </a:p>
           <a:p>
             <a:r>
               <a:rPr lang="pt-BR" dirty="0" smtClean="0"/>
-              <a:t>Objetivo</a:t>
-            </a:r>
-          </a:p>
-          <a:p>
+              <a:t>Reuso </a:t>
+            </a:r>
             <a:r>
               <a:rPr lang="pt-BR" dirty="0" smtClean="0"/>
-              <a:t>Repositório de Reuso</a:t>
-            </a:r>
-          </a:p>
-          <a:p>
+              <a:t>e Conceitos</a:t>
+            </a:r>
+          </a:p>
+          <a:p>
+            <a:pPr lvl="1"/>
             <a:r>
               <a:rPr lang="pt-BR" dirty="0" smtClean="0"/>
-              <a:t>Artefato RAS</a:t>
+              <a:t>Repositório </a:t>
+            </a:r>
+            <a:r>
+              <a:rPr lang="pt-BR" dirty="0" smtClean="0"/>
+              <a:t>de Reuso</a:t>
+            </a:r>
+          </a:p>
+          <a:p>
+            <a:pPr lvl="1"/>
+            <a:r>
+              <a:rPr lang="pt-BR" dirty="0" smtClean="0"/>
+              <a:t>Artefato </a:t>
+            </a:r>
+            <a:r>
+              <a:rPr lang="pt-BR" dirty="0" smtClean="0"/>
+              <a:t>RAS</a:t>
             </a:r>
           </a:p>
           <a:p>
@@ -29229,8 +29334,9 @@
           <a:p>
             <a:r>
               <a:rPr lang="pt-BR" dirty="0" smtClean="0"/>
-              <a:t>Exemplo</a:t>
-            </a:r>
+              <a:t>Passo a Passo</a:t>
+            </a:r>
+            <a:endParaRPr lang="pt-BR" dirty="0" smtClean="0"/>
           </a:p>
           <a:p>
             <a:r>
@@ -29239,6 +29345,10 @@
             </a:r>
           </a:p>
           <a:p>
+            <a:r>
+              <a:rPr lang="pt-BR" dirty="0" smtClean="0"/>
+              <a:t>Trabalhos Futuros</a:t>
+            </a:r>
             <a:endParaRPr lang="pt-BR" dirty="0"/>
           </a:p>
         </p:txBody>
@@ -29362,7 +29472,11 @@
           <a:p>
             <a:r>
               <a:rPr lang="pt-BR" dirty="0" smtClean="0"/>
-              <a:t>RASPUTIN: Inserção</a:t>
+              <a:t>Passo a Passo: </a:t>
+            </a:r>
+            <a:r>
+              <a:rPr lang="pt-BR" dirty="0" smtClean="0"/>
+              <a:t>Inserção</a:t>
             </a:r>
             <a:endParaRPr lang="pt-BR" dirty="0"/>
           </a:p>
@@ -29596,7 +29710,19 @@
           <a:p>
             <a:r>
               <a:rPr lang="pt-BR" dirty="0" smtClean="0"/>
-              <a:t>RASPUTIN: Busca por Caminho Lógico</a:t>
+              <a:t>Passo a Passo: </a:t>
+            </a:r>
+            <a:r>
+              <a:rPr lang="pt-BR" dirty="0" smtClean="0"/>
+              <a:t>Busca </a:t>
+            </a:r>
+            <a:r>
+              <a:rPr lang="pt-BR" dirty="0" smtClean="0"/>
+              <a:t>por Caminho </a:t>
+            </a:r>
+            <a:r>
+              <a:rPr lang="pt-BR" dirty="0" smtClean="0"/>
+              <a:t>Lógico</a:t>
             </a:r>
             <a:endParaRPr lang="pt-BR" dirty="0"/>
           </a:p>
@@ -29744,7 +29870,11 @@
           <a:p>
             <a:r>
               <a:rPr lang="pt-BR" dirty="0" smtClean="0"/>
-              <a:t>RASPUTIN: Busca por Palavra-Chave</a:t>
+              <a:t>Passo a Passo: Busca </a:t>
+            </a:r>
+            <a:r>
+              <a:rPr lang="pt-BR" dirty="0" smtClean="0"/>
+              <a:t>por Palavra-Chave</a:t>
             </a:r>
             <a:endParaRPr lang="pt-BR" dirty="0"/>
           </a:p>
@@ -30131,7 +30261,17 @@
           <a:p>
             <a:r>
               <a:rPr lang="pt-BR" dirty="0" smtClean="0"/>
-              <a:t>Qualidade da Pesquisa</a:t>
+              <a:t>Qualidade dos Componentes</a:t>
+            </a:r>
+          </a:p>
+          <a:p>
+            <a:r>
+              <a:rPr lang="pt-BR" dirty="0" smtClean="0"/>
+              <a:t>Qualidade </a:t>
+            </a:r>
+            <a:r>
+              <a:rPr lang="pt-BR" dirty="0" smtClean="0"/>
+              <a:t>da Pesquisa</a:t>
             </a:r>
           </a:p>
           <a:p>
@@ -30292,6 +30432,13 @@
   <p:clrMapOvr>
     <a:masterClrMapping/>
   </p:clrMapOvr>
+  <p:timing>
+    <p:tnLst>
+      <p:par>
+        <p:cTn id="1" dur="indefinite" restart="never" nodeType="tmRoot"/>
+      </p:par>
+    </p:tnLst>
+  </p:timing>
 </p:sld>
 </file>
 
@@ -30557,6 +30704,13 @@
   <p:clrMapOvr>
     <a:masterClrMapping/>
   </p:clrMapOvr>
+  <p:timing>
+    <p:tnLst>
+      <p:par>
+        <p:cTn id="1" dur="indefinite" restart="never" nodeType="tmRoot"/>
+      </p:par>
+    </p:tnLst>
+  </p:timing>
 </p:sld>
 </file>
 
@@ -31293,6 +31447,24 @@
             </a:r>
             <a:r>
               <a:rPr lang="pt-BR" dirty="0" err="1" smtClean="0"/>
+              <a:t>Lim</a:t>
+            </a:r>
+            <a:endParaRPr lang="pt-BR" dirty="0" smtClean="0"/>
+          </a:p>
+          <a:p>
+            <a:pPr lvl="1"/>
+            <a:r>
+              <a:rPr lang="pt-BR" dirty="0" smtClean="0"/>
+              <a:t>Reuso sistemático de artefatos com um plano estruturado contendo processos e ciclos de vida bem definidos e garantias de financiamento, pessoal e incentivo  para produção e uso de artefatos reusáveis</a:t>
+            </a:r>
+          </a:p>
+          <a:p>
+            <a:r>
+              <a:rPr lang="pt-BR" dirty="0" smtClean="0"/>
+              <a:t>Segundo </a:t>
+            </a:r>
+            <a:r>
+              <a:rPr lang="pt-BR" dirty="0" err="1" smtClean="0"/>
               <a:t>Ezran</a:t>
             </a:r>
             <a:endParaRPr lang="pt-BR" dirty="0" smtClean="0"/>
@@ -31307,25 +31479,11 @@
           <a:p>
             <a:r>
               <a:rPr lang="pt-BR" dirty="0" smtClean="0"/>
-              <a:t>Segundo </a:t>
-            </a:r>
-            <a:r>
-              <a:rPr lang="pt-BR" dirty="0" err="1" smtClean="0"/>
-              <a:t>Lim</a:t>
-            </a:r>
-            <a:endParaRPr lang="pt-BR" dirty="0" smtClean="0"/>
-          </a:p>
-          <a:p>
-            <a:pPr lvl="1"/>
+              <a:t>Tem </a:t>
+            </a:r>
             <a:r>
               <a:rPr lang="pt-BR" dirty="0" smtClean="0"/>
-              <a:t>Reuso sistemático de artefatos com um plano estruturado contendo processos e ciclos de vida bem definidos e garantias de financiamento, pessoal e incentivo  para produção e uso de artefatos reusáveis</a:t>
-            </a:r>
-          </a:p>
-          <a:p>
-            <a:r>
-              <a:rPr lang="pt-BR" dirty="0" smtClean="0"/>
-              <a:t>Tem sido estudada por décadas</a:t>
+              <a:t>sido estudada por décadas</a:t>
             </a:r>
           </a:p>
           <a:p>
@@ -32527,7 +32685,11 @@
           <a:p>
             <a:r>
               <a:rPr lang="pt-BR" dirty="0" smtClean="0"/>
-              <a:t>De onde vém os componentes?</a:t>
+              <a:t>Mas como eles são construídos</a:t>
+            </a:r>
+            <a:r>
+              <a:rPr lang="pt-BR" dirty="0" smtClean="0"/>
+              <a:t>?</a:t>
             </a:r>
             <a:endParaRPr lang="pt-BR" dirty="0"/>
           </a:p>
